--- a/docs/figures.pptx
+++ b/docs/figures.pptx
@@ -211,7 +211,7 @@
             <a:fld id="{A7959C71-B73A-49FF-9308-B24F710812B5}" type="datetimeFigureOut">
               <a:rPr lang="en-US" smtClean="0"/>
               <a:pPr/>
-              <a:t>7/12/22</a:t>
+              <a:t>7/13/22</a:t>
             </a:fld>
             <a:endParaRPr lang="en-US" dirty="0"/>
           </a:p>
@@ -363,7 +363,7 @@
             <a:fld id="{5468FC2B-D455-4AC4-9C5E-9317124768F4}" type="datetimeFigureOut">
               <a:rPr lang="en-US" smtClean="0"/>
               <a:pPr/>
-              <a:t>7/12/22</a:t>
+              <a:t>7/13/22</a:t>
             </a:fld>
             <a:endParaRPr lang="en-US" dirty="0"/>
           </a:p>
@@ -16845,7 +16845,7 @@
           <a:noFill/>
           <a:extLst>
             <a:ext uri="{909E8E84-426E-40dd-AFC4-6F175D3DCCD1}">
-              <a14:hiddenFill xmlns="" xmlns:a14="http://schemas.microsoft.com/office/drawing/2010/main">
+              <a14:hiddenFill xmlns:a14="http://schemas.microsoft.com/office/drawing/2010/main" xmlns="">
                 <a:solidFill>
                   <a:srgbClr val="FFFFFF"/>
                 </a:solidFill>
@@ -16882,12 +16882,12 @@
           <a:effectLst/>
           <a:extLst>
             <a:ext uri="{909E8E84-426E-40dd-AFC4-6F175D3DCCD1}">
-              <a14:hiddenFill xmlns="" xmlns:a14="http://schemas.microsoft.com/office/drawing/2010/main">
+              <a14:hiddenFill xmlns:a14="http://schemas.microsoft.com/office/drawing/2010/main" xmlns="">
                 <a:noFill/>
               </a14:hiddenFill>
             </a:ext>
             <a:ext uri="{AF507438-7753-43e0-B8FC-AC1667EBCBE1}">
-              <a14:hiddenEffects xmlns="" xmlns:a14="http://schemas.microsoft.com/office/drawing/2010/main">
+              <a14:hiddenEffects xmlns:a14="http://schemas.microsoft.com/office/drawing/2010/main" xmlns="">
                 <a:effectLst>
                   <a:outerShdw blurRad="63500" dist="38099" dir="2700000" algn="ctr" rotWithShape="0">
                     <a:schemeClr val="bg2">
@@ -16935,12 +16935,12 @@
           <a:effectLst/>
           <a:extLst>
             <a:ext uri="{909E8E84-426E-40dd-AFC4-6F175D3DCCD1}">
-              <a14:hiddenFill xmlns="" xmlns:a14="http://schemas.microsoft.com/office/drawing/2010/main">
+              <a14:hiddenFill xmlns:a14="http://schemas.microsoft.com/office/drawing/2010/main" xmlns="">
                 <a:noFill/>
               </a14:hiddenFill>
             </a:ext>
             <a:ext uri="{AF507438-7753-43e0-B8FC-AC1667EBCBE1}">
-              <a14:hiddenEffects xmlns="" xmlns:a14="http://schemas.microsoft.com/office/drawing/2010/main">
+              <a14:hiddenEffects xmlns:a14="http://schemas.microsoft.com/office/drawing/2010/main" xmlns="">
                 <a:effectLst>
                   <a:outerShdw blurRad="63500" dist="38099" dir="2700000" algn="ctr" rotWithShape="0">
                     <a:schemeClr val="bg2">
@@ -16995,14 +16995,14 @@
           </a:ln>
           <a:extLst>
             <a:ext uri="{909E8E84-426E-40dd-AFC4-6F175D3DCCD1}">
-              <a14:hiddenFill xmlns="" xmlns:a14="http://schemas.microsoft.com/office/drawing/2010/main">
+              <a14:hiddenFill xmlns:a14="http://schemas.microsoft.com/office/drawing/2010/main" xmlns="">
                 <a:solidFill>
                   <a:srgbClr val="FFFFFF"/>
                 </a:solidFill>
               </a14:hiddenFill>
             </a:ext>
             <a:ext uri="{91240B29-F687-4f45-9708-019B960494DF}">
-              <a14:hiddenLine xmlns="" xmlns:a14="http://schemas.microsoft.com/office/drawing/2010/main" w="9525">
+              <a14:hiddenLine xmlns:a14="http://schemas.microsoft.com/office/drawing/2010/main" xmlns="" w="9525">
                 <a:solidFill>
                   <a:srgbClr val="000000"/>
                 </a:solidFill>
@@ -17042,12 +17042,12 @@
           <a:effectLst/>
           <a:extLst>
             <a:ext uri="{909E8E84-426E-40dd-AFC4-6F175D3DCCD1}">
-              <a14:hiddenFill xmlns="" xmlns:a14="http://schemas.microsoft.com/office/drawing/2010/main">
+              <a14:hiddenFill xmlns:a14="http://schemas.microsoft.com/office/drawing/2010/main" xmlns="">
                 <a:noFill/>
               </a14:hiddenFill>
             </a:ext>
             <a:ext uri="{AF507438-7753-43e0-B8FC-AC1667EBCBE1}">
-              <a14:hiddenEffects xmlns="" xmlns:a14="http://schemas.microsoft.com/office/drawing/2010/main">
+              <a14:hiddenEffects xmlns:a14="http://schemas.microsoft.com/office/drawing/2010/main" xmlns="">
                 <a:effectLst>
                   <a:outerShdw blurRad="63500" dist="38099" dir="2700000" algn="ctr" rotWithShape="0">
                     <a:schemeClr val="bg2">
@@ -17095,12 +17095,12 @@
           <a:effectLst/>
           <a:extLst>
             <a:ext uri="{909E8E84-426E-40dd-AFC4-6F175D3DCCD1}">
-              <a14:hiddenFill xmlns="" xmlns:a14="http://schemas.microsoft.com/office/drawing/2010/main">
+              <a14:hiddenFill xmlns:a14="http://schemas.microsoft.com/office/drawing/2010/main" xmlns="">
                 <a:noFill/>
               </a14:hiddenFill>
             </a:ext>
             <a:ext uri="{AF507438-7753-43e0-B8FC-AC1667EBCBE1}">
-              <a14:hiddenEffects xmlns="" xmlns:a14="http://schemas.microsoft.com/office/drawing/2010/main">
+              <a14:hiddenEffects xmlns:a14="http://schemas.microsoft.com/office/drawing/2010/main" xmlns="">
                 <a:effectLst>
                   <a:outerShdw blurRad="63500" dist="38099" dir="2700000" algn="ctr" rotWithShape="0">
                     <a:schemeClr val="bg2">
@@ -17641,7 +17641,7 @@
           <a:noFill/>
           <a:extLst>
             <a:ext uri="{909E8E84-426E-40dd-AFC4-6F175D3DCCD1}">
-              <a14:hiddenFill xmlns="" xmlns:a14="http://schemas.microsoft.com/office/drawing/2010/main">
+              <a14:hiddenFill xmlns:a14="http://schemas.microsoft.com/office/drawing/2010/main" xmlns="">
                 <a:solidFill>
                   <a:srgbClr val="FFFFFF"/>
                 </a:solidFill>
@@ -17685,14 +17685,14 @@
           </a:ln>
           <a:extLst>
             <a:ext uri="{909E8E84-426E-40dd-AFC4-6F175D3DCCD1}">
-              <a14:hiddenFill xmlns="" xmlns:a14="http://schemas.microsoft.com/office/drawing/2010/main">
+              <a14:hiddenFill xmlns:a14="http://schemas.microsoft.com/office/drawing/2010/main" xmlns="">
                 <a:solidFill>
                   <a:srgbClr val="FFFFFF"/>
                 </a:solidFill>
               </a14:hiddenFill>
             </a:ext>
             <a:ext uri="{91240B29-F687-4f45-9708-019B960494DF}">
-              <a14:hiddenLine xmlns="" xmlns:a14="http://schemas.microsoft.com/office/drawing/2010/main" w="9525">
+              <a14:hiddenLine xmlns:a14="http://schemas.microsoft.com/office/drawing/2010/main" xmlns="" w="9525">
                 <a:solidFill>
                   <a:srgbClr val="000000"/>
                 </a:solidFill>
@@ -17732,12 +17732,12 @@
           <a:effectLst/>
           <a:extLst>
             <a:ext uri="{909E8E84-426E-40dd-AFC4-6F175D3DCCD1}">
-              <a14:hiddenFill xmlns="" xmlns:a14="http://schemas.microsoft.com/office/drawing/2010/main">
+              <a14:hiddenFill xmlns:a14="http://schemas.microsoft.com/office/drawing/2010/main" xmlns="">
                 <a:noFill/>
               </a14:hiddenFill>
             </a:ext>
             <a:ext uri="{AF507438-7753-43e0-B8FC-AC1667EBCBE1}">
-              <a14:hiddenEffects xmlns="" xmlns:a14="http://schemas.microsoft.com/office/drawing/2010/main">
+              <a14:hiddenEffects xmlns:a14="http://schemas.microsoft.com/office/drawing/2010/main" xmlns="">
                 <a:effectLst>
                   <a:outerShdw blurRad="63500" dist="38099" dir="2700000" algn="ctr" rotWithShape="0">
                     <a:schemeClr val="bg2">
@@ -17787,12 +17787,12 @@
           <a:effectLst/>
           <a:extLst>
             <a:ext uri="{909E8E84-426E-40dd-AFC4-6F175D3DCCD1}">
-              <a14:hiddenFill xmlns="" xmlns:a14="http://schemas.microsoft.com/office/drawing/2010/main">
+              <a14:hiddenFill xmlns:a14="http://schemas.microsoft.com/office/drawing/2010/main" xmlns="">
                 <a:noFill/>
               </a14:hiddenFill>
             </a:ext>
             <a:ext uri="{AF507438-7753-43e0-B8FC-AC1667EBCBE1}">
-              <a14:hiddenEffects xmlns="" xmlns:a14="http://schemas.microsoft.com/office/drawing/2010/main">
+              <a14:hiddenEffects xmlns:a14="http://schemas.microsoft.com/office/drawing/2010/main" xmlns="">
                 <a:effectLst>
                   <a:outerShdw blurRad="63500" dist="38099" dir="2700000" algn="ctr" rotWithShape="0">
                     <a:schemeClr val="bg2">
@@ -17842,12 +17842,12 @@
           <a:effectLst/>
           <a:extLst>
             <a:ext uri="{909E8E84-426E-40dd-AFC4-6F175D3DCCD1}">
-              <a14:hiddenFill xmlns="" xmlns:a14="http://schemas.microsoft.com/office/drawing/2010/main">
+              <a14:hiddenFill xmlns:a14="http://schemas.microsoft.com/office/drawing/2010/main" xmlns="">
                 <a:noFill/>
               </a14:hiddenFill>
             </a:ext>
             <a:ext uri="{AF507438-7753-43e0-B8FC-AC1667EBCBE1}">
-              <a14:hiddenEffects xmlns="" xmlns:a14="http://schemas.microsoft.com/office/drawing/2010/main">
+              <a14:hiddenEffects xmlns:a14="http://schemas.microsoft.com/office/drawing/2010/main" xmlns="">
                 <a:effectLst>
                   <a:outerShdw blurRad="63500" dist="38099" dir="2700000" algn="ctr" rotWithShape="0">
                     <a:schemeClr val="bg2">
@@ -17897,12 +17897,12 @@
           <a:effectLst/>
           <a:extLst>
             <a:ext uri="{909E8E84-426E-40dd-AFC4-6F175D3DCCD1}">
-              <a14:hiddenFill xmlns="" xmlns:a14="http://schemas.microsoft.com/office/drawing/2010/main">
+              <a14:hiddenFill xmlns:a14="http://schemas.microsoft.com/office/drawing/2010/main" xmlns="">
                 <a:noFill/>
               </a14:hiddenFill>
             </a:ext>
             <a:ext uri="{AF507438-7753-43e0-B8FC-AC1667EBCBE1}">
-              <a14:hiddenEffects xmlns="" xmlns:a14="http://schemas.microsoft.com/office/drawing/2010/main">
+              <a14:hiddenEffects xmlns:a14="http://schemas.microsoft.com/office/drawing/2010/main" xmlns="">
                 <a:effectLst>
                   <a:outerShdw blurRad="63500" dist="38099" dir="2700000" algn="ctr" rotWithShape="0">
                     <a:schemeClr val="bg2">
@@ -19870,7 +19870,7 @@
         </p:nvGrpSpPr>
         <p:grpSpPr>
           <a:xfrm>
-            <a:off x="6574322" y="4070300"/>
+            <a:off x="6971870" y="4070300"/>
             <a:ext cx="1955452" cy="1048621"/>
             <a:chOff x="9436947" y="3800276"/>
             <a:chExt cx="2406710" cy="1290610"/>
@@ -20108,7 +20108,7 @@
         <p:spPr>
           <a:xfrm flipH="1" flipV="1">
             <a:off x="7363166" y="3543662"/>
-            <a:ext cx="188882" cy="526638"/>
+            <a:ext cx="586430" cy="526638"/>
           </a:xfrm>
           <a:prstGeom prst="straightConnector1">
             <a:avLst/>
@@ -20150,7 +20150,7 @@
         </p:nvSpPr>
         <p:spPr>
           <a:xfrm>
-            <a:off x="4566448" y="4466331"/>
+            <a:off x="4566448" y="4759039"/>
             <a:ext cx="1741604" cy="574961"/>
           </a:xfrm>
           <a:prstGeom prst="roundRect">
@@ -20211,7 +20211,7 @@
         <p:spPr>
           <a:xfrm flipV="1">
             <a:off x="6308052" y="4747446"/>
-            <a:ext cx="281379" cy="6366"/>
+            <a:ext cx="678926" cy="299074"/>
           </a:xfrm>
           <a:prstGeom prst="straightConnector1">
             <a:avLst/>
@@ -20249,14 +20249,13 @@
           </p:cNvPr>
           <p:cNvCxnSpPr>
             <a:cxnSpLocks/>
-            <a:stCxn id="22" idx="3"/>
             <a:endCxn id="31" idx="1"/>
           </p:cNvCxnSpPr>
           <p:nvPr/>
         </p:nvCxnSpPr>
         <p:spPr>
           <a:xfrm>
-            <a:off x="4114430" y="4752999"/>
+            <a:off x="4114430" y="5045707"/>
             <a:ext cx="452018" cy="813"/>
           </a:xfrm>
           <a:prstGeom prst="straightConnector1">
@@ -20399,7 +20398,7 @@
         <p:spPr>
           <a:xfrm flipH="1" flipV="1">
             <a:off x="6026049" y="3598016"/>
-            <a:ext cx="609093" cy="521487"/>
+            <a:ext cx="991171" cy="543052"/>
           </a:xfrm>
           <a:prstGeom prst="straightConnector1">
             <a:avLst/>
@@ -20708,7 +20707,7 @@
         </p:nvSpPr>
         <p:spPr>
           <a:xfrm>
-            <a:off x="6287659" y="5554762"/>
+            <a:off x="6477000" y="5554762"/>
             <a:ext cx="1156378" cy="400959"/>
           </a:xfrm>
           <a:prstGeom prst="roundRect">
@@ -20761,7 +20760,7 @@
         </p:nvCxnSpPr>
         <p:spPr>
           <a:xfrm>
-            <a:off x="7274379" y="5178093"/>
+            <a:off x="7391400" y="5178093"/>
             <a:ext cx="0" cy="344740"/>
           </a:xfrm>
           <a:prstGeom prst="straightConnector1">
@@ -20806,7 +20805,7 @@
         </p:nvCxnSpPr>
         <p:spPr>
           <a:xfrm flipV="1">
-            <a:off x="7061565" y="5126339"/>
+            <a:off x="7239000" y="5126339"/>
             <a:ext cx="0" cy="411437"/>
           </a:xfrm>
           <a:prstGeom prst="straightConnector1">
@@ -20901,7 +20900,7 @@
         </p:nvCxnSpPr>
         <p:spPr>
           <a:xfrm flipV="1">
-            <a:off x="7957823" y="5118921"/>
+            <a:off x="8305800" y="5118921"/>
             <a:ext cx="0" cy="426276"/>
           </a:xfrm>
           <a:prstGeom prst="straightConnector1">
@@ -20945,7 +20944,7 @@
         </p:nvCxnSpPr>
         <p:spPr>
           <a:xfrm>
-            <a:off x="8157966" y="5139235"/>
+            <a:off x="8458200" y="5139235"/>
             <a:ext cx="0" cy="426276"/>
           </a:xfrm>
           <a:prstGeom prst="straightConnector1">
@@ -21038,7 +21037,7 @@
         </p:blipFill>
         <p:spPr>
           <a:xfrm>
-            <a:off x="5712817" y="4506584"/>
+            <a:off x="5712817" y="4809777"/>
             <a:ext cx="524223" cy="524223"/>
           </a:xfrm>
           <a:prstGeom prst="rect">
@@ -21207,13 +21206,12 @@
           </p:cNvPr>
           <p:cNvCxnSpPr>
             <a:cxnSpLocks/>
-            <a:endCxn id="7" idx="1"/>
           </p:cNvCxnSpPr>
           <p:nvPr/>
         </p:nvCxnSpPr>
         <p:spPr>
           <a:xfrm flipV="1">
-            <a:off x="1908118" y="4889246"/>
+            <a:off x="1908118" y="4786085"/>
             <a:ext cx="914994" cy="14515"/>
           </a:xfrm>
           <a:prstGeom prst="straightConnector1">
@@ -21525,7 +21523,7 @@
         </p:blipFill>
         <p:spPr>
           <a:xfrm>
-            <a:off x="7082487" y="5582462"/>
+            <a:off x="7292424" y="5582462"/>
             <a:ext cx="327576" cy="327576"/>
           </a:xfrm>
           <a:prstGeom prst="rect">
@@ -21533,51 +21531,6 @@
           </a:prstGeom>
         </p:spPr>
       </p:pic>
-      <p:cxnSp>
-        <p:nvCxnSpPr>
-          <p:cNvPr id="61" name="Connettore 2 60">
-            <a:extLst>
-              <a:ext uri="{FF2B5EF4-FFF2-40B4-BE49-F238E27FC236}">
-                <a16:creationId xmlns:a16="http://schemas.microsoft.com/office/drawing/2014/main" id="{FC218E1A-3DC8-755E-58B0-6F64C2E0E7AA}"/>
-              </a:ext>
-            </a:extLst>
-          </p:cNvPr>
-          <p:cNvCxnSpPr>
-            <a:cxnSpLocks/>
-          </p:cNvCxnSpPr>
-          <p:nvPr/>
-        </p:nvCxnSpPr>
-        <p:spPr>
-          <a:xfrm flipH="1">
-            <a:off x="1890838" y="4683524"/>
-            <a:ext cx="932274" cy="0"/>
-          </a:xfrm>
-          <a:prstGeom prst="straightConnector1">
-            <a:avLst/>
-          </a:prstGeom>
-          <a:ln w="38100">
-            <a:solidFill>
-              <a:schemeClr val="accent4"/>
-            </a:solidFill>
-            <a:prstDash val="dash"/>
-            <a:tailEnd type="triangle"/>
-          </a:ln>
-        </p:spPr>
-        <p:style>
-          <a:lnRef idx="1">
-            <a:schemeClr val="accent1"/>
-          </a:lnRef>
-          <a:fillRef idx="0">
-            <a:schemeClr val="accent1"/>
-          </a:fillRef>
-          <a:effectRef idx="0">
-            <a:schemeClr val="accent1"/>
-          </a:effectRef>
-          <a:fontRef idx="minor">
-            <a:schemeClr val="tx1"/>
-          </a:fontRef>
-        </p:style>
-      </p:cxnSp>
       <p:sp>
         <p:nvSpPr>
           <p:cNvPr id="64" name="Rettangolo con angoli arrotondati 63">
@@ -21599,7 +21552,7 @@
             <a:avLst/>
           </a:prstGeom>
           <a:solidFill>
-            <a:schemeClr val="accent6"/>
+            <a:schemeClr val="accent2"/>
           </a:solidFill>
           <a:ln>
             <a:solidFill>
@@ -21700,14 +21653,15 @@
           </p:cNvPr>
           <p:cNvCxnSpPr>
             <a:cxnSpLocks/>
+            <a:stCxn id="25" idx="0"/>
             <a:endCxn id="73" idx="2"/>
           </p:cNvCxnSpPr>
           <p:nvPr/>
         </p:nvCxnSpPr>
         <p:spPr>
           <a:xfrm flipV="1">
-            <a:off x="8441328" y="3537528"/>
-            <a:ext cx="568727" cy="556457"/>
+            <a:off x="7949596" y="3537528"/>
+            <a:ext cx="1060459" cy="532772"/>
           </a:xfrm>
           <a:prstGeom prst="straightConnector1">
             <a:avLst/>
@@ -22571,6 +22525,189 @@
           </a:p>
         </p:txBody>
       </p:sp>
+      <p:sp>
+        <p:nvSpPr>
+          <p:cNvPr id="6" name="Rettangolo con angoli arrotondati 5">
+            <a:extLst>
+              <a:ext uri="{FF2B5EF4-FFF2-40B4-BE49-F238E27FC236}">
+                <a16:creationId xmlns:a16="http://schemas.microsoft.com/office/drawing/2014/main" id="{88A8EF2F-55E4-9953-F732-C3BA4F9FCF75}"/>
+              </a:ext>
+            </a:extLst>
+          </p:cNvPr>
+          <p:cNvSpPr/>
+          <p:nvPr/>
+        </p:nvSpPr>
+        <p:spPr>
+          <a:xfrm>
+            <a:off x="4566448" y="4112957"/>
+            <a:ext cx="1741604" cy="574961"/>
+          </a:xfrm>
+          <a:prstGeom prst="roundRect">
+            <a:avLst/>
+          </a:prstGeom>
+          <a:solidFill>
+            <a:schemeClr val="accent6"/>
+          </a:solidFill>
+          <a:ln>
+            <a:solidFill>
+              <a:schemeClr val="accent4"/>
+            </a:solidFill>
+          </a:ln>
+        </p:spPr>
+        <p:style>
+          <a:lnRef idx="2">
+            <a:schemeClr val="accent1">
+              <a:shade val="50000"/>
+            </a:schemeClr>
+          </a:lnRef>
+          <a:fillRef idx="1">
+            <a:schemeClr val="accent1"/>
+          </a:fillRef>
+          <a:effectRef idx="0">
+            <a:schemeClr val="accent1"/>
+          </a:effectRef>
+          <a:fontRef idx="minor">
+            <a:schemeClr val="lt1"/>
+          </a:fontRef>
+        </p:style>
+        <p:txBody>
+          <a:bodyPr rtlCol="0" anchor="ctr"/>
+          <a:lstStyle/>
+          <a:p>
+            <a:r>
+              <a:rPr lang="en-GB" sz="1463" dirty="0"/>
+              <a:t>Tasks Logger</a:t>
+            </a:r>
+          </a:p>
+        </p:txBody>
+      </p:sp>
+      <p:cxnSp>
+        <p:nvCxnSpPr>
+          <p:cNvPr id="9" name="Connettore 2 8">
+            <a:extLst>
+              <a:ext uri="{FF2B5EF4-FFF2-40B4-BE49-F238E27FC236}">
+                <a16:creationId xmlns:a16="http://schemas.microsoft.com/office/drawing/2014/main" id="{AFD912E4-E322-BAE3-818E-60BEEEFA2F3C}"/>
+              </a:ext>
+            </a:extLst>
+          </p:cNvPr>
+          <p:cNvCxnSpPr>
+            <a:cxnSpLocks/>
+            <a:endCxn id="6" idx="1"/>
+          </p:cNvCxnSpPr>
+          <p:nvPr/>
+        </p:nvCxnSpPr>
+        <p:spPr>
+          <a:xfrm>
+            <a:off x="4114430" y="4399625"/>
+            <a:ext cx="452018" cy="813"/>
+          </a:xfrm>
+          <a:prstGeom prst="straightConnector1">
+            <a:avLst/>
+          </a:prstGeom>
+          <a:ln w="38100">
+            <a:solidFill>
+              <a:schemeClr val="accent4"/>
+            </a:solidFill>
+            <a:prstDash val="dash"/>
+            <a:tailEnd type="triangle"/>
+          </a:ln>
+        </p:spPr>
+        <p:style>
+          <a:lnRef idx="1">
+            <a:schemeClr val="accent1"/>
+          </a:lnRef>
+          <a:fillRef idx="0">
+            <a:schemeClr val="accent1"/>
+          </a:fillRef>
+          <a:effectRef idx="0">
+            <a:schemeClr val="accent1"/>
+          </a:effectRef>
+          <a:fontRef idx="minor">
+            <a:schemeClr val="tx1"/>
+          </a:fontRef>
+        </p:style>
+      </p:cxnSp>
+      <p:pic>
+        <p:nvPicPr>
+          <p:cNvPr id="18" name="Elemento grafico 17" descr="Diagramma di Gantt con riempimento a tinta unita">
+            <a:extLst>
+              <a:ext uri="{FF2B5EF4-FFF2-40B4-BE49-F238E27FC236}">
+                <a16:creationId xmlns:a16="http://schemas.microsoft.com/office/drawing/2014/main" id="{E35DA78D-0847-DADB-3AEE-033CB48A37E6}"/>
+              </a:ext>
+            </a:extLst>
+          </p:cNvPr>
+          <p:cNvPicPr>
+            <a:picLocks noChangeAspect="1"/>
+          </p:cNvPicPr>
+          <p:nvPr/>
+        </p:nvPicPr>
+        <p:blipFill>
+          <a:blip r:embed="rId15">
+            <a:extLst>
+              <a:ext uri="{96DAC541-7B7A-43D3-8B79-37D633B846F1}">
+                <asvg:svgBlip xmlns:asvg="http://schemas.microsoft.com/office/drawing/2016/SVG/main" r:embed="rId16"/>
+              </a:ext>
+            </a:extLst>
+          </a:blip>
+          <a:stretch>
+            <a:fillRect/>
+          </a:stretch>
+        </p:blipFill>
+        <p:spPr>
+          <a:xfrm>
+            <a:off x="5722709" y="4189061"/>
+            <a:ext cx="445383" cy="445383"/>
+          </a:xfrm>
+          <a:prstGeom prst="rect">
+            <a:avLst/>
+          </a:prstGeom>
+        </p:spPr>
+      </p:pic>
+      <p:cxnSp>
+        <p:nvCxnSpPr>
+          <p:cNvPr id="20" name="Connettore 2 19">
+            <a:extLst>
+              <a:ext uri="{FF2B5EF4-FFF2-40B4-BE49-F238E27FC236}">
+                <a16:creationId xmlns:a16="http://schemas.microsoft.com/office/drawing/2014/main" id="{A6A1F91D-453F-025F-751F-86777DFCF0A3}"/>
+              </a:ext>
+            </a:extLst>
+          </p:cNvPr>
+          <p:cNvCxnSpPr>
+            <a:cxnSpLocks/>
+            <a:stCxn id="6" idx="3"/>
+          </p:cNvCxnSpPr>
+          <p:nvPr/>
+        </p:nvCxnSpPr>
+        <p:spPr>
+          <a:xfrm>
+            <a:off x="6308052" y="4400438"/>
+            <a:ext cx="678926" cy="19278"/>
+          </a:xfrm>
+          <a:prstGeom prst="straightConnector1">
+            <a:avLst/>
+          </a:prstGeom>
+          <a:ln w="38100">
+            <a:solidFill>
+              <a:schemeClr val="tx1"/>
+            </a:solidFill>
+            <a:tailEnd type="triangle"/>
+          </a:ln>
+        </p:spPr>
+        <p:style>
+          <a:lnRef idx="1">
+            <a:schemeClr val="accent1"/>
+          </a:lnRef>
+          <a:fillRef idx="0">
+            <a:schemeClr val="accent1"/>
+          </a:fillRef>
+          <a:effectRef idx="0">
+            <a:schemeClr val="accent1"/>
+          </a:effectRef>
+          <a:fontRef idx="minor">
+            <a:schemeClr val="tx1"/>
+          </a:fontRef>
+        </p:style>
+      </p:cxnSp>
     </p:spTree>
     <p:extLst>
       <p:ext uri="{BB962C8B-B14F-4D97-AF65-F5344CB8AC3E}">
@@ -23296,7 +23433,7 @@
         <a:effectLst/>
         <a:extLst>
           <a:ext uri="{AF507438-7753-43e0-B8FC-AC1667EBCBE1}">
-            <a14:hiddenEffects xmlns="" xmlns:a14="http://schemas.microsoft.com/office/drawing/2010/main">
+            <a14:hiddenEffects xmlns:a14="http://schemas.microsoft.com/office/drawing/2010/main" xmlns="">
               <a:effectLst>
                 <a:outerShdw blurRad="63500" dist="38099" dir="2700000" algn="ctr" rotWithShape="0">
                   <a:schemeClr val="bg2">
@@ -23372,7 +23509,7 @@
         <a:effectLst/>
         <a:extLst>
           <a:ext uri="{AF507438-7753-43e0-B8FC-AC1667EBCBE1}">
-            <a14:hiddenEffects xmlns="" xmlns:a14="http://schemas.microsoft.com/office/drawing/2010/main">
+            <a14:hiddenEffects xmlns:a14="http://schemas.microsoft.com/office/drawing/2010/main" xmlns="">
               <a:effectLst>
                 <a:outerShdw blurRad="63500" dist="38099" dir="2700000" algn="ctr" rotWithShape="0">
                   <a:schemeClr val="bg2">
@@ -24163,7 +24300,7 @@
         <a:effectLst/>
         <a:extLst>
           <a:ext uri="{AF507438-7753-43e0-B8FC-AC1667EBCBE1}">
-            <a14:hiddenEffects xmlns="" xmlns:a14="http://schemas.microsoft.com/office/drawing/2010/main">
+            <a14:hiddenEffects xmlns:a14="http://schemas.microsoft.com/office/drawing/2010/main" xmlns="">
               <a:effectLst>
                 <a:outerShdw blurRad="63500" dist="38099" dir="2700000" algn="ctr" rotWithShape="0">
                   <a:schemeClr val="bg2">
@@ -24239,7 +24376,7 @@
         <a:effectLst/>
         <a:extLst>
           <a:ext uri="{AF507438-7753-43e0-B8FC-AC1667EBCBE1}">
-            <a14:hiddenEffects xmlns="" xmlns:a14="http://schemas.microsoft.com/office/drawing/2010/main">
+            <a14:hiddenEffects xmlns:a14="http://schemas.microsoft.com/office/drawing/2010/main" xmlns="">
               <a:effectLst>
                 <a:outerShdw blurRad="63500" dist="38099" dir="2700000" algn="ctr" rotWithShape="0">
                   <a:schemeClr val="bg2">
@@ -26057,12 +26194,140 @@
 </file>
 
 <file path=customXml/item1.xml><?xml version="1.0" encoding="utf-8"?>
-<?mso-contentType ?>
-<FormTemplates xmlns="http://schemas.microsoft.com/sharepoint/v3/contenttype/forms">
-  <Display>DocumentLibraryForm</Display>
-  <Edit>AssetEditForm</Edit>
-  <New>DocumentLibraryForm</New>
-</FormTemplates>
+<p:properties xmlns:p="http://schemas.microsoft.com/office/2006/metadata/properties" xmlns:xsi="http://www.w3.org/2001/XMLSchema-instance" xmlns:pc="http://schemas.microsoft.com/office/infopath/2007/PartnerControls">
+  <documentManagement>
+    <DirectSourceMarket xmlns="7851d254-ce09-43b6-8d90-072588e7901c">english</DirectSourceMarket>
+    <ApprovalStatus xmlns="7851d254-ce09-43b6-8d90-072588e7901c">InProgress</ApprovalStatus>
+    <MarketSpecific xmlns="7851d254-ce09-43b6-8d90-072588e7901c">false</MarketSpecific>
+    <PrimaryImageGen xmlns="7851d254-ce09-43b6-8d90-072588e7901c">true</PrimaryImageGen>
+    <ThumbnailAssetId xmlns="7851d254-ce09-43b6-8d90-072588e7901c" xsi:nil="true"/>
+    <LegacyData xmlns="7851d254-ce09-43b6-8d90-072588e7901c">ListingID:;Manager:;BuildStatus:Preview Pending;MockupPath:</LegacyData>
+    <TPFriendlyName xmlns="7851d254-ce09-43b6-8d90-072588e7901c">Marketing plan</TPFriendlyName>
+    <NumericId xmlns="7851d254-ce09-43b6-8d90-072588e7901c">-1</NumericId>
+    <BusinessGroup xmlns="7851d254-ce09-43b6-8d90-072588e7901c" xsi:nil="true"/>
+    <SourceTitle xmlns="7851d254-ce09-43b6-8d90-072588e7901c">Marketing plan</SourceTitle>
+    <APEditor xmlns="7851d254-ce09-43b6-8d90-072588e7901c">
+      <UserInfo>
+        <DisplayName>REDMOND\v-luannv</DisplayName>
+        <AccountId>237</AccountId>
+        <AccountType/>
+      </UserInfo>
+    </APEditor>
+    <OpenTemplate xmlns="7851d254-ce09-43b6-8d90-072588e7901c">true</OpenTemplate>
+    <UALocComments xmlns="7851d254-ce09-43b6-8d90-072588e7901c" xsi:nil="true"/>
+    <ParentAssetId xmlns="7851d254-ce09-43b6-8d90-072588e7901c" xsi:nil="true"/>
+    <PublishStatusLookup xmlns="7851d254-ce09-43b6-8d90-072588e7901c">
+      <Value>256759</Value>
+      <Value>353365</Value>
+    </PublishStatusLookup>
+    <LastPublishResultLookup xmlns="7851d254-ce09-43b6-8d90-072588e7901c" xsi:nil="true"/>
+    <IntlLangReviewDate xmlns="7851d254-ce09-43b6-8d90-072588e7901c">2010-04-16T13:14:00+00:00</IntlLangReviewDate>
+    <MachineTranslated xmlns="7851d254-ce09-43b6-8d90-072588e7901c">false</MachineTranslated>
+    <Providers xmlns="7851d254-ce09-43b6-8d90-072588e7901c" xsi:nil="true"/>
+    <OriginalSourceMarket xmlns="7851d254-ce09-43b6-8d90-072588e7901c">english</OriginalSourceMarket>
+    <TPInstallLocation xmlns="7851d254-ce09-43b6-8d90-072588e7901c">{My Templates}</TPInstallLocation>
+    <ClipArtFilename xmlns="7851d254-ce09-43b6-8d90-072588e7901c" xsi:nil="true"/>
+    <APDescription xmlns="7851d254-ce09-43b6-8d90-072588e7901c" xsi:nil="true"/>
+    <ContentItem xmlns="7851d254-ce09-43b6-8d90-072588e7901c" xsi:nil="true"/>
+    <APAuthor xmlns="7851d254-ce09-43b6-8d90-072588e7901c">
+      <UserInfo>
+        <DisplayName>REDMOND\cynvey</DisplayName>
+        <AccountId>242</AccountId>
+        <AccountType/>
+      </UserInfo>
+    </APAuthor>
+    <TPCommandLine xmlns="7851d254-ce09-43b6-8d90-072588e7901c">{PP} /n {FilePath}</TPCommandLine>
+    <TPAppVersion xmlns="7851d254-ce09-43b6-8d90-072588e7901c">11</TPAppVersion>
+    <PublishTargets xmlns="7851d254-ce09-43b6-8d90-072588e7901c">OfficeOnline</PublishTargets>
+    <EditorialStatus xmlns="7851d254-ce09-43b6-8d90-072588e7901c" xsi:nil="true"/>
+    <TPLaunchHelpLinkType xmlns="7851d254-ce09-43b6-8d90-072588e7901c" xsi:nil="true"/>
+    <LastModifiedDateTime xmlns="7851d254-ce09-43b6-8d90-072588e7901c">2010-04-16T13:14:00+00:00</LastModifiedDateTime>
+    <TimesCloned xmlns="7851d254-ce09-43b6-8d90-072588e7901c" xsi:nil="true"/>
+    <Provider xmlns="7851d254-ce09-43b6-8d90-072588e7901c">EY010390810</Provider>
+    <FriendlyTitle xmlns="7851d254-ce09-43b6-8d90-072588e7901c" xsi:nil="true"/>
+    <LastHandOff xmlns="7851d254-ce09-43b6-8d90-072588e7901c" xsi:nil="true"/>
+    <AcquiredFrom xmlns="7851d254-ce09-43b6-8d90-072588e7901c">Community</AcquiredFrom>
+    <AssetStart xmlns="7851d254-ce09-43b6-8d90-072588e7901c">2010-02-26T13:23:18+00:00</AssetStart>
+    <UACurrentWords xmlns="7851d254-ce09-43b6-8d90-072588e7901c">0</UACurrentWords>
+    <UALocRecommendation xmlns="7851d254-ce09-43b6-8d90-072588e7901c">Localize</UALocRecommendation>
+    <Manager xmlns="7851d254-ce09-43b6-8d90-072588e7901c" xsi:nil="true"/>
+    <TPClientViewer xmlns="7851d254-ce09-43b6-8d90-072588e7901c" xsi:nil="true"/>
+    <ArtSampleDocs xmlns="7851d254-ce09-43b6-8d90-072588e7901c" xsi:nil="true"/>
+    <IsDeleted xmlns="7851d254-ce09-43b6-8d90-072588e7901c">false</IsDeleted>
+    <UANotes xmlns="7851d254-ce09-43b6-8d90-072588e7901c">online only</UANotes>
+    <ShowIn xmlns="7851d254-ce09-43b6-8d90-072588e7901c">Show everywhere</ShowIn>
+    <OOCacheId xmlns="7851d254-ce09-43b6-8d90-072588e7901c" xsi:nil="true"/>
+    <CSXHash xmlns="7851d254-ce09-43b6-8d90-072588e7901c" xsi:nil="true"/>
+    <TemplateStatus xmlns="7851d254-ce09-43b6-8d90-072588e7901c" xsi:nil="true"/>
+    <Downloads xmlns="7851d254-ce09-43b6-8d90-072588e7901c">0</Downloads>
+    <VoteCount xmlns="7851d254-ce09-43b6-8d90-072588e7901c" xsi:nil="true"/>
+    <DSATActionTaken xmlns="7851d254-ce09-43b6-8d90-072588e7901c">Best Bets</DSATActionTaken>
+    <CSXSubmissionMarket xmlns="7851d254-ce09-43b6-8d90-072588e7901c" xsi:nil="true"/>
+    <AssetExpire xmlns="7851d254-ce09-43b6-8d90-072588e7901c">2100-01-01T00:00:00+00:00</AssetExpire>
+    <EditorialTags xmlns="7851d254-ce09-43b6-8d90-072588e7901c" xsi:nil="true"/>
+    <SubmitterId xmlns="7851d254-ce09-43b6-8d90-072588e7901c" xsi:nil="true"/>
+    <TPExecutable xmlns="7851d254-ce09-43b6-8d90-072588e7901c" xsi:nil="true"/>
+    <AssetType xmlns="7851d254-ce09-43b6-8d90-072588e7901c">TP</AssetType>
+    <ApprovalLog xmlns="7851d254-ce09-43b6-8d90-072588e7901c" xsi:nil="true"/>
+    <CSXUpdate xmlns="7851d254-ce09-43b6-8d90-072588e7901c">false</CSXUpdate>
+    <CSXSubmissionDate xmlns="7851d254-ce09-43b6-8d90-072588e7901c" xsi:nil="true"/>
+    <BugNumber xmlns="7851d254-ce09-43b6-8d90-072588e7901c" xsi:nil="true"/>
+    <TPComponent xmlns="7851d254-ce09-43b6-8d90-072588e7901c">PPTFiles</TPComponent>
+    <Milestone xmlns="7851d254-ce09-43b6-8d90-072588e7901c" xsi:nil="true"/>
+    <OriginAsset xmlns="7851d254-ce09-43b6-8d90-072588e7901c" xsi:nil="true"/>
+    <AssetId xmlns="7851d254-ce09-43b6-8d90-072588e7901c">TP010107969</AssetId>
+    <TPLaunchHelpLink xmlns="7851d254-ce09-43b6-8d90-072588e7901c" xsi:nil="true"/>
+    <TPApplication xmlns="7851d254-ce09-43b6-8d90-072588e7901c">PowerPoint</TPApplication>
+    <IntlLocPriority xmlns="7851d254-ce09-43b6-8d90-072588e7901c" xsi:nil="true"/>
+    <PolicheckWords xmlns="7851d254-ce09-43b6-8d90-072588e7901c" xsi:nil="true"/>
+    <HandoffToMSDN xmlns="7851d254-ce09-43b6-8d90-072588e7901c">2010-04-16T13:14:00+00:00</HandoffToMSDN>
+    <PlannedPubDate xmlns="7851d254-ce09-43b6-8d90-072588e7901c">2010-04-16T13:14:00+00:00</PlannedPubDate>
+    <IntlLangReviewer xmlns="7851d254-ce09-43b6-8d90-072588e7901c" xsi:nil="true"/>
+    <CrawlForDependencies xmlns="7851d254-ce09-43b6-8d90-072588e7901c">false</CrawlForDependencies>
+    <TrustLevel xmlns="7851d254-ce09-43b6-8d90-072588e7901c">1 Microsoft Managed Content</TrustLevel>
+    <IsSearchable xmlns="7851d254-ce09-43b6-8d90-072588e7901c">false</IsSearchable>
+    <TPNamespace xmlns="7851d254-ce09-43b6-8d90-072588e7901c" xsi:nil="true"/>
+    <TemplateTemplateType xmlns="7851d254-ce09-43b6-8d90-072588e7901c">PowerPoint 12 Default</TemplateTemplateType>
+    <Markets xmlns="7851d254-ce09-43b6-8d90-072588e7901c"/>
+    <OutputCachingOn xmlns="7851d254-ce09-43b6-8d90-072588e7901c">false</OutputCachingOn>
+    <IntlLangReview xmlns="7851d254-ce09-43b6-8d90-072588e7901c" xsi:nil="true"/>
+    <UAProjectedTotalWords xmlns="7851d254-ce09-43b6-8d90-072588e7901c" xsi:nil="true"/>
+    <CampaignTagsTaxHTField0 xmlns="7851d254-ce09-43b6-8d90-072588e7901c">
+      <Terms xmlns="http://schemas.microsoft.com/office/infopath/2007/PartnerControls"/>
+    </CampaignTagsTaxHTField0>
+    <LocPublishedDependentAssetsLookup xmlns="7851d254-ce09-43b6-8d90-072588e7901c" xsi:nil="true"/>
+    <LocOverallLocStatusLookup xmlns="7851d254-ce09-43b6-8d90-072588e7901c" xsi:nil="true"/>
+    <InternalTagsTaxHTField0 xmlns="7851d254-ce09-43b6-8d90-072588e7901c">
+      <Terms xmlns="http://schemas.microsoft.com/office/infopath/2007/PartnerControls"/>
+    </InternalTagsTaxHTField0>
+    <LocComments xmlns="7851d254-ce09-43b6-8d90-072588e7901c" xsi:nil="true"/>
+    <LocProcessedForMarketsLookup xmlns="7851d254-ce09-43b6-8d90-072588e7901c" xsi:nil="true"/>
+    <ScenarioTagsTaxHTField0 xmlns="7851d254-ce09-43b6-8d90-072588e7901c">
+      <Terms xmlns="http://schemas.microsoft.com/office/infopath/2007/PartnerControls"/>
+    </ScenarioTagsTaxHTField0>
+    <LocLastLocAttemptVersionTypeLookup xmlns="7851d254-ce09-43b6-8d90-072588e7901c" xsi:nil="true"/>
+    <LocOverallPublishStatusLookup xmlns="7851d254-ce09-43b6-8d90-072588e7901c" xsi:nil="true"/>
+    <LocPublishedLinkedAssetsLookup xmlns="7851d254-ce09-43b6-8d90-072588e7901c" xsi:nil="true"/>
+    <TaxCatchAll xmlns="7851d254-ce09-43b6-8d90-072588e7901c"/>
+    <LocRecommendedHandoff xmlns="7851d254-ce09-43b6-8d90-072588e7901c" xsi:nil="true"/>
+    <LocProcessedForHandoffsLookup xmlns="7851d254-ce09-43b6-8d90-072588e7901c" xsi:nil="true"/>
+    <LocOverallHandbackStatusLookup xmlns="7851d254-ce09-43b6-8d90-072588e7901c" xsi:nil="true"/>
+    <LocNewPublishedVersionLookup xmlns="7851d254-ce09-43b6-8d90-072588e7901c" xsi:nil="true"/>
+    <BlockPublish xmlns="7851d254-ce09-43b6-8d90-072588e7901c" xsi:nil="true"/>
+    <LocManualTestRequired xmlns="7851d254-ce09-43b6-8d90-072588e7901c" xsi:nil="true"/>
+    <LocalizationTagsTaxHTField0 xmlns="7851d254-ce09-43b6-8d90-072588e7901c">
+      <Terms xmlns="http://schemas.microsoft.com/office/infopath/2007/PartnerControls"/>
+    </LocalizationTagsTaxHTField0>
+    <LocLastLocAttemptVersionLookup xmlns="7851d254-ce09-43b6-8d90-072588e7901c">65845</LocLastLocAttemptVersionLookup>
+    <FeatureTagsTaxHTField0 xmlns="7851d254-ce09-43b6-8d90-072588e7901c">
+      <Terms xmlns="http://schemas.microsoft.com/office/infopath/2007/PartnerControls"/>
+    </FeatureTagsTaxHTField0>
+    <LocOverallPreviewStatusLookup xmlns="7851d254-ce09-43b6-8d90-072588e7901c" xsi:nil="true"/>
+    <RecommendationsModifier xmlns="7851d254-ce09-43b6-8d90-072588e7901c" xsi:nil="true"/>
+    <OriginalRelease xmlns="7851d254-ce09-43b6-8d90-072588e7901c">14</OriginalRelease>
+    <LocMarketGroupTiers2 xmlns="7851d254-ce09-43b6-8d90-072588e7901c" xsi:nil="true"/>
+  </documentManagement>
+</p:properties>
 </file>
 
 <file path=customXml/item2.xml><?xml version="1.0" encoding="utf-8"?>
@@ -27100,146 +27365,20 @@
 </file>
 
 <file path=customXml/item3.xml><?xml version="1.0" encoding="utf-8"?>
-<p:properties xmlns:p="http://schemas.microsoft.com/office/2006/metadata/properties" xmlns:xsi="http://www.w3.org/2001/XMLSchema-instance" xmlns:pc="http://schemas.microsoft.com/office/infopath/2007/PartnerControls">
-  <documentManagement>
-    <DirectSourceMarket xmlns="7851d254-ce09-43b6-8d90-072588e7901c">english</DirectSourceMarket>
-    <ApprovalStatus xmlns="7851d254-ce09-43b6-8d90-072588e7901c">InProgress</ApprovalStatus>
-    <MarketSpecific xmlns="7851d254-ce09-43b6-8d90-072588e7901c">false</MarketSpecific>
-    <PrimaryImageGen xmlns="7851d254-ce09-43b6-8d90-072588e7901c">true</PrimaryImageGen>
-    <ThumbnailAssetId xmlns="7851d254-ce09-43b6-8d90-072588e7901c" xsi:nil="true"/>
-    <LegacyData xmlns="7851d254-ce09-43b6-8d90-072588e7901c">ListingID:;Manager:;BuildStatus:Preview Pending;MockupPath:</LegacyData>
-    <TPFriendlyName xmlns="7851d254-ce09-43b6-8d90-072588e7901c">Marketing plan</TPFriendlyName>
-    <NumericId xmlns="7851d254-ce09-43b6-8d90-072588e7901c">-1</NumericId>
-    <BusinessGroup xmlns="7851d254-ce09-43b6-8d90-072588e7901c" xsi:nil="true"/>
-    <SourceTitle xmlns="7851d254-ce09-43b6-8d90-072588e7901c">Marketing plan</SourceTitle>
-    <APEditor xmlns="7851d254-ce09-43b6-8d90-072588e7901c">
-      <UserInfo>
-        <DisplayName>REDMOND\v-luannv</DisplayName>
-        <AccountId>237</AccountId>
-        <AccountType/>
-      </UserInfo>
-    </APEditor>
-    <OpenTemplate xmlns="7851d254-ce09-43b6-8d90-072588e7901c">true</OpenTemplate>
-    <UALocComments xmlns="7851d254-ce09-43b6-8d90-072588e7901c" xsi:nil="true"/>
-    <ParentAssetId xmlns="7851d254-ce09-43b6-8d90-072588e7901c" xsi:nil="true"/>
-    <PublishStatusLookup xmlns="7851d254-ce09-43b6-8d90-072588e7901c">
-      <Value>256759</Value>
-      <Value>353365</Value>
-    </PublishStatusLookup>
-    <LastPublishResultLookup xmlns="7851d254-ce09-43b6-8d90-072588e7901c" xsi:nil="true"/>
-    <IntlLangReviewDate xmlns="7851d254-ce09-43b6-8d90-072588e7901c">2010-04-16T13:14:00+00:00</IntlLangReviewDate>
-    <MachineTranslated xmlns="7851d254-ce09-43b6-8d90-072588e7901c">false</MachineTranslated>
-    <Providers xmlns="7851d254-ce09-43b6-8d90-072588e7901c" xsi:nil="true"/>
-    <OriginalSourceMarket xmlns="7851d254-ce09-43b6-8d90-072588e7901c">english</OriginalSourceMarket>
-    <TPInstallLocation xmlns="7851d254-ce09-43b6-8d90-072588e7901c">{My Templates}</TPInstallLocation>
-    <ClipArtFilename xmlns="7851d254-ce09-43b6-8d90-072588e7901c" xsi:nil="true"/>
-    <APDescription xmlns="7851d254-ce09-43b6-8d90-072588e7901c" xsi:nil="true"/>
-    <ContentItem xmlns="7851d254-ce09-43b6-8d90-072588e7901c" xsi:nil="true"/>
-    <APAuthor xmlns="7851d254-ce09-43b6-8d90-072588e7901c">
-      <UserInfo>
-        <DisplayName>REDMOND\cynvey</DisplayName>
-        <AccountId>242</AccountId>
-        <AccountType/>
-      </UserInfo>
-    </APAuthor>
-    <TPCommandLine xmlns="7851d254-ce09-43b6-8d90-072588e7901c">{PP} /n {FilePath}</TPCommandLine>
-    <TPAppVersion xmlns="7851d254-ce09-43b6-8d90-072588e7901c">11</TPAppVersion>
-    <PublishTargets xmlns="7851d254-ce09-43b6-8d90-072588e7901c">OfficeOnline</PublishTargets>
-    <EditorialStatus xmlns="7851d254-ce09-43b6-8d90-072588e7901c" xsi:nil="true"/>
-    <TPLaunchHelpLinkType xmlns="7851d254-ce09-43b6-8d90-072588e7901c" xsi:nil="true"/>
-    <LastModifiedDateTime xmlns="7851d254-ce09-43b6-8d90-072588e7901c">2010-04-16T13:14:00+00:00</LastModifiedDateTime>
-    <TimesCloned xmlns="7851d254-ce09-43b6-8d90-072588e7901c" xsi:nil="true"/>
-    <Provider xmlns="7851d254-ce09-43b6-8d90-072588e7901c">EY010390810</Provider>
-    <FriendlyTitle xmlns="7851d254-ce09-43b6-8d90-072588e7901c" xsi:nil="true"/>
-    <LastHandOff xmlns="7851d254-ce09-43b6-8d90-072588e7901c" xsi:nil="true"/>
-    <AcquiredFrom xmlns="7851d254-ce09-43b6-8d90-072588e7901c">Community</AcquiredFrom>
-    <AssetStart xmlns="7851d254-ce09-43b6-8d90-072588e7901c">2010-02-26T13:23:18+00:00</AssetStart>
-    <UACurrentWords xmlns="7851d254-ce09-43b6-8d90-072588e7901c">0</UACurrentWords>
-    <UALocRecommendation xmlns="7851d254-ce09-43b6-8d90-072588e7901c">Localize</UALocRecommendation>
-    <Manager xmlns="7851d254-ce09-43b6-8d90-072588e7901c" xsi:nil="true"/>
-    <TPClientViewer xmlns="7851d254-ce09-43b6-8d90-072588e7901c" xsi:nil="true"/>
-    <ArtSampleDocs xmlns="7851d254-ce09-43b6-8d90-072588e7901c" xsi:nil="true"/>
-    <IsDeleted xmlns="7851d254-ce09-43b6-8d90-072588e7901c">false</IsDeleted>
-    <UANotes xmlns="7851d254-ce09-43b6-8d90-072588e7901c">online only</UANotes>
-    <ShowIn xmlns="7851d254-ce09-43b6-8d90-072588e7901c">Show everywhere</ShowIn>
-    <OOCacheId xmlns="7851d254-ce09-43b6-8d90-072588e7901c" xsi:nil="true"/>
-    <CSXHash xmlns="7851d254-ce09-43b6-8d90-072588e7901c" xsi:nil="true"/>
-    <TemplateStatus xmlns="7851d254-ce09-43b6-8d90-072588e7901c" xsi:nil="true"/>
-    <Downloads xmlns="7851d254-ce09-43b6-8d90-072588e7901c">0</Downloads>
-    <VoteCount xmlns="7851d254-ce09-43b6-8d90-072588e7901c" xsi:nil="true"/>
-    <DSATActionTaken xmlns="7851d254-ce09-43b6-8d90-072588e7901c">Best Bets</DSATActionTaken>
-    <CSXSubmissionMarket xmlns="7851d254-ce09-43b6-8d90-072588e7901c" xsi:nil="true"/>
-    <AssetExpire xmlns="7851d254-ce09-43b6-8d90-072588e7901c">2100-01-01T00:00:00+00:00</AssetExpire>
-    <EditorialTags xmlns="7851d254-ce09-43b6-8d90-072588e7901c" xsi:nil="true"/>
-    <SubmitterId xmlns="7851d254-ce09-43b6-8d90-072588e7901c" xsi:nil="true"/>
-    <TPExecutable xmlns="7851d254-ce09-43b6-8d90-072588e7901c" xsi:nil="true"/>
-    <AssetType xmlns="7851d254-ce09-43b6-8d90-072588e7901c">TP</AssetType>
-    <ApprovalLog xmlns="7851d254-ce09-43b6-8d90-072588e7901c" xsi:nil="true"/>
-    <CSXUpdate xmlns="7851d254-ce09-43b6-8d90-072588e7901c">false</CSXUpdate>
-    <CSXSubmissionDate xmlns="7851d254-ce09-43b6-8d90-072588e7901c" xsi:nil="true"/>
-    <BugNumber xmlns="7851d254-ce09-43b6-8d90-072588e7901c" xsi:nil="true"/>
-    <TPComponent xmlns="7851d254-ce09-43b6-8d90-072588e7901c">PPTFiles</TPComponent>
-    <Milestone xmlns="7851d254-ce09-43b6-8d90-072588e7901c" xsi:nil="true"/>
-    <OriginAsset xmlns="7851d254-ce09-43b6-8d90-072588e7901c" xsi:nil="true"/>
-    <AssetId xmlns="7851d254-ce09-43b6-8d90-072588e7901c">TP010107969</AssetId>
-    <TPLaunchHelpLink xmlns="7851d254-ce09-43b6-8d90-072588e7901c" xsi:nil="true"/>
-    <TPApplication xmlns="7851d254-ce09-43b6-8d90-072588e7901c">PowerPoint</TPApplication>
-    <IntlLocPriority xmlns="7851d254-ce09-43b6-8d90-072588e7901c" xsi:nil="true"/>
-    <PolicheckWords xmlns="7851d254-ce09-43b6-8d90-072588e7901c" xsi:nil="true"/>
-    <HandoffToMSDN xmlns="7851d254-ce09-43b6-8d90-072588e7901c">2010-04-16T13:14:00+00:00</HandoffToMSDN>
-    <PlannedPubDate xmlns="7851d254-ce09-43b6-8d90-072588e7901c">2010-04-16T13:14:00+00:00</PlannedPubDate>
-    <IntlLangReviewer xmlns="7851d254-ce09-43b6-8d90-072588e7901c" xsi:nil="true"/>
-    <CrawlForDependencies xmlns="7851d254-ce09-43b6-8d90-072588e7901c">false</CrawlForDependencies>
-    <TrustLevel xmlns="7851d254-ce09-43b6-8d90-072588e7901c">1 Microsoft Managed Content</TrustLevel>
-    <IsSearchable xmlns="7851d254-ce09-43b6-8d90-072588e7901c">false</IsSearchable>
-    <TPNamespace xmlns="7851d254-ce09-43b6-8d90-072588e7901c" xsi:nil="true"/>
-    <TemplateTemplateType xmlns="7851d254-ce09-43b6-8d90-072588e7901c">PowerPoint 12 Default</TemplateTemplateType>
-    <Markets xmlns="7851d254-ce09-43b6-8d90-072588e7901c"/>
-    <OutputCachingOn xmlns="7851d254-ce09-43b6-8d90-072588e7901c">false</OutputCachingOn>
-    <IntlLangReview xmlns="7851d254-ce09-43b6-8d90-072588e7901c" xsi:nil="true"/>
-    <UAProjectedTotalWords xmlns="7851d254-ce09-43b6-8d90-072588e7901c" xsi:nil="true"/>
-    <CampaignTagsTaxHTField0 xmlns="7851d254-ce09-43b6-8d90-072588e7901c">
-      <Terms xmlns="http://schemas.microsoft.com/office/infopath/2007/PartnerControls"/>
-    </CampaignTagsTaxHTField0>
-    <LocPublishedDependentAssetsLookup xmlns="7851d254-ce09-43b6-8d90-072588e7901c" xsi:nil="true"/>
-    <LocOverallLocStatusLookup xmlns="7851d254-ce09-43b6-8d90-072588e7901c" xsi:nil="true"/>
-    <InternalTagsTaxHTField0 xmlns="7851d254-ce09-43b6-8d90-072588e7901c">
-      <Terms xmlns="http://schemas.microsoft.com/office/infopath/2007/PartnerControls"/>
-    </InternalTagsTaxHTField0>
-    <LocComments xmlns="7851d254-ce09-43b6-8d90-072588e7901c" xsi:nil="true"/>
-    <LocProcessedForMarketsLookup xmlns="7851d254-ce09-43b6-8d90-072588e7901c" xsi:nil="true"/>
-    <ScenarioTagsTaxHTField0 xmlns="7851d254-ce09-43b6-8d90-072588e7901c">
-      <Terms xmlns="http://schemas.microsoft.com/office/infopath/2007/PartnerControls"/>
-    </ScenarioTagsTaxHTField0>
-    <LocLastLocAttemptVersionTypeLookup xmlns="7851d254-ce09-43b6-8d90-072588e7901c" xsi:nil="true"/>
-    <LocOverallPublishStatusLookup xmlns="7851d254-ce09-43b6-8d90-072588e7901c" xsi:nil="true"/>
-    <LocPublishedLinkedAssetsLookup xmlns="7851d254-ce09-43b6-8d90-072588e7901c" xsi:nil="true"/>
-    <TaxCatchAll xmlns="7851d254-ce09-43b6-8d90-072588e7901c"/>
-    <LocRecommendedHandoff xmlns="7851d254-ce09-43b6-8d90-072588e7901c" xsi:nil="true"/>
-    <LocProcessedForHandoffsLookup xmlns="7851d254-ce09-43b6-8d90-072588e7901c" xsi:nil="true"/>
-    <LocOverallHandbackStatusLookup xmlns="7851d254-ce09-43b6-8d90-072588e7901c" xsi:nil="true"/>
-    <LocNewPublishedVersionLookup xmlns="7851d254-ce09-43b6-8d90-072588e7901c" xsi:nil="true"/>
-    <BlockPublish xmlns="7851d254-ce09-43b6-8d90-072588e7901c" xsi:nil="true"/>
-    <LocManualTestRequired xmlns="7851d254-ce09-43b6-8d90-072588e7901c" xsi:nil="true"/>
-    <LocalizationTagsTaxHTField0 xmlns="7851d254-ce09-43b6-8d90-072588e7901c">
-      <Terms xmlns="http://schemas.microsoft.com/office/infopath/2007/PartnerControls"/>
-    </LocalizationTagsTaxHTField0>
-    <LocLastLocAttemptVersionLookup xmlns="7851d254-ce09-43b6-8d90-072588e7901c">65845</LocLastLocAttemptVersionLookup>
-    <FeatureTagsTaxHTField0 xmlns="7851d254-ce09-43b6-8d90-072588e7901c">
-      <Terms xmlns="http://schemas.microsoft.com/office/infopath/2007/PartnerControls"/>
-    </FeatureTagsTaxHTField0>
-    <LocOverallPreviewStatusLookup xmlns="7851d254-ce09-43b6-8d90-072588e7901c" xsi:nil="true"/>
-    <RecommendationsModifier xmlns="7851d254-ce09-43b6-8d90-072588e7901c" xsi:nil="true"/>
-    <OriginalRelease xmlns="7851d254-ce09-43b6-8d90-072588e7901c">14</OriginalRelease>
-    <LocMarketGroupTiers2 xmlns="7851d254-ce09-43b6-8d90-072588e7901c" xsi:nil="true"/>
-  </documentManagement>
-</p:properties>
+<?mso-contentType ?>
+<FormTemplates xmlns="http://schemas.microsoft.com/sharepoint/v3/contenttype/forms">
+  <Display>DocumentLibraryForm</Display>
+  <Edit>AssetEditForm</Edit>
+  <New>DocumentLibraryForm</New>
+</FormTemplates>
 </file>
 
 <file path=customXml/itemProps1.xml><?xml version="1.0" encoding="utf-8"?>
-<ds:datastoreItem xmlns:ds="http://schemas.openxmlformats.org/officeDocument/2006/customXml" ds:itemID="{C79E6502-E858-46F1-997F-A119CCAAD56C}">
+<ds:datastoreItem xmlns:ds="http://schemas.openxmlformats.org/officeDocument/2006/customXml" ds:itemID="{79174311-CFD3-4DEA-AAFE-E3AA53D5174E}">
   <ds:schemaRefs>
-    <ds:schemaRef ds:uri="http://schemas.microsoft.com/sharepoint/v3/contenttype/forms"/>
+    <ds:schemaRef ds:uri="http://schemas.microsoft.com/office/2006/metadata/properties"/>
+    <ds:schemaRef ds:uri="http://schemas.microsoft.com/office/infopath/2007/PartnerControls"/>
+    <ds:schemaRef ds:uri="7851d254-ce09-43b6-8d90-072588e7901c"/>
   </ds:schemaRefs>
 </ds:datastoreItem>
 </file>
@@ -27263,11 +27402,9 @@
 </file>
 
 <file path=customXml/itemProps3.xml><?xml version="1.0" encoding="utf-8"?>
-<ds:datastoreItem xmlns:ds="http://schemas.openxmlformats.org/officeDocument/2006/customXml" ds:itemID="{79174311-CFD3-4DEA-AAFE-E3AA53D5174E}">
+<ds:datastoreItem xmlns:ds="http://schemas.openxmlformats.org/officeDocument/2006/customXml" ds:itemID="{C79E6502-E858-46F1-997F-A119CCAAD56C}">
   <ds:schemaRefs>
-    <ds:schemaRef ds:uri="http://schemas.microsoft.com/office/2006/metadata/properties"/>
-    <ds:schemaRef ds:uri="http://schemas.microsoft.com/office/infopath/2007/PartnerControls"/>
-    <ds:schemaRef ds:uri="7851d254-ce09-43b6-8d90-072588e7901c"/>
+    <ds:schemaRef ds:uri="http://schemas.microsoft.com/sharepoint/v3/contenttype/forms"/>
   </ds:schemaRefs>
 </ds:datastoreItem>
 </file>
--- a/docs/figures.pptx
+++ b/docs/figures.pptx
@@ -211,7 +211,7 @@
             <a:fld id="{A7959C71-B73A-49FF-9308-B24F710812B5}" type="datetimeFigureOut">
               <a:rPr lang="en-US" smtClean="0"/>
               <a:pPr/>
-              <a:t>7/13/22</a:t>
+              <a:t>7/16/22</a:t>
             </a:fld>
             <a:endParaRPr lang="en-US" dirty="0"/>
           </a:p>
@@ -363,7 +363,7 @@
             <a:fld id="{5468FC2B-D455-4AC4-9C5E-9317124768F4}" type="datetimeFigureOut">
               <a:rPr lang="en-US" smtClean="0"/>
               <a:pPr/>
-              <a:t>7/13/22</a:t>
+              <a:t>7/16/22</a:t>
             </a:fld>
             <a:endParaRPr lang="en-US" dirty="0"/>
           </a:p>
@@ -695,7 +695,7 @@
               <a:rPr lang="en-GB" smtClean="0"/>
               <a:t>1</a:t>
             </a:fld>
-            <a:endParaRPr lang="en-GB"/>
+            <a:endParaRPr lang="en-GB" dirty="0"/>
           </a:p>
         </p:txBody>
       </p:sp>
@@ -16845,7 +16845,7 @@
           <a:noFill/>
           <a:extLst>
             <a:ext uri="{909E8E84-426E-40dd-AFC4-6F175D3DCCD1}">
-              <a14:hiddenFill xmlns:a14="http://schemas.microsoft.com/office/drawing/2010/main" xmlns="">
+              <a14:hiddenFill xmlns="" xmlns:a14="http://schemas.microsoft.com/office/drawing/2010/main">
                 <a:solidFill>
                   <a:srgbClr val="FFFFFF"/>
                 </a:solidFill>
@@ -16882,12 +16882,12 @@
           <a:effectLst/>
           <a:extLst>
             <a:ext uri="{909E8E84-426E-40dd-AFC4-6F175D3DCCD1}">
-              <a14:hiddenFill xmlns:a14="http://schemas.microsoft.com/office/drawing/2010/main" xmlns="">
+              <a14:hiddenFill xmlns="" xmlns:a14="http://schemas.microsoft.com/office/drawing/2010/main">
                 <a:noFill/>
               </a14:hiddenFill>
             </a:ext>
             <a:ext uri="{AF507438-7753-43e0-B8FC-AC1667EBCBE1}">
-              <a14:hiddenEffects xmlns:a14="http://schemas.microsoft.com/office/drawing/2010/main" xmlns="">
+              <a14:hiddenEffects xmlns="" xmlns:a14="http://schemas.microsoft.com/office/drawing/2010/main">
                 <a:effectLst>
                   <a:outerShdw blurRad="63500" dist="38099" dir="2700000" algn="ctr" rotWithShape="0">
                     <a:schemeClr val="bg2">
@@ -16935,12 +16935,12 @@
           <a:effectLst/>
           <a:extLst>
             <a:ext uri="{909E8E84-426E-40dd-AFC4-6F175D3DCCD1}">
-              <a14:hiddenFill xmlns:a14="http://schemas.microsoft.com/office/drawing/2010/main" xmlns="">
+              <a14:hiddenFill xmlns="" xmlns:a14="http://schemas.microsoft.com/office/drawing/2010/main">
                 <a:noFill/>
               </a14:hiddenFill>
             </a:ext>
             <a:ext uri="{AF507438-7753-43e0-B8FC-AC1667EBCBE1}">
-              <a14:hiddenEffects xmlns:a14="http://schemas.microsoft.com/office/drawing/2010/main" xmlns="">
+              <a14:hiddenEffects xmlns="" xmlns:a14="http://schemas.microsoft.com/office/drawing/2010/main">
                 <a:effectLst>
                   <a:outerShdw blurRad="63500" dist="38099" dir="2700000" algn="ctr" rotWithShape="0">
                     <a:schemeClr val="bg2">
@@ -16995,14 +16995,14 @@
           </a:ln>
           <a:extLst>
             <a:ext uri="{909E8E84-426E-40dd-AFC4-6F175D3DCCD1}">
-              <a14:hiddenFill xmlns:a14="http://schemas.microsoft.com/office/drawing/2010/main" xmlns="">
+              <a14:hiddenFill xmlns="" xmlns:a14="http://schemas.microsoft.com/office/drawing/2010/main">
                 <a:solidFill>
                   <a:srgbClr val="FFFFFF"/>
                 </a:solidFill>
               </a14:hiddenFill>
             </a:ext>
             <a:ext uri="{91240B29-F687-4f45-9708-019B960494DF}">
-              <a14:hiddenLine xmlns:a14="http://schemas.microsoft.com/office/drawing/2010/main" xmlns="" w="9525">
+              <a14:hiddenLine xmlns="" xmlns:a14="http://schemas.microsoft.com/office/drawing/2010/main" w="9525">
                 <a:solidFill>
                   <a:srgbClr val="000000"/>
                 </a:solidFill>
@@ -17042,12 +17042,12 @@
           <a:effectLst/>
           <a:extLst>
             <a:ext uri="{909E8E84-426E-40dd-AFC4-6F175D3DCCD1}">
-              <a14:hiddenFill xmlns:a14="http://schemas.microsoft.com/office/drawing/2010/main" xmlns="">
+              <a14:hiddenFill xmlns="" xmlns:a14="http://schemas.microsoft.com/office/drawing/2010/main">
                 <a:noFill/>
               </a14:hiddenFill>
             </a:ext>
             <a:ext uri="{AF507438-7753-43e0-B8FC-AC1667EBCBE1}">
-              <a14:hiddenEffects xmlns:a14="http://schemas.microsoft.com/office/drawing/2010/main" xmlns="">
+              <a14:hiddenEffects xmlns="" xmlns:a14="http://schemas.microsoft.com/office/drawing/2010/main">
                 <a:effectLst>
                   <a:outerShdw blurRad="63500" dist="38099" dir="2700000" algn="ctr" rotWithShape="0">
                     <a:schemeClr val="bg2">
@@ -17095,12 +17095,12 @@
           <a:effectLst/>
           <a:extLst>
             <a:ext uri="{909E8E84-426E-40dd-AFC4-6F175D3DCCD1}">
-              <a14:hiddenFill xmlns:a14="http://schemas.microsoft.com/office/drawing/2010/main" xmlns="">
+              <a14:hiddenFill xmlns="" xmlns:a14="http://schemas.microsoft.com/office/drawing/2010/main">
                 <a:noFill/>
               </a14:hiddenFill>
             </a:ext>
             <a:ext uri="{AF507438-7753-43e0-B8FC-AC1667EBCBE1}">
-              <a14:hiddenEffects xmlns:a14="http://schemas.microsoft.com/office/drawing/2010/main" xmlns="">
+              <a14:hiddenEffects xmlns="" xmlns:a14="http://schemas.microsoft.com/office/drawing/2010/main">
                 <a:effectLst>
                   <a:outerShdw blurRad="63500" dist="38099" dir="2700000" algn="ctr" rotWithShape="0">
                     <a:schemeClr val="bg2">
@@ -17641,7 +17641,7 @@
           <a:noFill/>
           <a:extLst>
             <a:ext uri="{909E8E84-426E-40dd-AFC4-6F175D3DCCD1}">
-              <a14:hiddenFill xmlns:a14="http://schemas.microsoft.com/office/drawing/2010/main" xmlns="">
+              <a14:hiddenFill xmlns="" xmlns:a14="http://schemas.microsoft.com/office/drawing/2010/main">
                 <a:solidFill>
                   <a:srgbClr val="FFFFFF"/>
                 </a:solidFill>
@@ -17685,14 +17685,14 @@
           </a:ln>
           <a:extLst>
             <a:ext uri="{909E8E84-426E-40dd-AFC4-6F175D3DCCD1}">
-              <a14:hiddenFill xmlns:a14="http://schemas.microsoft.com/office/drawing/2010/main" xmlns="">
+              <a14:hiddenFill xmlns="" xmlns:a14="http://schemas.microsoft.com/office/drawing/2010/main">
                 <a:solidFill>
                   <a:srgbClr val="FFFFFF"/>
                 </a:solidFill>
               </a14:hiddenFill>
             </a:ext>
             <a:ext uri="{91240B29-F687-4f45-9708-019B960494DF}">
-              <a14:hiddenLine xmlns:a14="http://schemas.microsoft.com/office/drawing/2010/main" xmlns="" w="9525">
+              <a14:hiddenLine xmlns="" xmlns:a14="http://schemas.microsoft.com/office/drawing/2010/main" w="9525">
                 <a:solidFill>
                   <a:srgbClr val="000000"/>
                 </a:solidFill>
@@ -17732,12 +17732,12 @@
           <a:effectLst/>
           <a:extLst>
             <a:ext uri="{909E8E84-426E-40dd-AFC4-6F175D3DCCD1}">
-              <a14:hiddenFill xmlns:a14="http://schemas.microsoft.com/office/drawing/2010/main" xmlns="">
+              <a14:hiddenFill xmlns="" xmlns:a14="http://schemas.microsoft.com/office/drawing/2010/main">
                 <a:noFill/>
               </a14:hiddenFill>
             </a:ext>
             <a:ext uri="{AF507438-7753-43e0-B8FC-AC1667EBCBE1}">
-              <a14:hiddenEffects xmlns:a14="http://schemas.microsoft.com/office/drawing/2010/main" xmlns="">
+              <a14:hiddenEffects xmlns="" xmlns:a14="http://schemas.microsoft.com/office/drawing/2010/main">
                 <a:effectLst>
                   <a:outerShdw blurRad="63500" dist="38099" dir="2700000" algn="ctr" rotWithShape="0">
                     <a:schemeClr val="bg2">
@@ -17787,12 +17787,12 @@
           <a:effectLst/>
           <a:extLst>
             <a:ext uri="{909E8E84-426E-40dd-AFC4-6F175D3DCCD1}">
-              <a14:hiddenFill xmlns:a14="http://schemas.microsoft.com/office/drawing/2010/main" xmlns="">
+              <a14:hiddenFill xmlns="" xmlns:a14="http://schemas.microsoft.com/office/drawing/2010/main">
                 <a:noFill/>
               </a14:hiddenFill>
             </a:ext>
             <a:ext uri="{AF507438-7753-43e0-B8FC-AC1667EBCBE1}">
-              <a14:hiddenEffects xmlns:a14="http://schemas.microsoft.com/office/drawing/2010/main" xmlns="">
+              <a14:hiddenEffects xmlns="" xmlns:a14="http://schemas.microsoft.com/office/drawing/2010/main">
                 <a:effectLst>
                   <a:outerShdw blurRad="63500" dist="38099" dir="2700000" algn="ctr" rotWithShape="0">
                     <a:schemeClr val="bg2">
@@ -17842,12 +17842,12 @@
           <a:effectLst/>
           <a:extLst>
             <a:ext uri="{909E8E84-426E-40dd-AFC4-6F175D3DCCD1}">
-              <a14:hiddenFill xmlns:a14="http://schemas.microsoft.com/office/drawing/2010/main" xmlns="">
+              <a14:hiddenFill xmlns="" xmlns:a14="http://schemas.microsoft.com/office/drawing/2010/main">
                 <a:noFill/>
               </a14:hiddenFill>
             </a:ext>
             <a:ext uri="{AF507438-7753-43e0-B8FC-AC1667EBCBE1}">
-              <a14:hiddenEffects xmlns:a14="http://schemas.microsoft.com/office/drawing/2010/main" xmlns="">
+              <a14:hiddenEffects xmlns="" xmlns:a14="http://schemas.microsoft.com/office/drawing/2010/main">
                 <a:effectLst>
                   <a:outerShdw blurRad="63500" dist="38099" dir="2700000" algn="ctr" rotWithShape="0">
                     <a:schemeClr val="bg2">
@@ -17897,12 +17897,12 @@
           <a:effectLst/>
           <a:extLst>
             <a:ext uri="{909E8E84-426E-40dd-AFC4-6F175D3DCCD1}">
-              <a14:hiddenFill xmlns:a14="http://schemas.microsoft.com/office/drawing/2010/main" xmlns="">
+              <a14:hiddenFill xmlns="" xmlns:a14="http://schemas.microsoft.com/office/drawing/2010/main">
                 <a:noFill/>
               </a14:hiddenFill>
             </a:ext>
             <a:ext uri="{AF507438-7753-43e0-B8FC-AC1667EBCBE1}">
-              <a14:hiddenEffects xmlns:a14="http://schemas.microsoft.com/office/drawing/2010/main" xmlns="">
+              <a14:hiddenEffects xmlns="" xmlns:a14="http://schemas.microsoft.com/office/drawing/2010/main">
                 <a:effectLst>
                   <a:outerShdw blurRad="63500" dist="38099" dir="2700000" algn="ctr" rotWithShape="0">
                     <a:schemeClr val="bg2">
@@ -19423,7 +19423,7 @@
         </p:blipFill>
         <p:spPr>
           <a:xfrm>
-            <a:off x="3841125" y="1545870"/>
+            <a:off x="3475286" y="1212386"/>
             <a:ext cx="1415185" cy="303675"/>
           </a:xfrm>
           <a:prstGeom prst="rect">
@@ -19453,7 +19453,7 @@
         </p:blipFill>
         <p:spPr>
           <a:xfrm>
-            <a:off x="5935719" y="1478411"/>
+            <a:off x="5334000" y="1144927"/>
             <a:ext cx="1571143" cy="407515"/>
           </a:xfrm>
           <a:prstGeom prst="rect">
@@ -19475,8 +19475,8 @@
         </p:nvSpPr>
         <p:spPr>
           <a:xfrm>
-            <a:off x="6573044" y="3201669"/>
-            <a:ext cx="1580243" cy="341993"/>
+            <a:off x="5971647" y="2266899"/>
+            <a:ext cx="1133278" cy="943280"/>
           </a:xfrm>
           <a:prstGeom prst="roundRect">
             <a:avLst/>
@@ -19504,7 +19504,7 @@
           </a:fontRef>
         </p:style>
         <p:txBody>
-          <a:bodyPr rtlCol="0" anchor="ctr"/>
+          <a:bodyPr rtlCol="0" anchor="t"/>
           <a:lstStyle/>
           <a:p>
             <a:pPr algn="ctr"/>
@@ -19529,7 +19529,7 @@
         </p:nvSpPr>
         <p:spPr>
           <a:xfrm>
-            <a:off x="8165360" y="6327559"/>
+            <a:off x="7799521" y="5994075"/>
             <a:ext cx="1006433" cy="215531"/>
           </a:xfrm>
           <a:prstGeom prst="roundRect">
@@ -19578,7 +19578,7 @@
         </p:nvSpPr>
         <p:spPr>
           <a:xfrm>
-            <a:off x="6014602" y="6316275"/>
+            <a:off x="5648763" y="5982791"/>
             <a:ext cx="1002618" cy="220265"/>
           </a:xfrm>
           <a:prstGeom prst="roundRect">
@@ -19630,7 +19630,7 @@
         </p:nvSpPr>
         <p:spPr>
           <a:xfrm>
-            <a:off x="7082487" y="6329778"/>
+            <a:off x="6716648" y="5996294"/>
             <a:ext cx="1002619" cy="193260"/>
           </a:xfrm>
           <a:prstGeom prst="roundRect">
@@ -19682,7 +19682,7 @@
         </p:nvGrpSpPr>
         <p:grpSpPr>
           <a:xfrm>
-            <a:off x="2823112" y="4245274"/>
+            <a:off x="2457273" y="3911790"/>
             <a:ext cx="1291318" cy="1015448"/>
             <a:chOff x="2373085" y="2505791"/>
             <a:chExt cx="1589315" cy="1249782"/>
@@ -19870,7 +19870,7 @@
         </p:nvGrpSpPr>
         <p:grpSpPr>
           <a:xfrm>
-            <a:off x="6971870" y="4070300"/>
+            <a:off x="6606031" y="3736816"/>
             <a:ext cx="1955452" cy="1048621"/>
             <a:chOff x="9436947" y="3800276"/>
             <a:chExt cx="2406710" cy="1290610"/>
@@ -20044,98 +20044,6 @@
           </p:spPr>
         </p:pic>
       </p:grpSp>
-      <p:cxnSp>
-        <p:nvCxnSpPr>
-          <p:cNvPr id="19" name="Connettore 2 18">
-            <a:extLst>
-              <a:ext uri="{FF2B5EF4-FFF2-40B4-BE49-F238E27FC236}">
-                <a16:creationId xmlns:a16="http://schemas.microsoft.com/office/drawing/2014/main" id="{6BB57297-C394-8097-7ED2-7B6BDCE55027}"/>
-              </a:ext>
-            </a:extLst>
-          </p:cNvPr>
-          <p:cNvCxnSpPr>
-            <a:cxnSpLocks/>
-            <a:stCxn id="10" idx="0"/>
-          </p:cNvCxnSpPr>
-          <p:nvPr/>
-        </p:nvCxnSpPr>
-        <p:spPr>
-          <a:xfrm flipV="1">
-            <a:off x="7363166" y="2901913"/>
-            <a:ext cx="0" cy="299756"/>
-          </a:xfrm>
-          <a:prstGeom prst="straightConnector1">
-            <a:avLst/>
-          </a:prstGeom>
-          <a:ln w="38100">
-            <a:solidFill>
-              <a:schemeClr val="tx1"/>
-            </a:solidFill>
-            <a:tailEnd type="triangle"/>
-          </a:ln>
-        </p:spPr>
-        <p:style>
-          <a:lnRef idx="1">
-            <a:schemeClr val="accent1"/>
-          </a:lnRef>
-          <a:fillRef idx="0">
-            <a:schemeClr val="accent1"/>
-          </a:fillRef>
-          <a:effectRef idx="0">
-            <a:schemeClr val="accent1"/>
-          </a:effectRef>
-          <a:fontRef idx="minor">
-            <a:schemeClr val="tx1"/>
-          </a:fontRef>
-        </p:style>
-      </p:cxnSp>
-      <p:cxnSp>
-        <p:nvCxnSpPr>
-          <p:cNvPr id="28" name="Connettore 2 27">
-            <a:extLst>
-              <a:ext uri="{FF2B5EF4-FFF2-40B4-BE49-F238E27FC236}">
-                <a16:creationId xmlns:a16="http://schemas.microsoft.com/office/drawing/2014/main" id="{34C6FD10-6E71-6E5D-2723-5CC8EB1894D6}"/>
-              </a:ext>
-            </a:extLst>
-          </p:cNvPr>
-          <p:cNvCxnSpPr>
-            <a:cxnSpLocks/>
-            <a:stCxn id="25" idx="0"/>
-            <a:endCxn id="10" idx="2"/>
-          </p:cNvCxnSpPr>
-          <p:nvPr/>
-        </p:nvCxnSpPr>
-        <p:spPr>
-          <a:xfrm flipH="1" flipV="1">
-            <a:off x="7363166" y="3543662"/>
-            <a:ext cx="586430" cy="526638"/>
-          </a:xfrm>
-          <a:prstGeom prst="straightConnector1">
-            <a:avLst/>
-          </a:prstGeom>
-          <a:ln w="38100">
-            <a:solidFill>
-              <a:schemeClr val="accent4"/>
-            </a:solidFill>
-            <a:prstDash val="dash"/>
-            <a:tailEnd type="triangle"/>
-          </a:ln>
-        </p:spPr>
-        <p:style>
-          <a:lnRef idx="1">
-            <a:schemeClr val="accent1"/>
-          </a:lnRef>
-          <a:fillRef idx="0">
-            <a:schemeClr val="accent1"/>
-          </a:fillRef>
-          <a:effectRef idx="0">
-            <a:schemeClr val="accent1"/>
-          </a:effectRef>
-          <a:fontRef idx="minor">
-            <a:schemeClr val="tx1"/>
-          </a:fontRef>
-        </p:style>
-      </p:cxnSp>
       <p:sp>
         <p:nvSpPr>
           <p:cNvPr id="31" name="Rettangolo con angoli arrotondati 30">
@@ -20150,7 +20058,7 @@
         </p:nvSpPr>
         <p:spPr>
           <a:xfrm>
-            <a:off x="4566448" y="4759039"/>
+            <a:off x="4200609" y="4425555"/>
             <a:ext cx="1741604" cy="574961"/>
           </a:xfrm>
           <a:prstGeom prst="roundRect">
@@ -20192,98 +20100,6 @@
           </a:p>
         </p:txBody>
       </p:sp>
-      <p:cxnSp>
-        <p:nvCxnSpPr>
-          <p:cNvPr id="32" name="Connettore 2 31">
-            <a:extLst>
-              <a:ext uri="{FF2B5EF4-FFF2-40B4-BE49-F238E27FC236}">
-                <a16:creationId xmlns:a16="http://schemas.microsoft.com/office/drawing/2014/main" id="{0E946648-1C76-74FF-5B4E-8EE4D6DA5980}"/>
-              </a:ext>
-            </a:extLst>
-          </p:cNvPr>
-          <p:cNvCxnSpPr>
-            <a:cxnSpLocks/>
-            <a:stCxn id="31" idx="3"/>
-            <a:endCxn id="8" idx="1"/>
-          </p:cNvCxnSpPr>
-          <p:nvPr/>
-        </p:nvCxnSpPr>
-        <p:spPr>
-          <a:xfrm flipV="1">
-            <a:off x="6308052" y="4747446"/>
-            <a:ext cx="678926" cy="299074"/>
-          </a:xfrm>
-          <a:prstGeom prst="straightConnector1">
-            <a:avLst/>
-          </a:prstGeom>
-          <a:ln w="38100">
-            <a:solidFill>
-              <a:schemeClr val="tx1"/>
-            </a:solidFill>
-            <a:tailEnd type="triangle"/>
-          </a:ln>
-        </p:spPr>
-        <p:style>
-          <a:lnRef idx="1">
-            <a:schemeClr val="accent1"/>
-          </a:lnRef>
-          <a:fillRef idx="0">
-            <a:schemeClr val="accent1"/>
-          </a:fillRef>
-          <a:effectRef idx="0">
-            <a:schemeClr val="accent1"/>
-          </a:effectRef>
-          <a:fontRef idx="minor">
-            <a:schemeClr val="tx1"/>
-          </a:fontRef>
-        </p:style>
-      </p:cxnSp>
-      <p:cxnSp>
-        <p:nvCxnSpPr>
-          <p:cNvPr id="33" name="Connettore 2 32">
-            <a:extLst>
-              <a:ext uri="{FF2B5EF4-FFF2-40B4-BE49-F238E27FC236}">
-                <a16:creationId xmlns:a16="http://schemas.microsoft.com/office/drawing/2014/main" id="{B4E37F3E-FBDC-C71F-358F-6B1E38AC1C42}"/>
-              </a:ext>
-            </a:extLst>
-          </p:cNvPr>
-          <p:cNvCxnSpPr>
-            <a:cxnSpLocks/>
-            <a:endCxn id="31" idx="1"/>
-          </p:cNvCxnSpPr>
-          <p:nvPr/>
-        </p:nvCxnSpPr>
-        <p:spPr>
-          <a:xfrm>
-            <a:off x="4114430" y="5045707"/>
-            <a:ext cx="452018" cy="813"/>
-          </a:xfrm>
-          <a:prstGeom prst="straightConnector1">
-            <a:avLst/>
-          </a:prstGeom>
-          <a:ln w="38100">
-            <a:solidFill>
-              <a:schemeClr val="accent4"/>
-            </a:solidFill>
-            <a:prstDash val="dash"/>
-            <a:tailEnd type="triangle"/>
-          </a:ln>
-        </p:spPr>
-        <p:style>
-          <a:lnRef idx="1">
-            <a:schemeClr val="accent1"/>
-          </a:lnRef>
-          <a:fillRef idx="0">
-            <a:schemeClr val="accent1"/>
-          </a:fillRef>
-          <a:effectRef idx="0">
-            <a:schemeClr val="accent1"/>
-          </a:effectRef>
-          <a:fontRef idx="minor">
-            <a:schemeClr val="tx1"/>
-          </a:fontRef>
-        </p:style>
-      </p:cxnSp>
       <p:sp>
         <p:nvSpPr>
           <p:cNvPr id="41" name="Rettangolo con angoli arrotondati 40">
@@ -20298,7 +20114,7 @@
         </p:nvSpPr>
         <p:spPr>
           <a:xfrm>
-            <a:off x="4685203" y="3049379"/>
+            <a:off x="4319364" y="2715895"/>
             <a:ext cx="1310127" cy="508065"/>
           </a:xfrm>
           <a:prstGeom prst="roundRect">
@@ -20353,7 +20169,7 @@
         </p:nvCxnSpPr>
         <p:spPr>
           <a:xfrm flipH="1" flipV="1">
-            <a:off x="5188746" y="2642589"/>
+            <a:off x="4822907" y="2309105"/>
             <a:ext cx="9718" cy="344466"/>
           </a:xfrm>
           <a:prstGeom prst="straightConnector1">
@@ -20381,51 +20197,6 @@
           </a:fontRef>
         </p:style>
       </p:cxnSp>
-      <p:cxnSp>
-        <p:nvCxnSpPr>
-          <p:cNvPr id="43" name="Connettore 2 42">
-            <a:extLst>
-              <a:ext uri="{FF2B5EF4-FFF2-40B4-BE49-F238E27FC236}">
-                <a16:creationId xmlns:a16="http://schemas.microsoft.com/office/drawing/2014/main" id="{FC4E62F2-B41F-EE3E-3D35-E4738EC239F7}"/>
-              </a:ext>
-            </a:extLst>
-          </p:cNvPr>
-          <p:cNvCxnSpPr>
-            <a:cxnSpLocks/>
-          </p:cNvCxnSpPr>
-          <p:nvPr/>
-        </p:nvCxnSpPr>
-        <p:spPr>
-          <a:xfrm flipH="1" flipV="1">
-            <a:off x="6026049" y="3598016"/>
-            <a:ext cx="991171" cy="543052"/>
-          </a:xfrm>
-          <a:prstGeom prst="straightConnector1">
-            <a:avLst/>
-          </a:prstGeom>
-          <a:ln w="38100">
-            <a:solidFill>
-              <a:schemeClr val="accent4"/>
-            </a:solidFill>
-            <a:prstDash val="dash"/>
-            <a:tailEnd type="triangle"/>
-          </a:ln>
-        </p:spPr>
-        <p:style>
-          <a:lnRef idx="1">
-            <a:schemeClr val="accent1"/>
-          </a:lnRef>
-          <a:fillRef idx="0">
-            <a:schemeClr val="accent1"/>
-          </a:fillRef>
-          <a:effectRef idx="0">
-            <a:schemeClr val="accent1"/>
-          </a:effectRef>
-          <a:fontRef idx="minor">
-            <a:schemeClr val="tx1"/>
-          </a:fontRef>
-        </p:style>
-      </p:cxnSp>
       <p:sp>
         <p:nvSpPr>
           <p:cNvPr id="51" name="Rettangolo con angoli arrotondati 50">
@@ -20440,7 +20211,7 @@
         </p:nvSpPr>
         <p:spPr>
           <a:xfrm>
-            <a:off x="2715799" y="3015399"/>
+            <a:off x="2349960" y="2681915"/>
             <a:ext cx="1797098" cy="521120"/>
           </a:xfrm>
           <a:prstGeom prst="roundRect">
@@ -20510,38 +20281,8 @@
         </p:blipFill>
         <p:spPr>
           <a:xfrm>
-            <a:off x="6991691" y="2131373"/>
-            <a:ext cx="742950" cy="742950"/>
-          </a:xfrm>
-          <a:prstGeom prst="rect">
-            <a:avLst/>
-          </a:prstGeom>
-        </p:spPr>
-      </p:pic>
-      <p:pic>
-        <p:nvPicPr>
-          <p:cNvPr id="58" name="Immagine 57">
-            <a:extLst>
-              <a:ext uri="{FF2B5EF4-FFF2-40B4-BE49-F238E27FC236}">
-                <a16:creationId xmlns:a16="http://schemas.microsoft.com/office/drawing/2014/main" id="{890A60DB-7E06-C947-4E5F-2A5B6D4C32C1}"/>
-              </a:ext>
-            </a:extLst>
-          </p:cNvPr>
-          <p:cNvPicPr>
-            <a:picLocks noChangeAspect="1"/>
-          </p:cNvPicPr>
-          <p:nvPr/>
-        </p:nvPicPr>
-        <p:blipFill>
-          <a:blip r:embed="rId10"/>
-          <a:stretch>
-            <a:fillRect/>
-          </a:stretch>
-        </p:blipFill>
-        <p:spPr>
-          <a:xfrm>
-            <a:off x="6075960" y="2182185"/>
-            <a:ext cx="1133278" cy="755519"/>
+            <a:off x="6172200" y="1797889"/>
+            <a:ext cx="742950" cy="426353"/>
           </a:xfrm>
           <a:prstGeom prst="rect">
             <a:avLst/>
@@ -20562,7 +20303,7 @@
         </p:nvSpPr>
         <p:spPr>
           <a:xfrm>
-            <a:off x="3269093" y="2312702"/>
+            <a:off x="2903254" y="1979218"/>
             <a:ext cx="2075046" cy="271250"/>
           </a:xfrm>
           <a:prstGeom prst="roundRect">
@@ -20599,7 +20340,7 @@
                   <a:schemeClr val="tx1"/>
                 </a:solidFill>
               </a:rPr>
-              <a:t>REST API</a:t>
+              <a:t>OpenProject REST API</a:t>
             </a:r>
           </a:p>
         </p:txBody>
@@ -20621,13 +20362,13 @@
         </p:nvCxnSpPr>
         <p:spPr>
           <a:xfrm>
-            <a:off x="3484102" y="3543662"/>
+            <a:off x="3118263" y="3210178"/>
             <a:ext cx="6264" cy="701612"/>
           </a:xfrm>
           <a:prstGeom prst="straightConnector1">
             <a:avLst/>
           </a:prstGeom>
-          <a:ln w="38100">
+          <a:ln w="28575">
             <a:solidFill>
               <a:schemeClr val="accent4"/>
             </a:solidFill>
@@ -20665,7 +20406,7 @@
         </p:nvCxnSpPr>
         <p:spPr>
           <a:xfrm>
-            <a:off x="3517052" y="2646613"/>
+            <a:off x="3151213" y="2313129"/>
             <a:ext cx="0" cy="340442"/>
           </a:xfrm>
           <a:prstGeom prst="straightConnector1">
@@ -20707,7 +20448,7 @@
         </p:nvSpPr>
         <p:spPr>
           <a:xfrm>
-            <a:off x="6477000" y="5554762"/>
+            <a:off x="6324600" y="5221278"/>
             <a:ext cx="1156378" cy="400959"/>
           </a:xfrm>
           <a:prstGeom prst="roundRect">
@@ -20746,10 +20487,10 @@
       </p:sp>
       <p:cxnSp>
         <p:nvCxnSpPr>
-          <p:cNvPr id="69" name="Connettore 2 68">
+          <p:cNvPr id="72" name="Connettore 2 71">
             <a:extLst>
               <a:ext uri="{FF2B5EF4-FFF2-40B4-BE49-F238E27FC236}">
-                <a16:creationId xmlns:a16="http://schemas.microsoft.com/office/drawing/2014/main" id="{CAE9FECF-EC5B-EE9E-C874-33318DE1B70D}"/>
+                <a16:creationId xmlns:a16="http://schemas.microsoft.com/office/drawing/2014/main" id="{84F432F4-9375-8DF3-4D28-7D40F0BE2C39}"/>
               </a:ext>
             </a:extLst>
           </p:cNvPr>
@@ -20759,18 +20500,17 @@
           <p:nvPr/>
         </p:nvCxnSpPr>
         <p:spPr>
-          <a:xfrm>
-            <a:off x="7391400" y="5178093"/>
-            <a:ext cx="0" cy="344740"/>
+          <a:xfrm flipV="1">
+            <a:off x="6924932" y="4843923"/>
+            <a:ext cx="0" cy="313185"/>
           </a:xfrm>
           <a:prstGeom prst="straightConnector1">
             <a:avLst/>
           </a:prstGeom>
-          <a:ln w="38100">
+          <a:ln w="28575">
             <a:solidFill>
-              <a:schemeClr val="accent4"/>
+              <a:srgbClr val="00B0F0"/>
             </a:solidFill>
-            <a:prstDash val="dash"/>
             <a:tailEnd type="triangle"/>
           </a:ln>
         </p:spPr>
@@ -20789,50 +20529,6 @@
           </a:fontRef>
         </p:style>
       </p:cxnSp>
-      <p:cxnSp>
-        <p:nvCxnSpPr>
-          <p:cNvPr id="72" name="Connettore 2 71">
-            <a:extLst>
-              <a:ext uri="{FF2B5EF4-FFF2-40B4-BE49-F238E27FC236}">
-                <a16:creationId xmlns:a16="http://schemas.microsoft.com/office/drawing/2014/main" id="{84F432F4-9375-8DF3-4D28-7D40F0BE2C39}"/>
-              </a:ext>
-            </a:extLst>
-          </p:cNvPr>
-          <p:cNvCxnSpPr>
-            <a:cxnSpLocks/>
-          </p:cNvCxnSpPr>
-          <p:nvPr/>
-        </p:nvCxnSpPr>
-        <p:spPr>
-          <a:xfrm flipV="1">
-            <a:off x="7239000" y="5126339"/>
-            <a:ext cx="0" cy="411437"/>
-          </a:xfrm>
-          <a:prstGeom prst="straightConnector1">
-            <a:avLst/>
-          </a:prstGeom>
-          <a:ln w="38100">
-            <a:solidFill>
-              <a:srgbClr val="00B0F0"/>
-            </a:solidFill>
-            <a:tailEnd type="triangle"/>
-          </a:ln>
-        </p:spPr>
-        <p:style>
-          <a:lnRef idx="1">
-            <a:schemeClr val="accent1"/>
-          </a:lnRef>
-          <a:fillRef idx="0">
-            <a:schemeClr val="accent1"/>
-          </a:fillRef>
-          <a:effectRef idx="0">
-            <a:schemeClr val="accent1"/>
-          </a:effectRef>
-          <a:fontRef idx="minor">
-            <a:schemeClr val="tx1"/>
-          </a:fontRef>
-        </p:style>
-      </p:cxnSp>
       <p:sp>
         <p:nvSpPr>
           <p:cNvPr id="74" name="Rettangolo con angoli arrotondati 73">
@@ -20847,7 +20543,7 @@
         </p:nvSpPr>
         <p:spPr>
           <a:xfrm>
-            <a:off x="7734642" y="5565510"/>
+            <a:off x="7582242" y="5232026"/>
             <a:ext cx="1381089" cy="400959"/>
           </a:xfrm>
           <a:prstGeom prst="roundRect">
@@ -20899,62 +20595,17 @@
           <p:nvPr/>
         </p:nvCxnSpPr>
         <p:spPr>
-          <a:xfrm flipV="1">
-            <a:off x="8305800" y="5118921"/>
-            <a:ext cx="0" cy="426276"/>
+          <a:xfrm flipH="1" flipV="1">
+            <a:off x="8152694" y="4876026"/>
+            <a:ext cx="706" cy="305574"/>
           </a:xfrm>
           <a:prstGeom prst="straightConnector1">
             <a:avLst/>
           </a:prstGeom>
-          <a:ln w="38100">
+          <a:ln w="28575">
             <a:solidFill>
               <a:schemeClr val="accent4"/>
             </a:solidFill>
-            <a:tailEnd type="triangle"/>
-          </a:ln>
-        </p:spPr>
-        <p:style>
-          <a:lnRef idx="1">
-            <a:schemeClr val="accent1"/>
-          </a:lnRef>
-          <a:fillRef idx="0">
-            <a:schemeClr val="accent1"/>
-          </a:fillRef>
-          <a:effectRef idx="0">
-            <a:schemeClr val="accent1"/>
-          </a:effectRef>
-          <a:fontRef idx="minor">
-            <a:schemeClr val="tx1"/>
-          </a:fontRef>
-        </p:style>
-      </p:cxnSp>
-      <p:cxnSp>
-        <p:nvCxnSpPr>
-          <p:cNvPr id="77" name="Connettore 2 76">
-            <a:extLst>
-              <a:ext uri="{FF2B5EF4-FFF2-40B4-BE49-F238E27FC236}">
-                <a16:creationId xmlns:a16="http://schemas.microsoft.com/office/drawing/2014/main" id="{63737499-589A-D321-A41A-D4AC89D8AAD8}"/>
-              </a:ext>
-            </a:extLst>
-          </p:cNvPr>
-          <p:cNvCxnSpPr>
-            <a:cxnSpLocks/>
-          </p:cNvCxnSpPr>
-          <p:nvPr/>
-        </p:nvCxnSpPr>
-        <p:spPr>
-          <a:xfrm>
-            <a:off x="8458200" y="5139235"/>
-            <a:ext cx="0" cy="426276"/>
-          </a:xfrm>
-          <a:prstGeom prst="straightConnector1">
-            <a:avLst/>
-          </a:prstGeom>
-          <a:ln w="38100">
-            <a:solidFill>
-              <a:schemeClr val="accent4"/>
-            </a:solidFill>
-            <a:prstDash val="dash"/>
             <a:tailEnd type="triangle"/>
           </a:ln>
         </p:spPr>
@@ -20988,10 +20639,10 @@
           <p:nvPr/>
         </p:nvPicPr>
         <p:blipFill>
-          <a:blip r:embed="rId11">
+          <a:blip r:embed="rId10">
             <a:extLst>
               <a:ext uri="{96DAC541-7B7A-43D3-8B79-37D633B846F1}">
-                <asvg:svgBlip xmlns:asvg="http://schemas.microsoft.com/office/drawing/2016/SVG/main" r:embed="rId12"/>
+                <asvg:svgBlip xmlns:asvg="http://schemas.microsoft.com/office/drawing/2016/SVG/main" r:embed="rId11"/>
               </a:ext>
             </a:extLst>
           </a:blip>
@@ -21001,7 +20652,7 @@
         </p:blipFill>
         <p:spPr>
           <a:xfrm>
-            <a:off x="8297102" y="5363394"/>
+            <a:off x="8125131" y="5048250"/>
             <a:ext cx="742950" cy="742950"/>
           </a:xfrm>
           <a:prstGeom prst="rect">
@@ -21024,10 +20675,10 @@
           <p:nvPr/>
         </p:nvPicPr>
         <p:blipFill>
-          <a:blip r:embed="rId13">
+          <a:blip r:embed="rId12">
             <a:extLst>
               <a:ext uri="{96DAC541-7B7A-43D3-8B79-37D633B846F1}">
-                <asvg:svgBlip xmlns:asvg="http://schemas.microsoft.com/office/drawing/2016/SVG/main" r:embed="rId14"/>
+                <asvg:svgBlip xmlns:asvg="http://schemas.microsoft.com/office/drawing/2016/SVG/main" r:embed="rId13"/>
               </a:ext>
             </a:extLst>
           </a:blip>
@@ -21037,7 +20688,7 @@
         </p:blipFill>
         <p:spPr>
           <a:xfrm>
-            <a:off x="5712817" y="4809777"/>
+            <a:off x="5346978" y="4476293"/>
             <a:ext cx="524223" cy="524223"/>
           </a:xfrm>
           <a:prstGeom prst="rect">
@@ -21060,10 +20711,10 @@
           <p:nvPr/>
         </p:nvPicPr>
         <p:blipFill>
-          <a:blip r:embed="rId15">
+          <a:blip r:embed="rId14">
             <a:extLst>
               <a:ext uri="{96DAC541-7B7A-43D3-8B79-37D633B846F1}">
-                <asvg:svgBlip xmlns:asvg="http://schemas.microsoft.com/office/drawing/2016/SVG/main" r:embed="rId16"/>
+                <asvg:svgBlip xmlns:asvg="http://schemas.microsoft.com/office/drawing/2016/SVG/main" r:embed="rId15"/>
               </a:ext>
             </a:extLst>
           </a:blip>
@@ -21073,7 +20724,7 @@
         </p:blipFill>
         <p:spPr>
           <a:xfrm>
-            <a:off x="3962959" y="3053268"/>
+            <a:off x="3597120" y="2719784"/>
             <a:ext cx="445383" cy="445383"/>
           </a:xfrm>
           <a:prstGeom prst="rect">
@@ -21096,10 +20747,10 @@
           <p:nvPr/>
         </p:nvPicPr>
         <p:blipFill>
-          <a:blip r:embed="rId17">
+          <a:blip r:embed="rId16">
             <a:extLst>
               <a:ext uri="{96DAC541-7B7A-43D3-8B79-37D633B846F1}">
-                <asvg:svgBlip xmlns:asvg="http://schemas.microsoft.com/office/drawing/2016/SVG/main" r:embed="rId18"/>
+                <asvg:svgBlip xmlns:asvg="http://schemas.microsoft.com/office/drawing/2016/SVG/main" r:embed="rId17"/>
               </a:ext>
             </a:extLst>
           </a:blip>
@@ -21109,7 +20760,7 @@
         </p:blipFill>
         <p:spPr>
           <a:xfrm>
-            <a:off x="5519853" y="3076554"/>
+            <a:off x="5154014" y="2743070"/>
             <a:ext cx="434691" cy="434691"/>
           </a:xfrm>
           <a:prstGeom prst="rect">
@@ -21131,8 +20782,8 @@
         </p:nvSpPr>
         <p:spPr>
           <a:xfrm>
-            <a:off x="2626460" y="2099604"/>
-            <a:ext cx="7072470" cy="3985417"/>
+            <a:off x="2260620" y="1766120"/>
+            <a:ext cx="7426277" cy="3985417"/>
           </a:xfrm>
           <a:prstGeom prst="roundRect">
             <a:avLst/>
@@ -21180,14 +20831,14 @@
           <p:nvPr/>
         </p:nvPicPr>
         <p:blipFill>
-          <a:blip r:embed="rId19"/>
+          <a:blip r:embed="rId18"/>
           <a:stretch>
             <a:fillRect/>
           </a:stretch>
         </p:blipFill>
         <p:spPr>
           <a:xfrm>
-            <a:off x="2910698" y="5674385"/>
+            <a:off x="2544859" y="5340901"/>
             <a:ext cx="992221" cy="235653"/>
           </a:xfrm>
           <a:prstGeom prst="rect">
@@ -21195,50 +20846,6 @@
           </a:prstGeom>
         </p:spPr>
       </p:pic>
-      <p:cxnSp>
-        <p:nvCxnSpPr>
-          <p:cNvPr id="98" name="Connettore 2 97">
-            <a:extLst>
-              <a:ext uri="{FF2B5EF4-FFF2-40B4-BE49-F238E27FC236}">
-                <a16:creationId xmlns:a16="http://schemas.microsoft.com/office/drawing/2014/main" id="{C1F30817-8FDB-46A7-56E4-AB4624171BE1}"/>
-              </a:ext>
-            </a:extLst>
-          </p:cNvPr>
-          <p:cNvCxnSpPr>
-            <a:cxnSpLocks/>
-          </p:cNvCxnSpPr>
-          <p:nvPr/>
-        </p:nvCxnSpPr>
-        <p:spPr>
-          <a:xfrm flipV="1">
-            <a:off x="1908118" y="4786085"/>
-            <a:ext cx="914994" cy="14515"/>
-          </a:xfrm>
-          <a:prstGeom prst="straightConnector1">
-            <a:avLst/>
-          </a:prstGeom>
-          <a:ln w="38100">
-            <a:solidFill>
-              <a:schemeClr val="accent4"/>
-            </a:solidFill>
-            <a:tailEnd type="triangle"/>
-          </a:ln>
-        </p:spPr>
-        <p:style>
-          <a:lnRef idx="1">
-            <a:schemeClr val="accent1"/>
-          </a:lnRef>
-          <a:fillRef idx="0">
-            <a:schemeClr val="accent1"/>
-          </a:fillRef>
-          <a:effectRef idx="0">
-            <a:schemeClr val="accent1"/>
-          </a:effectRef>
-          <a:fontRef idx="minor">
-            <a:schemeClr val="tx1"/>
-          </a:fontRef>
-        </p:style>
-      </p:cxnSp>
       <p:sp>
         <p:nvSpPr>
           <p:cNvPr id="105" name="Rettangolo con angoli arrotondati 104">
@@ -21253,8 +20860,8 @@
         </p:nvSpPr>
         <p:spPr>
           <a:xfrm>
-            <a:off x="442039" y="2169003"/>
-            <a:ext cx="1630699" cy="3052266"/>
+            <a:off x="76200" y="1835519"/>
+            <a:ext cx="1630699" cy="2348768"/>
           </a:xfrm>
           <a:prstGeom prst="roundRect">
             <a:avLst/>
@@ -21306,10 +20913,10 @@
           <p:nvPr/>
         </p:nvPicPr>
         <p:blipFill>
-          <a:blip r:embed="rId20">
+          <a:blip r:embed="rId19">
             <a:extLst>
               <a:ext uri="{96DAC541-7B7A-43D3-8B79-37D633B846F1}">
-                <asvg:svgBlip xmlns:asvg="http://schemas.microsoft.com/office/drawing/2016/SVG/main" r:embed="rId21"/>
+                <asvg:svgBlip xmlns:asvg="http://schemas.microsoft.com/office/drawing/2016/SVG/main" r:embed="rId20"/>
               </a:ext>
             </a:extLst>
           </a:blip>
@@ -21319,7 +20926,7 @@
         </p:blipFill>
         <p:spPr>
           <a:xfrm flipH="1">
-            <a:off x="606001" y="5324243"/>
+            <a:off x="239630" y="1359644"/>
             <a:ext cx="348766" cy="348766"/>
           </a:xfrm>
           <a:prstGeom prst="rect">
@@ -21342,10 +20949,10 @@
           <p:nvPr/>
         </p:nvPicPr>
         <p:blipFill>
-          <a:blip r:embed="rId22">
+          <a:blip r:embed="rId21">
             <a:extLst>
               <a:ext uri="{96DAC541-7B7A-43D3-8B79-37D633B846F1}">
-                <asvg:svgBlip xmlns:asvg="http://schemas.microsoft.com/office/drawing/2016/SVG/main" r:embed="rId23"/>
+                <asvg:svgBlip xmlns:asvg="http://schemas.microsoft.com/office/drawing/2016/SVG/main" r:embed="rId22"/>
               </a:ext>
             </a:extLst>
           </a:blip>
@@ -21355,7 +20962,7 @@
         </p:blipFill>
         <p:spPr>
           <a:xfrm flipH="1">
-            <a:off x="1389788" y="5363393"/>
+            <a:off x="1023417" y="1398794"/>
             <a:ext cx="348766" cy="348766"/>
           </a:xfrm>
           <a:prstGeom prst="rect">
@@ -21378,10 +20985,10 @@
           <p:nvPr/>
         </p:nvPicPr>
         <p:blipFill>
-          <a:blip r:embed="rId24">
+          <a:blip r:embed="rId23">
             <a:extLst>
               <a:ext uri="{96DAC541-7B7A-43D3-8B79-37D633B846F1}">
-                <asvg:svgBlip xmlns:asvg="http://schemas.microsoft.com/office/drawing/2016/SVG/main" r:embed="rId25"/>
+                <asvg:svgBlip xmlns:asvg="http://schemas.microsoft.com/office/drawing/2016/SVG/main" r:embed="rId24"/>
               </a:ext>
             </a:extLst>
           </a:blip>
@@ -21391,7 +20998,7 @@
         </p:blipFill>
         <p:spPr>
           <a:xfrm flipH="1">
-            <a:off x="986812" y="5363393"/>
+            <a:off x="620441" y="1398794"/>
             <a:ext cx="348766" cy="348766"/>
           </a:xfrm>
           <a:prstGeom prst="rect">
@@ -21414,14 +21021,14 @@
           <p:nvPr/>
         </p:nvPicPr>
         <p:blipFill>
-          <a:blip r:embed="rId26"/>
+          <a:blip r:embed="rId25"/>
           <a:stretch>
             <a:fillRect/>
           </a:stretch>
         </p:blipFill>
         <p:spPr>
           <a:xfrm>
-            <a:off x="2452229" y="3704234"/>
+            <a:off x="2086390" y="3370750"/>
             <a:ext cx="546768" cy="546768"/>
           </a:xfrm>
           <a:prstGeom prst="rect">
@@ -21444,7 +21051,7 @@
           <p:nvPr/>
         </p:nvPicPr>
         <p:blipFill>
-          <a:blip r:embed="rId27">
+          <a:blip r:embed="rId26">
             <a:extLst>
               <a:ext uri="{28A0092B-C50C-407E-A947-70E740481C1C}">
                 <a14:useLocalDpi xmlns:a14="http://schemas.microsoft.com/office/drawing/2010/main" val="0"/>
@@ -21457,7 +21064,7 @@
         </p:blipFill>
         <p:spPr>
           <a:xfrm>
-            <a:off x="584941" y="2730524"/>
+            <a:off x="219102" y="2333516"/>
             <a:ext cx="1356979" cy="1703442"/>
           </a:xfrm>
           <a:prstGeom prst="rect">
@@ -21480,14 +21087,14 @@
           <p:nvPr/>
         </p:nvPicPr>
         <p:blipFill>
-          <a:blip r:embed="rId28"/>
+          <a:blip r:embed="rId27"/>
           <a:stretch>
             <a:fillRect/>
           </a:stretch>
         </p:blipFill>
         <p:spPr>
           <a:xfrm>
-            <a:off x="604642" y="2397791"/>
+            <a:off x="238803" y="2008494"/>
             <a:ext cx="1286196" cy="248822"/>
           </a:xfrm>
           <a:prstGeom prst="rect">
@@ -21510,10 +21117,10 @@
           <p:nvPr/>
         </p:nvPicPr>
         <p:blipFill>
-          <a:blip r:embed="rId29">
+          <a:blip r:embed="rId28">
             <a:extLst>
               <a:ext uri="{96DAC541-7B7A-43D3-8B79-37D633B846F1}">
-                <asvg:svgBlip xmlns:asvg="http://schemas.microsoft.com/office/drawing/2016/SVG/main" r:embed="rId30"/>
+                <asvg:svgBlip xmlns:asvg="http://schemas.microsoft.com/office/drawing/2016/SVG/main" r:embed="rId29"/>
               </a:ext>
             </a:extLst>
           </a:blip>
@@ -21523,7 +21130,7 @@
         </p:blipFill>
         <p:spPr>
           <a:xfrm>
-            <a:off x="7292424" y="5582462"/>
+            <a:off x="7140024" y="5248978"/>
             <a:ext cx="327576" cy="327576"/>
           </a:xfrm>
           <a:prstGeom prst="rect">
@@ -21545,8 +21152,8 @@
         </p:nvSpPr>
         <p:spPr>
           <a:xfrm>
-            <a:off x="620319" y="4567626"/>
-            <a:ext cx="1260995" cy="400959"/>
+            <a:off x="239610" y="4570803"/>
+            <a:ext cx="1260995" cy="455580"/>
           </a:xfrm>
           <a:prstGeom prst="roundRect">
             <a:avLst/>
@@ -21583,7 +21190,7 @@
             <a:pPr algn="ctr"/>
             <a:r>
               <a:rPr lang="en-GB" sz="1463" dirty="0"/>
-              <a:t>Events</a:t>
+              <a:t>AW Adapter</a:t>
             </a:r>
           </a:p>
         </p:txBody>
@@ -21602,8 +21209,8 @@
         </p:nvSpPr>
         <p:spPr>
           <a:xfrm>
-            <a:off x="8433568" y="3029463"/>
-            <a:ext cx="1152973" cy="508065"/>
+            <a:off x="7228968" y="2113188"/>
+            <a:ext cx="1152973" cy="1105355"/>
           </a:xfrm>
           <a:prstGeom prst="roundRect">
             <a:avLst/>
@@ -21631,139 +21238,17 @@
           </a:fontRef>
         </p:style>
         <p:txBody>
-          <a:bodyPr rtlCol="0" anchor="ctr"/>
+          <a:bodyPr rtlCol="0" anchor="t"/>
           <a:lstStyle/>
           <a:p>
             <a:pPr algn="ctr"/>
             <a:r>
-              <a:rPr lang="en-GB" sz="1463"/>
+              <a:rPr lang="en-GB" sz="1463" dirty="0"/>
               <a:t>Ontochain Adapter</a:t>
             </a:r>
           </a:p>
         </p:txBody>
       </p:sp>
-      <p:cxnSp>
-        <p:nvCxnSpPr>
-          <p:cNvPr id="76" name="Connettore 2 75">
-            <a:extLst>
-              <a:ext uri="{FF2B5EF4-FFF2-40B4-BE49-F238E27FC236}">
-                <a16:creationId xmlns:a16="http://schemas.microsoft.com/office/drawing/2014/main" id="{14C9641F-F8D3-EEB5-B338-5BDB481A0FA9}"/>
-              </a:ext>
-            </a:extLst>
-          </p:cNvPr>
-          <p:cNvCxnSpPr>
-            <a:cxnSpLocks/>
-            <a:stCxn id="25" idx="0"/>
-            <a:endCxn id="73" idx="2"/>
-          </p:cNvCxnSpPr>
-          <p:nvPr/>
-        </p:nvCxnSpPr>
-        <p:spPr>
-          <a:xfrm flipV="1">
-            <a:off x="7949596" y="3537528"/>
-            <a:ext cx="1060459" cy="532772"/>
-          </a:xfrm>
-          <a:prstGeom prst="straightConnector1">
-            <a:avLst/>
-          </a:prstGeom>
-          <a:ln w="38100">
-            <a:solidFill>
-              <a:schemeClr val="accent4"/>
-            </a:solidFill>
-            <a:prstDash val="dash"/>
-            <a:tailEnd type="triangle"/>
-          </a:ln>
-        </p:spPr>
-        <p:style>
-          <a:lnRef idx="1">
-            <a:schemeClr val="accent1"/>
-          </a:lnRef>
-          <a:fillRef idx="0">
-            <a:schemeClr val="accent1"/>
-          </a:fillRef>
-          <a:effectRef idx="0">
-            <a:schemeClr val="accent1"/>
-          </a:effectRef>
-          <a:fontRef idx="minor">
-            <a:schemeClr val="tx1"/>
-          </a:fontRef>
-        </p:style>
-      </p:cxnSp>
-      <p:cxnSp>
-        <p:nvCxnSpPr>
-          <p:cNvPr id="78" name="Connettore 2 77">
-            <a:extLst>
-              <a:ext uri="{FF2B5EF4-FFF2-40B4-BE49-F238E27FC236}">
-                <a16:creationId xmlns:a16="http://schemas.microsoft.com/office/drawing/2014/main" id="{E6F73038-E93E-483B-BCFB-2E566839BF4C}"/>
-              </a:ext>
-            </a:extLst>
-          </p:cNvPr>
-          <p:cNvCxnSpPr>
-            <a:cxnSpLocks/>
-            <a:stCxn id="73" idx="0"/>
-          </p:cNvCxnSpPr>
-          <p:nvPr/>
-        </p:nvCxnSpPr>
-        <p:spPr>
-          <a:xfrm flipV="1">
-            <a:off x="9010055" y="2730524"/>
-            <a:ext cx="0" cy="298939"/>
-          </a:xfrm>
-          <a:prstGeom prst="straightConnector1">
-            <a:avLst/>
-          </a:prstGeom>
-          <a:ln w="38100">
-            <a:solidFill>
-              <a:schemeClr val="tx1"/>
-            </a:solidFill>
-            <a:tailEnd type="triangle"/>
-          </a:ln>
-        </p:spPr>
-        <p:style>
-          <a:lnRef idx="1">
-            <a:schemeClr val="accent1"/>
-          </a:lnRef>
-          <a:fillRef idx="0">
-            <a:schemeClr val="accent1"/>
-          </a:fillRef>
-          <a:effectRef idx="0">
-            <a:schemeClr val="accent1"/>
-          </a:effectRef>
-          <a:fontRef idx="minor">
-            <a:schemeClr val="tx1"/>
-          </a:fontRef>
-        </p:style>
-      </p:cxnSp>
-      <p:pic>
-        <p:nvPicPr>
-          <p:cNvPr id="38" name="Immagine 37">
-            <a:extLst>
-              <a:ext uri="{FF2B5EF4-FFF2-40B4-BE49-F238E27FC236}">
-                <a16:creationId xmlns:a16="http://schemas.microsoft.com/office/drawing/2014/main" id="{88644ABE-FB13-D1C8-6C62-F15E0CECEF95}"/>
-              </a:ext>
-            </a:extLst>
-          </p:cNvPr>
-          <p:cNvPicPr>
-            <a:picLocks noChangeAspect="1"/>
-          </p:cNvPicPr>
-          <p:nvPr/>
-        </p:nvPicPr>
-        <p:blipFill>
-          <a:blip r:embed="rId31"/>
-          <a:stretch>
-            <a:fillRect/>
-          </a:stretch>
-        </p:blipFill>
-        <p:spPr>
-          <a:xfrm>
-            <a:off x="7853024" y="2176618"/>
-            <a:ext cx="2020137" cy="634323"/>
-          </a:xfrm>
-          <a:prstGeom prst="rect">
-            <a:avLst/>
-          </a:prstGeom>
-        </p:spPr>
-      </p:pic>
       <p:sp>
         <p:nvSpPr>
           <p:cNvPr id="85" name="Rettangolo con angoli arrotondati 84">
@@ -21778,8 +21263,8 @@
         </p:nvSpPr>
         <p:spPr>
           <a:xfrm>
-            <a:off x="3517052" y="1436278"/>
-            <a:ext cx="5920420" cy="502152"/>
+            <a:off x="3151213" y="1102794"/>
+            <a:ext cx="6535684" cy="502152"/>
           </a:xfrm>
           <a:prstGeom prst="roundRect">
             <a:avLst/>
@@ -21839,7 +21324,7 @@
         </p:blipFill>
         <p:spPr bwMode="auto">
           <a:xfrm>
-            <a:off x="5206385" y="6284568"/>
+            <a:off x="4840546" y="5951084"/>
             <a:ext cx="742950" cy="250056"/>
           </a:xfrm>
           <a:prstGeom prst="rect">
@@ -21872,10 +21357,10 @@
           <p:nvPr/>
         </p:nvPicPr>
         <p:blipFill>
-          <a:blip r:embed="rId32">
+          <a:blip r:embed="rId30">
             <a:extLst>
               <a:ext uri="{96DAC541-7B7A-43D3-8B79-37D633B846F1}">
-                <asvg:svgBlip xmlns:asvg="http://schemas.microsoft.com/office/drawing/2016/SVG/main" r:embed="rId33"/>
+                <asvg:svgBlip xmlns:asvg="http://schemas.microsoft.com/office/drawing/2016/SVG/main" r:embed="rId31"/>
               </a:ext>
             </a:extLst>
           </a:blip>
@@ -21885,7 +21370,7 @@
         </p:blipFill>
         <p:spPr>
           <a:xfrm>
-            <a:off x="7900096" y="1490622"/>
+            <a:off x="7162800" y="1157138"/>
             <a:ext cx="416039" cy="416039"/>
           </a:xfrm>
           <a:prstGeom prst="rect">
@@ -21907,7 +21392,7 @@
         </p:nvSpPr>
         <p:spPr>
           <a:xfrm>
-            <a:off x="8245551" y="1537313"/>
+            <a:off x="7508255" y="1203829"/>
             <a:ext cx="1222194" cy="317459"/>
           </a:xfrm>
           <a:prstGeom prst="rect">
@@ -21943,13 +21428,13 @@
           <p:nvPr/>
         </p:nvPicPr>
         <p:blipFill>
-          <a:blip r:embed="rId34">
+          <a:blip r:embed="rId32">
             <a:extLst>
               <a:ext uri="{28A0092B-C50C-407E-A947-70E740481C1C}">
                 <a14:useLocalDpi xmlns:a14="http://schemas.microsoft.com/office/drawing/2010/main" val="0"/>
               </a:ext>
               <a:ext uri="{96DAC541-7B7A-43D3-8B79-37D633B846F1}">
-                <asvg:svgBlip xmlns:asvg="http://schemas.microsoft.com/office/drawing/2016/SVG/main" r:embed="rId35"/>
+                <asvg:svgBlip xmlns:asvg="http://schemas.microsoft.com/office/drawing/2016/SVG/main" r:embed="rId33"/>
               </a:ext>
             </a:extLst>
           </a:blip>
@@ -21959,7 +21444,7 @@
         </p:blipFill>
         <p:spPr>
           <a:xfrm>
-            <a:off x="866988" y="1450814"/>
+            <a:off x="598769" y="599966"/>
             <a:ext cx="742950" cy="742950"/>
           </a:xfrm>
           <a:prstGeom prst="rect">
@@ -21981,7 +21466,7 @@
         </p:nvSpPr>
         <p:spPr>
           <a:xfrm>
-            <a:off x="436721" y="1251138"/>
+            <a:off x="168502" y="400290"/>
             <a:ext cx="1675459" cy="317459"/>
           </a:xfrm>
           <a:prstGeom prst="rect">
@@ -22022,14 +21507,14 @@
           <p:nvPr/>
         </p:nvPicPr>
         <p:blipFill>
-          <a:blip r:embed="rId26"/>
+          <a:blip r:embed="rId25"/>
           <a:stretch>
             <a:fillRect/>
           </a:stretch>
         </p:blipFill>
         <p:spPr>
           <a:xfrm>
-            <a:off x="5681160" y="1861981"/>
+            <a:off x="5315321" y="1528497"/>
             <a:ext cx="546768" cy="546768"/>
           </a:xfrm>
           <a:prstGeom prst="rect">
@@ -22051,8 +21536,8 @@
         </p:nvSpPr>
         <p:spPr>
           <a:xfrm>
-            <a:off x="3186457" y="768395"/>
-            <a:ext cx="1641335" cy="542584"/>
+            <a:off x="3080463" y="66120"/>
+            <a:ext cx="1924079" cy="317459"/>
           </a:xfrm>
           <a:prstGeom prst="rect">
             <a:avLst/>
@@ -22083,6 +21568,42 @@
             <a:extLst>
               <a:ext uri="{FF2B5EF4-FFF2-40B4-BE49-F238E27FC236}">
                 <a16:creationId xmlns:a16="http://schemas.microsoft.com/office/drawing/2014/main" id="{A728BC3A-60D8-2188-7A23-512161C17209}"/>
+              </a:ext>
+            </a:extLst>
+          </p:cNvPr>
+          <p:cNvPicPr>
+            <a:picLocks noChangeAspect="1"/>
+          </p:cNvPicPr>
+          <p:nvPr/>
+        </p:nvPicPr>
+        <p:blipFill>
+          <a:blip r:embed="rId34">
+            <a:extLst>
+              <a:ext uri="{96DAC541-7B7A-43D3-8B79-37D633B846F1}">
+                <asvg:svgBlip xmlns:asvg="http://schemas.microsoft.com/office/drawing/2016/SVG/main" r:embed="rId35"/>
+              </a:ext>
+            </a:extLst>
+          </a:blip>
+          <a:stretch>
+            <a:fillRect/>
+          </a:stretch>
+        </p:blipFill>
+        <p:spPr>
+          <a:xfrm>
+            <a:off x="7508255" y="349113"/>
+            <a:ext cx="742950" cy="742950"/>
+          </a:xfrm>
+          <a:prstGeom prst="rect">
+            <a:avLst/>
+          </a:prstGeom>
+        </p:spPr>
+      </p:pic>
+      <p:pic>
+        <p:nvPicPr>
+          <p:cNvPr id="125" name="Elemento grafico 124" descr="Programmatrice con riempimento a tinta unita">
+            <a:extLst>
+              <a:ext uri="{FF2B5EF4-FFF2-40B4-BE49-F238E27FC236}">
+                <a16:creationId xmlns:a16="http://schemas.microsoft.com/office/drawing/2014/main" id="{24A9C8DB-004C-5382-CD8F-A225E61E620E}"/>
               </a:ext>
             </a:extLst>
           </p:cNvPr>
@@ -22105,7 +21626,7 @@
         </p:blipFill>
         <p:spPr>
           <a:xfrm>
-            <a:off x="8301888" y="658229"/>
+            <a:off x="5660210" y="305490"/>
             <a:ext cx="742950" cy="742950"/>
           </a:xfrm>
           <a:prstGeom prst="rect">
@@ -22115,10 +21636,10 @@
       </p:pic>
       <p:pic>
         <p:nvPicPr>
-          <p:cNvPr id="125" name="Elemento grafico 124" descr="Programmatrice con riempimento a tinta unita">
+          <p:cNvPr id="127" name="Elemento grafico 126" descr="Impiegato con riempimento a tinta unita">
             <a:extLst>
               <a:ext uri="{FF2B5EF4-FFF2-40B4-BE49-F238E27FC236}">
-                <a16:creationId xmlns:a16="http://schemas.microsoft.com/office/drawing/2014/main" id="{24A9C8DB-004C-5382-CD8F-A225E61E620E}"/>
+                <a16:creationId xmlns:a16="http://schemas.microsoft.com/office/drawing/2014/main" id="{951C8747-5C39-3CC0-D8B2-E8910C4F79C4}"/>
               </a:ext>
             </a:extLst>
           </p:cNvPr>
@@ -22141,43 +21662,7 @@
         </p:blipFill>
         <p:spPr>
           <a:xfrm>
-            <a:off x="6327438" y="638284"/>
-            <a:ext cx="742950" cy="742950"/>
-          </a:xfrm>
-          <a:prstGeom prst="rect">
-            <a:avLst/>
-          </a:prstGeom>
-        </p:spPr>
-      </p:pic>
-      <p:pic>
-        <p:nvPicPr>
-          <p:cNvPr id="127" name="Elemento grafico 126" descr="Impiegato con riempimento a tinta unita">
-            <a:extLst>
-              <a:ext uri="{FF2B5EF4-FFF2-40B4-BE49-F238E27FC236}">
-                <a16:creationId xmlns:a16="http://schemas.microsoft.com/office/drawing/2014/main" id="{951C8747-5C39-3CC0-D8B2-E8910C4F79C4}"/>
-              </a:ext>
-            </a:extLst>
-          </p:cNvPr>
-          <p:cNvPicPr>
-            <a:picLocks noChangeAspect="1"/>
-          </p:cNvPicPr>
-          <p:nvPr/>
-        </p:nvPicPr>
-        <p:blipFill>
-          <a:blip r:embed="rId40">
-            <a:extLst>
-              <a:ext uri="{96DAC541-7B7A-43D3-8B79-37D633B846F1}">
-                <asvg:svgBlip xmlns:asvg="http://schemas.microsoft.com/office/drawing/2016/SVG/main" r:embed="rId41"/>
-              </a:ext>
-            </a:extLst>
-          </a:blip>
-          <a:stretch>
-            <a:fillRect/>
-          </a:stretch>
-        </p:blipFill>
-        <p:spPr>
-          <a:xfrm>
-            <a:off x="4198354" y="676133"/>
+            <a:off x="3576414" y="354048"/>
             <a:ext cx="742950" cy="742950"/>
           </a:xfrm>
           <a:prstGeom prst="rect">
@@ -22199,8 +21684,8 @@
         </p:nvSpPr>
         <p:spPr>
           <a:xfrm>
-            <a:off x="5314528" y="771731"/>
-            <a:ext cx="1522864" cy="542584"/>
+            <a:off x="5091218" y="66121"/>
+            <a:ext cx="2162943" cy="317459"/>
           </a:xfrm>
           <a:prstGeom prst="rect">
             <a:avLst/>
@@ -22220,7 +21705,7 @@
                 </a:solidFill>
                 <a:latin typeface="Montserrat" pitchFamily="2" charset="77"/>
               </a:rPr>
-              <a:t>Data scientists</a:t>
+              <a:t>Data scientists (KPI)</a:t>
             </a:r>
           </a:p>
         </p:txBody>
@@ -22239,8 +21724,8 @@
         </p:nvSpPr>
         <p:spPr>
           <a:xfrm>
-            <a:off x="7274380" y="765057"/>
-            <a:ext cx="1331703" cy="542584"/>
+            <a:off x="7656047" y="52424"/>
+            <a:ext cx="507563" cy="317459"/>
           </a:xfrm>
           <a:prstGeom prst="rect">
             <a:avLst/>
@@ -22260,7 +21745,7 @@
                 </a:solidFill>
                 <a:latin typeface="Montserrat" pitchFamily="2" charset="77"/>
               </a:rPr>
-              <a:t>HR recruiters</a:t>
+              <a:t>HR</a:t>
             </a:r>
           </a:p>
         </p:txBody>
@@ -22279,7 +21764,7 @@
         </p:nvGrpSpPr>
         <p:grpSpPr>
           <a:xfrm rot="19651638">
-            <a:off x="2070354" y="1749719"/>
+            <a:off x="1704515" y="1416235"/>
             <a:ext cx="1486907" cy="442429"/>
             <a:chOff x="7788908" y="466854"/>
             <a:chExt cx="1830039" cy="544528"/>
@@ -22344,7 +21829,7 @@
             <p:nvPr/>
           </p:nvPicPr>
           <p:blipFill>
-            <a:blip r:embed="rId42">
+            <a:blip r:embed="rId40">
               <a:alphaModFix/>
             </a:blip>
             <a:stretch>
@@ -22382,7 +21867,7 @@
         </p:nvCxnSpPr>
         <p:spPr>
           <a:xfrm flipV="1">
-            <a:off x="3123606" y="6522884"/>
+            <a:off x="2757767" y="6189400"/>
             <a:ext cx="914994" cy="14515"/>
           </a:xfrm>
           <a:prstGeom prst="straightConnector1">
@@ -22424,7 +21909,7 @@
         </p:nvSpPr>
         <p:spPr>
           <a:xfrm>
-            <a:off x="3232661" y="6172200"/>
+            <a:off x="2866822" y="5838716"/>
             <a:ext cx="546945" cy="369332"/>
           </a:xfrm>
           <a:prstGeom prst="rect">
@@ -22461,7 +21946,7 @@
         </p:nvCxnSpPr>
         <p:spPr>
           <a:xfrm flipH="1">
-            <a:off x="4082580" y="6522884"/>
+            <a:off x="3716741" y="6189400"/>
             <a:ext cx="932274" cy="0"/>
           </a:xfrm>
           <a:prstGeom prst="straightConnector1">
@@ -22504,7 +21989,7 @@
         </p:nvSpPr>
         <p:spPr>
           <a:xfrm>
-            <a:off x="4327587" y="6180737"/>
+            <a:off x="3961748" y="5847253"/>
             <a:ext cx="534121" cy="369332"/>
           </a:xfrm>
           <a:prstGeom prst="rect">
@@ -22539,7 +22024,7 @@
         </p:nvSpPr>
         <p:spPr>
           <a:xfrm>
-            <a:off x="4566448" y="4112957"/>
+            <a:off x="4200609" y="3779473"/>
             <a:ext cx="1741604" cy="574961"/>
           </a:xfrm>
           <a:prstGeom prst="roundRect">
@@ -22581,34 +22066,855 @@
           </a:p>
         </p:txBody>
       </p:sp>
+      <p:pic>
+        <p:nvPicPr>
+          <p:cNvPr id="18" name="Elemento grafico 17" descr="Diagramma di Gantt con riempimento a tinta unita">
+            <a:extLst>
+              <a:ext uri="{FF2B5EF4-FFF2-40B4-BE49-F238E27FC236}">
+                <a16:creationId xmlns:a16="http://schemas.microsoft.com/office/drawing/2014/main" id="{E35DA78D-0847-DADB-3AEE-033CB48A37E6}"/>
+              </a:ext>
+            </a:extLst>
+          </p:cNvPr>
+          <p:cNvPicPr>
+            <a:picLocks noChangeAspect="1"/>
+          </p:cNvPicPr>
+          <p:nvPr/>
+        </p:nvPicPr>
+        <p:blipFill>
+          <a:blip r:embed="rId14">
+            <a:extLst>
+              <a:ext uri="{96DAC541-7B7A-43D3-8B79-37D633B846F1}">
+                <asvg:svgBlip xmlns:asvg="http://schemas.microsoft.com/office/drawing/2016/SVG/main" r:embed="rId15"/>
+              </a:ext>
+            </a:extLst>
+          </a:blip>
+          <a:stretch>
+            <a:fillRect/>
+          </a:stretch>
+        </p:blipFill>
+        <p:spPr>
+          <a:xfrm>
+            <a:off x="5356870" y="3855577"/>
+            <a:ext cx="445383" cy="445383"/>
+          </a:xfrm>
+          <a:prstGeom prst="rect">
+            <a:avLst/>
+          </a:prstGeom>
+        </p:spPr>
+      </p:pic>
+      <p:pic>
+        <p:nvPicPr>
+          <p:cNvPr id="21" name="Immagine 20">
+            <a:extLst>
+              <a:ext uri="{FF2B5EF4-FFF2-40B4-BE49-F238E27FC236}">
+                <a16:creationId xmlns:a16="http://schemas.microsoft.com/office/drawing/2014/main" id="{DAEC7D90-3699-04C3-4200-13B0BE8AC7CA}"/>
+              </a:ext>
+            </a:extLst>
+          </p:cNvPr>
+          <p:cNvPicPr>
+            <a:picLocks noChangeAspect="1"/>
+          </p:cNvPicPr>
+          <p:nvPr/>
+        </p:nvPicPr>
+        <p:blipFill>
+          <a:blip r:embed="rId41"/>
+          <a:stretch>
+            <a:fillRect/>
+          </a:stretch>
+        </p:blipFill>
+        <p:spPr>
+          <a:xfrm>
+            <a:off x="870107" y="5168941"/>
+            <a:ext cx="774290" cy="317459"/>
+          </a:xfrm>
+          <a:prstGeom prst="rect">
+            <a:avLst/>
+          </a:prstGeom>
+        </p:spPr>
+      </p:pic>
+      <p:sp>
+        <p:nvSpPr>
+          <p:cNvPr id="27" name="Rettangolo con angoli arrotondati 26">
+            <a:extLst>
+              <a:ext uri="{FF2B5EF4-FFF2-40B4-BE49-F238E27FC236}">
+                <a16:creationId xmlns:a16="http://schemas.microsoft.com/office/drawing/2014/main" id="{13853322-2DDA-A120-1312-063E822AAAC0}"/>
+              </a:ext>
+            </a:extLst>
+          </p:cNvPr>
+          <p:cNvSpPr/>
+          <p:nvPr/>
+        </p:nvSpPr>
+        <p:spPr>
+          <a:xfrm>
+            <a:off x="78750" y="4458221"/>
+            <a:ext cx="1630699" cy="681660"/>
+          </a:xfrm>
+          <a:prstGeom prst="roundRect">
+            <a:avLst/>
+          </a:prstGeom>
+          <a:noFill/>
+          <a:ln w="28575"/>
+        </p:spPr>
+        <p:style>
+          <a:lnRef idx="2">
+            <a:schemeClr val="accent1">
+              <a:shade val="50000"/>
+            </a:schemeClr>
+          </a:lnRef>
+          <a:fillRef idx="1">
+            <a:schemeClr val="accent1"/>
+          </a:fillRef>
+          <a:effectRef idx="0">
+            <a:schemeClr val="accent1"/>
+          </a:effectRef>
+          <a:fontRef idx="minor">
+            <a:schemeClr val="lt1"/>
+          </a:fontRef>
+        </p:style>
+        <p:txBody>
+          <a:bodyPr rtlCol="0" anchor="ctr"/>
+          <a:lstStyle/>
+          <a:p>
+            <a:pPr algn="ctr"/>
+            <a:endParaRPr lang="en-GB" sz="1463" dirty="0">
+              <a:solidFill>
+                <a:srgbClr val="FFFF00"/>
+              </a:solidFill>
+            </a:endParaRPr>
+          </a:p>
+        </p:txBody>
+      </p:sp>
+      <p:sp>
+        <p:nvSpPr>
+          <p:cNvPr id="29" name="Rettangolo con angoli arrotondati 28">
+            <a:extLst>
+              <a:ext uri="{FF2B5EF4-FFF2-40B4-BE49-F238E27FC236}">
+                <a16:creationId xmlns:a16="http://schemas.microsoft.com/office/drawing/2014/main" id="{BE30A527-5E63-45B7-9799-D4C13CD3466B}"/>
+              </a:ext>
+            </a:extLst>
+          </p:cNvPr>
+          <p:cNvSpPr/>
+          <p:nvPr/>
+        </p:nvSpPr>
+        <p:spPr>
+          <a:xfrm>
+            <a:off x="289729" y="4118059"/>
+            <a:ext cx="1184344" cy="217414"/>
+          </a:xfrm>
+          <a:prstGeom prst="roundRect">
+            <a:avLst/>
+          </a:prstGeom>
+          <a:solidFill>
+            <a:schemeClr val="accent4"/>
+          </a:solidFill>
+        </p:spPr>
+        <p:style>
+          <a:lnRef idx="2">
+            <a:schemeClr val="accent1">
+              <a:shade val="50000"/>
+            </a:schemeClr>
+          </a:lnRef>
+          <a:fillRef idx="1">
+            <a:schemeClr val="accent1"/>
+          </a:fillRef>
+          <a:effectRef idx="0">
+            <a:schemeClr val="accent1"/>
+          </a:effectRef>
+          <a:fontRef idx="minor">
+            <a:schemeClr val="lt1"/>
+          </a:fontRef>
+        </p:style>
+        <p:txBody>
+          <a:bodyPr rtlCol="0" anchor="ctr"/>
+          <a:lstStyle/>
+          <a:p>
+            <a:pPr algn="ctr"/>
+            <a:r>
+              <a:rPr lang="en-GB" sz="1463" dirty="0">
+                <a:solidFill>
+                  <a:schemeClr val="tx1"/>
+                </a:solidFill>
+              </a:rPr>
+              <a:t>AW REST API</a:t>
+            </a:r>
+          </a:p>
+        </p:txBody>
+      </p:sp>
+      <p:pic>
+        <p:nvPicPr>
+          <p:cNvPr id="34" name="Elemento grafico 33" descr="Successo di gruppo contorno">
+            <a:extLst>
+              <a:ext uri="{FF2B5EF4-FFF2-40B4-BE49-F238E27FC236}">
+                <a16:creationId xmlns:a16="http://schemas.microsoft.com/office/drawing/2014/main" id="{D73CDA41-8E0A-D0D8-F2FF-6C41D4168E5B}"/>
+              </a:ext>
+            </a:extLst>
+          </p:cNvPr>
+          <p:cNvPicPr>
+            <a:picLocks noChangeAspect="1"/>
+          </p:cNvPicPr>
+          <p:nvPr/>
+        </p:nvPicPr>
+        <p:blipFill>
+          <a:blip r:embed="rId32">
+            <a:extLst>
+              <a:ext uri="{28A0092B-C50C-407E-A947-70E740481C1C}">
+                <a14:useLocalDpi xmlns:a14="http://schemas.microsoft.com/office/drawing/2010/main" val="0"/>
+              </a:ext>
+              <a:ext uri="{96DAC541-7B7A-43D3-8B79-37D633B846F1}">
+                <asvg:svgBlip xmlns:asvg="http://schemas.microsoft.com/office/drawing/2016/SVG/main" r:embed="rId33"/>
+              </a:ext>
+            </a:extLst>
+          </a:blip>
+          <a:stretch>
+            <a:fillRect/>
+          </a:stretch>
+        </p:blipFill>
+        <p:spPr>
+          <a:xfrm>
+            <a:off x="8707127" y="393376"/>
+            <a:ext cx="742950" cy="742950"/>
+          </a:xfrm>
+          <a:prstGeom prst="rect">
+            <a:avLst/>
+          </a:prstGeom>
+        </p:spPr>
+      </p:pic>
+      <p:sp>
+        <p:nvSpPr>
+          <p:cNvPr id="35" name="CasellaDiTesto 34">
+            <a:extLst>
+              <a:ext uri="{FF2B5EF4-FFF2-40B4-BE49-F238E27FC236}">
+                <a16:creationId xmlns:a16="http://schemas.microsoft.com/office/drawing/2014/main" id="{279A7E9B-D18D-0301-94F7-5CFD33AA96B5}"/>
+              </a:ext>
+            </a:extLst>
+          </p:cNvPr>
+          <p:cNvSpPr txBox="1"/>
+          <p:nvPr/>
+        </p:nvSpPr>
+        <p:spPr>
+          <a:xfrm>
+            <a:off x="8230541" y="228600"/>
+            <a:ext cx="1675459" cy="317459"/>
+          </a:xfrm>
+          <a:prstGeom prst="rect">
+            <a:avLst/>
+          </a:prstGeom>
+          <a:noFill/>
+        </p:spPr>
+        <p:txBody>
+          <a:bodyPr wrap="none" rtlCol="0">
+            <a:spAutoFit/>
+          </a:bodyPr>
+          <a:lstStyle/>
+          <a:p>
+            <a:r>
+              <a:rPr lang="it-IT" sz="1463" b="1" dirty="0">
+                <a:solidFill>
+                  <a:schemeClr val="accent1"/>
+                </a:solidFill>
+                <a:latin typeface="Montserrat" pitchFamily="2" charset="77"/>
+              </a:rPr>
+              <a:t>Smart Workers</a:t>
+            </a:r>
+          </a:p>
+        </p:txBody>
+      </p:sp>
+      <p:sp>
+        <p:nvSpPr>
+          <p:cNvPr id="46" name="Rettangolo con angoli arrotondati 45">
+            <a:extLst>
+              <a:ext uri="{FF2B5EF4-FFF2-40B4-BE49-F238E27FC236}">
+                <a16:creationId xmlns:a16="http://schemas.microsoft.com/office/drawing/2014/main" id="{6AA2C1AC-3872-5162-1345-033CB0E64203}"/>
+              </a:ext>
+            </a:extLst>
+          </p:cNvPr>
+          <p:cNvSpPr/>
+          <p:nvPr/>
+        </p:nvSpPr>
+        <p:spPr>
+          <a:xfrm>
+            <a:off x="8457932" y="2117803"/>
+            <a:ext cx="1152973" cy="1115528"/>
+          </a:xfrm>
+          <a:prstGeom prst="roundRect">
+            <a:avLst/>
+          </a:prstGeom>
+          <a:ln>
+            <a:solidFill>
+              <a:schemeClr val="accent4"/>
+            </a:solidFill>
+          </a:ln>
+        </p:spPr>
+        <p:style>
+          <a:lnRef idx="2">
+            <a:schemeClr val="accent1">
+              <a:shade val="50000"/>
+            </a:schemeClr>
+          </a:lnRef>
+          <a:fillRef idx="1">
+            <a:schemeClr val="accent1"/>
+          </a:fillRef>
+          <a:effectRef idx="0">
+            <a:schemeClr val="accent1"/>
+          </a:effectRef>
+          <a:fontRef idx="minor">
+            <a:schemeClr val="lt1"/>
+          </a:fontRef>
+        </p:style>
+        <p:txBody>
+          <a:bodyPr rtlCol="0" anchor="t"/>
+          <a:lstStyle/>
+          <a:p>
+            <a:pPr algn="ctr"/>
+            <a:r>
+              <a:rPr lang="en-GB" sz="1463" dirty="0"/>
+              <a:t>SOLID Adapter</a:t>
+            </a:r>
+          </a:p>
+        </p:txBody>
+      </p:sp>
+      <p:pic>
+        <p:nvPicPr>
+          <p:cNvPr id="52" name="Immagine 51">
+            <a:extLst>
+              <a:ext uri="{FF2B5EF4-FFF2-40B4-BE49-F238E27FC236}">
+                <a16:creationId xmlns:a16="http://schemas.microsoft.com/office/drawing/2014/main" id="{1D9F31A7-4B21-A258-6EFC-C8408D56D8E1}"/>
+              </a:ext>
+            </a:extLst>
+          </p:cNvPr>
+          <p:cNvPicPr>
+            <a:picLocks noChangeAspect="1"/>
+          </p:cNvPicPr>
+          <p:nvPr/>
+        </p:nvPicPr>
+        <p:blipFill>
+          <a:blip r:embed="rId42"/>
+          <a:stretch>
+            <a:fillRect/>
+          </a:stretch>
+        </p:blipFill>
+        <p:spPr>
+          <a:xfrm>
+            <a:off x="8763000" y="1179050"/>
+            <a:ext cx="361187" cy="361187"/>
+          </a:xfrm>
+          <a:prstGeom prst="rect">
+            <a:avLst/>
+          </a:prstGeom>
+        </p:spPr>
+      </p:pic>
       <p:cxnSp>
         <p:nvCxnSpPr>
-          <p:cNvPr id="9" name="Connettore 2 8">
+          <p:cNvPr id="55" name="Connettore 4 54">
             <a:extLst>
               <a:ext uri="{FF2B5EF4-FFF2-40B4-BE49-F238E27FC236}">
-                <a16:creationId xmlns:a16="http://schemas.microsoft.com/office/drawing/2014/main" id="{AFD912E4-E322-BAE3-818E-60BEEEFA2F3C}"/>
+                <a16:creationId xmlns:a16="http://schemas.microsoft.com/office/drawing/2014/main" id="{7BEA7A39-8FB6-DF24-9A74-36F016FCCDD8}"/>
               </a:ext>
             </a:extLst>
           </p:cNvPr>
           <p:cNvCxnSpPr>
             <a:cxnSpLocks/>
+            <a:stCxn id="25" idx="0"/>
+            <a:endCxn id="46" idx="2"/>
+          </p:cNvCxnSpPr>
+          <p:nvPr/>
+        </p:nvCxnSpPr>
+        <p:spPr>
+          <a:xfrm rot="5400000" flipH="1" flipV="1">
+            <a:off x="8057346" y="2759743"/>
+            <a:ext cx="503485" cy="1450662"/>
+          </a:xfrm>
+          <a:prstGeom prst="bentConnector3">
+            <a:avLst/>
+          </a:prstGeom>
+          <a:ln>
+            <a:solidFill>
+              <a:schemeClr val="accent4"/>
+            </a:solidFill>
+            <a:prstDash val="dash"/>
+            <a:tailEnd type="triangle"/>
+          </a:ln>
+        </p:spPr>
+        <p:style>
+          <a:lnRef idx="2">
+            <a:schemeClr val="accent1"/>
+          </a:lnRef>
+          <a:fillRef idx="0">
+            <a:schemeClr val="accent1"/>
+          </a:fillRef>
+          <a:effectRef idx="1">
+            <a:schemeClr val="accent1"/>
+          </a:effectRef>
+          <a:fontRef idx="minor">
+            <a:schemeClr val="tx1"/>
+          </a:fontRef>
+        </p:style>
+      </p:cxnSp>
+      <p:cxnSp>
+        <p:nvCxnSpPr>
+          <p:cNvPr id="56" name="Connettore 4 55">
+            <a:extLst>
+              <a:ext uri="{FF2B5EF4-FFF2-40B4-BE49-F238E27FC236}">
+                <a16:creationId xmlns:a16="http://schemas.microsoft.com/office/drawing/2014/main" id="{8DF85B5B-E29E-09EA-F291-94E0F8C5EBA6}"/>
+              </a:ext>
+            </a:extLst>
+          </p:cNvPr>
+          <p:cNvCxnSpPr>
+            <a:cxnSpLocks/>
+            <a:stCxn id="25" idx="0"/>
+            <a:endCxn id="73" idx="2"/>
+          </p:cNvCxnSpPr>
+          <p:nvPr/>
+        </p:nvCxnSpPr>
+        <p:spPr>
+          <a:xfrm rot="5400000" flipH="1" flipV="1">
+            <a:off x="7435470" y="3366831"/>
+            <a:ext cx="518273" cy="221698"/>
+          </a:xfrm>
+          <a:prstGeom prst="bentConnector3">
+            <a:avLst/>
+          </a:prstGeom>
+          <a:ln>
+            <a:solidFill>
+              <a:schemeClr val="accent4"/>
+            </a:solidFill>
+            <a:prstDash val="dash"/>
+            <a:tailEnd type="triangle"/>
+          </a:ln>
+        </p:spPr>
+        <p:style>
+          <a:lnRef idx="2">
+            <a:schemeClr val="accent1"/>
+          </a:lnRef>
+          <a:fillRef idx="0">
+            <a:schemeClr val="accent1"/>
+          </a:fillRef>
+          <a:effectRef idx="1">
+            <a:schemeClr val="accent1"/>
+          </a:effectRef>
+          <a:fontRef idx="minor">
+            <a:schemeClr val="tx1"/>
+          </a:fontRef>
+        </p:style>
+      </p:cxnSp>
+      <p:cxnSp>
+        <p:nvCxnSpPr>
+          <p:cNvPr id="65" name="Connettore 4 64">
+            <a:extLst>
+              <a:ext uri="{FF2B5EF4-FFF2-40B4-BE49-F238E27FC236}">
+                <a16:creationId xmlns:a16="http://schemas.microsoft.com/office/drawing/2014/main" id="{440D6767-314E-15C1-2A67-283861143AEF}"/>
+              </a:ext>
+            </a:extLst>
+          </p:cNvPr>
+          <p:cNvCxnSpPr>
+            <a:cxnSpLocks/>
+            <a:stCxn id="25" idx="0"/>
+            <a:endCxn id="10" idx="2"/>
+          </p:cNvCxnSpPr>
+          <p:nvPr/>
+        </p:nvCxnSpPr>
+        <p:spPr>
+          <a:xfrm rot="16200000" flipV="1">
+            <a:off x="6797704" y="2950762"/>
+            <a:ext cx="526637" cy="1045471"/>
+          </a:xfrm>
+          <a:prstGeom prst="bentConnector3">
+            <a:avLst>
+              <a:gd name="adj1" fmla="val 50000"/>
+            </a:avLst>
+          </a:prstGeom>
+          <a:ln>
+            <a:solidFill>
+              <a:schemeClr val="accent4"/>
+            </a:solidFill>
+            <a:prstDash val="dash"/>
+            <a:tailEnd type="triangle"/>
+          </a:ln>
+        </p:spPr>
+        <p:style>
+          <a:lnRef idx="2">
+            <a:schemeClr val="accent1"/>
+          </a:lnRef>
+          <a:fillRef idx="0">
+            <a:schemeClr val="accent1"/>
+          </a:fillRef>
+          <a:effectRef idx="1">
+            <a:schemeClr val="accent1"/>
+          </a:effectRef>
+          <a:fontRef idx="minor">
+            <a:schemeClr val="tx1"/>
+          </a:fontRef>
+        </p:style>
+      </p:cxnSp>
+      <p:cxnSp>
+        <p:nvCxnSpPr>
+          <p:cNvPr id="71" name="Connettore 4 70">
+            <a:extLst>
+              <a:ext uri="{FF2B5EF4-FFF2-40B4-BE49-F238E27FC236}">
+                <a16:creationId xmlns:a16="http://schemas.microsoft.com/office/drawing/2014/main" id="{9B39571D-A379-A718-F617-96C2FEF370A9}"/>
+              </a:ext>
+            </a:extLst>
+          </p:cNvPr>
+          <p:cNvCxnSpPr>
+            <a:cxnSpLocks/>
+            <a:stCxn id="25" idx="0"/>
+            <a:endCxn id="41" idx="2"/>
+          </p:cNvCxnSpPr>
+          <p:nvPr/>
+        </p:nvCxnSpPr>
+        <p:spPr>
+          <a:xfrm rot="16200000" flipV="1">
+            <a:off x="6022665" y="2175723"/>
+            <a:ext cx="512856" cy="2609329"/>
+          </a:xfrm>
+          <a:prstGeom prst="bentConnector3">
+            <a:avLst>
+              <a:gd name="adj1" fmla="val 50000"/>
+            </a:avLst>
+          </a:prstGeom>
+          <a:ln>
+            <a:solidFill>
+              <a:schemeClr val="accent4"/>
+            </a:solidFill>
+            <a:prstDash val="dash"/>
+            <a:tailEnd type="triangle"/>
+          </a:ln>
+        </p:spPr>
+        <p:style>
+          <a:lnRef idx="2">
+            <a:schemeClr val="accent1"/>
+          </a:lnRef>
+          <a:fillRef idx="0">
+            <a:schemeClr val="accent1"/>
+          </a:fillRef>
+          <a:effectRef idx="1">
+            <a:schemeClr val="accent1"/>
+          </a:effectRef>
+          <a:fontRef idx="minor">
+            <a:schemeClr val="tx1"/>
+          </a:fontRef>
+        </p:style>
+      </p:cxnSp>
+      <p:cxnSp>
+        <p:nvCxnSpPr>
+          <p:cNvPr id="81" name="Connettore 4 80">
+            <a:extLst>
+              <a:ext uri="{FF2B5EF4-FFF2-40B4-BE49-F238E27FC236}">
+                <a16:creationId xmlns:a16="http://schemas.microsoft.com/office/drawing/2014/main" id="{1625BCB3-7C50-4B0A-F84C-198F2590FA17}"/>
+              </a:ext>
+            </a:extLst>
+          </p:cNvPr>
+          <p:cNvCxnSpPr>
+            <a:cxnSpLocks/>
+            <a:stCxn id="22" idx="3"/>
             <a:endCxn id="6" idx="1"/>
           </p:cNvCxnSpPr>
           <p:nvPr/>
         </p:nvCxnSpPr>
         <p:spPr>
-          <a:xfrm>
-            <a:off x="4114430" y="4399625"/>
-            <a:ext cx="452018" cy="813"/>
-          </a:xfrm>
-          <a:prstGeom prst="straightConnector1">
+          <a:xfrm flipV="1">
+            <a:off x="3748591" y="4066954"/>
+            <a:ext cx="452018" cy="352560"/>
+          </a:xfrm>
+          <a:prstGeom prst="bentConnector3">
             <a:avLst/>
           </a:prstGeom>
-          <a:ln w="38100">
+          <a:ln>
             <a:solidFill>
               <a:schemeClr val="accent4"/>
             </a:solidFill>
             <a:prstDash val="dash"/>
+            <a:tailEnd type="triangle"/>
+          </a:ln>
+        </p:spPr>
+        <p:style>
+          <a:lnRef idx="2">
+            <a:schemeClr val="accent1"/>
+          </a:lnRef>
+          <a:fillRef idx="0">
+            <a:schemeClr val="accent1"/>
+          </a:fillRef>
+          <a:effectRef idx="1">
+            <a:schemeClr val="accent1"/>
+          </a:effectRef>
+          <a:fontRef idx="minor">
+            <a:schemeClr val="tx1"/>
+          </a:fontRef>
+        </p:style>
+      </p:cxnSp>
+      <p:cxnSp>
+        <p:nvCxnSpPr>
+          <p:cNvPr id="97" name="Connettore 4 96">
+            <a:extLst>
+              <a:ext uri="{FF2B5EF4-FFF2-40B4-BE49-F238E27FC236}">
+                <a16:creationId xmlns:a16="http://schemas.microsoft.com/office/drawing/2014/main" id="{B6311674-8207-0A55-C29C-2DA36DB150E6}"/>
+              </a:ext>
+            </a:extLst>
+          </p:cNvPr>
+          <p:cNvCxnSpPr>
+            <a:cxnSpLocks/>
+            <a:stCxn id="22" idx="3"/>
+            <a:endCxn id="31" idx="1"/>
+          </p:cNvCxnSpPr>
+          <p:nvPr/>
+        </p:nvCxnSpPr>
+        <p:spPr>
+          <a:xfrm>
+            <a:off x="3748591" y="4419514"/>
+            <a:ext cx="452018" cy="293522"/>
+          </a:xfrm>
+          <a:prstGeom prst="bentConnector3">
+            <a:avLst/>
+          </a:prstGeom>
+          <a:ln>
+            <a:solidFill>
+              <a:schemeClr val="accent4"/>
+            </a:solidFill>
+            <a:prstDash val="dash"/>
+            <a:tailEnd type="triangle"/>
+          </a:ln>
+        </p:spPr>
+        <p:style>
+          <a:lnRef idx="2">
+            <a:schemeClr val="accent1"/>
+          </a:lnRef>
+          <a:fillRef idx="0">
+            <a:schemeClr val="accent1"/>
+          </a:fillRef>
+          <a:effectRef idx="1">
+            <a:schemeClr val="accent1"/>
+          </a:effectRef>
+          <a:fontRef idx="minor">
+            <a:schemeClr val="tx1"/>
+          </a:fontRef>
+        </p:style>
+      </p:cxnSp>
+      <p:pic>
+        <p:nvPicPr>
+          <p:cNvPr id="126" name="Immagine 125">
+            <a:extLst>
+              <a:ext uri="{FF2B5EF4-FFF2-40B4-BE49-F238E27FC236}">
+                <a16:creationId xmlns:a16="http://schemas.microsoft.com/office/drawing/2014/main" id="{E00F1908-5488-2164-D2BC-0760E01F7CE7}"/>
+              </a:ext>
+            </a:extLst>
+          </p:cNvPr>
+          <p:cNvPicPr>
+            <a:picLocks noChangeAspect="1"/>
+          </p:cNvPicPr>
+          <p:nvPr/>
+        </p:nvPicPr>
+        <p:blipFill>
+          <a:blip r:embed="rId43">
+            <a:extLst>
+              <a:ext uri="{28A0092B-C50C-407E-A947-70E740481C1C}">
+                <a14:useLocalDpi xmlns:a14="http://schemas.microsoft.com/office/drawing/2010/main" val="0"/>
+              </a:ext>
+            </a:extLst>
+          </a:blip>
+          <a:stretch>
+            <a:fillRect/>
+          </a:stretch>
+        </p:blipFill>
+        <p:spPr>
+          <a:xfrm>
+            <a:off x="8604627" y="2829155"/>
+            <a:ext cx="859580" cy="252642"/>
+          </a:xfrm>
+          <a:prstGeom prst="rect">
+            <a:avLst/>
+          </a:prstGeom>
+        </p:spPr>
+      </p:pic>
+      <p:pic>
+        <p:nvPicPr>
+          <p:cNvPr id="135" name="Immagine 134">
+            <a:extLst>
+              <a:ext uri="{FF2B5EF4-FFF2-40B4-BE49-F238E27FC236}">
+                <a16:creationId xmlns:a16="http://schemas.microsoft.com/office/drawing/2014/main" id="{F469D568-4DAC-DDD8-5777-837A372ED05A}"/>
+              </a:ext>
+            </a:extLst>
+          </p:cNvPr>
+          <p:cNvPicPr>
+            <a:picLocks noChangeAspect="1"/>
+          </p:cNvPicPr>
+          <p:nvPr/>
+        </p:nvPicPr>
+        <p:blipFill>
+          <a:blip r:embed="rId44"/>
+          <a:stretch>
+            <a:fillRect/>
+          </a:stretch>
+        </p:blipFill>
+        <p:spPr>
+          <a:xfrm>
+            <a:off x="7023931" y="2697226"/>
+            <a:ext cx="1551180" cy="487070"/>
+          </a:xfrm>
+          <a:prstGeom prst="rect">
+            <a:avLst/>
+          </a:prstGeom>
+        </p:spPr>
+      </p:pic>
+      <p:pic>
+        <p:nvPicPr>
+          <p:cNvPr id="137" name="Immagine 136">
+            <a:extLst>
+              <a:ext uri="{FF2B5EF4-FFF2-40B4-BE49-F238E27FC236}">
+                <a16:creationId xmlns:a16="http://schemas.microsoft.com/office/drawing/2014/main" id="{CF7CCBC0-4118-8C4C-5775-5B58EA2BC92C}"/>
+              </a:ext>
+            </a:extLst>
+          </p:cNvPr>
+          <p:cNvPicPr>
+            <a:picLocks noChangeAspect="1"/>
+          </p:cNvPicPr>
+          <p:nvPr/>
+        </p:nvPicPr>
+        <p:blipFill>
+          <a:blip r:embed="rId45"/>
+          <a:stretch>
+            <a:fillRect/>
+          </a:stretch>
+        </p:blipFill>
+        <p:spPr>
+          <a:xfrm>
+            <a:off x="8631827" y="4469400"/>
+            <a:ext cx="984723" cy="180533"/>
+          </a:xfrm>
+          <a:prstGeom prst="rect">
+            <a:avLst/>
+          </a:prstGeom>
+        </p:spPr>
+      </p:pic>
+      <p:pic>
+        <p:nvPicPr>
+          <p:cNvPr id="138" name="Immagine 137">
+            <a:extLst>
+              <a:ext uri="{FF2B5EF4-FFF2-40B4-BE49-F238E27FC236}">
+                <a16:creationId xmlns:a16="http://schemas.microsoft.com/office/drawing/2014/main" id="{E7A22DDA-4829-3287-4A6E-DFEC92BE8664}"/>
+              </a:ext>
+            </a:extLst>
+          </p:cNvPr>
+          <p:cNvPicPr>
+            <a:picLocks noChangeAspect="1"/>
+          </p:cNvPicPr>
+          <p:nvPr/>
+        </p:nvPicPr>
+        <p:blipFill>
+          <a:blip r:embed="rId46"/>
+          <a:stretch>
+            <a:fillRect/>
+          </a:stretch>
+        </p:blipFill>
+        <p:spPr>
+          <a:xfrm>
+            <a:off x="8631827" y="3928372"/>
+            <a:ext cx="984723" cy="180533"/>
+          </a:xfrm>
+          <a:prstGeom prst="rect">
+            <a:avLst/>
+          </a:prstGeom>
+        </p:spPr>
+      </p:pic>
+      <p:pic>
+        <p:nvPicPr>
+          <p:cNvPr id="139" name="Immagine 138">
+            <a:extLst>
+              <a:ext uri="{FF2B5EF4-FFF2-40B4-BE49-F238E27FC236}">
+                <a16:creationId xmlns:a16="http://schemas.microsoft.com/office/drawing/2014/main" id="{0BBC07E3-FBC3-4752-0CAB-CC5C8125AA1D}"/>
+              </a:ext>
+            </a:extLst>
+          </p:cNvPr>
+          <p:cNvPicPr>
+            <a:picLocks noChangeAspect="1"/>
+          </p:cNvPicPr>
+          <p:nvPr/>
+        </p:nvPicPr>
+        <p:blipFill>
+          <a:blip r:embed="rId47"/>
+          <a:stretch>
+            <a:fillRect/>
+          </a:stretch>
+        </p:blipFill>
+        <p:spPr>
+          <a:xfrm>
+            <a:off x="8631825" y="4205039"/>
+            <a:ext cx="984725" cy="180533"/>
+          </a:xfrm>
+          <a:prstGeom prst="rect">
+            <a:avLst/>
+          </a:prstGeom>
+        </p:spPr>
+      </p:pic>
+      <p:cxnSp>
+        <p:nvCxnSpPr>
+          <p:cNvPr id="142" name="Connettore 4 141">
+            <a:extLst>
+              <a:ext uri="{FF2B5EF4-FFF2-40B4-BE49-F238E27FC236}">
+                <a16:creationId xmlns:a16="http://schemas.microsoft.com/office/drawing/2014/main" id="{8C02A4E8-461B-807F-671A-02C797C66000}"/>
+              </a:ext>
+            </a:extLst>
+          </p:cNvPr>
+          <p:cNvCxnSpPr>
+            <a:stCxn id="64" idx="3"/>
+          </p:cNvCxnSpPr>
+          <p:nvPr/>
+        </p:nvCxnSpPr>
+        <p:spPr>
+          <a:xfrm flipV="1">
+            <a:off x="1500605" y="4335473"/>
+            <a:ext cx="999857" cy="463120"/>
+          </a:xfrm>
+          <a:prstGeom prst="bentConnector3">
+            <a:avLst/>
+          </a:prstGeom>
+          <a:ln w="28575">
+            <a:solidFill>
+              <a:schemeClr val="accent4"/>
+            </a:solidFill>
+            <a:tailEnd type="triangle"/>
+          </a:ln>
+        </p:spPr>
+        <p:style>
+          <a:lnRef idx="2">
+            <a:schemeClr val="accent1"/>
+          </a:lnRef>
+          <a:fillRef idx="0">
+            <a:schemeClr val="accent1"/>
+          </a:fillRef>
+          <a:effectRef idx="1">
+            <a:schemeClr val="accent1"/>
+          </a:effectRef>
+          <a:fontRef idx="minor">
+            <a:schemeClr val="tx1"/>
+          </a:fontRef>
+        </p:style>
+      </p:cxnSp>
+      <p:cxnSp>
+        <p:nvCxnSpPr>
+          <p:cNvPr id="143" name="Connettore 2 142">
+            <a:extLst>
+              <a:ext uri="{FF2B5EF4-FFF2-40B4-BE49-F238E27FC236}">
+                <a16:creationId xmlns:a16="http://schemas.microsoft.com/office/drawing/2014/main" id="{01807D7E-48AD-4526-9D6F-7A4F488BA4D6}"/>
+              </a:ext>
+            </a:extLst>
+          </p:cNvPr>
+          <p:cNvCxnSpPr>
+            <a:cxnSpLocks/>
+          </p:cNvCxnSpPr>
+          <p:nvPr/>
+        </p:nvCxnSpPr>
+        <p:spPr>
+          <a:xfrm>
+            <a:off x="7077332" y="4884702"/>
+            <a:ext cx="3905" cy="296898"/>
+          </a:xfrm>
+          <a:prstGeom prst="straightConnector1">
+            <a:avLst/>
+          </a:prstGeom>
+          <a:ln w="28575">
+            <a:solidFill>
+              <a:srgbClr val="00B0F0"/>
+            </a:solidFill>
             <a:tailEnd type="triangle"/>
           </a:ln>
         </p:spPr>
@@ -22627,68 +22933,31 @@
           </a:fontRef>
         </p:style>
       </p:cxnSp>
-      <p:pic>
-        <p:nvPicPr>
-          <p:cNvPr id="18" name="Elemento grafico 17" descr="Diagramma di Gantt con riempimento a tinta unita">
+      <p:cxnSp>
+        <p:nvCxnSpPr>
+          <p:cNvPr id="146" name="Connettore 2 145">
             <a:extLst>
               <a:ext uri="{FF2B5EF4-FFF2-40B4-BE49-F238E27FC236}">
-                <a16:creationId xmlns:a16="http://schemas.microsoft.com/office/drawing/2014/main" id="{E35DA78D-0847-DADB-3AEE-033CB48A37E6}"/>
-              </a:ext>
-            </a:extLst>
-          </p:cNvPr>
-          <p:cNvPicPr>
-            <a:picLocks noChangeAspect="1"/>
-          </p:cNvPicPr>
-          <p:nvPr/>
-        </p:nvPicPr>
-        <p:blipFill>
-          <a:blip r:embed="rId15">
-            <a:extLst>
-              <a:ext uri="{96DAC541-7B7A-43D3-8B79-37D633B846F1}">
-                <asvg:svgBlip xmlns:asvg="http://schemas.microsoft.com/office/drawing/2016/SVG/main" r:embed="rId16"/>
-              </a:ext>
-            </a:extLst>
-          </a:blip>
-          <a:stretch>
-            <a:fillRect/>
-          </a:stretch>
-        </p:blipFill>
-        <p:spPr>
-          <a:xfrm>
-            <a:off x="5722709" y="4189061"/>
-            <a:ext cx="445383" cy="445383"/>
-          </a:xfrm>
-          <a:prstGeom prst="rect">
-            <a:avLst/>
-          </a:prstGeom>
-        </p:spPr>
-      </p:pic>
-      <p:cxnSp>
-        <p:nvCxnSpPr>
-          <p:cNvPr id="20" name="Connettore 2 19">
-            <a:extLst>
-              <a:ext uri="{FF2B5EF4-FFF2-40B4-BE49-F238E27FC236}">
-                <a16:creationId xmlns:a16="http://schemas.microsoft.com/office/drawing/2014/main" id="{A6A1F91D-453F-025F-751F-86777DFCF0A3}"/>
+                <a16:creationId xmlns:a16="http://schemas.microsoft.com/office/drawing/2014/main" id="{83D0F510-2846-F644-5F23-A6A0149285EF}"/>
               </a:ext>
             </a:extLst>
           </p:cNvPr>
           <p:cNvCxnSpPr>
             <a:cxnSpLocks/>
-            <a:stCxn id="6" idx="3"/>
           </p:cNvCxnSpPr>
           <p:nvPr/>
         </p:nvCxnSpPr>
         <p:spPr>
           <a:xfrm>
-            <a:off x="6308052" y="4400438"/>
-            <a:ext cx="678926" cy="19278"/>
+            <a:off x="8001962" y="4885578"/>
+            <a:ext cx="3905" cy="296898"/>
           </a:xfrm>
           <a:prstGeom prst="straightConnector1">
             <a:avLst/>
           </a:prstGeom>
-          <a:ln w="38100">
+          <a:ln w="28575">
             <a:solidFill>
-              <a:schemeClr val="tx1"/>
+              <a:srgbClr val="00B0F0"/>
             </a:solidFill>
             <a:tailEnd type="triangle"/>
           </a:ln>
@@ -22708,6 +22977,172 @@
           </a:fontRef>
         </p:style>
       </p:cxnSp>
+      <p:cxnSp>
+        <p:nvCxnSpPr>
+          <p:cNvPr id="147" name="Connettore 4 146">
+            <a:extLst>
+              <a:ext uri="{FF2B5EF4-FFF2-40B4-BE49-F238E27FC236}">
+                <a16:creationId xmlns:a16="http://schemas.microsoft.com/office/drawing/2014/main" id="{18035DCF-8825-CECE-B91E-C3BCD44CE00F}"/>
+              </a:ext>
+            </a:extLst>
+          </p:cNvPr>
+          <p:cNvCxnSpPr>
+            <a:cxnSpLocks/>
+            <a:stCxn id="6" idx="3"/>
+            <a:endCxn id="25" idx="1"/>
+          </p:cNvCxnSpPr>
+          <p:nvPr/>
+        </p:nvCxnSpPr>
+        <p:spPr>
+          <a:xfrm>
+            <a:off x="5942213" y="4066954"/>
+            <a:ext cx="663818" cy="194173"/>
+          </a:xfrm>
+          <a:prstGeom prst="bentConnector3">
+            <a:avLst>
+              <a:gd name="adj1" fmla="val 50000"/>
+            </a:avLst>
+          </a:prstGeom>
+          <a:ln w="28575">
+            <a:solidFill>
+              <a:schemeClr val="accent4"/>
+            </a:solidFill>
+            <a:tailEnd type="triangle"/>
+          </a:ln>
+        </p:spPr>
+        <p:style>
+          <a:lnRef idx="2">
+            <a:schemeClr val="accent1"/>
+          </a:lnRef>
+          <a:fillRef idx="0">
+            <a:schemeClr val="accent1"/>
+          </a:fillRef>
+          <a:effectRef idx="1">
+            <a:schemeClr val="accent1"/>
+          </a:effectRef>
+          <a:fontRef idx="minor">
+            <a:schemeClr val="tx1"/>
+          </a:fontRef>
+        </p:style>
+      </p:cxnSp>
+      <p:cxnSp>
+        <p:nvCxnSpPr>
+          <p:cNvPr id="150" name="Connettore 4 149">
+            <a:extLst>
+              <a:ext uri="{FF2B5EF4-FFF2-40B4-BE49-F238E27FC236}">
+                <a16:creationId xmlns:a16="http://schemas.microsoft.com/office/drawing/2014/main" id="{EF968386-E169-A621-7698-126F9DE286F5}"/>
+              </a:ext>
+            </a:extLst>
+          </p:cNvPr>
+          <p:cNvCxnSpPr>
+            <a:cxnSpLocks/>
+            <a:stCxn id="31" idx="3"/>
+            <a:endCxn id="25" idx="1"/>
+          </p:cNvCxnSpPr>
+          <p:nvPr/>
+        </p:nvCxnSpPr>
+        <p:spPr>
+          <a:xfrm flipV="1">
+            <a:off x="5942213" y="4261127"/>
+            <a:ext cx="663818" cy="451909"/>
+          </a:xfrm>
+          <a:prstGeom prst="bentConnector3">
+            <a:avLst>
+              <a:gd name="adj1" fmla="val 50000"/>
+            </a:avLst>
+          </a:prstGeom>
+          <a:ln w="28575">
+            <a:solidFill>
+              <a:schemeClr val="accent4"/>
+            </a:solidFill>
+            <a:tailEnd type="triangle"/>
+          </a:ln>
+        </p:spPr>
+        <p:style>
+          <a:lnRef idx="2">
+            <a:schemeClr val="accent1"/>
+          </a:lnRef>
+          <a:fillRef idx="0">
+            <a:schemeClr val="accent1"/>
+          </a:fillRef>
+          <a:effectRef idx="1">
+            <a:schemeClr val="accent1"/>
+          </a:effectRef>
+          <a:fontRef idx="minor">
+            <a:schemeClr val="tx1"/>
+          </a:fontRef>
+        </p:style>
+      </p:cxnSp>
+      <p:sp>
+        <p:nvSpPr>
+          <p:cNvPr id="153" name="CasellaDiTesto 152">
+            <a:extLst>
+              <a:ext uri="{FF2B5EF4-FFF2-40B4-BE49-F238E27FC236}">
+                <a16:creationId xmlns:a16="http://schemas.microsoft.com/office/drawing/2014/main" id="{92A5B1AD-F713-5939-A7A0-5399646AF093}"/>
+              </a:ext>
+            </a:extLst>
+          </p:cNvPr>
+          <p:cNvSpPr txBox="1"/>
+          <p:nvPr/>
+        </p:nvSpPr>
+        <p:spPr>
+          <a:xfrm>
+            <a:off x="9056225" y="1191605"/>
+            <a:ext cx="617477" cy="307777"/>
+          </a:xfrm>
+          <a:prstGeom prst="rect">
+            <a:avLst/>
+          </a:prstGeom>
+          <a:noFill/>
+        </p:spPr>
+        <p:txBody>
+          <a:bodyPr wrap="none" rtlCol="0">
+            <a:spAutoFit/>
+          </a:bodyPr>
+          <a:lstStyle/>
+          <a:p>
+            <a:r>
+              <a:rPr lang="en-GB" sz="1400" b="1" dirty="0">
+                <a:solidFill>
+                  <a:srgbClr val="7030A0"/>
+                </a:solidFill>
+                <a:latin typeface="Montserrat" pitchFamily="2" charset="77"/>
+              </a:rPr>
+              <a:t>POD</a:t>
+            </a:r>
+          </a:p>
+        </p:txBody>
+      </p:sp>
+      <p:pic>
+        <p:nvPicPr>
+          <p:cNvPr id="155" name="Immagine 154">
+            <a:extLst>
+              <a:ext uri="{FF2B5EF4-FFF2-40B4-BE49-F238E27FC236}">
+                <a16:creationId xmlns:a16="http://schemas.microsoft.com/office/drawing/2014/main" id="{D6A1169F-E2EE-CC4E-4EAB-0C0067519815}"/>
+              </a:ext>
+            </a:extLst>
+          </p:cNvPr>
+          <p:cNvPicPr>
+            <a:picLocks noChangeAspect="1"/>
+          </p:cNvPicPr>
+          <p:nvPr/>
+        </p:nvPicPr>
+        <p:blipFill>
+          <a:blip r:embed="rId48"/>
+          <a:stretch>
+            <a:fillRect/>
+          </a:stretch>
+        </p:blipFill>
+        <p:spPr>
+          <a:xfrm>
+            <a:off x="6224875" y="2756263"/>
+            <a:ext cx="709325" cy="472884"/>
+          </a:xfrm>
+          <a:prstGeom prst="rect">
+            <a:avLst/>
+          </a:prstGeom>
+        </p:spPr>
+      </p:pic>
     </p:spTree>
     <p:extLst>
       <p:ext uri="{BB962C8B-B14F-4D97-AF65-F5344CB8AC3E}">
@@ -23433,7 +23868,7 @@
         <a:effectLst/>
         <a:extLst>
           <a:ext uri="{AF507438-7753-43e0-B8FC-AC1667EBCBE1}">
-            <a14:hiddenEffects xmlns:a14="http://schemas.microsoft.com/office/drawing/2010/main" xmlns="">
+            <a14:hiddenEffects xmlns="" xmlns:a14="http://schemas.microsoft.com/office/drawing/2010/main">
               <a:effectLst>
                 <a:outerShdw blurRad="63500" dist="38099" dir="2700000" algn="ctr" rotWithShape="0">
                   <a:schemeClr val="bg2">
@@ -23509,7 +23944,7 @@
         <a:effectLst/>
         <a:extLst>
           <a:ext uri="{AF507438-7753-43e0-B8FC-AC1667EBCBE1}">
-            <a14:hiddenEffects xmlns:a14="http://schemas.microsoft.com/office/drawing/2010/main" xmlns="">
+            <a14:hiddenEffects xmlns="" xmlns:a14="http://schemas.microsoft.com/office/drawing/2010/main">
               <a:effectLst>
                 <a:outerShdw blurRad="63500" dist="38099" dir="2700000" algn="ctr" rotWithShape="0">
                   <a:schemeClr val="bg2">
@@ -24300,7 +24735,7 @@
         <a:effectLst/>
         <a:extLst>
           <a:ext uri="{AF507438-7753-43e0-B8FC-AC1667EBCBE1}">
-            <a14:hiddenEffects xmlns:a14="http://schemas.microsoft.com/office/drawing/2010/main" xmlns="">
+            <a14:hiddenEffects xmlns="" xmlns:a14="http://schemas.microsoft.com/office/drawing/2010/main">
               <a:effectLst>
                 <a:outerShdw blurRad="63500" dist="38099" dir="2700000" algn="ctr" rotWithShape="0">
                   <a:schemeClr val="bg2">
@@ -24376,7 +24811,7 @@
         <a:effectLst/>
         <a:extLst>
           <a:ext uri="{AF507438-7753-43e0-B8FC-AC1667EBCBE1}">
-            <a14:hiddenEffects xmlns:a14="http://schemas.microsoft.com/office/drawing/2010/main" xmlns="">
+            <a14:hiddenEffects xmlns="" xmlns:a14="http://schemas.microsoft.com/office/drawing/2010/main">
               <a:effectLst>
                 <a:outerShdw blurRad="63500" dist="38099" dir="2700000" algn="ctr" rotWithShape="0">
                   <a:schemeClr val="bg2">
@@ -26194,140 +26629,12 @@
 </file>
 
 <file path=customXml/item1.xml><?xml version="1.0" encoding="utf-8"?>
-<p:properties xmlns:p="http://schemas.microsoft.com/office/2006/metadata/properties" xmlns:xsi="http://www.w3.org/2001/XMLSchema-instance" xmlns:pc="http://schemas.microsoft.com/office/infopath/2007/PartnerControls">
-  <documentManagement>
-    <DirectSourceMarket xmlns="7851d254-ce09-43b6-8d90-072588e7901c">english</DirectSourceMarket>
-    <ApprovalStatus xmlns="7851d254-ce09-43b6-8d90-072588e7901c">InProgress</ApprovalStatus>
-    <MarketSpecific xmlns="7851d254-ce09-43b6-8d90-072588e7901c">false</MarketSpecific>
-    <PrimaryImageGen xmlns="7851d254-ce09-43b6-8d90-072588e7901c">true</PrimaryImageGen>
-    <ThumbnailAssetId xmlns="7851d254-ce09-43b6-8d90-072588e7901c" xsi:nil="true"/>
-    <LegacyData xmlns="7851d254-ce09-43b6-8d90-072588e7901c">ListingID:;Manager:;BuildStatus:Preview Pending;MockupPath:</LegacyData>
-    <TPFriendlyName xmlns="7851d254-ce09-43b6-8d90-072588e7901c">Marketing plan</TPFriendlyName>
-    <NumericId xmlns="7851d254-ce09-43b6-8d90-072588e7901c">-1</NumericId>
-    <BusinessGroup xmlns="7851d254-ce09-43b6-8d90-072588e7901c" xsi:nil="true"/>
-    <SourceTitle xmlns="7851d254-ce09-43b6-8d90-072588e7901c">Marketing plan</SourceTitle>
-    <APEditor xmlns="7851d254-ce09-43b6-8d90-072588e7901c">
-      <UserInfo>
-        <DisplayName>REDMOND\v-luannv</DisplayName>
-        <AccountId>237</AccountId>
-        <AccountType/>
-      </UserInfo>
-    </APEditor>
-    <OpenTemplate xmlns="7851d254-ce09-43b6-8d90-072588e7901c">true</OpenTemplate>
-    <UALocComments xmlns="7851d254-ce09-43b6-8d90-072588e7901c" xsi:nil="true"/>
-    <ParentAssetId xmlns="7851d254-ce09-43b6-8d90-072588e7901c" xsi:nil="true"/>
-    <PublishStatusLookup xmlns="7851d254-ce09-43b6-8d90-072588e7901c">
-      <Value>256759</Value>
-      <Value>353365</Value>
-    </PublishStatusLookup>
-    <LastPublishResultLookup xmlns="7851d254-ce09-43b6-8d90-072588e7901c" xsi:nil="true"/>
-    <IntlLangReviewDate xmlns="7851d254-ce09-43b6-8d90-072588e7901c">2010-04-16T13:14:00+00:00</IntlLangReviewDate>
-    <MachineTranslated xmlns="7851d254-ce09-43b6-8d90-072588e7901c">false</MachineTranslated>
-    <Providers xmlns="7851d254-ce09-43b6-8d90-072588e7901c" xsi:nil="true"/>
-    <OriginalSourceMarket xmlns="7851d254-ce09-43b6-8d90-072588e7901c">english</OriginalSourceMarket>
-    <TPInstallLocation xmlns="7851d254-ce09-43b6-8d90-072588e7901c">{My Templates}</TPInstallLocation>
-    <ClipArtFilename xmlns="7851d254-ce09-43b6-8d90-072588e7901c" xsi:nil="true"/>
-    <APDescription xmlns="7851d254-ce09-43b6-8d90-072588e7901c" xsi:nil="true"/>
-    <ContentItem xmlns="7851d254-ce09-43b6-8d90-072588e7901c" xsi:nil="true"/>
-    <APAuthor xmlns="7851d254-ce09-43b6-8d90-072588e7901c">
-      <UserInfo>
-        <DisplayName>REDMOND\cynvey</DisplayName>
-        <AccountId>242</AccountId>
-        <AccountType/>
-      </UserInfo>
-    </APAuthor>
-    <TPCommandLine xmlns="7851d254-ce09-43b6-8d90-072588e7901c">{PP} /n {FilePath}</TPCommandLine>
-    <TPAppVersion xmlns="7851d254-ce09-43b6-8d90-072588e7901c">11</TPAppVersion>
-    <PublishTargets xmlns="7851d254-ce09-43b6-8d90-072588e7901c">OfficeOnline</PublishTargets>
-    <EditorialStatus xmlns="7851d254-ce09-43b6-8d90-072588e7901c" xsi:nil="true"/>
-    <TPLaunchHelpLinkType xmlns="7851d254-ce09-43b6-8d90-072588e7901c" xsi:nil="true"/>
-    <LastModifiedDateTime xmlns="7851d254-ce09-43b6-8d90-072588e7901c">2010-04-16T13:14:00+00:00</LastModifiedDateTime>
-    <TimesCloned xmlns="7851d254-ce09-43b6-8d90-072588e7901c" xsi:nil="true"/>
-    <Provider xmlns="7851d254-ce09-43b6-8d90-072588e7901c">EY010390810</Provider>
-    <FriendlyTitle xmlns="7851d254-ce09-43b6-8d90-072588e7901c" xsi:nil="true"/>
-    <LastHandOff xmlns="7851d254-ce09-43b6-8d90-072588e7901c" xsi:nil="true"/>
-    <AcquiredFrom xmlns="7851d254-ce09-43b6-8d90-072588e7901c">Community</AcquiredFrom>
-    <AssetStart xmlns="7851d254-ce09-43b6-8d90-072588e7901c">2010-02-26T13:23:18+00:00</AssetStart>
-    <UACurrentWords xmlns="7851d254-ce09-43b6-8d90-072588e7901c">0</UACurrentWords>
-    <UALocRecommendation xmlns="7851d254-ce09-43b6-8d90-072588e7901c">Localize</UALocRecommendation>
-    <Manager xmlns="7851d254-ce09-43b6-8d90-072588e7901c" xsi:nil="true"/>
-    <TPClientViewer xmlns="7851d254-ce09-43b6-8d90-072588e7901c" xsi:nil="true"/>
-    <ArtSampleDocs xmlns="7851d254-ce09-43b6-8d90-072588e7901c" xsi:nil="true"/>
-    <IsDeleted xmlns="7851d254-ce09-43b6-8d90-072588e7901c">false</IsDeleted>
-    <UANotes xmlns="7851d254-ce09-43b6-8d90-072588e7901c">online only</UANotes>
-    <ShowIn xmlns="7851d254-ce09-43b6-8d90-072588e7901c">Show everywhere</ShowIn>
-    <OOCacheId xmlns="7851d254-ce09-43b6-8d90-072588e7901c" xsi:nil="true"/>
-    <CSXHash xmlns="7851d254-ce09-43b6-8d90-072588e7901c" xsi:nil="true"/>
-    <TemplateStatus xmlns="7851d254-ce09-43b6-8d90-072588e7901c" xsi:nil="true"/>
-    <Downloads xmlns="7851d254-ce09-43b6-8d90-072588e7901c">0</Downloads>
-    <VoteCount xmlns="7851d254-ce09-43b6-8d90-072588e7901c" xsi:nil="true"/>
-    <DSATActionTaken xmlns="7851d254-ce09-43b6-8d90-072588e7901c">Best Bets</DSATActionTaken>
-    <CSXSubmissionMarket xmlns="7851d254-ce09-43b6-8d90-072588e7901c" xsi:nil="true"/>
-    <AssetExpire xmlns="7851d254-ce09-43b6-8d90-072588e7901c">2100-01-01T00:00:00+00:00</AssetExpire>
-    <EditorialTags xmlns="7851d254-ce09-43b6-8d90-072588e7901c" xsi:nil="true"/>
-    <SubmitterId xmlns="7851d254-ce09-43b6-8d90-072588e7901c" xsi:nil="true"/>
-    <TPExecutable xmlns="7851d254-ce09-43b6-8d90-072588e7901c" xsi:nil="true"/>
-    <AssetType xmlns="7851d254-ce09-43b6-8d90-072588e7901c">TP</AssetType>
-    <ApprovalLog xmlns="7851d254-ce09-43b6-8d90-072588e7901c" xsi:nil="true"/>
-    <CSXUpdate xmlns="7851d254-ce09-43b6-8d90-072588e7901c">false</CSXUpdate>
-    <CSXSubmissionDate xmlns="7851d254-ce09-43b6-8d90-072588e7901c" xsi:nil="true"/>
-    <BugNumber xmlns="7851d254-ce09-43b6-8d90-072588e7901c" xsi:nil="true"/>
-    <TPComponent xmlns="7851d254-ce09-43b6-8d90-072588e7901c">PPTFiles</TPComponent>
-    <Milestone xmlns="7851d254-ce09-43b6-8d90-072588e7901c" xsi:nil="true"/>
-    <OriginAsset xmlns="7851d254-ce09-43b6-8d90-072588e7901c" xsi:nil="true"/>
-    <AssetId xmlns="7851d254-ce09-43b6-8d90-072588e7901c">TP010107969</AssetId>
-    <TPLaunchHelpLink xmlns="7851d254-ce09-43b6-8d90-072588e7901c" xsi:nil="true"/>
-    <TPApplication xmlns="7851d254-ce09-43b6-8d90-072588e7901c">PowerPoint</TPApplication>
-    <IntlLocPriority xmlns="7851d254-ce09-43b6-8d90-072588e7901c" xsi:nil="true"/>
-    <PolicheckWords xmlns="7851d254-ce09-43b6-8d90-072588e7901c" xsi:nil="true"/>
-    <HandoffToMSDN xmlns="7851d254-ce09-43b6-8d90-072588e7901c">2010-04-16T13:14:00+00:00</HandoffToMSDN>
-    <PlannedPubDate xmlns="7851d254-ce09-43b6-8d90-072588e7901c">2010-04-16T13:14:00+00:00</PlannedPubDate>
-    <IntlLangReviewer xmlns="7851d254-ce09-43b6-8d90-072588e7901c" xsi:nil="true"/>
-    <CrawlForDependencies xmlns="7851d254-ce09-43b6-8d90-072588e7901c">false</CrawlForDependencies>
-    <TrustLevel xmlns="7851d254-ce09-43b6-8d90-072588e7901c">1 Microsoft Managed Content</TrustLevel>
-    <IsSearchable xmlns="7851d254-ce09-43b6-8d90-072588e7901c">false</IsSearchable>
-    <TPNamespace xmlns="7851d254-ce09-43b6-8d90-072588e7901c" xsi:nil="true"/>
-    <TemplateTemplateType xmlns="7851d254-ce09-43b6-8d90-072588e7901c">PowerPoint 12 Default</TemplateTemplateType>
-    <Markets xmlns="7851d254-ce09-43b6-8d90-072588e7901c"/>
-    <OutputCachingOn xmlns="7851d254-ce09-43b6-8d90-072588e7901c">false</OutputCachingOn>
-    <IntlLangReview xmlns="7851d254-ce09-43b6-8d90-072588e7901c" xsi:nil="true"/>
-    <UAProjectedTotalWords xmlns="7851d254-ce09-43b6-8d90-072588e7901c" xsi:nil="true"/>
-    <CampaignTagsTaxHTField0 xmlns="7851d254-ce09-43b6-8d90-072588e7901c">
-      <Terms xmlns="http://schemas.microsoft.com/office/infopath/2007/PartnerControls"/>
-    </CampaignTagsTaxHTField0>
-    <LocPublishedDependentAssetsLookup xmlns="7851d254-ce09-43b6-8d90-072588e7901c" xsi:nil="true"/>
-    <LocOverallLocStatusLookup xmlns="7851d254-ce09-43b6-8d90-072588e7901c" xsi:nil="true"/>
-    <InternalTagsTaxHTField0 xmlns="7851d254-ce09-43b6-8d90-072588e7901c">
-      <Terms xmlns="http://schemas.microsoft.com/office/infopath/2007/PartnerControls"/>
-    </InternalTagsTaxHTField0>
-    <LocComments xmlns="7851d254-ce09-43b6-8d90-072588e7901c" xsi:nil="true"/>
-    <LocProcessedForMarketsLookup xmlns="7851d254-ce09-43b6-8d90-072588e7901c" xsi:nil="true"/>
-    <ScenarioTagsTaxHTField0 xmlns="7851d254-ce09-43b6-8d90-072588e7901c">
-      <Terms xmlns="http://schemas.microsoft.com/office/infopath/2007/PartnerControls"/>
-    </ScenarioTagsTaxHTField0>
-    <LocLastLocAttemptVersionTypeLookup xmlns="7851d254-ce09-43b6-8d90-072588e7901c" xsi:nil="true"/>
-    <LocOverallPublishStatusLookup xmlns="7851d254-ce09-43b6-8d90-072588e7901c" xsi:nil="true"/>
-    <LocPublishedLinkedAssetsLookup xmlns="7851d254-ce09-43b6-8d90-072588e7901c" xsi:nil="true"/>
-    <TaxCatchAll xmlns="7851d254-ce09-43b6-8d90-072588e7901c"/>
-    <LocRecommendedHandoff xmlns="7851d254-ce09-43b6-8d90-072588e7901c" xsi:nil="true"/>
-    <LocProcessedForHandoffsLookup xmlns="7851d254-ce09-43b6-8d90-072588e7901c" xsi:nil="true"/>
-    <LocOverallHandbackStatusLookup xmlns="7851d254-ce09-43b6-8d90-072588e7901c" xsi:nil="true"/>
-    <LocNewPublishedVersionLookup xmlns="7851d254-ce09-43b6-8d90-072588e7901c" xsi:nil="true"/>
-    <BlockPublish xmlns="7851d254-ce09-43b6-8d90-072588e7901c" xsi:nil="true"/>
-    <LocManualTestRequired xmlns="7851d254-ce09-43b6-8d90-072588e7901c" xsi:nil="true"/>
-    <LocalizationTagsTaxHTField0 xmlns="7851d254-ce09-43b6-8d90-072588e7901c">
-      <Terms xmlns="http://schemas.microsoft.com/office/infopath/2007/PartnerControls"/>
-    </LocalizationTagsTaxHTField0>
-    <LocLastLocAttemptVersionLookup xmlns="7851d254-ce09-43b6-8d90-072588e7901c">65845</LocLastLocAttemptVersionLookup>
-    <FeatureTagsTaxHTField0 xmlns="7851d254-ce09-43b6-8d90-072588e7901c">
-      <Terms xmlns="http://schemas.microsoft.com/office/infopath/2007/PartnerControls"/>
-    </FeatureTagsTaxHTField0>
-    <LocOverallPreviewStatusLookup xmlns="7851d254-ce09-43b6-8d90-072588e7901c" xsi:nil="true"/>
-    <RecommendationsModifier xmlns="7851d254-ce09-43b6-8d90-072588e7901c" xsi:nil="true"/>
-    <OriginalRelease xmlns="7851d254-ce09-43b6-8d90-072588e7901c">14</OriginalRelease>
-    <LocMarketGroupTiers2 xmlns="7851d254-ce09-43b6-8d90-072588e7901c" xsi:nil="true"/>
-  </documentManagement>
-</p:properties>
+<?mso-contentType ?>
+<FormTemplates xmlns="http://schemas.microsoft.com/sharepoint/v3/contenttype/forms">
+  <Display>DocumentLibraryForm</Display>
+  <Edit>AssetEditForm</Edit>
+  <New>DocumentLibraryForm</New>
+</FormTemplates>
 </file>
 
 <file path=customXml/item2.xml><?xml version="1.0" encoding="utf-8"?>
@@ -27365,20 +27672,146 @@
 </file>
 
 <file path=customXml/item3.xml><?xml version="1.0" encoding="utf-8"?>
-<?mso-contentType ?>
-<FormTemplates xmlns="http://schemas.microsoft.com/sharepoint/v3/contenttype/forms">
-  <Display>DocumentLibraryForm</Display>
-  <Edit>AssetEditForm</Edit>
-  <New>DocumentLibraryForm</New>
-</FormTemplates>
+<p:properties xmlns:p="http://schemas.microsoft.com/office/2006/metadata/properties" xmlns:xsi="http://www.w3.org/2001/XMLSchema-instance" xmlns:pc="http://schemas.microsoft.com/office/infopath/2007/PartnerControls">
+  <documentManagement>
+    <DirectSourceMarket xmlns="7851d254-ce09-43b6-8d90-072588e7901c">english</DirectSourceMarket>
+    <ApprovalStatus xmlns="7851d254-ce09-43b6-8d90-072588e7901c">InProgress</ApprovalStatus>
+    <MarketSpecific xmlns="7851d254-ce09-43b6-8d90-072588e7901c">false</MarketSpecific>
+    <PrimaryImageGen xmlns="7851d254-ce09-43b6-8d90-072588e7901c">true</PrimaryImageGen>
+    <ThumbnailAssetId xmlns="7851d254-ce09-43b6-8d90-072588e7901c" xsi:nil="true"/>
+    <LegacyData xmlns="7851d254-ce09-43b6-8d90-072588e7901c">ListingID:;Manager:;BuildStatus:Preview Pending;MockupPath:</LegacyData>
+    <TPFriendlyName xmlns="7851d254-ce09-43b6-8d90-072588e7901c">Marketing plan</TPFriendlyName>
+    <NumericId xmlns="7851d254-ce09-43b6-8d90-072588e7901c">-1</NumericId>
+    <BusinessGroup xmlns="7851d254-ce09-43b6-8d90-072588e7901c" xsi:nil="true"/>
+    <SourceTitle xmlns="7851d254-ce09-43b6-8d90-072588e7901c">Marketing plan</SourceTitle>
+    <APEditor xmlns="7851d254-ce09-43b6-8d90-072588e7901c">
+      <UserInfo>
+        <DisplayName>REDMOND\v-luannv</DisplayName>
+        <AccountId>237</AccountId>
+        <AccountType/>
+      </UserInfo>
+    </APEditor>
+    <OpenTemplate xmlns="7851d254-ce09-43b6-8d90-072588e7901c">true</OpenTemplate>
+    <UALocComments xmlns="7851d254-ce09-43b6-8d90-072588e7901c" xsi:nil="true"/>
+    <ParentAssetId xmlns="7851d254-ce09-43b6-8d90-072588e7901c" xsi:nil="true"/>
+    <PublishStatusLookup xmlns="7851d254-ce09-43b6-8d90-072588e7901c">
+      <Value>256759</Value>
+      <Value>353365</Value>
+    </PublishStatusLookup>
+    <LastPublishResultLookup xmlns="7851d254-ce09-43b6-8d90-072588e7901c" xsi:nil="true"/>
+    <IntlLangReviewDate xmlns="7851d254-ce09-43b6-8d90-072588e7901c">2010-04-16T13:14:00+00:00</IntlLangReviewDate>
+    <MachineTranslated xmlns="7851d254-ce09-43b6-8d90-072588e7901c">false</MachineTranslated>
+    <Providers xmlns="7851d254-ce09-43b6-8d90-072588e7901c" xsi:nil="true"/>
+    <OriginalSourceMarket xmlns="7851d254-ce09-43b6-8d90-072588e7901c">english</OriginalSourceMarket>
+    <TPInstallLocation xmlns="7851d254-ce09-43b6-8d90-072588e7901c">{My Templates}</TPInstallLocation>
+    <ClipArtFilename xmlns="7851d254-ce09-43b6-8d90-072588e7901c" xsi:nil="true"/>
+    <APDescription xmlns="7851d254-ce09-43b6-8d90-072588e7901c" xsi:nil="true"/>
+    <ContentItem xmlns="7851d254-ce09-43b6-8d90-072588e7901c" xsi:nil="true"/>
+    <APAuthor xmlns="7851d254-ce09-43b6-8d90-072588e7901c">
+      <UserInfo>
+        <DisplayName>REDMOND\cynvey</DisplayName>
+        <AccountId>242</AccountId>
+        <AccountType/>
+      </UserInfo>
+    </APAuthor>
+    <TPCommandLine xmlns="7851d254-ce09-43b6-8d90-072588e7901c">{PP} /n {FilePath}</TPCommandLine>
+    <TPAppVersion xmlns="7851d254-ce09-43b6-8d90-072588e7901c">11</TPAppVersion>
+    <PublishTargets xmlns="7851d254-ce09-43b6-8d90-072588e7901c">OfficeOnline</PublishTargets>
+    <EditorialStatus xmlns="7851d254-ce09-43b6-8d90-072588e7901c" xsi:nil="true"/>
+    <TPLaunchHelpLinkType xmlns="7851d254-ce09-43b6-8d90-072588e7901c" xsi:nil="true"/>
+    <LastModifiedDateTime xmlns="7851d254-ce09-43b6-8d90-072588e7901c">2010-04-16T13:14:00+00:00</LastModifiedDateTime>
+    <TimesCloned xmlns="7851d254-ce09-43b6-8d90-072588e7901c" xsi:nil="true"/>
+    <Provider xmlns="7851d254-ce09-43b6-8d90-072588e7901c">EY010390810</Provider>
+    <FriendlyTitle xmlns="7851d254-ce09-43b6-8d90-072588e7901c" xsi:nil="true"/>
+    <LastHandOff xmlns="7851d254-ce09-43b6-8d90-072588e7901c" xsi:nil="true"/>
+    <AcquiredFrom xmlns="7851d254-ce09-43b6-8d90-072588e7901c">Community</AcquiredFrom>
+    <AssetStart xmlns="7851d254-ce09-43b6-8d90-072588e7901c">2010-02-26T13:23:18+00:00</AssetStart>
+    <UACurrentWords xmlns="7851d254-ce09-43b6-8d90-072588e7901c">0</UACurrentWords>
+    <UALocRecommendation xmlns="7851d254-ce09-43b6-8d90-072588e7901c">Localize</UALocRecommendation>
+    <Manager xmlns="7851d254-ce09-43b6-8d90-072588e7901c" xsi:nil="true"/>
+    <TPClientViewer xmlns="7851d254-ce09-43b6-8d90-072588e7901c" xsi:nil="true"/>
+    <ArtSampleDocs xmlns="7851d254-ce09-43b6-8d90-072588e7901c" xsi:nil="true"/>
+    <IsDeleted xmlns="7851d254-ce09-43b6-8d90-072588e7901c">false</IsDeleted>
+    <UANotes xmlns="7851d254-ce09-43b6-8d90-072588e7901c">online only</UANotes>
+    <ShowIn xmlns="7851d254-ce09-43b6-8d90-072588e7901c">Show everywhere</ShowIn>
+    <OOCacheId xmlns="7851d254-ce09-43b6-8d90-072588e7901c" xsi:nil="true"/>
+    <CSXHash xmlns="7851d254-ce09-43b6-8d90-072588e7901c" xsi:nil="true"/>
+    <TemplateStatus xmlns="7851d254-ce09-43b6-8d90-072588e7901c" xsi:nil="true"/>
+    <Downloads xmlns="7851d254-ce09-43b6-8d90-072588e7901c">0</Downloads>
+    <VoteCount xmlns="7851d254-ce09-43b6-8d90-072588e7901c" xsi:nil="true"/>
+    <DSATActionTaken xmlns="7851d254-ce09-43b6-8d90-072588e7901c">Best Bets</DSATActionTaken>
+    <CSXSubmissionMarket xmlns="7851d254-ce09-43b6-8d90-072588e7901c" xsi:nil="true"/>
+    <AssetExpire xmlns="7851d254-ce09-43b6-8d90-072588e7901c">2100-01-01T00:00:00+00:00</AssetExpire>
+    <EditorialTags xmlns="7851d254-ce09-43b6-8d90-072588e7901c" xsi:nil="true"/>
+    <SubmitterId xmlns="7851d254-ce09-43b6-8d90-072588e7901c" xsi:nil="true"/>
+    <TPExecutable xmlns="7851d254-ce09-43b6-8d90-072588e7901c" xsi:nil="true"/>
+    <AssetType xmlns="7851d254-ce09-43b6-8d90-072588e7901c">TP</AssetType>
+    <ApprovalLog xmlns="7851d254-ce09-43b6-8d90-072588e7901c" xsi:nil="true"/>
+    <CSXUpdate xmlns="7851d254-ce09-43b6-8d90-072588e7901c">false</CSXUpdate>
+    <CSXSubmissionDate xmlns="7851d254-ce09-43b6-8d90-072588e7901c" xsi:nil="true"/>
+    <BugNumber xmlns="7851d254-ce09-43b6-8d90-072588e7901c" xsi:nil="true"/>
+    <TPComponent xmlns="7851d254-ce09-43b6-8d90-072588e7901c">PPTFiles</TPComponent>
+    <Milestone xmlns="7851d254-ce09-43b6-8d90-072588e7901c" xsi:nil="true"/>
+    <OriginAsset xmlns="7851d254-ce09-43b6-8d90-072588e7901c" xsi:nil="true"/>
+    <AssetId xmlns="7851d254-ce09-43b6-8d90-072588e7901c">TP010107969</AssetId>
+    <TPLaunchHelpLink xmlns="7851d254-ce09-43b6-8d90-072588e7901c" xsi:nil="true"/>
+    <TPApplication xmlns="7851d254-ce09-43b6-8d90-072588e7901c">PowerPoint</TPApplication>
+    <IntlLocPriority xmlns="7851d254-ce09-43b6-8d90-072588e7901c" xsi:nil="true"/>
+    <PolicheckWords xmlns="7851d254-ce09-43b6-8d90-072588e7901c" xsi:nil="true"/>
+    <HandoffToMSDN xmlns="7851d254-ce09-43b6-8d90-072588e7901c">2010-04-16T13:14:00+00:00</HandoffToMSDN>
+    <PlannedPubDate xmlns="7851d254-ce09-43b6-8d90-072588e7901c">2010-04-16T13:14:00+00:00</PlannedPubDate>
+    <IntlLangReviewer xmlns="7851d254-ce09-43b6-8d90-072588e7901c" xsi:nil="true"/>
+    <CrawlForDependencies xmlns="7851d254-ce09-43b6-8d90-072588e7901c">false</CrawlForDependencies>
+    <TrustLevel xmlns="7851d254-ce09-43b6-8d90-072588e7901c">1 Microsoft Managed Content</TrustLevel>
+    <IsSearchable xmlns="7851d254-ce09-43b6-8d90-072588e7901c">false</IsSearchable>
+    <TPNamespace xmlns="7851d254-ce09-43b6-8d90-072588e7901c" xsi:nil="true"/>
+    <TemplateTemplateType xmlns="7851d254-ce09-43b6-8d90-072588e7901c">PowerPoint 12 Default</TemplateTemplateType>
+    <Markets xmlns="7851d254-ce09-43b6-8d90-072588e7901c"/>
+    <OutputCachingOn xmlns="7851d254-ce09-43b6-8d90-072588e7901c">false</OutputCachingOn>
+    <IntlLangReview xmlns="7851d254-ce09-43b6-8d90-072588e7901c" xsi:nil="true"/>
+    <UAProjectedTotalWords xmlns="7851d254-ce09-43b6-8d90-072588e7901c" xsi:nil="true"/>
+    <CampaignTagsTaxHTField0 xmlns="7851d254-ce09-43b6-8d90-072588e7901c">
+      <Terms xmlns="http://schemas.microsoft.com/office/infopath/2007/PartnerControls"/>
+    </CampaignTagsTaxHTField0>
+    <LocPublishedDependentAssetsLookup xmlns="7851d254-ce09-43b6-8d90-072588e7901c" xsi:nil="true"/>
+    <LocOverallLocStatusLookup xmlns="7851d254-ce09-43b6-8d90-072588e7901c" xsi:nil="true"/>
+    <InternalTagsTaxHTField0 xmlns="7851d254-ce09-43b6-8d90-072588e7901c">
+      <Terms xmlns="http://schemas.microsoft.com/office/infopath/2007/PartnerControls"/>
+    </InternalTagsTaxHTField0>
+    <LocComments xmlns="7851d254-ce09-43b6-8d90-072588e7901c" xsi:nil="true"/>
+    <LocProcessedForMarketsLookup xmlns="7851d254-ce09-43b6-8d90-072588e7901c" xsi:nil="true"/>
+    <ScenarioTagsTaxHTField0 xmlns="7851d254-ce09-43b6-8d90-072588e7901c">
+      <Terms xmlns="http://schemas.microsoft.com/office/infopath/2007/PartnerControls"/>
+    </ScenarioTagsTaxHTField0>
+    <LocLastLocAttemptVersionTypeLookup xmlns="7851d254-ce09-43b6-8d90-072588e7901c" xsi:nil="true"/>
+    <LocOverallPublishStatusLookup xmlns="7851d254-ce09-43b6-8d90-072588e7901c" xsi:nil="true"/>
+    <LocPublishedLinkedAssetsLookup xmlns="7851d254-ce09-43b6-8d90-072588e7901c" xsi:nil="true"/>
+    <TaxCatchAll xmlns="7851d254-ce09-43b6-8d90-072588e7901c"/>
+    <LocRecommendedHandoff xmlns="7851d254-ce09-43b6-8d90-072588e7901c" xsi:nil="true"/>
+    <LocProcessedForHandoffsLookup xmlns="7851d254-ce09-43b6-8d90-072588e7901c" xsi:nil="true"/>
+    <LocOverallHandbackStatusLookup xmlns="7851d254-ce09-43b6-8d90-072588e7901c" xsi:nil="true"/>
+    <LocNewPublishedVersionLookup xmlns="7851d254-ce09-43b6-8d90-072588e7901c" xsi:nil="true"/>
+    <BlockPublish xmlns="7851d254-ce09-43b6-8d90-072588e7901c" xsi:nil="true"/>
+    <LocManualTestRequired xmlns="7851d254-ce09-43b6-8d90-072588e7901c" xsi:nil="true"/>
+    <LocalizationTagsTaxHTField0 xmlns="7851d254-ce09-43b6-8d90-072588e7901c">
+      <Terms xmlns="http://schemas.microsoft.com/office/infopath/2007/PartnerControls"/>
+    </LocalizationTagsTaxHTField0>
+    <LocLastLocAttemptVersionLookup xmlns="7851d254-ce09-43b6-8d90-072588e7901c">65845</LocLastLocAttemptVersionLookup>
+    <FeatureTagsTaxHTField0 xmlns="7851d254-ce09-43b6-8d90-072588e7901c">
+      <Terms xmlns="http://schemas.microsoft.com/office/infopath/2007/PartnerControls"/>
+    </FeatureTagsTaxHTField0>
+    <LocOverallPreviewStatusLookup xmlns="7851d254-ce09-43b6-8d90-072588e7901c" xsi:nil="true"/>
+    <RecommendationsModifier xmlns="7851d254-ce09-43b6-8d90-072588e7901c" xsi:nil="true"/>
+    <OriginalRelease xmlns="7851d254-ce09-43b6-8d90-072588e7901c">14</OriginalRelease>
+    <LocMarketGroupTiers2 xmlns="7851d254-ce09-43b6-8d90-072588e7901c" xsi:nil="true"/>
+  </documentManagement>
+</p:properties>
 </file>
 
 <file path=customXml/itemProps1.xml><?xml version="1.0" encoding="utf-8"?>
-<ds:datastoreItem xmlns:ds="http://schemas.openxmlformats.org/officeDocument/2006/customXml" ds:itemID="{79174311-CFD3-4DEA-AAFE-E3AA53D5174E}">
+<ds:datastoreItem xmlns:ds="http://schemas.openxmlformats.org/officeDocument/2006/customXml" ds:itemID="{C79E6502-E858-46F1-997F-A119CCAAD56C}">
   <ds:schemaRefs>
-    <ds:schemaRef ds:uri="http://schemas.microsoft.com/office/2006/metadata/properties"/>
-    <ds:schemaRef ds:uri="http://schemas.microsoft.com/office/infopath/2007/PartnerControls"/>
-    <ds:schemaRef ds:uri="7851d254-ce09-43b6-8d90-072588e7901c"/>
+    <ds:schemaRef ds:uri="http://schemas.microsoft.com/sharepoint/v3/contenttype/forms"/>
   </ds:schemaRefs>
 </ds:datastoreItem>
 </file>
@@ -27402,9 +27835,11 @@
 </file>
 
 <file path=customXml/itemProps3.xml><?xml version="1.0" encoding="utf-8"?>
-<ds:datastoreItem xmlns:ds="http://schemas.openxmlformats.org/officeDocument/2006/customXml" ds:itemID="{C79E6502-E858-46F1-997F-A119CCAAD56C}">
+<ds:datastoreItem xmlns:ds="http://schemas.openxmlformats.org/officeDocument/2006/customXml" ds:itemID="{79174311-CFD3-4DEA-AAFE-E3AA53D5174E}">
   <ds:schemaRefs>
-    <ds:schemaRef ds:uri="http://schemas.microsoft.com/sharepoint/v3/contenttype/forms"/>
+    <ds:schemaRef ds:uri="http://schemas.microsoft.com/office/2006/metadata/properties"/>
+    <ds:schemaRef ds:uri="http://schemas.microsoft.com/office/infopath/2007/PartnerControls"/>
+    <ds:schemaRef ds:uri="7851d254-ce09-43b6-8d90-072588e7901c"/>
   </ds:schemaRefs>
 </ds:datastoreItem>
 </file>
--- a/docs/figures.pptx
+++ b/docs/figures.pptx
@@ -9,13 +9,14 @@
     <p:sldMasterId id="2147483924" r:id="rId8"/>
   </p:sldMasterIdLst>
   <p:notesMasterIdLst>
-    <p:notesMasterId r:id="rId10"/>
+    <p:notesMasterId r:id="rId11"/>
   </p:notesMasterIdLst>
   <p:handoutMasterIdLst>
-    <p:handoutMasterId r:id="rId11"/>
+    <p:handoutMasterId r:id="rId12"/>
   </p:handoutMasterIdLst>
   <p:sldIdLst>
     <p:sldId id="405" r:id="rId9"/>
+    <p:sldId id="407" r:id="rId10"/>
   </p:sldIdLst>
   <p:sldSz cx="9906000" cy="6858000" type="A4"/>
   <p:notesSz cx="6858000" cy="9144000"/>
@@ -211,7 +212,7 @@
             <a:fld id="{A7959C71-B73A-49FF-9308-B24F710812B5}" type="datetimeFigureOut">
               <a:rPr lang="en-US" smtClean="0"/>
               <a:pPr/>
-              <a:t>7/16/22</a:t>
+              <a:t>7/18/22</a:t>
             </a:fld>
             <a:endParaRPr lang="en-US" dirty="0"/>
           </a:p>
@@ -363,7 +364,7 @@
             <a:fld id="{5468FC2B-D455-4AC4-9C5E-9317124768F4}" type="datetimeFigureOut">
               <a:rPr lang="en-US" smtClean="0"/>
               <a:pPr/>
-              <a:t>7/16/22</a:t>
+              <a:t>7/18/22</a:t>
             </a:fld>
             <a:endParaRPr lang="en-US" dirty="0"/>
           </a:p>
@@ -703,6 +704,90 @@
     <p:extLst>
       <p:ext uri="{BB962C8B-B14F-4D97-AF65-F5344CB8AC3E}">
         <p14:creationId xmlns:p14="http://schemas.microsoft.com/office/powerpoint/2010/main" val="4121964976"/>
+      </p:ext>
+    </p:extLst>
+  </p:cSld>
+  <p:clrMapOvr>
+    <a:masterClrMapping/>
+  </p:clrMapOvr>
+</p:notes>
+</file>
+
+<file path=ppt/notesSlides/notesSlide2.xml><?xml version="1.0" encoding="utf-8"?>
+<p:notes xmlns:a="http://schemas.openxmlformats.org/drawingml/2006/main" xmlns:r="http://schemas.openxmlformats.org/officeDocument/2006/relationships" xmlns:p="http://schemas.openxmlformats.org/presentationml/2006/main">
+  <p:cSld>
+    <p:spTree>
+      <p:nvGrpSpPr>
+        <p:cNvPr id="1" name=""/>
+        <p:cNvGrpSpPr/>
+        <p:nvPr/>
+      </p:nvGrpSpPr>
+      <p:grpSpPr>
+        <a:xfrm>
+          <a:off x="0" y="0"/>
+          <a:ext cx="0" cy="0"/>
+          <a:chOff x="0" y="0"/>
+          <a:chExt cx="0" cy="0"/>
+        </a:xfrm>
+      </p:grpSpPr>
+      <p:sp>
+        <p:nvSpPr>
+          <p:cNvPr id="2" name="Segnaposto immagine diapositiva 1"/>
+          <p:cNvSpPr>
+            <a:spLocks noGrp="1" noRot="1" noChangeAspect="1"/>
+          </p:cNvSpPr>
+          <p:nvPr>
+            <p:ph type="sldImg"/>
+          </p:nvPr>
+        </p:nvSpPr>
+        <p:spPr/>
+      </p:sp>
+      <p:sp>
+        <p:nvSpPr>
+          <p:cNvPr id="3" name="Segnaposto note 2"/>
+          <p:cNvSpPr>
+            <a:spLocks noGrp="1"/>
+          </p:cNvSpPr>
+          <p:nvPr>
+            <p:ph type="body" idx="1"/>
+          </p:nvPr>
+        </p:nvSpPr>
+        <p:spPr/>
+        <p:txBody>
+          <a:bodyPr/>
+          <a:lstStyle/>
+          <a:p>
+            <a:endParaRPr lang="en-GB" dirty="0"/>
+          </a:p>
+        </p:txBody>
+      </p:sp>
+      <p:sp>
+        <p:nvSpPr>
+          <p:cNvPr id="4" name="Segnaposto numero diapositiva 3"/>
+          <p:cNvSpPr>
+            <a:spLocks noGrp="1"/>
+          </p:cNvSpPr>
+          <p:nvPr>
+            <p:ph type="sldNum" sz="quarter" idx="5"/>
+          </p:nvPr>
+        </p:nvSpPr>
+        <p:spPr/>
+        <p:txBody>
+          <a:bodyPr/>
+          <a:lstStyle/>
+          <a:p>
+            <a:fld id="{D04AFCC7-3E30-3240-B9B9-58EEE70978C5}" type="slidenum">
+              <a:rPr lang="en-GB" smtClean="0"/>
+              <a:t>2</a:t>
+            </a:fld>
+            <a:endParaRPr lang="en-GB" dirty="0"/>
+          </a:p>
+        </p:txBody>
+      </p:sp>
+    </p:spTree>
+    <p:extLst>
+      <p:ext uri="{BB962C8B-B14F-4D97-AF65-F5344CB8AC3E}">
+        <p14:creationId xmlns:p14="http://schemas.microsoft.com/office/powerpoint/2010/main" val="2558891205"/>
       </p:ext>
     </p:extLst>
   </p:cSld>
@@ -16845,7 +16930,7 @@
           <a:noFill/>
           <a:extLst>
             <a:ext uri="{909E8E84-426E-40dd-AFC4-6F175D3DCCD1}">
-              <a14:hiddenFill xmlns="" xmlns:a14="http://schemas.microsoft.com/office/drawing/2010/main">
+              <a14:hiddenFill xmlns:a14="http://schemas.microsoft.com/office/drawing/2010/main" xmlns="">
                 <a:solidFill>
                   <a:srgbClr val="FFFFFF"/>
                 </a:solidFill>
@@ -16882,12 +16967,12 @@
           <a:effectLst/>
           <a:extLst>
             <a:ext uri="{909E8E84-426E-40dd-AFC4-6F175D3DCCD1}">
-              <a14:hiddenFill xmlns="" xmlns:a14="http://schemas.microsoft.com/office/drawing/2010/main">
+              <a14:hiddenFill xmlns:a14="http://schemas.microsoft.com/office/drawing/2010/main" xmlns="">
                 <a:noFill/>
               </a14:hiddenFill>
             </a:ext>
             <a:ext uri="{AF507438-7753-43e0-B8FC-AC1667EBCBE1}">
-              <a14:hiddenEffects xmlns="" xmlns:a14="http://schemas.microsoft.com/office/drawing/2010/main">
+              <a14:hiddenEffects xmlns:a14="http://schemas.microsoft.com/office/drawing/2010/main" xmlns="">
                 <a:effectLst>
                   <a:outerShdw blurRad="63500" dist="38099" dir="2700000" algn="ctr" rotWithShape="0">
                     <a:schemeClr val="bg2">
@@ -16935,12 +17020,12 @@
           <a:effectLst/>
           <a:extLst>
             <a:ext uri="{909E8E84-426E-40dd-AFC4-6F175D3DCCD1}">
-              <a14:hiddenFill xmlns="" xmlns:a14="http://schemas.microsoft.com/office/drawing/2010/main">
+              <a14:hiddenFill xmlns:a14="http://schemas.microsoft.com/office/drawing/2010/main" xmlns="">
                 <a:noFill/>
               </a14:hiddenFill>
             </a:ext>
             <a:ext uri="{AF507438-7753-43e0-B8FC-AC1667EBCBE1}">
-              <a14:hiddenEffects xmlns="" xmlns:a14="http://schemas.microsoft.com/office/drawing/2010/main">
+              <a14:hiddenEffects xmlns:a14="http://schemas.microsoft.com/office/drawing/2010/main" xmlns="">
                 <a:effectLst>
                   <a:outerShdw blurRad="63500" dist="38099" dir="2700000" algn="ctr" rotWithShape="0">
                     <a:schemeClr val="bg2">
@@ -16995,14 +17080,14 @@
           </a:ln>
           <a:extLst>
             <a:ext uri="{909E8E84-426E-40dd-AFC4-6F175D3DCCD1}">
-              <a14:hiddenFill xmlns="" xmlns:a14="http://schemas.microsoft.com/office/drawing/2010/main">
+              <a14:hiddenFill xmlns:a14="http://schemas.microsoft.com/office/drawing/2010/main" xmlns="">
                 <a:solidFill>
                   <a:srgbClr val="FFFFFF"/>
                 </a:solidFill>
               </a14:hiddenFill>
             </a:ext>
             <a:ext uri="{91240B29-F687-4f45-9708-019B960494DF}">
-              <a14:hiddenLine xmlns="" xmlns:a14="http://schemas.microsoft.com/office/drawing/2010/main" w="9525">
+              <a14:hiddenLine xmlns:a14="http://schemas.microsoft.com/office/drawing/2010/main" xmlns="" w="9525">
                 <a:solidFill>
                   <a:srgbClr val="000000"/>
                 </a:solidFill>
@@ -17042,12 +17127,12 @@
           <a:effectLst/>
           <a:extLst>
             <a:ext uri="{909E8E84-426E-40dd-AFC4-6F175D3DCCD1}">
-              <a14:hiddenFill xmlns="" xmlns:a14="http://schemas.microsoft.com/office/drawing/2010/main">
+              <a14:hiddenFill xmlns:a14="http://schemas.microsoft.com/office/drawing/2010/main" xmlns="">
                 <a:noFill/>
               </a14:hiddenFill>
             </a:ext>
             <a:ext uri="{AF507438-7753-43e0-B8FC-AC1667EBCBE1}">
-              <a14:hiddenEffects xmlns="" xmlns:a14="http://schemas.microsoft.com/office/drawing/2010/main">
+              <a14:hiddenEffects xmlns:a14="http://schemas.microsoft.com/office/drawing/2010/main" xmlns="">
                 <a:effectLst>
                   <a:outerShdw blurRad="63500" dist="38099" dir="2700000" algn="ctr" rotWithShape="0">
                     <a:schemeClr val="bg2">
@@ -17095,12 +17180,12 @@
           <a:effectLst/>
           <a:extLst>
             <a:ext uri="{909E8E84-426E-40dd-AFC4-6F175D3DCCD1}">
-              <a14:hiddenFill xmlns="" xmlns:a14="http://schemas.microsoft.com/office/drawing/2010/main">
+              <a14:hiddenFill xmlns:a14="http://schemas.microsoft.com/office/drawing/2010/main" xmlns="">
                 <a:noFill/>
               </a14:hiddenFill>
             </a:ext>
             <a:ext uri="{AF507438-7753-43e0-B8FC-AC1667EBCBE1}">
-              <a14:hiddenEffects xmlns="" xmlns:a14="http://schemas.microsoft.com/office/drawing/2010/main">
+              <a14:hiddenEffects xmlns:a14="http://schemas.microsoft.com/office/drawing/2010/main" xmlns="">
                 <a:effectLst>
                   <a:outerShdw blurRad="63500" dist="38099" dir="2700000" algn="ctr" rotWithShape="0">
                     <a:schemeClr val="bg2">
@@ -17641,7 +17726,7 @@
           <a:noFill/>
           <a:extLst>
             <a:ext uri="{909E8E84-426E-40dd-AFC4-6F175D3DCCD1}">
-              <a14:hiddenFill xmlns="" xmlns:a14="http://schemas.microsoft.com/office/drawing/2010/main">
+              <a14:hiddenFill xmlns:a14="http://schemas.microsoft.com/office/drawing/2010/main" xmlns="">
                 <a:solidFill>
                   <a:srgbClr val="FFFFFF"/>
                 </a:solidFill>
@@ -17685,14 +17770,14 @@
           </a:ln>
           <a:extLst>
             <a:ext uri="{909E8E84-426E-40dd-AFC4-6F175D3DCCD1}">
-              <a14:hiddenFill xmlns="" xmlns:a14="http://schemas.microsoft.com/office/drawing/2010/main">
+              <a14:hiddenFill xmlns:a14="http://schemas.microsoft.com/office/drawing/2010/main" xmlns="">
                 <a:solidFill>
                   <a:srgbClr val="FFFFFF"/>
                 </a:solidFill>
               </a14:hiddenFill>
             </a:ext>
             <a:ext uri="{91240B29-F687-4f45-9708-019B960494DF}">
-              <a14:hiddenLine xmlns="" xmlns:a14="http://schemas.microsoft.com/office/drawing/2010/main" w="9525">
+              <a14:hiddenLine xmlns:a14="http://schemas.microsoft.com/office/drawing/2010/main" xmlns="" w="9525">
                 <a:solidFill>
                   <a:srgbClr val="000000"/>
                 </a:solidFill>
@@ -17732,12 +17817,12 @@
           <a:effectLst/>
           <a:extLst>
             <a:ext uri="{909E8E84-426E-40dd-AFC4-6F175D3DCCD1}">
-              <a14:hiddenFill xmlns="" xmlns:a14="http://schemas.microsoft.com/office/drawing/2010/main">
+              <a14:hiddenFill xmlns:a14="http://schemas.microsoft.com/office/drawing/2010/main" xmlns="">
                 <a:noFill/>
               </a14:hiddenFill>
             </a:ext>
             <a:ext uri="{AF507438-7753-43e0-B8FC-AC1667EBCBE1}">
-              <a14:hiddenEffects xmlns="" xmlns:a14="http://schemas.microsoft.com/office/drawing/2010/main">
+              <a14:hiddenEffects xmlns:a14="http://schemas.microsoft.com/office/drawing/2010/main" xmlns="">
                 <a:effectLst>
                   <a:outerShdw blurRad="63500" dist="38099" dir="2700000" algn="ctr" rotWithShape="0">
                     <a:schemeClr val="bg2">
@@ -17787,12 +17872,12 @@
           <a:effectLst/>
           <a:extLst>
             <a:ext uri="{909E8E84-426E-40dd-AFC4-6F175D3DCCD1}">
-              <a14:hiddenFill xmlns="" xmlns:a14="http://schemas.microsoft.com/office/drawing/2010/main">
+              <a14:hiddenFill xmlns:a14="http://schemas.microsoft.com/office/drawing/2010/main" xmlns="">
                 <a:noFill/>
               </a14:hiddenFill>
             </a:ext>
             <a:ext uri="{AF507438-7753-43e0-B8FC-AC1667EBCBE1}">
-              <a14:hiddenEffects xmlns="" xmlns:a14="http://schemas.microsoft.com/office/drawing/2010/main">
+              <a14:hiddenEffects xmlns:a14="http://schemas.microsoft.com/office/drawing/2010/main" xmlns="">
                 <a:effectLst>
                   <a:outerShdw blurRad="63500" dist="38099" dir="2700000" algn="ctr" rotWithShape="0">
                     <a:schemeClr val="bg2">
@@ -17842,12 +17927,12 @@
           <a:effectLst/>
           <a:extLst>
             <a:ext uri="{909E8E84-426E-40dd-AFC4-6F175D3DCCD1}">
-              <a14:hiddenFill xmlns="" xmlns:a14="http://schemas.microsoft.com/office/drawing/2010/main">
+              <a14:hiddenFill xmlns:a14="http://schemas.microsoft.com/office/drawing/2010/main" xmlns="">
                 <a:noFill/>
               </a14:hiddenFill>
             </a:ext>
             <a:ext uri="{AF507438-7753-43e0-B8FC-AC1667EBCBE1}">
-              <a14:hiddenEffects xmlns="" xmlns:a14="http://schemas.microsoft.com/office/drawing/2010/main">
+              <a14:hiddenEffects xmlns:a14="http://schemas.microsoft.com/office/drawing/2010/main" xmlns="">
                 <a:effectLst>
                   <a:outerShdw blurRad="63500" dist="38099" dir="2700000" algn="ctr" rotWithShape="0">
                     <a:schemeClr val="bg2">
@@ -17897,12 +17982,12 @@
           <a:effectLst/>
           <a:extLst>
             <a:ext uri="{909E8E84-426E-40dd-AFC4-6F175D3DCCD1}">
-              <a14:hiddenFill xmlns="" xmlns:a14="http://schemas.microsoft.com/office/drawing/2010/main">
+              <a14:hiddenFill xmlns:a14="http://schemas.microsoft.com/office/drawing/2010/main" xmlns="">
                 <a:noFill/>
               </a14:hiddenFill>
             </a:ext>
             <a:ext uri="{AF507438-7753-43e0-B8FC-AC1667EBCBE1}">
-              <a14:hiddenEffects xmlns="" xmlns:a14="http://schemas.microsoft.com/office/drawing/2010/main">
+              <a14:hiddenEffects xmlns:a14="http://schemas.microsoft.com/office/drawing/2010/main" xmlns="">
                 <a:effectLst>
                   <a:outerShdw blurRad="63500" dist="38099" dir="2700000" algn="ctr" rotWithShape="0">
                     <a:schemeClr val="bg2">
@@ -23147,6 +23232,2922 @@
     <p:extLst>
       <p:ext uri="{BB962C8B-B14F-4D97-AF65-F5344CB8AC3E}">
         <p14:creationId xmlns:p14="http://schemas.microsoft.com/office/powerpoint/2010/main" val="238957423"/>
+      </p:ext>
+    </p:extLst>
+  </p:cSld>
+  <p:clrMapOvr>
+    <a:masterClrMapping/>
+  </p:clrMapOvr>
+  <p:timing>
+    <p:tnLst>
+      <p:par>
+        <p:cTn id="1" dur="indefinite" restart="never" nodeType="tmRoot">
+          <p:childTnLst>
+            <p:seq concurrent="1" nextAc="seek">
+              <p:cTn id="2" dur="indefinite" nodeType="mainSeq">
+                <p:childTnLst>
+                  <p:par>
+                    <p:cTn id="3" fill="hold">
+                      <p:stCondLst>
+                        <p:cond delay="indefinite"/>
+                        <p:cond evt="onBegin" delay="0">
+                          <p:tn val="2"/>
+                        </p:cond>
+                      </p:stCondLst>
+                      <p:childTnLst>
+                        <p:par>
+                          <p:cTn id="4" fill="hold">
+                            <p:stCondLst>
+                              <p:cond delay="0"/>
+                            </p:stCondLst>
+                            <p:childTnLst>
+                              <p:par>
+                                <p:cTn id="5" presetID="21" presetClass="entr" presetSubtype="1" fill="hold" nodeType="afterEffect">
+                                  <p:stCondLst>
+                                    <p:cond delay="0"/>
+                                  </p:stCondLst>
+                                  <p:childTnLst>
+                                    <p:set>
+                                      <p:cBhvr>
+                                        <p:cTn id="6" dur="1" fill="hold">
+                                          <p:stCondLst>
+                                            <p:cond delay="0"/>
+                                          </p:stCondLst>
+                                        </p:cTn>
+                                        <p:tgtEl>
+                                          <p:spTgt spid="130"/>
+                                        </p:tgtEl>
+                                        <p:attrNameLst>
+                                          <p:attrName>style.visibility</p:attrName>
+                                        </p:attrNameLst>
+                                      </p:cBhvr>
+                                      <p:to>
+                                        <p:strVal val="visible"/>
+                                      </p:to>
+                                    </p:set>
+                                    <p:animEffect transition="in" filter="wheel(1)">
+                                      <p:cBhvr>
+                                        <p:cTn id="7" dur="1000"/>
+                                        <p:tgtEl>
+                                          <p:spTgt spid="130"/>
+                                        </p:tgtEl>
+                                      </p:cBhvr>
+                                    </p:animEffect>
+                                  </p:childTnLst>
+                                </p:cTn>
+                              </p:par>
+                            </p:childTnLst>
+                          </p:cTn>
+                        </p:par>
+                      </p:childTnLst>
+                    </p:cTn>
+                  </p:par>
+                </p:childTnLst>
+              </p:cTn>
+              <p:prevCondLst>
+                <p:cond evt="onPrev" delay="0">
+                  <p:tgtEl>
+                    <p:sldTgt/>
+                  </p:tgtEl>
+                </p:cond>
+              </p:prevCondLst>
+              <p:nextCondLst>
+                <p:cond evt="onNext" delay="0">
+                  <p:tgtEl>
+                    <p:sldTgt/>
+                  </p:tgtEl>
+                </p:cond>
+              </p:nextCondLst>
+            </p:seq>
+          </p:childTnLst>
+        </p:cTn>
+      </p:par>
+    </p:tnLst>
+  </p:timing>
+</p:sld>
+</file>
+
+<file path=ppt/slides/slide2.xml><?xml version="1.0" encoding="utf-8"?>
+<p:sld xmlns:a="http://schemas.openxmlformats.org/drawingml/2006/main" xmlns:r="http://schemas.openxmlformats.org/officeDocument/2006/relationships" xmlns:p="http://schemas.openxmlformats.org/presentationml/2006/main">
+  <p:cSld>
+    <p:spTree>
+      <p:nvGrpSpPr>
+        <p:cNvPr id="1" name=""/>
+        <p:cNvGrpSpPr/>
+        <p:nvPr/>
+      </p:nvGrpSpPr>
+      <p:grpSpPr>
+        <a:xfrm>
+          <a:off x="0" y="0"/>
+          <a:ext cx="0" cy="0"/>
+          <a:chOff x="0" y="0"/>
+          <a:chExt cx="0" cy="0"/>
+        </a:xfrm>
+      </p:grpSpPr>
+      <p:cxnSp>
+        <p:nvCxnSpPr>
+          <p:cNvPr id="33" name="Connettore 4 32">
+            <a:extLst>
+              <a:ext uri="{FF2B5EF4-FFF2-40B4-BE49-F238E27FC236}">
+                <a16:creationId xmlns:a16="http://schemas.microsoft.com/office/drawing/2014/main" id="{2FFD3D08-28B3-B3B3-0AB9-1D97FBC1CF2F}"/>
+              </a:ext>
+            </a:extLst>
+          </p:cNvPr>
+          <p:cNvCxnSpPr/>
+          <p:nvPr/>
+        </p:nvCxnSpPr>
+        <p:spPr>
+          <a:xfrm rot="16200000" flipH="1">
+            <a:off x="3174587" y="3348021"/>
+            <a:ext cx="1606655" cy="1065166"/>
+          </a:xfrm>
+          <a:prstGeom prst="bentConnector2">
+            <a:avLst/>
+          </a:prstGeom>
+          <a:ln w="28575">
+            <a:solidFill>
+              <a:schemeClr val="accent4"/>
+            </a:solidFill>
+            <a:tailEnd type="triangle"/>
+          </a:ln>
+        </p:spPr>
+        <p:style>
+          <a:lnRef idx="2">
+            <a:schemeClr val="accent1"/>
+          </a:lnRef>
+          <a:fillRef idx="0">
+            <a:schemeClr val="accent1"/>
+          </a:fillRef>
+          <a:effectRef idx="1">
+            <a:schemeClr val="accent1"/>
+          </a:effectRef>
+          <a:fontRef idx="minor">
+            <a:schemeClr val="tx1"/>
+          </a:fontRef>
+        </p:style>
+      </p:cxnSp>
+      <p:pic>
+        <p:nvPicPr>
+          <p:cNvPr id="4" name="Immagine 3">
+            <a:extLst>
+              <a:ext uri="{FF2B5EF4-FFF2-40B4-BE49-F238E27FC236}">
+                <a16:creationId xmlns:a16="http://schemas.microsoft.com/office/drawing/2014/main" id="{E9A70152-93AF-BAA5-99B6-23F734045944}"/>
+              </a:ext>
+            </a:extLst>
+          </p:cNvPr>
+          <p:cNvPicPr>
+            <a:picLocks noChangeAspect="1"/>
+          </p:cNvPicPr>
+          <p:nvPr/>
+        </p:nvPicPr>
+        <p:blipFill>
+          <a:blip r:embed="rId3"/>
+          <a:stretch>
+            <a:fillRect/>
+          </a:stretch>
+        </p:blipFill>
+        <p:spPr>
+          <a:xfrm>
+            <a:off x="3687556" y="1288586"/>
+            <a:ext cx="1415185" cy="303675"/>
+          </a:xfrm>
+          <a:prstGeom prst="rect">
+            <a:avLst/>
+          </a:prstGeom>
+        </p:spPr>
+      </p:pic>
+      <p:pic>
+        <p:nvPicPr>
+          <p:cNvPr id="5" name="Immagine 4">
+            <a:extLst>
+              <a:ext uri="{FF2B5EF4-FFF2-40B4-BE49-F238E27FC236}">
+                <a16:creationId xmlns:a16="http://schemas.microsoft.com/office/drawing/2014/main" id="{123991A0-5D9E-29FE-E514-801A64C17998}"/>
+              </a:ext>
+            </a:extLst>
+          </p:cNvPr>
+          <p:cNvPicPr>
+            <a:picLocks noChangeAspect="1"/>
+          </p:cNvPicPr>
+          <p:nvPr/>
+        </p:nvPicPr>
+        <p:blipFill>
+          <a:blip r:embed="rId4"/>
+          <a:stretch>
+            <a:fillRect/>
+          </a:stretch>
+        </p:blipFill>
+        <p:spPr>
+          <a:xfrm>
+            <a:off x="5546270" y="1221127"/>
+            <a:ext cx="1571143" cy="407515"/>
+          </a:xfrm>
+          <a:prstGeom prst="rect">
+            <a:avLst/>
+          </a:prstGeom>
+        </p:spPr>
+      </p:pic>
+      <p:sp>
+        <p:nvSpPr>
+          <p:cNvPr id="10" name="Rettangolo con angoli arrotondati 9">
+            <a:extLst>
+              <a:ext uri="{FF2B5EF4-FFF2-40B4-BE49-F238E27FC236}">
+                <a16:creationId xmlns:a16="http://schemas.microsoft.com/office/drawing/2014/main" id="{40D766DC-6D59-A0BE-B8A0-8F277A23CFD9}"/>
+              </a:ext>
+            </a:extLst>
+          </p:cNvPr>
+          <p:cNvSpPr/>
+          <p:nvPr/>
+        </p:nvSpPr>
+        <p:spPr>
+          <a:xfrm>
+            <a:off x="6183917" y="2055418"/>
+            <a:ext cx="1133278" cy="1230961"/>
+          </a:xfrm>
+          <a:prstGeom prst="roundRect">
+            <a:avLst/>
+          </a:prstGeom>
+          <a:ln>
+            <a:solidFill>
+              <a:schemeClr val="accent4"/>
+            </a:solidFill>
+          </a:ln>
+        </p:spPr>
+        <p:style>
+          <a:lnRef idx="2">
+            <a:schemeClr val="accent1">
+              <a:shade val="50000"/>
+            </a:schemeClr>
+          </a:lnRef>
+          <a:fillRef idx="1">
+            <a:schemeClr val="accent1"/>
+          </a:fillRef>
+          <a:effectRef idx="0">
+            <a:schemeClr val="accent1"/>
+          </a:effectRef>
+          <a:fontRef idx="minor">
+            <a:schemeClr val="lt1"/>
+          </a:fontRef>
+        </p:style>
+        <p:txBody>
+          <a:bodyPr rtlCol="0" anchor="t"/>
+          <a:lstStyle/>
+          <a:p>
+            <a:pPr algn="ctr"/>
+            <a:r>
+              <a:rPr lang="en-GB" sz="1463" dirty="0"/>
+              <a:t>SuperSet Adapter</a:t>
+            </a:r>
+          </a:p>
+        </p:txBody>
+      </p:sp>
+      <p:grpSp>
+        <p:nvGrpSpPr>
+          <p:cNvPr id="26" name="Gruppo 25">
+            <a:extLst>
+              <a:ext uri="{FF2B5EF4-FFF2-40B4-BE49-F238E27FC236}">
+                <a16:creationId xmlns:a16="http://schemas.microsoft.com/office/drawing/2014/main" id="{CEED9B54-C521-B289-3691-5B4FFE22D872}"/>
+              </a:ext>
+            </a:extLst>
+          </p:cNvPr>
+          <p:cNvGrpSpPr/>
+          <p:nvPr/>
+        </p:nvGrpSpPr>
+        <p:grpSpPr>
+          <a:xfrm>
+            <a:off x="4525945" y="4361579"/>
+            <a:ext cx="3306325" cy="1048621"/>
+            <a:chOff x="10461862" y="3800276"/>
+            <a:chExt cx="4069323" cy="1290610"/>
+          </a:xfrm>
+        </p:grpSpPr>
+        <p:sp>
+          <p:nvSpPr>
+            <p:cNvPr id="25" name="Rettangolo con angoli arrotondati 24">
+              <a:extLst>
+                <a:ext uri="{FF2B5EF4-FFF2-40B4-BE49-F238E27FC236}">
+                  <a16:creationId xmlns:a16="http://schemas.microsoft.com/office/drawing/2014/main" id="{8C7B4F0B-8389-E1C1-9FCF-FBFDCD12FF25}"/>
+                </a:ext>
+              </a:extLst>
+            </p:cNvPr>
+            <p:cNvSpPr/>
+            <p:nvPr/>
+          </p:nvSpPr>
+          <p:spPr>
+            <a:xfrm>
+              <a:off x="10461862" y="3800276"/>
+              <a:ext cx="4069323" cy="1290610"/>
+            </a:xfrm>
+            <a:prstGeom prst="roundRect">
+              <a:avLst/>
+            </a:prstGeom>
+            <a:solidFill>
+              <a:schemeClr val="bg1">
+                <a:lumMod val="85000"/>
+              </a:schemeClr>
+            </a:solidFill>
+            <a:ln>
+              <a:solidFill>
+                <a:schemeClr val="accent4"/>
+              </a:solidFill>
+            </a:ln>
+          </p:spPr>
+          <p:style>
+            <a:lnRef idx="2">
+              <a:schemeClr val="accent1">
+                <a:shade val="50000"/>
+              </a:schemeClr>
+            </a:lnRef>
+            <a:fillRef idx="1">
+              <a:schemeClr val="accent1"/>
+            </a:fillRef>
+            <a:effectRef idx="0">
+              <a:schemeClr val="accent1"/>
+            </a:effectRef>
+            <a:fontRef idx="minor">
+              <a:schemeClr val="lt1"/>
+            </a:fontRef>
+          </p:style>
+          <p:txBody>
+            <a:bodyPr rtlCol="0" anchor="ctr"/>
+            <a:lstStyle/>
+            <a:p>
+              <a:pPr algn="ctr"/>
+              <a:endParaRPr lang="en-GB" sz="1463" dirty="0"/>
+            </a:p>
+          </p:txBody>
+        </p:sp>
+        <p:pic>
+          <p:nvPicPr>
+            <p:cNvPr id="16" name="Picture 2">
+              <a:extLst>
+                <a:ext uri="{FF2B5EF4-FFF2-40B4-BE49-F238E27FC236}">
+                  <a16:creationId xmlns:a16="http://schemas.microsoft.com/office/drawing/2014/main" id="{023904B5-D266-93DC-6157-EDCDD95EECC1}"/>
+                </a:ext>
+              </a:extLst>
+            </p:cNvPr>
+            <p:cNvPicPr>
+              <a:picLocks noChangeAspect="1" noChangeArrowheads="1"/>
+            </p:cNvPicPr>
+            <p:nvPr/>
+          </p:nvPicPr>
+          <p:blipFill rotWithShape="1">
+            <a:blip r:embed="rId5">
+              <a:extLst>
+                <a:ext uri="{28A0092B-C50C-407E-A947-70E740481C1C}">
+                  <a14:useLocalDpi xmlns:a14="http://schemas.microsoft.com/office/drawing/2010/main" val="0"/>
+                </a:ext>
+              </a:extLst>
+            </a:blip>
+            <a:srcRect l="1" t="-15685" r="-2513" b="-1"/>
+            <a:stretch/>
+          </p:blipFill>
+          <p:spPr bwMode="auto">
+            <a:xfrm>
+              <a:off x="10664927" y="3956568"/>
+              <a:ext cx="914400" cy="307761"/>
+            </a:xfrm>
+            <a:prstGeom prst="rect">
+              <a:avLst/>
+            </a:prstGeom>
+            <a:noFill/>
+            <a:extLst>
+              <a:ext uri="{909E8E84-426E-40DD-AFC4-6F175D3DCCD1}">
+                <a14:hiddenFill xmlns:a14="http://schemas.microsoft.com/office/drawing/2010/main">
+                  <a:solidFill>
+                    <a:srgbClr val="FFFFFF"/>
+                  </a:solidFill>
+                </a14:hiddenFill>
+              </a:ext>
+            </a:extLst>
+          </p:spPr>
+        </p:pic>
+      </p:grpSp>
+      <p:sp>
+        <p:nvSpPr>
+          <p:cNvPr id="41" name="Rettangolo con angoli arrotondati 40">
+            <a:extLst>
+              <a:ext uri="{FF2B5EF4-FFF2-40B4-BE49-F238E27FC236}">
+                <a16:creationId xmlns:a16="http://schemas.microsoft.com/office/drawing/2014/main" id="{BBA3A587-6B3B-3EEF-8373-134CFB2F279A}"/>
+              </a:ext>
+            </a:extLst>
+          </p:cNvPr>
+          <p:cNvSpPr/>
+          <p:nvPr/>
+        </p:nvSpPr>
+        <p:spPr>
+          <a:xfrm>
+            <a:off x="4531634" y="2792095"/>
+            <a:ext cx="1310127" cy="508065"/>
+          </a:xfrm>
+          <a:prstGeom prst="roundRect">
+            <a:avLst/>
+          </a:prstGeom>
+          <a:ln>
+            <a:solidFill>
+              <a:schemeClr val="accent4"/>
+            </a:solidFill>
+          </a:ln>
+        </p:spPr>
+        <p:style>
+          <a:lnRef idx="2">
+            <a:schemeClr val="accent1">
+              <a:shade val="50000"/>
+            </a:schemeClr>
+          </a:lnRef>
+          <a:fillRef idx="1">
+            <a:schemeClr val="accent1"/>
+          </a:fillRef>
+          <a:effectRef idx="0">
+            <a:schemeClr val="accent1"/>
+          </a:effectRef>
+          <a:fontRef idx="minor">
+            <a:schemeClr val="lt1"/>
+          </a:fontRef>
+        </p:style>
+        <p:txBody>
+          <a:bodyPr rtlCol="0" anchor="ctr"/>
+          <a:lstStyle/>
+          <a:p>
+            <a:r>
+              <a:rPr lang="en-GB" sz="1463" dirty="0"/>
+              <a:t>Log Time</a:t>
+            </a:r>
+          </a:p>
+        </p:txBody>
+      </p:sp>
+      <p:cxnSp>
+        <p:nvCxnSpPr>
+          <p:cNvPr id="42" name="Connettore 2 41">
+            <a:extLst>
+              <a:ext uri="{FF2B5EF4-FFF2-40B4-BE49-F238E27FC236}">
+                <a16:creationId xmlns:a16="http://schemas.microsoft.com/office/drawing/2014/main" id="{03E91115-415E-9386-1B9A-74D98AB99224}"/>
+              </a:ext>
+            </a:extLst>
+          </p:cNvPr>
+          <p:cNvCxnSpPr>
+            <a:cxnSpLocks/>
+          </p:cNvCxnSpPr>
+          <p:nvPr/>
+        </p:nvCxnSpPr>
+        <p:spPr>
+          <a:xfrm flipH="1" flipV="1">
+            <a:off x="5035177" y="2385305"/>
+            <a:ext cx="9718" cy="344466"/>
+          </a:xfrm>
+          <a:prstGeom prst="straightConnector1">
+            <a:avLst/>
+          </a:prstGeom>
+          <a:ln w="38100">
+            <a:solidFill>
+              <a:schemeClr val="tx1"/>
+            </a:solidFill>
+            <a:tailEnd type="triangle"/>
+          </a:ln>
+        </p:spPr>
+        <p:style>
+          <a:lnRef idx="1">
+            <a:schemeClr val="accent1"/>
+          </a:lnRef>
+          <a:fillRef idx="0">
+            <a:schemeClr val="accent1"/>
+          </a:fillRef>
+          <a:effectRef idx="0">
+            <a:schemeClr val="accent1"/>
+          </a:effectRef>
+          <a:fontRef idx="minor">
+            <a:schemeClr val="tx1"/>
+          </a:fontRef>
+        </p:style>
+      </p:cxnSp>
+      <p:sp>
+        <p:nvSpPr>
+          <p:cNvPr id="51" name="Rettangolo con angoli arrotondati 50">
+            <a:extLst>
+              <a:ext uri="{FF2B5EF4-FFF2-40B4-BE49-F238E27FC236}">
+                <a16:creationId xmlns:a16="http://schemas.microsoft.com/office/drawing/2014/main" id="{06A181F5-61D1-7769-9587-851F6D36523D}"/>
+              </a:ext>
+            </a:extLst>
+          </p:cNvPr>
+          <p:cNvSpPr/>
+          <p:nvPr/>
+        </p:nvSpPr>
+        <p:spPr>
+          <a:xfrm>
+            <a:off x="2562230" y="2758115"/>
+            <a:ext cx="1797098" cy="521120"/>
+          </a:xfrm>
+          <a:prstGeom prst="roundRect">
+            <a:avLst/>
+          </a:prstGeom>
+          <a:solidFill>
+            <a:schemeClr val="accent2"/>
+          </a:solidFill>
+          <a:ln>
+            <a:solidFill>
+              <a:schemeClr val="accent4"/>
+            </a:solidFill>
+          </a:ln>
+        </p:spPr>
+        <p:style>
+          <a:lnRef idx="2">
+            <a:schemeClr val="accent1">
+              <a:shade val="50000"/>
+            </a:schemeClr>
+          </a:lnRef>
+          <a:fillRef idx="1">
+            <a:schemeClr val="accent1"/>
+          </a:fillRef>
+          <a:effectRef idx="0">
+            <a:schemeClr val="accent1"/>
+          </a:effectRef>
+          <a:fontRef idx="minor">
+            <a:schemeClr val="lt1"/>
+          </a:fontRef>
+        </p:style>
+        <p:txBody>
+          <a:bodyPr rtlCol="0" anchor="ctr"/>
+          <a:lstStyle/>
+          <a:p>
+            <a:r>
+              <a:rPr lang="en-GB" sz="1463" dirty="0"/>
+              <a:t>Task manager</a:t>
+            </a:r>
+          </a:p>
+        </p:txBody>
+      </p:sp>
+      <p:sp>
+        <p:nvSpPr>
+          <p:cNvPr id="59" name="Rettangolo con angoli arrotondati 58">
+            <a:extLst>
+              <a:ext uri="{FF2B5EF4-FFF2-40B4-BE49-F238E27FC236}">
+                <a16:creationId xmlns:a16="http://schemas.microsoft.com/office/drawing/2014/main" id="{C16BD931-3595-53CD-C8D6-83CD6991D9A6}"/>
+              </a:ext>
+            </a:extLst>
+          </p:cNvPr>
+          <p:cNvSpPr/>
+          <p:nvPr/>
+        </p:nvSpPr>
+        <p:spPr>
+          <a:xfrm>
+            <a:off x="3115524" y="2055418"/>
+            <a:ext cx="2075046" cy="271250"/>
+          </a:xfrm>
+          <a:prstGeom prst="roundRect">
+            <a:avLst/>
+          </a:prstGeom>
+          <a:solidFill>
+            <a:schemeClr val="accent4"/>
+          </a:solidFill>
+        </p:spPr>
+        <p:style>
+          <a:lnRef idx="2">
+            <a:schemeClr val="accent1">
+              <a:shade val="50000"/>
+            </a:schemeClr>
+          </a:lnRef>
+          <a:fillRef idx="1">
+            <a:schemeClr val="accent1"/>
+          </a:fillRef>
+          <a:effectRef idx="0">
+            <a:schemeClr val="accent1"/>
+          </a:effectRef>
+          <a:fontRef idx="minor">
+            <a:schemeClr val="lt1"/>
+          </a:fontRef>
+        </p:style>
+        <p:txBody>
+          <a:bodyPr rtlCol="0" anchor="ctr"/>
+          <a:lstStyle/>
+          <a:p>
+            <a:pPr algn="ctr"/>
+            <a:r>
+              <a:rPr lang="en-GB" sz="1463" dirty="0">
+                <a:solidFill>
+                  <a:schemeClr val="tx1"/>
+                </a:solidFill>
+              </a:rPr>
+              <a:t>OpenProject REST API</a:t>
+            </a:r>
+          </a:p>
+        </p:txBody>
+      </p:sp>
+      <p:cxnSp>
+        <p:nvCxnSpPr>
+          <p:cNvPr id="66" name="Connettore 2 65">
+            <a:extLst>
+              <a:ext uri="{FF2B5EF4-FFF2-40B4-BE49-F238E27FC236}">
+                <a16:creationId xmlns:a16="http://schemas.microsoft.com/office/drawing/2014/main" id="{74B9FFCA-F405-DF16-E289-8EAFA91E0A6C}"/>
+              </a:ext>
+            </a:extLst>
+          </p:cNvPr>
+          <p:cNvCxnSpPr>
+            <a:cxnSpLocks/>
+          </p:cNvCxnSpPr>
+          <p:nvPr/>
+        </p:nvCxnSpPr>
+        <p:spPr>
+          <a:xfrm>
+            <a:off x="3363483" y="2389329"/>
+            <a:ext cx="0" cy="340442"/>
+          </a:xfrm>
+          <a:prstGeom prst="straightConnector1">
+            <a:avLst/>
+          </a:prstGeom>
+          <a:ln w="38100">
+            <a:solidFill>
+              <a:schemeClr val="tx1"/>
+            </a:solidFill>
+            <a:tailEnd type="triangle"/>
+          </a:ln>
+        </p:spPr>
+        <p:style>
+          <a:lnRef idx="1">
+            <a:schemeClr val="accent1"/>
+          </a:lnRef>
+          <a:fillRef idx="0">
+            <a:schemeClr val="accent1"/>
+          </a:fillRef>
+          <a:effectRef idx="0">
+            <a:schemeClr val="accent1"/>
+          </a:effectRef>
+          <a:fontRef idx="minor">
+            <a:schemeClr val="tx1"/>
+          </a:fontRef>
+        </p:style>
+      </p:cxnSp>
+      <p:sp>
+        <p:nvSpPr>
+          <p:cNvPr id="68" name="Rettangolo con angoli arrotondati 67">
+            <a:extLst>
+              <a:ext uri="{FF2B5EF4-FFF2-40B4-BE49-F238E27FC236}">
+                <a16:creationId xmlns:a16="http://schemas.microsoft.com/office/drawing/2014/main" id="{85F78BEF-1DB1-E2FB-AE45-BFB21137C0AD}"/>
+              </a:ext>
+            </a:extLst>
+          </p:cNvPr>
+          <p:cNvSpPr/>
+          <p:nvPr/>
+        </p:nvSpPr>
+        <p:spPr>
+          <a:xfrm>
+            <a:off x="8273038" y="4954867"/>
+            <a:ext cx="1381089" cy="400959"/>
+          </a:xfrm>
+          <a:prstGeom prst="roundRect">
+            <a:avLst/>
+          </a:prstGeom>
+          <a:solidFill>
+            <a:schemeClr val="accent6"/>
+          </a:solidFill>
+        </p:spPr>
+        <p:style>
+          <a:lnRef idx="2">
+            <a:schemeClr val="accent1">
+              <a:shade val="50000"/>
+            </a:schemeClr>
+          </a:lnRef>
+          <a:fillRef idx="1">
+            <a:schemeClr val="accent1"/>
+          </a:fillRef>
+          <a:effectRef idx="0">
+            <a:schemeClr val="accent1"/>
+          </a:effectRef>
+          <a:fontRef idx="minor">
+            <a:schemeClr val="lt1"/>
+          </a:fontRef>
+        </p:style>
+        <p:txBody>
+          <a:bodyPr rtlCol="0" anchor="ctr"/>
+          <a:lstStyle/>
+          <a:p>
+            <a:r>
+              <a:rPr lang="en-GB" sz="1463" dirty="0"/>
+              <a:t>Classifier</a:t>
+            </a:r>
+          </a:p>
+        </p:txBody>
+      </p:sp>
+      <p:cxnSp>
+        <p:nvCxnSpPr>
+          <p:cNvPr id="72" name="Connettore 2 71">
+            <a:extLst>
+              <a:ext uri="{FF2B5EF4-FFF2-40B4-BE49-F238E27FC236}">
+                <a16:creationId xmlns:a16="http://schemas.microsoft.com/office/drawing/2014/main" id="{84F432F4-9375-8DF3-4D28-7D40F0BE2C39}"/>
+              </a:ext>
+            </a:extLst>
+          </p:cNvPr>
+          <p:cNvCxnSpPr>
+            <a:cxnSpLocks/>
+          </p:cNvCxnSpPr>
+          <p:nvPr/>
+        </p:nvCxnSpPr>
+        <p:spPr>
+          <a:xfrm flipH="1" flipV="1">
+            <a:off x="7863223" y="4539495"/>
+            <a:ext cx="436965" cy="11722"/>
+          </a:xfrm>
+          <a:prstGeom prst="straightConnector1">
+            <a:avLst/>
+          </a:prstGeom>
+          <a:ln w="28575">
+            <a:solidFill>
+              <a:srgbClr val="00B0F0"/>
+            </a:solidFill>
+            <a:tailEnd type="triangle"/>
+          </a:ln>
+        </p:spPr>
+        <p:style>
+          <a:lnRef idx="1">
+            <a:schemeClr val="accent1"/>
+          </a:lnRef>
+          <a:fillRef idx="0">
+            <a:schemeClr val="accent1"/>
+          </a:fillRef>
+          <a:effectRef idx="0">
+            <a:schemeClr val="accent1"/>
+          </a:effectRef>
+          <a:fontRef idx="minor">
+            <a:schemeClr val="tx1"/>
+          </a:fontRef>
+        </p:style>
+      </p:cxnSp>
+      <p:sp>
+        <p:nvSpPr>
+          <p:cNvPr id="74" name="Rettangolo con angoli arrotondati 73">
+            <a:extLst>
+              <a:ext uri="{FF2B5EF4-FFF2-40B4-BE49-F238E27FC236}">
+                <a16:creationId xmlns:a16="http://schemas.microsoft.com/office/drawing/2014/main" id="{5BD6FCF5-852F-E83C-FB49-8F328511CD32}"/>
+              </a:ext>
+            </a:extLst>
+          </p:cNvPr>
+          <p:cNvSpPr/>
+          <p:nvPr/>
+        </p:nvSpPr>
+        <p:spPr>
+          <a:xfrm>
+            <a:off x="8259580" y="4411673"/>
+            <a:ext cx="1381089" cy="400959"/>
+          </a:xfrm>
+          <a:prstGeom prst="roundRect">
+            <a:avLst/>
+          </a:prstGeom>
+          <a:solidFill>
+            <a:schemeClr val="accent6"/>
+          </a:solidFill>
+        </p:spPr>
+        <p:style>
+          <a:lnRef idx="2">
+            <a:schemeClr val="accent1">
+              <a:shade val="50000"/>
+            </a:schemeClr>
+          </a:lnRef>
+          <a:fillRef idx="1">
+            <a:schemeClr val="accent1"/>
+          </a:fillRef>
+          <a:effectRef idx="0">
+            <a:schemeClr val="accent1"/>
+          </a:effectRef>
+          <a:fontRef idx="minor">
+            <a:schemeClr val="lt1"/>
+          </a:fontRef>
+        </p:style>
+        <p:txBody>
+          <a:bodyPr rtlCol="0" anchor="ctr"/>
+          <a:lstStyle/>
+          <a:p>
+            <a:r>
+              <a:rPr lang="en-GB" sz="1463" dirty="0"/>
+              <a:t>Stars</a:t>
+            </a:r>
+          </a:p>
+        </p:txBody>
+      </p:sp>
+      <p:cxnSp>
+        <p:nvCxnSpPr>
+          <p:cNvPr id="75" name="Connettore 2 74">
+            <a:extLst>
+              <a:ext uri="{FF2B5EF4-FFF2-40B4-BE49-F238E27FC236}">
+                <a16:creationId xmlns:a16="http://schemas.microsoft.com/office/drawing/2014/main" id="{8BE2EF35-0CB7-CCA6-29B2-5BB301D3EEE4}"/>
+              </a:ext>
+            </a:extLst>
+          </p:cNvPr>
+          <p:cNvCxnSpPr>
+            <a:cxnSpLocks/>
+          </p:cNvCxnSpPr>
+          <p:nvPr/>
+        </p:nvCxnSpPr>
+        <p:spPr>
+          <a:xfrm flipH="1">
+            <a:off x="7862367" y="5058429"/>
+            <a:ext cx="359619" cy="0"/>
+          </a:xfrm>
+          <a:prstGeom prst="straightConnector1">
+            <a:avLst/>
+          </a:prstGeom>
+          <a:ln w="28575">
+            <a:solidFill>
+              <a:schemeClr val="accent4"/>
+            </a:solidFill>
+            <a:tailEnd type="triangle"/>
+          </a:ln>
+        </p:spPr>
+        <p:style>
+          <a:lnRef idx="1">
+            <a:schemeClr val="accent1"/>
+          </a:lnRef>
+          <a:fillRef idx="0">
+            <a:schemeClr val="accent1"/>
+          </a:fillRef>
+          <a:effectRef idx="0">
+            <a:schemeClr val="accent1"/>
+          </a:effectRef>
+          <a:fontRef idx="minor">
+            <a:schemeClr val="tx1"/>
+          </a:fontRef>
+        </p:style>
+      </p:cxnSp>
+      <p:pic>
+        <p:nvPicPr>
+          <p:cNvPr id="82" name="Elemento grafico 81" descr="Valutazione in stelle con riempimento a tinta unita">
+            <a:extLst>
+              <a:ext uri="{FF2B5EF4-FFF2-40B4-BE49-F238E27FC236}">
+                <a16:creationId xmlns:a16="http://schemas.microsoft.com/office/drawing/2014/main" id="{9B4A6848-0ADD-9E96-37D8-726FCF453495}"/>
+              </a:ext>
+            </a:extLst>
+          </p:cNvPr>
+          <p:cNvPicPr>
+            <a:picLocks noChangeAspect="1"/>
+          </p:cNvPicPr>
+          <p:nvPr/>
+        </p:nvPicPr>
+        <p:blipFill>
+          <a:blip r:embed="rId6">
+            <a:extLst>
+              <a:ext uri="{96DAC541-7B7A-43D3-8B79-37D633B846F1}">
+                <asvg:svgBlip xmlns:asvg="http://schemas.microsoft.com/office/drawing/2016/SVG/main" r:embed="rId7"/>
+              </a:ext>
+            </a:extLst>
+          </a:blip>
+          <a:stretch>
+            <a:fillRect/>
+          </a:stretch>
+        </p:blipFill>
+        <p:spPr>
+          <a:xfrm>
+            <a:off x="8802469" y="4227897"/>
+            <a:ext cx="742950" cy="742950"/>
+          </a:xfrm>
+          <a:prstGeom prst="rect">
+            <a:avLst/>
+          </a:prstGeom>
+        </p:spPr>
+      </p:pic>
+      <p:pic>
+        <p:nvPicPr>
+          <p:cNvPr id="88" name="Elemento grafico 87" descr="Diagramma di Gantt con riempimento a tinta unita">
+            <a:extLst>
+              <a:ext uri="{FF2B5EF4-FFF2-40B4-BE49-F238E27FC236}">
+                <a16:creationId xmlns:a16="http://schemas.microsoft.com/office/drawing/2014/main" id="{7057CF94-EEA1-7EE4-0AF3-00EAADDA08F7}"/>
+              </a:ext>
+            </a:extLst>
+          </p:cNvPr>
+          <p:cNvPicPr>
+            <a:picLocks noChangeAspect="1"/>
+          </p:cNvPicPr>
+          <p:nvPr/>
+        </p:nvPicPr>
+        <p:blipFill>
+          <a:blip r:embed="rId8">
+            <a:extLst>
+              <a:ext uri="{96DAC541-7B7A-43D3-8B79-37D633B846F1}">
+                <asvg:svgBlip xmlns:asvg="http://schemas.microsoft.com/office/drawing/2016/SVG/main" r:embed="rId9"/>
+              </a:ext>
+            </a:extLst>
+          </a:blip>
+          <a:stretch>
+            <a:fillRect/>
+          </a:stretch>
+        </p:blipFill>
+        <p:spPr>
+          <a:xfrm>
+            <a:off x="3809390" y="2795984"/>
+            <a:ext cx="445383" cy="445383"/>
+          </a:xfrm>
+          <a:prstGeom prst="rect">
+            <a:avLst/>
+          </a:prstGeom>
+        </p:spPr>
+      </p:pic>
+      <p:pic>
+        <p:nvPicPr>
+          <p:cNvPr id="90" name="Elemento grafico 89" descr="Cronometro contorno">
+            <a:extLst>
+              <a:ext uri="{FF2B5EF4-FFF2-40B4-BE49-F238E27FC236}">
+                <a16:creationId xmlns:a16="http://schemas.microsoft.com/office/drawing/2014/main" id="{B0EF5BB8-AC97-2442-906C-490880C784D1}"/>
+              </a:ext>
+            </a:extLst>
+          </p:cNvPr>
+          <p:cNvPicPr>
+            <a:picLocks noChangeAspect="1"/>
+          </p:cNvPicPr>
+          <p:nvPr/>
+        </p:nvPicPr>
+        <p:blipFill>
+          <a:blip r:embed="rId10">
+            <a:extLst>
+              <a:ext uri="{96DAC541-7B7A-43D3-8B79-37D633B846F1}">
+                <asvg:svgBlip xmlns:asvg="http://schemas.microsoft.com/office/drawing/2016/SVG/main" r:embed="rId11"/>
+              </a:ext>
+            </a:extLst>
+          </a:blip>
+          <a:stretch>
+            <a:fillRect/>
+          </a:stretch>
+        </p:blipFill>
+        <p:spPr>
+          <a:xfrm>
+            <a:off x="5366284" y="2819270"/>
+            <a:ext cx="434691" cy="434691"/>
+          </a:xfrm>
+          <a:prstGeom prst="rect">
+            <a:avLst/>
+          </a:prstGeom>
+        </p:spPr>
+      </p:pic>
+      <p:sp>
+        <p:nvSpPr>
+          <p:cNvPr id="93" name="Rettangolo con angoli arrotondati 92">
+            <a:extLst>
+              <a:ext uri="{FF2B5EF4-FFF2-40B4-BE49-F238E27FC236}">
+                <a16:creationId xmlns:a16="http://schemas.microsoft.com/office/drawing/2014/main" id="{CF209D71-0074-BDF9-9BCE-E8991008DFFD}"/>
+              </a:ext>
+            </a:extLst>
+          </p:cNvPr>
+          <p:cNvSpPr/>
+          <p:nvPr/>
+        </p:nvSpPr>
+        <p:spPr>
+          <a:xfrm>
+            <a:off x="2472889" y="1842320"/>
+            <a:ext cx="7280711" cy="4863280"/>
+          </a:xfrm>
+          <a:prstGeom prst="roundRect">
+            <a:avLst/>
+          </a:prstGeom>
+          <a:noFill/>
+          <a:ln w="38100"/>
+        </p:spPr>
+        <p:style>
+          <a:lnRef idx="2">
+            <a:schemeClr val="accent1">
+              <a:shade val="50000"/>
+            </a:schemeClr>
+          </a:lnRef>
+          <a:fillRef idx="1">
+            <a:schemeClr val="accent1"/>
+          </a:fillRef>
+          <a:effectRef idx="0">
+            <a:schemeClr val="accent1"/>
+          </a:effectRef>
+          <a:fontRef idx="minor">
+            <a:schemeClr val="lt1"/>
+          </a:fontRef>
+        </p:style>
+        <p:txBody>
+          <a:bodyPr rtlCol="0" anchor="ctr"/>
+          <a:lstStyle/>
+          <a:p>
+            <a:pPr algn="ctr"/>
+            <a:endParaRPr lang="en-GB" sz="1463" dirty="0"/>
+          </a:p>
+        </p:txBody>
+      </p:sp>
+      <p:pic>
+        <p:nvPicPr>
+          <p:cNvPr id="94" name="Immagine 93">
+            <a:extLst>
+              <a:ext uri="{FF2B5EF4-FFF2-40B4-BE49-F238E27FC236}">
+                <a16:creationId xmlns:a16="http://schemas.microsoft.com/office/drawing/2014/main" id="{27B27B60-D4F3-261A-79D8-A35EB9D1C31E}"/>
+              </a:ext>
+            </a:extLst>
+          </p:cNvPr>
+          <p:cNvPicPr>
+            <a:picLocks noChangeAspect="1"/>
+          </p:cNvPicPr>
+          <p:nvPr/>
+        </p:nvPicPr>
+        <p:blipFill>
+          <a:blip r:embed="rId12"/>
+          <a:stretch>
+            <a:fillRect/>
+          </a:stretch>
+        </p:blipFill>
+        <p:spPr>
+          <a:xfrm>
+            <a:off x="7879954" y="6308834"/>
+            <a:ext cx="1283302" cy="304785"/>
+          </a:xfrm>
+          <a:prstGeom prst="rect">
+            <a:avLst/>
+          </a:prstGeom>
+        </p:spPr>
+      </p:pic>
+      <p:sp>
+        <p:nvSpPr>
+          <p:cNvPr id="105" name="Rettangolo con angoli arrotondati 104">
+            <a:extLst>
+              <a:ext uri="{FF2B5EF4-FFF2-40B4-BE49-F238E27FC236}">
+                <a16:creationId xmlns:a16="http://schemas.microsoft.com/office/drawing/2014/main" id="{849C8E0C-9B9D-7921-C2CB-43B1969E1B73}"/>
+              </a:ext>
+            </a:extLst>
+          </p:cNvPr>
+          <p:cNvSpPr/>
+          <p:nvPr/>
+        </p:nvSpPr>
+        <p:spPr>
+          <a:xfrm>
+            <a:off x="288470" y="1911719"/>
+            <a:ext cx="1630699" cy="2348768"/>
+          </a:xfrm>
+          <a:prstGeom prst="roundRect">
+            <a:avLst/>
+          </a:prstGeom>
+          <a:noFill/>
+          <a:ln w="28575"/>
+        </p:spPr>
+        <p:style>
+          <a:lnRef idx="2">
+            <a:schemeClr val="accent1">
+              <a:shade val="50000"/>
+            </a:schemeClr>
+          </a:lnRef>
+          <a:fillRef idx="1">
+            <a:schemeClr val="accent1"/>
+          </a:fillRef>
+          <a:effectRef idx="0">
+            <a:schemeClr val="accent1"/>
+          </a:effectRef>
+          <a:fontRef idx="minor">
+            <a:schemeClr val="lt1"/>
+          </a:fontRef>
+        </p:style>
+        <p:txBody>
+          <a:bodyPr rtlCol="0" anchor="ctr"/>
+          <a:lstStyle/>
+          <a:p>
+            <a:pPr algn="ctr"/>
+            <a:endParaRPr lang="en-GB" sz="1463" dirty="0">
+              <a:solidFill>
+                <a:srgbClr val="FFFF00"/>
+              </a:solidFill>
+            </a:endParaRPr>
+          </a:p>
+        </p:txBody>
+      </p:sp>
+      <p:pic>
+        <p:nvPicPr>
+          <p:cNvPr id="108" name="Elemento grafico 107" descr="Smartphone con riempimento a tinta unita">
+            <a:extLst>
+              <a:ext uri="{FF2B5EF4-FFF2-40B4-BE49-F238E27FC236}">
+                <a16:creationId xmlns:a16="http://schemas.microsoft.com/office/drawing/2014/main" id="{BF51F678-7AAC-BEDC-9448-C35C92186E01}"/>
+              </a:ext>
+            </a:extLst>
+          </p:cNvPr>
+          <p:cNvPicPr>
+            <a:picLocks noChangeAspect="1"/>
+          </p:cNvPicPr>
+          <p:nvPr/>
+        </p:nvPicPr>
+        <p:blipFill>
+          <a:blip r:embed="rId13">
+            <a:extLst>
+              <a:ext uri="{96DAC541-7B7A-43D3-8B79-37D633B846F1}">
+                <asvg:svgBlip xmlns:asvg="http://schemas.microsoft.com/office/drawing/2016/SVG/main" r:embed="rId14"/>
+              </a:ext>
+            </a:extLst>
+          </a:blip>
+          <a:stretch>
+            <a:fillRect/>
+          </a:stretch>
+        </p:blipFill>
+        <p:spPr>
+          <a:xfrm flipH="1">
+            <a:off x="451900" y="1435844"/>
+            <a:ext cx="348766" cy="348766"/>
+          </a:xfrm>
+          <a:prstGeom prst="rect">
+            <a:avLst/>
+          </a:prstGeom>
+        </p:spPr>
+      </p:pic>
+      <p:pic>
+        <p:nvPicPr>
+          <p:cNvPr id="110" name="Elemento grafico 109" descr="Portatile con riempimento a tinta unita">
+            <a:extLst>
+              <a:ext uri="{FF2B5EF4-FFF2-40B4-BE49-F238E27FC236}">
+                <a16:creationId xmlns:a16="http://schemas.microsoft.com/office/drawing/2014/main" id="{8066E5AB-DD63-52A4-9316-B0F5451501A0}"/>
+              </a:ext>
+            </a:extLst>
+          </p:cNvPr>
+          <p:cNvPicPr>
+            <a:picLocks noChangeAspect="1"/>
+          </p:cNvPicPr>
+          <p:nvPr/>
+        </p:nvPicPr>
+        <p:blipFill>
+          <a:blip r:embed="rId15">
+            <a:extLst>
+              <a:ext uri="{96DAC541-7B7A-43D3-8B79-37D633B846F1}">
+                <asvg:svgBlip xmlns:asvg="http://schemas.microsoft.com/office/drawing/2016/SVG/main" r:embed="rId16"/>
+              </a:ext>
+            </a:extLst>
+          </a:blip>
+          <a:stretch>
+            <a:fillRect/>
+          </a:stretch>
+        </p:blipFill>
+        <p:spPr>
+          <a:xfrm flipH="1">
+            <a:off x="1235687" y="1474994"/>
+            <a:ext cx="348766" cy="348766"/>
+          </a:xfrm>
+          <a:prstGeom prst="rect">
+            <a:avLst/>
+          </a:prstGeom>
+        </p:spPr>
+      </p:pic>
+      <p:pic>
+        <p:nvPicPr>
+          <p:cNvPr id="112" name="Elemento grafico 111" descr="Computer con riempimento a tinta unita">
+            <a:extLst>
+              <a:ext uri="{FF2B5EF4-FFF2-40B4-BE49-F238E27FC236}">
+                <a16:creationId xmlns:a16="http://schemas.microsoft.com/office/drawing/2014/main" id="{3E071E82-2D96-6483-5B81-5769B9F3376C}"/>
+              </a:ext>
+            </a:extLst>
+          </p:cNvPr>
+          <p:cNvPicPr>
+            <a:picLocks noChangeAspect="1"/>
+          </p:cNvPicPr>
+          <p:nvPr/>
+        </p:nvPicPr>
+        <p:blipFill>
+          <a:blip r:embed="rId17">
+            <a:extLst>
+              <a:ext uri="{96DAC541-7B7A-43D3-8B79-37D633B846F1}">
+                <asvg:svgBlip xmlns:asvg="http://schemas.microsoft.com/office/drawing/2016/SVG/main" r:embed="rId18"/>
+              </a:ext>
+            </a:extLst>
+          </a:blip>
+          <a:stretch>
+            <a:fillRect/>
+          </a:stretch>
+        </p:blipFill>
+        <p:spPr>
+          <a:xfrm flipH="1">
+            <a:off x="832711" y="1474994"/>
+            <a:ext cx="348766" cy="348766"/>
+          </a:xfrm>
+          <a:prstGeom prst="rect">
+            <a:avLst/>
+          </a:prstGeom>
+        </p:spPr>
+      </p:pic>
+      <p:pic>
+        <p:nvPicPr>
+          <p:cNvPr id="57" name="Immagine 56">
+            <a:extLst>
+              <a:ext uri="{FF2B5EF4-FFF2-40B4-BE49-F238E27FC236}">
+                <a16:creationId xmlns:a16="http://schemas.microsoft.com/office/drawing/2014/main" id="{A9B2CC82-0CCA-840B-5E98-3020E8F3DB47}"/>
+              </a:ext>
+            </a:extLst>
+          </p:cNvPr>
+          <p:cNvPicPr>
+            <a:picLocks noChangeAspect="1"/>
+          </p:cNvPicPr>
+          <p:nvPr/>
+        </p:nvPicPr>
+        <p:blipFill>
+          <a:blip r:embed="rId19">
+            <a:extLst>
+              <a:ext uri="{28A0092B-C50C-407E-A947-70E740481C1C}">
+                <a14:useLocalDpi xmlns:a14="http://schemas.microsoft.com/office/drawing/2010/main" val="0"/>
+              </a:ext>
+            </a:extLst>
+          </a:blip>
+          <a:stretch>
+            <a:fillRect/>
+          </a:stretch>
+        </p:blipFill>
+        <p:spPr>
+          <a:xfrm>
+            <a:off x="431372" y="2409716"/>
+            <a:ext cx="1356979" cy="1703442"/>
+          </a:xfrm>
+          <a:prstGeom prst="rect">
+            <a:avLst/>
+          </a:prstGeom>
+        </p:spPr>
+      </p:pic>
+      <p:pic>
+        <p:nvPicPr>
+          <p:cNvPr id="60" name="Immagine 59">
+            <a:extLst>
+              <a:ext uri="{FF2B5EF4-FFF2-40B4-BE49-F238E27FC236}">
+                <a16:creationId xmlns:a16="http://schemas.microsoft.com/office/drawing/2014/main" id="{D1D4664E-D40D-FAFE-C781-C7B20C2181A6}"/>
+              </a:ext>
+            </a:extLst>
+          </p:cNvPr>
+          <p:cNvPicPr>
+            <a:picLocks noChangeAspect="1"/>
+          </p:cNvPicPr>
+          <p:nvPr/>
+        </p:nvPicPr>
+        <p:blipFill>
+          <a:blip r:embed="rId20"/>
+          <a:stretch>
+            <a:fillRect/>
+          </a:stretch>
+        </p:blipFill>
+        <p:spPr>
+          <a:xfrm>
+            <a:off x="451073" y="2084694"/>
+            <a:ext cx="1286196" cy="248822"/>
+          </a:xfrm>
+          <a:prstGeom prst="rect">
+            <a:avLst/>
+          </a:prstGeom>
+        </p:spPr>
+      </p:pic>
+      <p:pic>
+        <p:nvPicPr>
+          <p:cNvPr id="3" name="Elemento grafico 2" descr="Intelligenza artificiale contorno">
+            <a:extLst>
+              <a:ext uri="{FF2B5EF4-FFF2-40B4-BE49-F238E27FC236}">
+                <a16:creationId xmlns:a16="http://schemas.microsoft.com/office/drawing/2014/main" id="{A80CAA3E-8046-340B-4DC7-A4CBB4869B79}"/>
+              </a:ext>
+            </a:extLst>
+          </p:cNvPr>
+          <p:cNvPicPr>
+            <a:picLocks noChangeAspect="1"/>
+          </p:cNvPicPr>
+          <p:nvPr/>
+        </p:nvPicPr>
+        <p:blipFill>
+          <a:blip r:embed="rId21">
+            <a:extLst>
+              <a:ext uri="{96DAC541-7B7A-43D3-8B79-37D633B846F1}">
+                <asvg:svgBlip xmlns:asvg="http://schemas.microsoft.com/office/drawing/2016/SVG/main" r:embed="rId22"/>
+              </a:ext>
+            </a:extLst>
+          </a:blip>
+          <a:stretch>
+            <a:fillRect/>
+          </a:stretch>
+        </p:blipFill>
+        <p:spPr>
+          <a:xfrm>
+            <a:off x="9236168" y="4996408"/>
+            <a:ext cx="327576" cy="327576"/>
+          </a:xfrm>
+          <a:prstGeom prst="rect">
+            <a:avLst/>
+          </a:prstGeom>
+        </p:spPr>
+      </p:pic>
+      <p:sp>
+        <p:nvSpPr>
+          <p:cNvPr id="64" name="Rettangolo con angoli arrotondati 63">
+            <a:extLst>
+              <a:ext uri="{FF2B5EF4-FFF2-40B4-BE49-F238E27FC236}">
+                <a16:creationId xmlns:a16="http://schemas.microsoft.com/office/drawing/2014/main" id="{D787AA55-C671-301E-BD93-DFA4BCCEC9E4}"/>
+              </a:ext>
+            </a:extLst>
+          </p:cNvPr>
+          <p:cNvSpPr/>
+          <p:nvPr/>
+        </p:nvSpPr>
+        <p:spPr>
+          <a:xfrm>
+            <a:off x="451880" y="4647003"/>
+            <a:ext cx="1260995" cy="455580"/>
+          </a:xfrm>
+          <a:prstGeom prst="roundRect">
+            <a:avLst/>
+          </a:prstGeom>
+          <a:solidFill>
+            <a:schemeClr val="accent2"/>
+          </a:solidFill>
+          <a:ln>
+            <a:solidFill>
+              <a:schemeClr val="accent4"/>
+            </a:solidFill>
+          </a:ln>
+        </p:spPr>
+        <p:style>
+          <a:lnRef idx="2">
+            <a:schemeClr val="accent1">
+              <a:shade val="50000"/>
+            </a:schemeClr>
+          </a:lnRef>
+          <a:fillRef idx="1">
+            <a:schemeClr val="accent1"/>
+          </a:fillRef>
+          <a:effectRef idx="0">
+            <a:schemeClr val="accent1"/>
+          </a:effectRef>
+          <a:fontRef idx="minor">
+            <a:schemeClr val="lt1"/>
+          </a:fontRef>
+        </p:style>
+        <p:txBody>
+          <a:bodyPr rtlCol="0" anchor="ctr"/>
+          <a:lstStyle/>
+          <a:p>
+            <a:pPr algn="ctr"/>
+            <a:r>
+              <a:rPr lang="en-GB" sz="1463" dirty="0"/>
+              <a:t>AW Adapter</a:t>
+            </a:r>
+          </a:p>
+        </p:txBody>
+      </p:sp>
+      <p:sp>
+        <p:nvSpPr>
+          <p:cNvPr id="73" name="Rettangolo con angoli arrotondati 72">
+            <a:extLst>
+              <a:ext uri="{FF2B5EF4-FFF2-40B4-BE49-F238E27FC236}">
+                <a16:creationId xmlns:a16="http://schemas.microsoft.com/office/drawing/2014/main" id="{E7617A4E-9197-B653-347C-7D9A0AA97279}"/>
+              </a:ext>
+            </a:extLst>
+          </p:cNvPr>
+          <p:cNvSpPr/>
+          <p:nvPr/>
+        </p:nvSpPr>
+        <p:spPr>
+          <a:xfrm>
+            <a:off x="7441238" y="2055418"/>
+            <a:ext cx="1152973" cy="1239325"/>
+          </a:xfrm>
+          <a:prstGeom prst="roundRect">
+            <a:avLst/>
+          </a:prstGeom>
+          <a:ln>
+            <a:solidFill>
+              <a:schemeClr val="accent4"/>
+            </a:solidFill>
+          </a:ln>
+        </p:spPr>
+        <p:style>
+          <a:lnRef idx="2">
+            <a:schemeClr val="accent1">
+              <a:shade val="50000"/>
+            </a:schemeClr>
+          </a:lnRef>
+          <a:fillRef idx="1">
+            <a:schemeClr val="accent1"/>
+          </a:fillRef>
+          <a:effectRef idx="0">
+            <a:schemeClr val="accent1"/>
+          </a:effectRef>
+          <a:fontRef idx="minor">
+            <a:schemeClr val="lt1"/>
+          </a:fontRef>
+        </p:style>
+        <p:txBody>
+          <a:bodyPr rtlCol="0" anchor="t"/>
+          <a:lstStyle/>
+          <a:p>
+            <a:pPr algn="ctr"/>
+            <a:r>
+              <a:rPr lang="en-GB" sz="1463" dirty="0"/>
+              <a:t>Ontochain Adapter</a:t>
+            </a:r>
+          </a:p>
+        </p:txBody>
+      </p:sp>
+      <p:sp>
+        <p:nvSpPr>
+          <p:cNvPr id="85" name="Rettangolo con angoli arrotondati 84">
+            <a:extLst>
+              <a:ext uri="{FF2B5EF4-FFF2-40B4-BE49-F238E27FC236}">
+                <a16:creationId xmlns:a16="http://schemas.microsoft.com/office/drawing/2014/main" id="{7EDB54A1-6D22-6A42-4598-F5D4D15FD01C}"/>
+              </a:ext>
+            </a:extLst>
+          </p:cNvPr>
+          <p:cNvSpPr/>
+          <p:nvPr/>
+        </p:nvSpPr>
+        <p:spPr>
+          <a:xfrm>
+            <a:off x="3363483" y="1178994"/>
+            <a:ext cx="5731370" cy="502152"/>
+          </a:xfrm>
+          <a:prstGeom prst="roundRect">
+            <a:avLst/>
+          </a:prstGeom>
+          <a:noFill/>
+          <a:ln w="38100"/>
+        </p:spPr>
+        <p:style>
+          <a:lnRef idx="2">
+            <a:schemeClr val="accent1">
+              <a:shade val="50000"/>
+            </a:schemeClr>
+          </a:lnRef>
+          <a:fillRef idx="1">
+            <a:schemeClr val="accent1"/>
+          </a:fillRef>
+          <a:effectRef idx="0">
+            <a:schemeClr val="accent1"/>
+          </a:effectRef>
+          <a:fontRef idx="minor">
+            <a:schemeClr val="lt1"/>
+          </a:fontRef>
+        </p:style>
+        <p:txBody>
+          <a:bodyPr rtlCol="0" anchor="ctr"/>
+          <a:lstStyle/>
+          <a:p>
+            <a:pPr algn="ctr"/>
+            <a:endParaRPr lang="en-GB" sz="1463" dirty="0"/>
+          </a:p>
+        </p:txBody>
+      </p:sp>
+      <p:pic>
+        <p:nvPicPr>
+          <p:cNvPr id="48" name="Elemento grafico 47" descr="Ragnatela con riempimento a tinta unita">
+            <a:extLst>
+              <a:ext uri="{FF2B5EF4-FFF2-40B4-BE49-F238E27FC236}">
+                <a16:creationId xmlns:a16="http://schemas.microsoft.com/office/drawing/2014/main" id="{930F2C65-6EFB-86C5-3987-1D6FD32D67AB}"/>
+              </a:ext>
+            </a:extLst>
+          </p:cNvPr>
+          <p:cNvPicPr>
+            <a:picLocks noChangeAspect="1"/>
+          </p:cNvPicPr>
+          <p:nvPr/>
+        </p:nvPicPr>
+        <p:blipFill>
+          <a:blip r:embed="rId23">
+            <a:extLst>
+              <a:ext uri="{96DAC541-7B7A-43D3-8B79-37D633B846F1}">
+                <asvg:svgBlip xmlns:asvg="http://schemas.microsoft.com/office/drawing/2016/SVG/main" r:embed="rId24"/>
+              </a:ext>
+            </a:extLst>
+          </a:blip>
+          <a:stretch>
+            <a:fillRect/>
+          </a:stretch>
+        </p:blipFill>
+        <p:spPr>
+          <a:xfrm>
+            <a:off x="7375070" y="1233338"/>
+            <a:ext cx="416039" cy="416039"/>
+          </a:xfrm>
+          <a:prstGeom prst="rect">
+            <a:avLst/>
+          </a:prstGeom>
+        </p:spPr>
+      </p:pic>
+      <p:sp>
+        <p:nvSpPr>
+          <p:cNvPr id="49" name="CasellaDiTesto 48">
+            <a:extLst>
+              <a:ext uri="{FF2B5EF4-FFF2-40B4-BE49-F238E27FC236}">
+                <a16:creationId xmlns:a16="http://schemas.microsoft.com/office/drawing/2014/main" id="{AC7372CF-F7F6-82DE-FE67-09BA4D43461A}"/>
+              </a:ext>
+            </a:extLst>
+          </p:cNvPr>
+          <p:cNvSpPr txBox="1"/>
+          <p:nvPr/>
+        </p:nvSpPr>
+        <p:spPr>
+          <a:xfrm>
+            <a:off x="7720525" y="1280029"/>
+            <a:ext cx="1222194" cy="317459"/>
+          </a:xfrm>
+          <a:prstGeom prst="rect">
+            <a:avLst/>
+          </a:prstGeom>
+          <a:noFill/>
+        </p:spPr>
+        <p:txBody>
+          <a:bodyPr wrap="none" rtlCol="0">
+            <a:spAutoFit/>
+          </a:bodyPr>
+          <a:lstStyle/>
+          <a:p>
+            <a:r>
+              <a:rPr lang="en-GB" sz="1463" b="1" dirty="0"/>
+              <a:t>My2SecDApp</a:t>
+            </a:r>
+          </a:p>
+        </p:txBody>
+      </p:sp>
+      <p:pic>
+        <p:nvPicPr>
+          <p:cNvPr id="95" name="Elemento grafico 94" descr="Successo di gruppo contorno">
+            <a:extLst>
+              <a:ext uri="{FF2B5EF4-FFF2-40B4-BE49-F238E27FC236}">
+                <a16:creationId xmlns:a16="http://schemas.microsoft.com/office/drawing/2014/main" id="{729AD5F6-44FE-9B0D-7BE6-0F2FF684D27F}"/>
+              </a:ext>
+            </a:extLst>
+          </p:cNvPr>
+          <p:cNvPicPr>
+            <a:picLocks noChangeAspect="1"/>
+          </p:cNvPicPr>
+          <p:nvPr/>
+        </p:nvPicPr>
+        <p:blipFill>
+          <a:blip r:embed="rId25">
+            <a:extLst>
+              <a:ext uri="{28A0092B-C50C-407E-A947-70E740481C1C}">
+                <a14:useLocalDpi xmlns:a14="http://schemas.microsoft.com/office/drawing/2010/main" val="0"/>
+              </a:ext>
+              <a:ext uri="{96DAC541-7B7A-43D3-8B79-37D633B846F1}">
+                <asvg:svgBlip xmlns:asvg="http://schemas.microsoft.com/office/drawing/2016/SVG/main" r:embed="rId26"/>
+              </a:ext>
+            </a:extLst>
+          </a:blip>
+          <a:stretch>
+            <a:fillRect/>
+          </a:stretch>
+        </p:blipFill>
+        <p:spPr>
+          <a:xfrm>
+            <a:off x="499431" y="372647"/>
+            <a:ext cx="1056919" cy="1056919"/>
+          </a:xfrm>
+          <a:prstGeom prst="rect">
+            <a:avLst/>
+          </a:prstGeom>
+        </p:spPr>
+      </p:pic>
+      <p:sp>
+        <p:nvSpPr>
+          <p:cNvPr id="99" name="CasellaDiTesto 98">
+            <a:extLst>
+              <a:ext uri="{FF2B5EF4-FFF2-40B4-BE49-F238E27FC236}">
+                <a16:creationId xmlns:a16="http://schemas.microsoft.com/office/drawing/2014/main" id="{B05DE287-5D96-E3AD-6B5B-C5716F059D0C}"/>
+              </a:ext>
+            </a:extLst>
+          </p:cNvPr>
+          <p:cNvSpPr txBox="1"/>
+          <p:nvPr/>
+        </p:nvSpPr>
+        <p:spPr>
+          <a:xfrm>
+            <a:off x="313543" y="138594"/>
+            <a:ext cx="1675459" cy="317459"/>
+          </a:xfrm>
+          <a:prstGeom prst="rect">
+            <a:avLst/>
+          </a:prstGeom>
+          <a:noFill/>
+        </p:spPr>
+        <p:txBody>
+          <a:bodyPr wrap="none" rtlCol="0">
+            <a:spAutoFit/>
+          </a:bodyPr>
+          <a:lstStyle/>
+          <a:p>
+            <a:r>
+              <a:rPr lang="it-IT" sz="1463" b="1" dirty="0">
+                <a:solidFill>
+                  <a:schemeClr val="accent1"/>
+                </a:solidFill>
+                <a:latin typeface="Montserrat" pitchFamily="2" charset="77"/>
+              </a:rPr>
+              <a:t>Smart Workers</a:t>
+            </a:r>
+          </a:p>
+        </p:txBody>
+      </p:sp>
+      <p:pic>
+        <p:nvPicPr>
+          <p:cNvPr id="117" name="Immagine 116">
+            <a:extLst>
+              <a:ext uri="{FF2B5EF4-FFF2-40B4-BE49-F238E27FC236}">
+                <a16:creationId xmlns:a16="http://schemas.microsoft.com/office/drawing/2014/main" id="{1174FB36-DAE8-5977-2D68-6DEAFE72251D}"/>
+              </a:ext>
+            </a:extLst>
+          </p:cNvPr>
+          <p:cNvPicPr>
+            <a:picLocks noChangeAspect="1"/>
+          </p:cNvPicPr>
+          <p:nvPr/>
+        </p:nvPicPr>
+        <p:blipFill>
+          <a:blip r:embed="rId27"/>
+          <a:stretch>
+            <a:fillRect/>
+          </a:stretch>
+        </p:blipFill>
+        <p:spPr>
+          <a:xfrm>
+            <a:off x="5527591" y="1604697"/>
+            <a:ext cx="546768" cy="546768"/>
+          </a:xfrm>
+          <a:prstGeom prst="rect">
+            <a:avLst/>
+          </a:prstGeom>
+        </p:spPr>
+      </p:pic>
+      <p:sp>
+        <p:nvSpPr>
+          <p:cNvPr id="121" name="CasellaDiTesto 120">
+            <a:extLst>
+              <a:ext uri="{FF2B5EF4-FFF2-40B4-BE49-F238E27FC236}">
+                <a16:creationId xmlns:a16="http://schemas.microsoft.com/office/drawing/2014/main" id="{CF20300E-589F-D470-A41D-CA08BF2A8D17}"/>
+              </a:ext>
+            </a:extLst>
+          </p:cNvPr>
+          <p:cNvSpPr txBox="1"/>
+          <p:nvPr/>
+        </p:nvSpPr>
+        <p:spPr>
+          <a:xfrm>
+            <a:off x="3906559" y="142321"/>
+            <a:ext cx="742951" cy="317459"/>
+          </a:xfrm>
+          <a:prstGeom prst="rect">
+            <a:avLst/>
+          </a:prstGeom>
+          <a:noFill/>
+        </p:spPr>
+        <p:txBody>
+          <a:bodyPr wrap="square" rtlCol="0">
+            <a:spAutoFit/>
+          </a:bodyPr>
+          <a:lstStyle/>
+          <a:p>
+            <a:r>
+              <a:rPr lang="it-IT" sz="1463" b="1" dirty="0">
+                <a:solidFill>
+                  <a:schemeClr val="accent1"/>
+                </a:solidFill>
+                <a:latin typeface="Montserrat" pitchFamily="2" charset="77"/>
+              </a:rPr>
+              <a:t>PM</a:t>
+            </a:r>
+          </a:p>
+        </p:txBody>
+      </p:sp>
+      <p:pic>
+        <p:nvPicPr>
+          <p:cNvPr id="123" name="Elemento grafico 122" descr="Impiegata con riempimento a tinta unita">
+            <a:extLst>
+              <a:ext uri="{FF2B5EF4-FFF2-40B4-BE49-F238E27FC236}">
+                <a16:creationId xmlns:a16="http://schemas.microsoft.com/office/drawing/2014/main" id="{A728BC3A-60D8-2188-7A23-512161C17209}"/>
+              </a:ext>
+            </a:extLst>
+          </p:cNvPr>
+          <p:cNvPicPr>
+            <a:picLocks noChangeAspect="1"/>
+          </p:cNvPicPr>
+          <p:nvPr/>
+        </p:nvPicPr>
+        <p:blipFill>
+          <a:blip r:embed="rId28">
+            <a:extLst>
+              <a:ext uri="{96DAC541-7B7A-43D3-8B79-37D633B846F1}">
+                <asvg:svgBlip xmlns:asvg="http://schemas.microsoft.com/office/drawing/2016/SVG/main" r:embed="rId29"/>
+              </a:ext>
+            </a:extLst>
+          </a:blip>
+          <a:stretch>
+            <a:fillRect/>
+          </a:stretch>
+        </p:blipFill>
+        <p:spPr>
+          <a:xfrm>
+            <a:off x="7720525" y="425313"/>
+            <a:ext cx="742950" cy="742950"/>
+          </a:xfrm>
+          <a:prstGeom prst="rect">
+            <a:avLst/>
+          </a:prstGeom>
+        </p:spPr>
+      </p:pic>
+      <p:pic>
+        <p:nvPicPr>
+          <p:cNvPr id="125" name="Elemento grafico 124" descr="Programmatrice con riempimento a tinta unita">
+            <a:extLst>
+              <a:ext uri="{FF2B5EF4-FFF2-40B4-BE49-F238E27FC236}">
+                <a16:creationId xmlns:a16="http://schemas.microsoft.com/office/drawing/2014/main" id="{24A9C8DB-004C-5382-CD8F-A225E61E620E}"/>
+              </a:ext>
+            </a:extLst>
+          </p:cNvPr>
+          <p:cNvPicPr>
+            <a:picLocks noChangeAspect="1"/>
+          </p:cNvPicPr>
+          <p:nvPr/>
+        </p:nvPicPr>
+        <p:blipFill>
+          <a:blip r:embed="rId30">
+            <a:extLst>
+              <a:ext uri="{96DAC541-7B7A-43D3-8B79-37D633B846F1}">
+                <asvg:svgBlip xmlns:asvg="http://schemas.microsoft.com/office/drawing/2016/SVG/main" r:embed="rId31"/>
+              </a:ext>
+            </a:extLst>
+          </a:blip>
+          <a:stretch>
+            <a:fillRect/>
+          </a:stretch>
+        </p:blipFill>
+        <p:spPr>
+          <a:xfrm>
+            <a:off x="5872480" y="381690"/>
+            <a:ext cx="742950" cy="742950"/>
+          </a:xfrm>
+          <a:prstGeom prst="rect">
+            <a:avLst/>
+          </a:prstGeom>
+        </p:spPr>
+      </p:pic>
+      <p:pic>
+        <p:nvPicPr>
+          <p:cNvPr id="127" name="Elemento grafico 126" descr="Impiegato con riempimento a tinta unita">
+            <a:extLst>
+              <a:ext uri="{FF2B5EF4-FFF2-40B4-BE49-F238E27FC236}">
+                <a16:creationId xmlns:a16="http://schemas.microsoft.com/office/drawing/2014/main" id="{951C8747-5C39-3CC0-D8B2-E8910C4F79C4}"/>
+              </a:ext>
+            </a:extLst>
+          </p:cNvPr>
+          <p:cNvPicPr>
+            <a:picLocks noChangeAspect="1"/>
+          </p:cNvPicPr>
+          <p:nvPr/>
+        </p:nvPicPr>
+        <p:blipFill>
+          <a:blip r:embed="rId32">
+            <a:extLst>
+              <a:ext uri="{96DAC541-7B7A-43D3-8B79-37D633B846F1}">
+                <asvg:svgBlip xmlns:asvg="http://schemas.microsoft.com/office/drawing/2016/SVG/main" r:embed="rId33"/>
+              </a:ext>
+            </a:extLst>
+          </a:blip>
+          <a:stretch>
+            <a:fillRect/>
+          </a:stretch>
+        </p:blipFill>
+        <p:spPr>
+          <a:xfrm>
+            <a:off x="3788684" y="430248"/>
+            <a:ext cx="742950" cy="742950"/>
+          </a:xfrm>
+          <a:prstGeom prst="rect">
+            <a:avLst/>
+          </a:prstGeom>
+        </p:spPr>
+      </p:pic>
+      <p:sp>
+        <p:nvSpPr>
+          <p:cNvPr id="128" name="CasellaDiTesto 127">
+            <a:extLst>
+              <a:ext uri="{FF2B5EF4-FFF2-40B4-BE49-F238E27FC236}">
+                <a16:creationId xmlns:a16="http://schemas.microsoft.com/office/drawing/2014/main" id="{B9E11312-CD06-8EBD-8D11-9E4D6BEBB293}"/>
+              </a:ext>
+            </a:extLst>
+          </p:cNvPr>
+          <p:cNvSpPr txBox="1"/>
+          <p:nvPr/>
+        </p:nvSpPr>
+        <p:spPr>
+          <a:xfrm>
+            <a:off x="5303488" y="142321"/>
+            <a:ext cx="2162943" cy="317459"/>
+          </a:xfrm>
+          <a:prstGeom prst="rect">
+            <a:avLst/>
+          </a:prstGeom>
+          <a:noFill/>
+        </p:spPr>
+        <p:txBody>
+          <a:bodyPr wrap="square" rtlCol="0">
+            <a:spAutoFit/>
+          </a:bodyPr>
+          <a:lstStyle/>
+          <a:p>
+            <a:r>
+              <a:rPr lang="it-IT" sz="1463" b="1" dirty="0">
+                <a:solidFill>
+                  <a:schemeClr val="accent1"/>
+                </a:solidFill>
+                <a:latin typeface="Montserrat" pitchFamily="2" charset="77"/>
+              </a:rPr>
+              <a:t>Data scientists (KPI)</a:t>
+            </a:r>
+          </a:p>
+        </p:txBody>
+      </p:sp>
+      <p:sp>
+        <p:nvSpPr>
+          <p:cNvPr id="129" name="CasellaDiTesto 128">
+            <a:extLst>
+              <a:ext uri="{FF2B5EF4-FFF2-40B4-BE49-F238E27FC236}">
+                <a16:creationId xmlns:a16="http://schemas.microsoft.com/office/drawing/2014/main" id="{B3099D0D-6EB8-E55C-75C2-AB4444B5CFC0}"/>
+              </a:ext>
+            </a:extLst>
+          </p:cNvPr>
+          <p:cNvSpPr txBox="1"/>
+          <p:nvPr/>
+        </p:nvSpPr>
+        <p:spPr>
+          <a:xfrm>
+            <a:off x="7868317" y="128624"/>
+            <a:ext cx="507563" cy="317459"/>
+          </a:xfrm>
+          <a:prstGeom prst="rect">
+            <a:avLst/>
+          </a:prstGeom>
+          <a:noFill/>
+        </p:spPr>
+        <p:txBody>
+          <a:bodyPr wrap="square" rtlCol="0">
+            <a:spAutoFit/>
+          </a:bodyPr>
+          <a:lstStyle/>
+          <a:p>
+            <a:r>
+              <a:rPr lang="it-IT" sz="1463" b="1" dirty="0">
+                <a:solidFill>
+                  <a:schemeClr val="accent1"/>
+                </a:solidFill>
+                <a:latin typeface="Montserrat" pitchFamily="2" charset="77"/>
+              </a:rPr>
+              <a:t>HR</a:t>
+            </a:r>
+          </a:p>
+        </p:txBody>
+      </p:sp>
+      <p:grpSp>
+        <p:nvGrpSpPr>
+          <p:cNvPr id="130" name="Gruppo 129">
+            <a:extLst>
+              <a:ext uri="{FF2B5EF4-FFF2-40B4-BE49-F238E27FC236}">
+                <a16:creationId xmlns:a16="http://schemas.microsoft.com/office/drawing/2014/main" id="{89722132-DAE0-0AEA-CF5E-FC016D680EDA}"/>
+              </a:ext>
+            </a:extLst>
+          </p:cNvPr>
+          <p:cNvGrpSpPr/>
+          <p:nvPr/>
+        </p:nvGrpSpPr>
+        <p:grpSpPr>
+          <a:xfrm rot="19651638">
+            <a:off x="1916785" y="1492435"/>
+            <a:ext cx="1486907" cy="442429"/>
+            <a:chOff x="7788908" y="466854"/>
+            <a:chExt cx="1830039" cy="544528"/>
+          </a:xfrm>
+        </p:grpSpPr>
+        <p:sp>
+          <p:nvSpPr>
+            <p:cNvPr id="131" name="CasellaDiTesto 130">
+              <a:extLst>
+                <a:ext uri="{FF2B5EF4-FFF2-40B4-BE49-F238E27FC236}">
+                  <a16:creationId xmlns:a16="http://schemas.microsoft.com/office/drawing/2014/main" id="{7F9EE925-BA09-3BF6-C5F1-88938616B7D9}"/>
+                </a:ext>
+              </a:extLst>
+            </p:cNvPr>
+            <p:cNvSpPr txBox="1"/>
+            <p:nvPr/>
+          </p:nvSpPr>
+          <p:spPr>
+            <a:xfrm>
+              <a:off x="8225666" y="466854"/>
+              <a:ext cx="1393281" cy="544528"/>
+            </a:xfrm>
+            <a:prstGeom prst="rect">
+              <a:avLst/>
+            </a:prstGeom>
+            <a:noFill/>
+          </p:spPr>
+          <p:txBody>
+            <a:bodyPr wrap="none" rtlCol="0">
+              <a:spAutoFit/>
+            </a:bodyPr>
+            <a:lstStyle/>
+            <a:p>
+              <a:r>
+                <a:rPr lang="it-IT" sz="2275" b="1" dirty="0">
+                  <a:solidFill>
+                    <a:srgbClr val="013D67"/>
+                  </a:solidFill>
+                </a:rPr>
+                <a:t>My2Sec</a:t>
+              </a:r>
+              <a:endParaRPr lang="it-IT" sz="2275" dirty="0">
+                <a:solidFill>
+                  <a:srgbClr val="013D67"/>
+                </a:solidFill>
+              </a:endParaRPr>
+            </a:p>
+          </p:txBody>
+        </p:sp>
+        <p:pic>
+          <p:nvPicPr>
+            <p:cNvPr id="132" name="Google Shape;260;p2">
+              <a:extLst>
+                <a:ext uri="{FF2B5EF4-FFF2-40B4-BE49-F238E27FC236}">
+                  <a16:creationId xmlns:a16="http://schemas.microsoft.com/office/drawing/2014/main" id="{B5F312A4-7185-8E01-4EF2-84D8161CAC4C}"/>
+                </a:ext>
+              </a:extLst>
+            </p:cNvPr>
+            <p:cNvPicPr preferRelativeResize="0">
+              <a:picLocks noChangeAspect="1"/>
+            </p:cNvPicPr>
+            <p:nvPr/>
+          </p:nvPicPr>
+          <p:blipFill>
+            <a:blip r:embed="rId34">
+              <a:alphaModFix/>
+            </a:blip>
+            <a:stretch>
+              <a:fillRect/>
+            </a:stretch>
+          </p:blipFill>
+          <p:spPr>
+            <a:xfrm>
+              <a:off x="7788908" y="481124"/>
+              <a:ext cx="504000" cy="504000"/>
+            </a:xfrm>
+            <a:prstGeom prst="rect">
+              <a:avLst/>
+            </a:prstGeom>
+            <a:noFill/>
+            <a:ln>
+              <a:noFill/>
+            </a:ln>
+          </p:spPr>
+        </p:pic>
+      </p:grpSp>
+      <p:pic>
+        <p:nvPicPr>
+          <p:cNvPr id="21" name="Immagine 20">
+            <a:extLst>
+              <a:ext uri="{FF2B5EF4-FFF2-40B4-BE49-F238E27FC236}">
+                <a16:creationId xmlns:a16="http://schemas.microsoft.com/office/drawing/2014/main" id="{DAEC7D90-3699-04C3-4200-13B0BE8AC7CA}"/>
+              </a:ext>
+            </a:extLst>
+          </p:cNvPr>
+          <p:cNvPicPr>
+            <a:picLocks noChangeAspect="1"/>
+          </p:cNvPicPr>
+          <p:nvPr/>
+        </p:nvPicPr>
+        <p:blipFill>
+          <a:blip r:embed="rId35"/>
+          <a:stretch>
+            <a:fillRect/>
+          </a:stretch>
+        </p:blipFill>
+        <p:spPr>
+          <a:xfrm>
+            <a:off x="461397" y="6150105"/>
+            <a:ext cx="774290" cy="317459"/>
+          </a:xfrm>
+          <a:prstGeom prst="rect">
+            <a:avLst/>
+          </a:prstGeom>
+        </p:spPr>
+      </p:pic>
+      <p:sp>
+        <p:nvSpPr>
+          <p:cNvPr id="27" name="Rettangolo con angoli arrotondati 26">
+            <a:extLst>
+              <a:ext uri="{FF2B5EF4-FFF2-40B4-BE49-F238E27FC236}">
+                <a16:creationId xmlns:a16="http://schemas.microsoft.com/office/drawing/2014/main" id="{13853322-2DDA-A120-1312-063E822AAAC0}"/>
+              </a:ext>
+            </a:extLst>
+          </p:cNvPr>
+          <p:cNvSpPr/>
+          <p:nvPr/>
+        </p:nvSpPr>
+        <p:spPr>
+          <a:xfrm>
+            <a:off x="291020" y="4534420"/>
+            <a:ext cx="1630699" cy="2006404"/>
+          </a:xfrm>
+          <a:prstGeom prst="roundRect">
+            <a:avLst/>
+          </a:prstGeom>
+          <a:noFill/>
+          <a:ln w="28575"/>
+        </p:spPr>
+        <p:style>
+          <a:lnRef idx="2">
+            <a:schemeClr val="accent1">
+              <a:shade val="50000"/>
+            </a:schemeClr>
+          </a:lnRef>
+          <a:fillRef idx="1">
+            <a:schemeClr val="accent1"/>
+          </a:fillRef>
+          <a:effectRef idx="0">
+            <a:schemeClr val="accent1"/>
+          </a:effectRef>
+          <a:fontRef idx="minor">
+            <a:schemeClr val="lt1"/>
+          </a:fontRef>
+        </p:style>
+        <p:txBody>
+          <a:bodyPr rtlCol="0" anchor="ctr"/>
+          <a:lstStyle/>
+          <a:p>
+            <a:pPr algn="ctr"/>
+            <a:endParaRPr lang="en-GB" sz="1463" dirty="0">
+              <a:solidFill>
+                <a:srgbClr val="FFFF00"/>
+              </a:solidFill>
+            </a:endParaRPr>
+          </a:p>
+        </p:txBody>
+      </p:sp>
+      <p:sp>
+        <p:nvSpPr>
+          <p:cNvPr id="29" name="Rettangolo con angoli arrotondati 28">
+            <a:extLst>
+              <a:ext uri="{FF2B5EF4-FFF2-40B4-BE49-F238E27FC236}">
+                <a16:creationId xmlns:a16="http://schemas.microsoft.com/office/drawing/2014/main" id="{BE30A527-5E63-45B7-9799-D4C13CD3466B}"/>
+              </a:ext>
+            </a:extLst>
+          </p:cNvPr>
+          <p:cNvSpPr/>
+          <p:nvPr/>
+        </p:nvSpPr>
+        <p:spPr>
+          <a:xfrm>
+            <a:off x="501999" y="4194259"/>
+            <a:ext cx="1184344" cy="217414"/>
+          </a:xfrm>
+          <a:prstGeom prst="roundRect">
+            <a:avLst/>
+          </a:prstGeom>
+          <a:solidFill>
+            <a:schemeClr val="accent4"/>
+          </a:solidFill>
+        </p:spPr>
+        <p:style>
+          <a:lnRef idx="2">
+            <a:schemeClr val="accent1">
+              <a:shade val="50000"/>
+            </a:schemeClr>
+          </a:lnRef>
+          <a:fillRef idx="1">
+            <a:schemeClr val="accent1"/>
+          </a:fillRef>
+          <a:effectRef idx="0">
+            <a:schemeClr val="accent1"/>
+          </a:effectRef>
+          <a:fontRef idx="minor">
+            <a:schemeClr val="lt1"/>
+          </a:fontRef>
+        </p:style>
+        <p:txBody>
+          <a:bodyPr rtlCol="0" anchor="ctr"/>
+          <a:lstStyle/>
+          <a:p>
+            <a:pPr algn="ctr"/>
+            <a:r>
+              <a:rPr lang="en-GB" sz="1463" dirty="0">
+                <a:solidFill>
+                  <a:schemeClr val="tx1"/>
+                </a:solidFill>
+              </a:rPr>
+              <a:t>AW REST API</a:t>
+            </a:r>
+          </a:p>
+        </p:txBody>
+      </p:sp>
+      <p:sp>
+        <p:nvSpPr>
+          <p:cNvPr id="46" name="Rettangolo con angoli arrotondati 45">
+            <a:extLst>
+              <a:ext uri="{FF2B5EF4-FFF2-40B4-BE49-F238E27FC236}">
+                <a16:creationId xmlns:a16="http://schemas.microsoft.com/office/drawing/2014/main" id="{6AA2C1AC-3872-5162-1345-033CB0E64203}"/>
+              </a:ext>
+            </a:extLst>
+          </p:cNvPr>
+          <p:cNvSpPr/>
+          <p:nvPr/>
+        </p:nvSpPr>
+        <p:spPr>
+          <a:xfrm>
+            <a:off x="431372" y="5191836"/>
+            <a:ext cx="1302831" cy="633737"/>
+          </a:xfrm>
+          <a:prstGeom prst="roundRect">
+            <a:avLst/>
+          </a:prstGeom>
+          <a:noFill/>
+          <a:ln>
+            <a:solidFill>
+              <a:schemeClr val="accent4"/>
+            </a:solidFill>
+          </a:ln>
+        </p:spPr>
+        <p:style>
+          <a:lnRef idx="2">
+            <a:schemeClr val="accent1">
+              <a:shade val="50000"/>
+            </a:schemeClr>
+          </a:lnRef>
+          <a:fillRef idx="1">
+            <a:schemeClr val="accent1"/>
+          </a:fillRef>
+          <a:effectRef idx="0">
+            <a:schemeClr val="accent1"/>
+          </a:effectRef>
+          <a:fontRef idx="minor">
+            <a:schemeClr val="lt1"/>
+          </a:fontRef>
+        </p:style>
+        <p:txBody>
+          <a:bodyPr rtlCol="0" anchor="t"/>
+          <a:lstStyle/>
+          <a:p>
+            <a:pPr algn="ctr"/>
+            <a:r>
+              <a:rPr lang="en-GB" sz="1463" dirty="0"/>
+              <a:t>+</a:t>
+            </a:r>
+          </a:p>
+        </p:txBody>
+      </p:sp>
+      <p:pic>
+        <p:nvPicPr>
+          <p:cNvPr id="52" name="Immagine 51">
+            <a:extLst>
+              <a:ext uri="{FF2B5EF4-FFF2-40B4-BE49-F238E27FC236}">
+                <a16:creationId xmlns:a16="http://schemas.microsoft.com/office/drawing/2014/main" id="{1D9F31A7-4B21-A258-6EFC-C8408D56D8E1}"/>
+              </a:ext>
+            </a:extLst>
+          </p:cNvPr>
+          <p:cNvPicPr>
+            <a:picLocks noChangeAspect="1"/>
+          </p:cNvPicPr>
+          <p:nvPr/>
+        </p:nvPicPr>
+        <p:blipFill>
+          <a:blip r:embed="rId36"/>
+          <a:stretch>
+            <a:fillRect/>
+          </a:stretch>
+        </p:blipFill>
+        <p:spPr>
+          <a:xfrm>
+            <a:off x="687093" y="5343271"/>
+            <a:ext cx="361187" cy="361187"/>
+          </a:xfrm>
+          <a:prstGeom prst="rect">
+            <a:avLst/>
+          </a:prstGeom>
+        </p:spPr>
+      </p:pic>
+      <p:cxnSp>
+        <p:nvCxnSpPr>
+          <p:cNvPr id="55" name="Connettore 4 54">
+            <a:extLst>
+              <a:ext uri="{FF2B5EF4-FFF2-40B4-BE49-F238E27FC236}">
+                <a16:creationId xmlns:a16="http://schemas.microsoft.com/office/drawing/2014/main" id="{7BEA7A39-8FB6-DF24-9A74-36F016FCCDD8}"/>
+              </a:ext>
+            </a:extLst>
+          </p:cNvPr>
+          <p:cNvCxnSpPr>
+            <a:cxnSpLocks/>
+            <a:stCxn id="78" idx="2"/>
+            <a:endCxn id="46" idx="2"/>
+          </p:cNvCxnSpPr>
+          <p:nvPr/>
+        </p:nvCxnSpPr>
+        <p:spPr>
+          <a:xfrm rot="5400000">
+            <a:off x="3429942" y="3060678"/>
+            <a:ext cx="417741" cy="5112048"/>
+          </a:xfrm>
+          <a:prstGeom prst="bentConnector3">
+            <a:avLst>
+              <a:gd name="adj1" fmla="val 154723"/>
+            </a:avLst>
+          </a:prstGeom>
+          <a:ln>
+            <a:solidFill>
+              <a:schemeClr val="accent4"/>
+            </a:solidFill>
+            <a:prstDash val="dash"/>
+            <a:tailEnd type="triangle"/>
+          </a:ln>
+        </p:spPr>
+        <p:style>
+          <a:lnRef idx="2">
+            <a:schemeClr val="accent1"/>
+          </a:lnRef>
+          <a:fillRef idx="0">
+            <a:schemeClr val="accent1"/>
+          </a:fillRef>
+          <a:effectRef idx="1">
+            <a:schemeClr val="accent1"/>
+          </a:effectRef>
+          <a:fontRef idx="minor">
+            <a:schemeClr val="tx1"/>
+          </a:fontRef>
+        </p:style>
+      </p:cxnSp>
+      <p:cxnSp>
+        <p:nvCxnSpPr>
+          <p:cNvPr id="56" name="Connettore 4 55">
+            <a:extLst>
+              <a:ext uri="{FF2B5EF4-FFF2-40B4-BE49-F238E27FC236}">
+                <a16:creationId xmlns:a16="http://schemas.microsoft.com/office/drawing/2014/main" id="{8DF85B5B-E29E-09EA-F291-94E0F8C5EBA6}"/>
+              </a:ext>
+            </a:extLst>
+          </p:cNvPr>
+          <p:cNvCxnSpPr>
+            <a:cxnSpLocks/>
+            <a:stCxn id="25" idx="0"/>
+            <a:endCxn id="73" idx="2"/>
+          </p:cNvCxnSpPr>
+          <p:nvPr/>
+        </p:nvCxnSpPr>
+        <p:spPr>
+          <a:xfrm rot="5400000" flipH="1" flipV="1">
+            <a:off x="6564998" y="2908853"/>
+            <a:ext cx="1066836" cy="1838617"/>
+          </a:xfrm>
+          <a:prstGeom prst="bentConnector3">
+            <a:avLst/>
+          </a:prstGeom>
+          <a:ln>
+            <a:solidFill>
+              <a:schemeClr val="accent4"/>
+            </a:solidFill>
+            <a:prstDash val="dash"/>
+            <a:tailEnd type="triangle"/>
+          </a:ln>
+        </p:spPr>
+        <p:style>
+          <a:lnRef idx="2">
+            <a:schemeClr val="accent1"/>
+          </a:lnRef>
+          <a:fillRef idx="0">
+            <a:schemeClr val="accent1"/>
+          </a:fillRef>
+          <a:effectRef idx="1">
+            <a:schemeClr val="accent1"/>
+          </a:effectRef>
+          <a:fontRef idx="minor">
+            <a:schemeClr val="tx1"/>
+          </a:fontRef>
+        </p:style>
+      </p:cxnSp>
+      <p:cxnSp>
+        <p:nvCxnSpPr>
+          <p:cNvPr id="65" name="Connettore 4 64">
+            <a:extLst>
+              <a:ext uri="{FF2B5EF4-FFF2-40B4-BE49-F238E27FC236}">
+                <a16:creationId xmlns:a16="http://schemas.microsoft.com/office/drawing/2014/main" id="{440D6767-314E-15C1-2A67-283861143AEF}"/>
+              </a:ext>
+            </a:extLst>
+          </p:cNvPr>
+          <p:cNvCxnSpPr>
+            <a:cxnSpLocks/>
+            <a:stCxn id="25" idx="0"/>
+            <a:endCxn id="10" idx="2"/>
+          </p:cNvCxnSpPr>
+          <p:nvPr/>
+        </p:nvCxnSpPr>
+        <p:spPr>
+          <a:xfrm rot="5400000" flipH="1" flipV="1">
+            <a:off x="5927232" y="3538255"/>
+            <a:ext cx="1075200" cy="571448"/>
+          </a:xfrm>
+          <a:prstGeom prst="bentConnector3">
+            <a:avLst>
+              <a:gd name="adj1" fmla="val 50000"/>
+            </a:avLst>
+          </a:prstGeom>
+          <a:ln>
+            <a:solidFill>
+              <a:schemeClr val="accent4"/>
+            </a:solidFill>
+            <a:prstDash val="dash"/>
+            <a:tailEnd type="triangle"/>
+          </a:ln>
+        </p:spPr>
+        <p:style>
+          <a:lnRef idx="2">
+            <a:schemeClr val="accent1"/>
+          </a:lnRef>
+          <a:fillRef idx="0">
+            <a:schemeClr val="accent1"/>
+          </a:fillRef>
+          <a:effectRef idx="1">
+            <a:schemeClr val="accent1"/>
+          </a:effectRef>
+          <a:fontRef idx="minor">
+            <a:schemeClr val="tx1"/>
+          </a:fontRef>
+        </p:style>
+      </p:cxnSp>
+      <p:cxnSp>
+        <p:nvCxnSpPr>
+          <p:cNvPr id="71" name="Connettore 4 70">
+            <a:extLst>
+              <a:ext uri="{FF2B5EF4-FFF2-40B4-BE49-F238E27FC236}">
+                <a16:creationId xmlns:a16="http://schemas.microsoft.com/office/drawing/2014/main" id="{9B39571D-A379-A718-F617-96C2FEF370A9}"/>
+              </a:ext>
+            </a:extLst>
+          </p:cNvPr>
+          <p:cNvCxnSpPr>
+            <a:cxnSpLocks/>
+            <a:stCxn id="25" idx="0"/>
+            <a:endCxn id="41" idx="2"/>
+          </p:cNvCxnSpPr>
+          <p:nvPr/>
+        </p:nvCxnSpPr>
+        <p:spPr>
+          <a:xfrm rot="16200000" flipV="1">
+            <a:off x="5152194" y="3334665"/>
+            <a:ext cx="1061419" cy="992410"/>
+          </a:xfrm>
+          <a:prstGeom prst="bentConnector3">
+            <a:avLst>
+              <a:gd name="adj1" fmla="val 50000"/>
+            </a:avLst>
+          </a:prstGeom>
+          <a:ln>
+            <a:solidFill>
+              <a:schemeClr val="accent4"/>
+            </a:solidFill>
+            <a:prstDash val="dash"/>
+            <a:tailEnd type="triangle"/>
+          </a:ln>
+        </p:spPr>
+        <p:style>
+          <a:lnRef idx="2">
+            <a:schemeClr val="accent1"/>
+          </a:lnRef>
+          <a:fillRef idx="0">
+            <a:schemeClr val="accent1"/>
+          </a:fillRef>
+          <a:effectRef idx="1">
+            <a:schemeClr val="accent1"/>
+          </a:effectRef>
+          <a:fontRef idx="minor">
+            <a:schemeClr val="tx1"/>
+          </a:fontRef>
+        </p:style>
+      </p:cxnSp>
+      <p:pic>
+        <p:nvPicPr>
+          <p:cNvPr id="137" name="Immagine 136">
+            <a:extLst>
+              <a:ext uri="{FF2B5EF4-FFF2-40B4-BE49-F238E27FC236}">
+                <a16:creationId xmlns:a16="http://schemas.microsoft.com/office/drawing/2014/main" id="{CF7CCBC0-4118-8C4C-5775-5B58EA2BC92C}"/>
+              </a:ext>
+            </a:extLst>
+          </p:cNvPr>
+          <p:cNvPicPr>
+            <a:picLocks noChangeAspect="1"/>
+          </p:cNvPicPr>
+          <p:nvPr/>
+        </p:nvPicPr>
+        <p:blipFill>
+          <a:blip r:embed="rId37"/>
+          <a:stretch>
+            <a:fillRect/>
+          </a:stretch>
+        </p:blipFill>
+        <p:spPr>
+          <a:xfrm>
+            <a:off x="6699864" y="4968163"/>
+            <a:ext cx="984723" cy="180533"/>
+          </a:xfrm>
+          <a:prstGeom prst="rect">
+            <a:avLst/>
+          </a:prstGeom>
+        </p:spPr>
+      </p:pic>
+      <p:pic>
+        <p:nvPicPr>
+          <p:cNvPr id="138" name="Immagine 137">
+            <a:extLst>
+              <a:ext uri="{FF2B5EF4-FFF2-40B4-BE49-F238E27FC236}">
+                <a16:creationId xmlns:a16="http://schemas.microsoft.com/office/drawing/2014/main" id="{E7A22DDA-4829-3287-4A6E-DFEC92BE8664}"/>
+              </a:ext>
+            </a:extLst>
+          </p:cNvPr>
+          <p:cNvPicPr>
+            <a:picLocks noChangeAspect="1"/>
+          </p:cNvPicPr>
+          <p:nvPr/>
+        </p:nvPicPr>
+        <p:blipFill>
+          <a:blip r:embed="rId38"/>
+          <a:stretch>
+            <a:fillRect/>
+          </a:stretch>
+        </p:blipFill>
+        <p:spPr>
+          <a:xfrm>
+            <a:off x="6699864" y="4482830"/>
+            <a:ext cx="984723" cy="180533"/>
+          </a:xfrm>
+          <a:prstGeom prst="rect">
+            <a:avLst/>
+          </a:prstGeom>
+        </p:spPr>
+      </p:pic>
+      <p:pic>
+        <p:nvPicPr>
+          <p:cNvPr id="139" name="Immagine 138">
+            <a:extLst>
+              <a:ext uri="{FF2B5EF4-FFF2-40B4-BE49-F238E27FC236}">
+                <a16:creationId xmlns:a16="http://schemas.microsoft.com/office/drawing/2014/main" id="{0BBC07E3-FBC3-4752-0CAB-CC5C8125AA1D}"/>
+              </a:ext>
+            </a:extLst>
+          </p:cNvPr>
+          <p:cNvPicPr>
+            <a:picLocks noChangeAspect="1"/>
+          </p:cNvPicPr>
+          <p:nvPr/>
+        </p:nvPicPr>
+        <p:blipFill>
+          <a:blip r:embed="rId39"/>
+          <a:stretch>
+            <a:fillRect/>
+          </a:stretch>
+        </p:blipFill>
+        <p:spPr>
+          <a:xfrm>
+            <a:off x="6699862" y="4711430"/>
+            <a:ext cx="984725" cy="180533"/>
+          </a:xfrm>
+          <a:prstGeom prst="rect">
+            <a:avLst/>
+          </a:prstGeom>
+        </p:spPr>
+      </p:pic>
+      <p:cxnSp>
+        <p:nvCxnSpPr>
+          <p:cNvPr id="142" name="Connettore 4 141">
+            <a:extLst>
+              <a:ext uri="{FF2B5EF4-FFF2-40B4-BE49-F238E27FC236}">
+                <a16:creationId xmlns:a16="http://schemas.microsoft.com/office/drawing/2014/main" id="{8C02A4E8-461B-807F-671A-02C797C66000}"/>
+              </a:ext>
+            </a:extLst>
+          </p:cNvPr>
+          <p:cNvCxnSpPr>
+            <a:stCxn id="64" idx="3"/>
+            <a:endCxn id="25" idx="1"/>
+          </p:cNvCxnSpPr>
+          <p:nvPr/>
+        </p:nvCxnSpPr>
+        <p:spPr>
+          <a:xfrm>
+            <a:off x="1712875" y="4874793"/>
+            <a:ext cx="2813070" cy="11097"/>
+          </a:xfrm>
+          <a:prstGeom prst="bentConnector3">
+            <a:avLst/>
+          </a:prstGeom>
+          <a:ln w="28575">
+            <a:solidFill>
+              <a:schemeClr val="accent4"/>
+            </a:solidFill>
+            <a:tailEnd type="triangle"/>
+          </a:ln>
+        </p:spPr>
+        <p:style>
+          <a:lnRef idx="2">
+            <a:schemeClr val="accent1"/>
+          </a:lnRef>
+          <a:fillRef idx="0">
+            <a:schemeClr val="accent1"/>
+          </a:fillRef>
+          <a:effectRef idx="1">
+            <a:schemeClr val="accent1"/>
+          </a:effectRef>
+          <a:fontRef idx="minor">
+            <a:schemeClr val="tx1"/>
+          </a:fontRef>
+        </p:style>
+      </p:cxnSp>
+      <p:cxnSp>
+        <p:nvCxnSpPr>
+          <p:cNvPr id="143" name="Connettore 2 142">
+            <a:extLst>
+              <a:ext uri="{FF2B5EF4-FFF2-40B4-BE49-F238E27FC236}">
+                <a16:creationId xmlns:a16="http://schemas.microsoft.com/office/drawing/2014/main" id="{01807D7E-48AD-4526-9D6F-7A4F488BA4D6}"/>
+              </a:ext>
+            </a:extLst>
+          </p:cNvPr>
+          <p:cNvCxnSpPr>
+            <a:cxnSpLocks/>
+          </p:cNvCxnSpPr>
+          <p:nvPr/>
+        </p:nvCxnSpPr>
+        <p:spPr>
+          <a:xfrm>
+            <a:off x="7905230" y="4699577"/>
+            <a:ext cx="299170" cy="0"/>
+          </a:xfrm>
+          <a:prstGeom prst="straightConnector1">
+            <a:avLst/>
+          </a:prstGeom>
+          <a:ln w="28575">
+            <a:solidFill>
+              <a:srgbClr val="00B0F0"/>
+            </a:solidFill>
+            <a:prstDash val="dash"/>
+            <a:tailEnd type="triangle"/>
+          </a:ln>
+        </p:spPr>
+        <p:style>
+          <a:lnRef idx="1">
+            <a:schemeClr val="accent1"/>
+          </a:lnRef>
+          <a:fillRef idx="0">
+            <a:schemeClr val="accent1"/>
+          </a:fillRef>
+          <a:effectRef idx="0">
+            <a:schemeClr val="accent1"/>
+          </a:effectRef>
+          <a:fontRef idx="minor">
+            <a:schemeClr val="tx1"/>
+          </a:fontRef>
+        </p:style>
+      </p:cxnSp>
+      <p:cxnSp>
+        <p:nvCxnSpPr>
+          <p:cNvPr id="146" name="Connettore 2 145">
+            <a:extLst>
+              <a:ext uri="{FF2B5EF4-FFF2-40B4-BE49-F238E27FC236}">
+                <a16:creationId xmlns:a16="http://schemas.microsoft.com/office/drawing/2014/main" id="{83D0F510-2846-F644-5F23-A6A0149285EF}"/>
+              </a:ext>
+            </a:extLst>
+          </p:cNvPr>
+          <p:cNvCxnSpPr>
+            <a:cxnSpLocks/>
+          </p:cNvCxnSpPr>
+          <p:nvPr/>
+        </p:nvCxnSpPr>
+        <p:spPr>
+          <a:xfrm>
+            <a:off x="7879954" y="5202850"/>
+            <a:ext cx="324446" cy="0"/>
+          </a:xfrm>
+          <a:prstGeom prst="straightConnector1">
+            <a:avLst/>
+          </a:prstGeom>
+          <a:ln w="28575">
+            <a:solidFill>
+              <a:srgbClr val="00B0F0"/>
+            </a:solidFill>
+            <a:prstDash val="dash"/>
+            <a:tailEnd type="triangle"/>
+          </a:ln>
+        </p:spPr>
+        <p:style>
+          <a:lnRef idx="1">
+            <a:schemeClr val="accent1"/>
+          </a:lnRef>
+          <a:fillRef idx="0">
+            <a:schemeClr val="accent1"/>
+          </a:fillRef>
+          <a:effectRef idx="0">
+            <a:schemeClr val="accent1"/>
+          </a:effectRef>
+          <a:fontRef idx="minor">
+            <a:schemeClr val="tx1"/>
+          </a:fontRef>
+        </p:style>
+      </p:cxnSp>
+      <p:sp>
+        <p:nvSpPr>
+          <p:cNvPr id="153" name="CasellaDiTesto 152">
+            <a:extLst>
+              <a:ext uri="{FF2B5EF4-FFF2-40B4-BE49-F238E27FC236}">
+                <a16:creationId xmlns:a16="http://schemas.microsoft.com/office/drawing/2014/main" id="{92A5B1AD-F713-5939-A7A0-5399646AF093}"/>
+              </a:ext>
+            </a:extLst>
+          </p:cNvPr>
+          <p:cNvSpPr txBox="1"/>
+          <p:nvPr/>
+        </p:nvSpPr>
+        <p:spPr>
+          <a:xfrm>
+            <a:off x="980318" y="5355826"/>
+            <a:ext cx="617477" cy="307777"/>
+          </a:xfrm>
+          <a:prstGeom prst="rect">
+            <a:avLst/>
+          </a:prstGeom>
+          <a:noFill/>
+        </p:spPr>
+        <p:txBody>
+          <a:bodyPr wrap="none" rtlCol="0">
+            <a:spAutoFit/>
+          </a:bodyPr>
+          <a:lstStyle/>
+          <a:p>
+            <a:r>
+              <a:rPr lang="en-GB" sz="1400" b="1" dirty="0">
+                <a:solidFill>
+                  <a:srgbClr val="7030A0"/>
+                </a:solidFill>
+                <a:latin typeface="Montserrat" pitchFamily="2" charset="77"/>
+              </a:rPr>
+              <a:t>POD</a:t>
+            </a:r>
+          </a:p>
+        </p:txBody>
+      </p:sp>
+      <p:pic>
+        <p:nvPicPr>
+          <p:cNvPr id="9" name="Immagine 8">
+            <a:extLst>
+              <a:ext uri="{FF2B5EF4-FFF2-40B4-BE49-F238E27FC236}">
+                <a16:creationId xmlns:a16="http://schemas.microsoft.com/office/drawing/2014/main" id="{E9E8A06E-CB54-2FBE-C589-08750F421FC3}"/>
+              </a:ext>
+            </a:extLst>
+          </p:cNvPr>
+          <p:cNvPicPr>
+            <a:picLocks noChangeAspect="1"/>
+          </p:cNvPicPr>
+          <p:nvPr/>
+        </p:nvPicPr>
+        <p:blipFill>
+          <a:blip r:embed="rId40"/>
+          <a:stretch>
+            <a:fillRect/>
+          </a:stretch>
+        </p:blipFill>
+        <p:spPr>
+          <a:xfrm>
+            <a:off x="4696998" y="4845480"/>
+            <a:ext cx="581890" cy="400959"/>
+          </a:xfrm>
+          <a:prstGeom prst="rect">
+            <a:avLst/>
+          </a:prstGeom>
+        </p:spPr>
+      </p:pic>
+      <p:pic>
+        <p:nvPicPr>
+          <p:cNvPr id="38" name="Immagine 37">
+            <a:extLst>
+              <a:ext uri="{FF2B5EF4-FFF2-40B4-BE49-F238E27FC236}">
+                <a16:creationId xmlns:a16="http://schemas.microsoft.com/office/drawing/2014/main" id="{B1E89783-E564-EA03-8307-A04E358823C2}"/>
+              </a:ext>
+            </a:extLst>
+          </p:cNvPr>
+          <p:cNvPicPr>
+            <a:picLocks noChangeAspect="1"/>
+          </p:cNvPicPr>
+          <p:nvPr/>
+        </p:nvPicPr>
+        <p:blipFill>
+          <a:blip r:embed="rId27"/>
+          <a:stretch>
+            <a:fillRect/>
+          </a:stretch>
+        </p:blipFill>
+        <p:spPr>
+          <a:xfrm>
+            <a:off x="2295676" y="4648200"/>
+            <a:ext cx="546768" cy="546768"/>
+          </a:xfrm>
+          <a:prstGeom prst="rect">
+            <a:avLst/>
+          </a:prstGeom>
+        </p:spPr>
+      </p:pic>
+      <p:pic>
+        <p:nvPicPr>
+          <p:cNvPr id="45" name="Elemento grafico 44" descr="Rete contorno">
+            <a:extLst>
+              <a:ext uri="{FF2B5EF4-FFF2-40B4-BE49-F238E27FC236}">
+                <a16:creationId xmlns:a16="http://schemas.microsoft.com/office/drawing/2014/main" id="{8EAEE893-D195-D0BB-C6DD-69C37A5654E5}"/>
+              </a:ext>
+            </a:extLst>
+          </p:cNvPr>
+          <p:cNvPicPr>
+            <a:picLocks noChangeAspect="1"/>
+          </p:cNvPicPr>
+          <p:nvPr/>
+        </p:nvPicPr>
+        <p:blipFill>
+          <a:blip r:embed="rId41">
+            <a:extLst>
+              <a:ext uri="{28A0092B-C50C-407E-A947-70E740481C1C}">
+                <a14:useLocalDpi xmlns:a14="http://schemas.microsoft.com/office/drawing/2010/main" val="0"/>
+              </a:ext>
+              <a:ext uri="{96DAC541-7B7A-43D3-8B79-37D633B846F1}">
+                <asvg:svgBlip xmlns:asvg="http://schemas.microsoft.com/office/drawing/2016/SVG/main" r:embed="rId42"/>
+              </a:ext>
+            </a:extLst>
+          </a:blip>
+          <a:stretch>
+            <a:fillRect/>
+          </a:stretch>
+        </p:blipFill>
+        <p:spPr>
+          <a:xfrm>
+            <a:off x="5630587" y="4303093"/>
+            <a:ext cx="984725" cy="984725"/>
+          </a:xfrm>
+          <a:prstGeom prst="rect">
+            <a:avLst/>
+          </a:prstGeom>
+        </p:spPr>
+      </p:pic>
+      <p:sp>
+        <p:nvSpPr>
+          <p:cNvPr id="78" name="CasellaDiTesto 77">
+            <a:extLst>
+              <a:ext uri="{FF2B5EF4-FFF2-40B4-BE49-F238E27FC236}">
+                <a16:creationId xmlns:a16="http://schemas.microsoft.com/office/drawing/2014/main" id="{F0B8D51D-AA35-B5A5-17E9-C8486CE05DE0}"/>
+              </a:ext>
+            </a:extLst>
+          </p:cNvPr>
+          <p:cNvSpPr txBox="1"/>
+          <p:nvPr/>
+        </p:nvSpPr>
+        <p:spPr>
+          <a:xfrm>
+            <a:off x="5381151" y="5130833"/>
+            <a:ext cx="1627369" cy="276999"/>
+          </a:xfrm>
+          <a:prstGeom prst="rect">
+            <a:avLst/>
+          </a:prstGeom>
+          <a:noFill/>
+        </p:spPr>
+        <p:txBody>
+          <a:bodyPr wrap="none" rtlCol="0">
+            <a:spAutoFit/>
+          </a:bodyPr>
+          <a:lstStyle/>
+          <a:p>
+            <a:r>
+              <a:rPr lang="en-GB" sz="1200" b="1" dirty="0">
+                <a:latin typeface="Montserrat" pitchFamily="2" charset="77"/>
+              </a:rPr>
+              <a:t>Knowledge graph</a:t>
+            </a:r>
+          </a:p>
+        </p:txBody>
+      </p:sp>
+      <p:pic>
+        <p:nvPicPr>
+          <p:cNvPr id="103" name="Elemento grafico 102" descr="Collegamento contorno">
+            <a:extLst>
+              <a:ext uri="{FF2B5EF4-FFF2-40B4-BE49-F238E27FC236}">
+                <a16:creationId xmlns:a16="http://schemas.microsoft.com/office/drawing/2014/main" id="{2427B76D-D47E-60C9-EF62-CAC8670F9632}"/>
+              </a:ext>
+            </a:extLst>
+          </p:cNvPr>
+          <p:cNvPicPr>
+            <a:picLocks noChangeAspect="1"/>
+          </p:cNvPicPr>
+          <p:nvPr/>
+        </p:nvPicPr>
+        <p:blipFill>
+          <a:blip r:embed="rId43">
+            <a:extLst>
+              <a:ext uri="{28A0092B-C50C-407E-A947-70E740481C1C}">
+                <a14:useLocalDpi xmlns:a14="http://schemas.microsoft.com/office/drawing/2010/main" val="0"/>
+              </a:ext>
+              <a:ext uri="{96DAC541-7B7A-43D3-8B79-37D633B846F1}">
+                <asvg:svgBlip xmlns:asvg="http://schemas.microsoft.com/office/drawing/2016/SVG/main" r:embed="rId44"/>
+              </a:ext>
+            </a:extLst>
+          </a:blip>
+          <a:stretch>
+            <a:fillRect/>
+          </a:stretch>
+        </p:blipFill>
+        <p:spPr>
+          <a:xfrm>
+            <a:off x="7611388" y="2557538"/>
+            <a:ext cx="711583" cy="711583"/>
+          </a:xfrm>
+          <a:prstGeom prst="rect">
+            <a:avLst/>
+          </a:prstGeom>
+        </p:spPr>
+      </p:pic>
+      <p:pic>
+        <p:nvPicPr>
+          <p:cNvPr id="106" name="Elemento grafico 105" descr="Grafico a barre con andamento ascendente con riempimento a tinta unita">
+            <a:extLst>
+              <a:ext uri="{FF2B5EF4-FFF2-40B4-BE49-F238E27FC236}">
+                <a16:creationId xmlns:a16="http://schemas.microsoft.com/office/drawing/2014/main" id="{8D70800A-DF6E-4A7B-F5F4-0497491F86BF}"/>
+              </a:ext>
+            </a:extLst>
+          </p:cNvPr>
+          <p:cNvPicPr>
+            <a:picLocks noChangeAspect="1"/>
+          </p:cNvPicPr>
+          <p:nvPr/>
+        </p:nvPicPr>
+        <p:blipFill>
+          <a:blip r:embed="rId45">
+            <a:extLst>
+              <a:ext uri="{28A0092B-C50C-407E-A947-70E740481C1C}">
+                <a14:useLocalDpi xmlns:a14="http://schemas.microsoft.com/office/drawing/2010/main" val="0"/>
+              </a:ext>
+              <a:ext uri="{96DAC541-7B7A-43D3-8B79-37D633B846F1}">
+                <asvg:svgBlip xmlns:asvg="http://schemas.microsoft.com/office/drawing/2016/SVG/main" r:embed="rId46"/>
+              </a:ext>
+            </a:extLst>
+          </a:blip>
+          <a:stretch>
+            <a:fillRect/>
+          </a:stretch>
+        </p:blipFill>
+        <p:spPr>
+          <a:xfrm>
+            <a:off x="6455126" y="2649455"/>
+            <a:ext cx="576120" cy="576120"/>
+          </a:xfrm>
+          <a:prstGeom prst="rect">
+            <a:avLst/>
+          </a:prstGeom>
+        </p:spPr>
+      </p:pic>
+      <p:pic>
+        <p:nvPicPr>
+          <p:cNvPr id="134" name="Immagine 133">
+            <a:extLst>
+              <a:ext uri="{FF2B5EF4-FFF2-40B4-BE49-F238E27FC236}">
+                <a16:creationId xmlns:a16="http://schemas.microsoft.com/office/drawing/2014/main" id="{AD839EEB-C8BE-5576-F865-1056079D678A}"/>
+              </a:ext>
+            </a:extLst>
+          </p:cNvPr>
+          <p:cNvPicPr>
+            <a:picLocks noChangeAspect="1"/>
+          </p:cNvPicPr>
+          <p:nvPr/>
+        </p:nvPicPr>
+        <p:blipFill>
+          <a:blip r:embed="rId47"/>
+          <a:stretch>
+            <a:fillRect/>
+          </a:stretch>
+        </p:blipFill>
+        <p:spPr>
+          <a:xfrm>
+            <a:off x="3363483" y="6297220"/>
+            <a:ext cx="476299" cy="316399"/>
+          </a:xfrm>
+          <a:prstGeom prst="rect">
+            <a:avLst/>
+          </a:prstGeom>
+        </p:spPr>
+      </p:pic>
+      <p:sp>
+        <p:nvSpPr>
+          <p:cNvPr id="136" name="CasellaDiTesto 135">
+            <a:extLst>
+              <a:ext uri="{FF2B5EF4-FFF2-40B4-BE49-F238E27FC236}">
+                <a16:creationId xmlns:a16="http://schemas.microsoft.com/office/drawing/2014/main" id="{F4E46677-9E89-A00B-99A0-7B4194D321CD}"/>
+              </a:ext>
+            </a:extLst>
+          </p:cNvPr>
+          <p:cNvSpPr txBox="1"/>
+          <p:nvPr/>
+        </p:nvSpPr>
+        <p:spPr>
+          <a:xfrm>
+            <a:off x="3809390" y="6306853"/>
+            <a:ext cx="1741182" cy="307777"/>
+          </a:xfrm>
+          <a:prstGeom prst="rect">
+            <a:avLst/>
+          </a:prstGeom>
+          <a:noFill/>
+        </p:spPr>
+        <p:txBody>
+          <a:bodyPr wrap="none" rtlCol="0">
+            <a:spAutoFit/>
+          </a:bodyPr>
+          <a:lstStyle/>
+          <a:p>
+            <a:r>
+              <a:rPr lang="en-GB" sz="1400" b="1" dirty="0">
+                <a:latin typeface="Montserrat" pitchFamily="2" charset="77"/>
+              </a:rPr>
+              <a:t>GDPR compliant</a:t>
+            </a:r>
+          </a:p>
+        </p:txBody>
+      </p:sp>
+    </p:spTree>
+    <p:extLst>
+      <p:ext uri="{BB962C8B-B14F-4D97-AF65-F5344CB8AC3E}">
+        <p14:creationId xmlns:p14="http://schemas.microsoft.com/office/powerpoint/2010/main" val="330528434"/>
       </p:ext>
     </p:extLst>
   </p:cSld>
@@ -23868,7 +26869,7 @@
         <a:effectLst/>
         <a:extLst>
           <a:ext uri="{AF507438-7753-43e0-B8FC-AC1667EBCBE1}">
-            <a14:hiddenEffects xmlns="" xmlns:a14="http://schemas.microsoft.com/office/drawing/2010/main">
+            <a14:hiddenEffects xmlns:a14="http://schemas.microsoft.com/office/drawing/2010/main" xmlns="">
               <a:effectLst>
                 <a:outerShdw blurRad="63500" dist="38099" dir="2700000" algn="ctr" rotWithShape="0">
                   <a:schemeClr val="bg2">
@@ -23944,7 +26945,7 @@
         <a:effectLst/>
         <a:extLst>
           <a:ext uri="{AF507438-7753-43e0-B8FC-AC1667EBCBE1}">
-            <a14:hiddenEffects xmlns="" xmlns:a14="http://schemas.microsoft.com/office/drawing/2010/main">
+            <a14:hiddenEffects xmlns:a14="http://schemas.microsoft.com/office/drawing/2010/main" xmlns="">
               <a:effectLst>
                 <a:outerShdw blurRad="63500" dist="38099" dir="2700000" algn="ctr" rotWithShape="0">
                   <a:schemeClr val="bg2">
@@ -24735,7 +27736,7 @@
         <a:effectLst/>
         <a:extLst>
           <a:ext uri="{AF507438-7753-43e0-B8FC-AC1667EBCBE1}">
-            <a14:hiddenEffects xmlns="" xmlns:a14="http://schemas.microsoft.com/office/drawing/2010/main">
+            <a14:hiddenEffects xmlns:a14="http://schemas.microsoft.com/office/drawing/2010/main" xmlns="">
               <a:effectLst>
                 <a:outerShdw blurRad="63500" dist="38099" dir="2700000" algn="ctr" rotWithShape="0">
                   <a:schemeClr val="bg2">
@@ -24811,7 +27812,7 @@
         <a:effectLst/>
         <a:extLst>
           <a:ext uri="{AF507438-7753-43e0-B8FC-AC1667EBCBE1}">
-            <a14:hiddenEffects xmlns="" xmlns:a14="http://schemas.microsoft.com/office/drawing/2010/main">
+            <a14:hiddenEffects xmlns:a14="http://schemas.microsoft.com/office/drawing/2010/main" xmlns="">
               <a:effectLst>
                 <a:outerShdw blurRad="63500" dist="38099" dir="2700000" algn="ctr" rotWithShape="0">
                   <a:schemeClr val="bg2">
@@ -26629,12 +29630,140 @@
 </file>
 
 <file path=customXml/item1.xml><?xml version="1.0" encoding="utf-8"?>
-<?mso-contentType ?>
-<FormTemplates xmlns="http://schemas.microsoft.com/sharepoint/v3/contenttype/forms">
-  <Display>DocumentLibraryForm</Display>
-  <Edit>AssetEditForm</Edit>
-  <New>DocumentLibraryForm</New>
-</FormTemplates>
+<p:properties xmlns:p="http://schemas.microsoft.com/office/2006/metadata/properties" xmlns:xsi="http://www.w3.org/2001/XMLSchema-instance" xmlns:pc="http://schemas.microsoft.com/office/infopath/2007/PartnerControls">
+  <documentManagement>
+    <DirectSourceMarket xmlns="7851d254-ce09-43b6-8d90-072588e7901c">english</DirectSourceMarket>
+    <ApprovalStatus xmlns="7851d254-ce09-43b6-8d90-072588e7901c">InProgress</ApprovalStatus>
+    <MarketSpecific xmlns="7851d254-ce09-43b6-8d90-072588e7901c">false</MarketSpecific>
+    <PrimaryImageGen xmlns="7851d254-ce09-43b6-8d90-072588e7901c">true</PrimaryImageGen>
+    <ThumbnailAssetId xmlns="7851d254-ce09-43b6-8d90-072588e7901c" xsi:nil="true"/>
+    <LegacyData xmlns="7851d254-ce09-43b6-8d90-072588e7901c">ListingID:;Manager:;BuildStatus:Preview Pending;MockupPath:</LegacyData>
+    <TPFriendlyName xmlns="7851d254-ce09-43b6-8d90-072588e7901c">Marketing plan</TPFriendlyName>
+    <NumericId xmlns="7851d254-ce09-43b6-8d90-072588e7901c">-1</NumericId>
+    <BusinessGroup xmlns="7851d254-ce09-43b6-8d90-072588e7901c" xsi:nil="true"/>
+    <SourceTitle xmlns="7851d254-ce09-43b6-8d90-072588e7901c">Marketing plan</SourceTitle>
+    <APEditor xmlns="7851d254-ce09-43b6-8d90-072588e7901c">
+      <UserInfo>
+        <DisplayName>REDMOND\v-luannv</DisplayName>
+        <AccountId>237</AccountId>
+        <AccountType/>
+      </UserInfo>
+    </APEditor>
+    <OpenTemplate xmlns="7851d254-ce09-43b6-8d90-072588e7901c">true</OpenTemplate>
+    <UALocComments xmlns="7851d254-ce09-43b6-8d90-072588e7901c" xsi:nil="true"/>
+    <ParentAssetId xmlns="7851d254-ce09-43b6-8d90-072588e7901c" xsi:nil="true"/>
+    <PublishStatusLookup xmlns="7851d254-ce09-43b6-8d90-072588e7901c">
+      <Value>256759</Value>
+      <Value>353365</Value>
+    </PublishStatusLookup>
+    <LastPublishResultLookup xmlns="7851d254-ce09-43b6-8d90-072588e7901c" xsi:nil="true"/>
+    <IntlLangReviewDate xmlns="7851d254-ce09-43b6-8d90-072588e7901c">2010-04-16T13:14:00+00:00</IntlLangReviewDate>
+    <MachineTranslated xmlns="7851d254-ce09-43b6-8d90-072588e7901c">false</MachineTranslated>
+    <Providers xmlns="7851d254-ce09-43b6-8d90-072588e7901c" xsi:nil="true"/>
+    <OriginalSourceMarket xmlns="7851d254-ce09-43b6-8d90-072588e7901c">english</OriginalSourceMarket>
+    <TPInstallLocation xmlns="7851d254-ce09-43b6-8d90-072588e7901c">{My Templates}</TPInstallLocation>
+    <ClipArtFilename xmlns="7851d254-ce09-43b6-8d90-072588e7901c" xsi:nil="true"/>
+    <APDescription xmlns="7851d254-ce09-43b6-8d90-072588e7901c" xsi:nil="true"/>
+    <ContentItem xmlns="7851d254-ce09-43b6-8d90-072588e7901c" xsi:nil="true"/>
+    <APAuthor xmlns="7851d254-ce09-43b6-8d90-072588e7901c">
+      <UserInfo>
+        <DisplayName>REDMOND\cynvey</DisplayName>
+        <AccountId>242</AccountId>
+        <AccountType/>
+      </UserInfo>
+    </APAuthor>
+    <TPCommandLine xmlns="7851d254-ce09-43b6-8d90-072588e7901c">{PP} /n {FilePath}</TPCommandLine>
+    <TPAppVersion xmlns="7851d254-ce09-43b6-8d90-072588e7901c">11</TPAppVersion>
+    <PublishTargets xmlns="7851d254-ce09-43b6-8d90-072588e7901c">OfficeOnline</PublishTargets>
+    <EditorialStatus xmlns="7851d254-ce09-43b6-8d90-072588e7901c" xsi:nil="true"/>
+    <TPLaunchHelpLinkType xmlns="7851d254-ce09-43b6-8d90-072588e7901c" xsi:nil="true"/>
+    <LastModifiedDateTime xmlns="7851d254-ce09-43b6-8d90-072588e7901c">2010-04-16T13:14:00+00:00</LastModifiedDateTime>
+    <TimesCloned xmlns="7851d254-ce09-43b6-8d90-072588e7901c" xsi:nil="true"/>
+    <Provider xmlns="7851d254-ce09-43b6-8d90-072588e7901c">EY010390810</Provider>
+    <FriendlyTitle xmlns="7851d254-ce09-43b6-8d90-072588e7901c" xsi:nil="true"/>
+    <LastHandOff xmlns="7851d254-ce09-43b6-8d90-072588e7901c" xsi:nil="true"/>
+    <AcquiredFrom xmlns="7851d254-ce09-43b6-8d90-072588e7901c">Community</AcquiredFrom>
+    <AssetStart xmlns="7851d254-ce09-43b6-8d90-072588e7901c">2010-02-26T13:23:18+00:00</AssetStart>
+    <UACurrentWords xmlns="7851d254-ce09-43b6-8d90-072588e7901c">0</UACurrentWords>
+    <UALocRecommendation xmlns="7851d254-ce09-43b6-8d90-072588e7901c">Localize</UALocRecommendation>
+    <Manager xmlns="7851d254-ce09-43b6-8d90-072588e7901c" xsi:nil="true"/>
+    <TPClientViewer xmlns="7851d254-ce09-43b6-8d90-072588e7901c" xsi:nil="true"/>
+    <ArtSampleDocs xmlns="7851d254-ce09-43b6-8d90-072588e7901c" xsi:nil="true"/>
+    <IsDeleted xmlns="7851d254-ce09-43b6-8d90-072588e7901c">false</IsDeleted>
+    <UANotes xmlns="7851d254-ce09-43b6-8d90-072588e7901c">online only</UANotes>
+    <ShowIn xmlns="7851d254-ce09-43b6-8d90-072588e7901c">Show everywhere</ShowIn>
+    <OOCacheId xmlns="7851d254-ce09-43b6-8d90-072588e7901c" xsi:nil="true"/>
+    <CSXHash xmlns="7851d254-ce09-43b6-8d90-072588e7901c" xsi:nil="true"/>
+    <TemplateStatus xmlns="7851d254-ce09-43b6-8d90-072588e7901c" xsi:nil="true"/>
+    <Downloads xmlns="7851d254-ce09-43b6-8d90-072588e7901c">0</Downloads>
+    <VoteCount xmlns="7851d254-ce09-43b6-8d90-072588e7901c" xsi:nil="true"/>
+    <DSATActionTaken xmlns="7851d254-ce09-43b6-8d90-072588e7901c">Best Bets</DSATActionTaken>
+    <CSXSubmissionMarket xmlns="7851d254-ce09-43b6-8d90-072588e7901c" xsi:nil="true"/>
+    <AssetExpire xmlns="7851d254-ce09-43b6-8d90-072588e7901c">2100-01-01T00:00:00+00:00</AssetExpire>
+    <EditorialTags xmlns="7851d254-ce09-43b6-8d90-072588e7901c" xsi:nil="true"/>
+    <SubmitterId xmlns="7851d254-ce09-43b6-8d90-072588e7901c" xsi:nil="true"/>
+    <TPExecutable xmlns="7851d254-ce09-43b6-8d90-072588e7901c" xsi:nil="true"/>
+    <AssetType xmlns="7851d254-ce09-43b6-8d90-072588e7901c">TP</AssetType>
+    <ApprovalLog xmlns="7851d254-ce09-43b6-8d90-072588e7901c" xsi:nil="true"/>
+    <CSXUpdate xmlns="7851d254-ce09-43b6-8d90-072588e7901c">false</CSXUpdate>
+    <CSXSubmissionDate xmlns="7851d254-ce09-43b6-8d90-072588e7901c" xsi:nil="true"/>
+    <BugNumber xmlns="7851d254-ce09-43b6-8d90-072588e7901c" xsi:nil="true"/>
+    <TPComponent xmlns="7851d254-ce09-43b6-8d90-072588e7901c">PPTFiles</TPComponent>
+    <Milestone xmlns="7851d254-ce09-43b6-8d90-072588e7901c" xsi:nil="true"/>
+    <OriginAsset xmlns="7851d254-ce09-43b6-8d90-072588e7901c" xsi:nil="true"/>
+    <AssetId xmlns="7851d254-ce09-43b6-8d90-072588e7901c">TP010107969</AssetId>
+    <TPLaunchHelpLink xmlns="7851d254-ce09-43b6-8d90-072588e7901c" xsi:nil="true"/>
+    <TPApplication xmlns="7851d254-ce09-43b6-8d90-072588e7901c">PowerPoint</TPApplication>
+    <IntlLocPriority xmlns="7851d254-ce09-43b6-8d90-072588e7901c" xsi:nil="true"/>
+    <PolicheckWords xmlns="7851d254-ce09-43b6-8d90-072588e7901c" xsi:nil="true"/>
+    <HandoffToMSDN xmlns="7851d254-ce09-43b6-8d90-072588e7901c">2010-04-16T13:14:00+00:00</HandoffToMSDN>
+    <PlannedPubDate xmlns="7851d254-ce09-43b6-8d90-072588e7901c">2010-04-16T13:14:00+00:00</PlannedPubDate>
+    <IntlLangReviewer xmlns="7851d254-ce09-43b6-8d90-072588e7901c" xsi:nil="true"/>
+    <CrawlForDependencies xmlns="7851d254-ce09-43b6-8d90-072588e7901c">false</CrawlForDependencies>
+    <TrustLevel xmlns="7851d254-ce09-43b6-8d90-072588e7901c">1 Microsoft Managed Content</TrustLevel>
+    <IsSearchable xmlns="7851d254-ce09-43b6-8d90-072588e7901c">false</IsSearchable>
+    <TPNamespace xmlns="7851d254-ce09-43b6-8d90-072588e7901c" xsi:nil="true"/>
+    <TemplateTemplateType xmlns="7851d254-ce09-43b6-8d90-072588e7901c">PowerPoint 12 Default</TemplateTemplateType>
+    <Markets xmlns="7851d254-ce09-43b6-8d90-072588e7901c"/>
+    <OutputCachingOn xmlns="7851d254-ce09-43b6-8d90-072588e7901c">false</OutputCachingOn>
+    <IntlLangReview xmlns="7851d254-ce09-43b6-8d90-072588e7901c" xsi:nil="true"/>
+    <UAProjectedTotalWords xmlns="7851d254-ce09-43b6-8d90-072588e7901c" xsi:nil="true"/>
+    <CampaignTagsTaxHTField0 xmlns="7851d254-ce09-43b6-8d90-072588e7901c">
+      <Terms xmlns="http://schemas.microsoft.com/office/infopath/2007/PartnerControls"/>
+    </CampaignTagsTaxHTField0>
+    <LocPublishedDependentAssetsLookup xmlns="7851d254-ce09-43b6-8d90-072588e7901c" xsi:nil="true"/>
+    <LocOverallLocStatusLookup xmlns="7851d254-ce09-43b6-8d90-072588e7901c" xsi:nil="true"/>
+    <InternalTagsTaxHTField0 xmlns="7851d254-ce09-43b6-8d90-072588e7901c">
+      <Terms xmlns="http://schemas.microsoft.com/office/infopath/2007/PartnerControls"/>
+    </InternalTagsTaxHTField0>
+    <LocComments xmlns="7851d254-ce09-43b6-8d90-072588e7901c" xsi:nil="true"/>
+    <LocProcessedForMarketsLookup xmlns="7851d254-ce09-43b6-8d90-072588e7901c" xsi:nil="true"/>
+    <ScenarioTagsTaxHTField0 xmlns="7851d254-ce09-43b6-8d90-072588e7901c">
+      <Terms xmlns="http://schemas.microsoft.com/office/infopath/2007/PartnerControls"/>
+    </ScenarioTagsTaxHTField0>
+    <LocLastLocAttemptVersionTypeLookup xmlns="7851d254-ce09-43b6-8d90-072588e7901c" xsi:nil="true"/>
+    <LocOverallPublishStatusLookup xmlns="7851d254-ce09-43b6-8d90-072588e7901c" xsi:nil="true"/>
+    <LocPublishedLinkedAssetsLookup xmlns="7851d254-ce09-43b6-8d90-072588e7901c" xsi:nil="true"/>
+    <TaxCatchAll xmlns="7851d254-ce09-43b6-8d90-072588e7901c"/>
+    <LocRecommendedHandoff xmlns="7851d254-ce09-43b6-8d90-072588e7901c" xsi:nil="true"/>
+    <LocProcessedForHandoffsLookup xmlns="7851d254-ce09-43b6-8d90-072588e7901c" xsi:nil="true"/>
+    <LocOverallHandbackStatusLookup xmlns="7851d254-ce09-43b6-8d90-072588e7901c" xsi:nil="true"/>
+    <LocNewPublishedVersionLookup xmlns="7851d254-ce09-43b6-8d90-072588e7901c" xsi:nil="true"/>
+    <BlockPublish xmlns="7851d254-ce09-43b6-8d90-072588e7901c" xsi:nil="true"/>
+    <LocManualTestRequired xmlns="7851d254-ce09-43b6-8d90-072588e7901c" xsi:nil="true"/>
+    <LocalizationTagsTaxHTField0 xmlns="7851d254-ce09-43b6-8d90-072588e7901c">
+      <Terms xmlns="http://schemas.microsoft.com/office/infopath/2007/PartnerControls"/>
+    </LocalizationTagsTaxHTField0>
+    <LocLastLocAttemptVersionLookup xmlns="7851d254-ce09-43b6-8d90-072588e7901c">65845</LocLastLocAttemptVersionLookup>
+    <FeatureTagsTaxHTField0 xmlns="7851d254-ce09-43b6-8d90-072588e7901c">
+      <Terms xmlns="http://schemas.microsoft.com/office/infopath/2007/PartnerControls"/>
+    </FeatureTagsTaxHTField0>
+    <LocOverallPreviewStatusLookup xmlns="7851d254-ce09-43b6-8d90-072588e7901c" xsi:nil="true"/>
+    <RecommendationsModifier xmlns="7851d254-ce09-43b6-8d90-072588e7901c" xsi:nil="true"/>
+    <OriginalRelease xmlns="7851d254-ce09-43b6-8d90-072588e7901c">14</OriginalRelease>
+    <LocMarketGroupTiers2 xmlns="7851d254-ce09-43b6-8d90-072588e7901c" xsi:nil="true"/>
+  </documentManagement>
+</p:properties>
 </file>
 
 <file path=customXml/item2.xml><?xml version="1.0" encoding="utf-8"?>
@@ -27672,146 +30801,20 @@
 </file>
 
 <file path=customXml/item3.xml><?xml version="1.0" encoding="utf-8"?>
-<p:properties xmlns:p="http://schemas.microsoft.com/office/2006/metadata/properties" xmlns:xsi="http://www.w3.org/2001/XMLSchema-instance" xmlns:pc="http://schemas.microsoft.com/office/infopath/2007/PartnerControls">
-  <documentManagement>
-    <DirectSourceMarket xmlns="7851d254-ce09-43b6-8d90-072588e7901c">english</DirectSourceMarket>
-    <ApprovalStatus xmlns="7851d254-ce09-43b6-8d90-072588e7901c">InProgress</ApprovalStatus>
-    <MarketSpecific xmlns="7851d254-ce09-43b6-8d90-072588e7901c">false</MarketSpecific>
-    <PrimaryImageGen xmlns="7851d254-ce09-43b6-8d90-072588e7901c">true</PrimaryImageGen>
-    <ThumbnailAssetId xmlns="7851d254-ce09-43b6-8d90-072588e7901c" xsi:nil="true"/>
-    <LegacyData xmlns="7851d254-ce09-43b6-8d90-072588e7901c">ListingID:;Manager:;BuildStatus:Preview Pending;MockupPath:</LegacyData>
-    <TPFriendlyName xmlns="7851d254-ce09-43b6-8d90-072588e7901c">Marketing plan</TPFriendlyName>
-    <NumericId xmlns="7851d254-ce09-43b6-8d90-072588e7901c">-1</NumericId>
-    <BusinessGroup xmlns="7851d254-ce09-43b6-8d90-072588e7901c" xsi:nil="true"/>
-    <SourceTitle xmlns="7851d254-ce09-43b6-8d90-072588e7901c">Marketing plan</SourceTitle>
-    <APEditor xmlns="7851d254-ce09-43b6-8d90-072588e7901c">
-      <UserInfo>
-        <DisplayName>REDMOND\v-luannv</DisplayName>
-        <AccountId>237</AccountId>
-        <AccountType/>
-      </UserInfo>
-    </APEditor>
-    <OpenTemplate xmlns="7851d254-ce09-43b6-8d90-072588e7901c">true</OpenTemplate>
-    <UALocComments xmlns="7851d254-ce09-43b6-8d90-072588e7901c" xsi:nil="true"/>
-    <ParentAssetId xmlns="7851d254-ce09-43b6-8d90-072588e7901c" xsi:nil="true"/>
-    <PublishStatusLookup xmlns="7851d254-ce09-43b6-8d90-072588e7901c">
-      <Value>256759</Value>
-      <Value>353365</Value>
-    </PublishStatusLookup>
-    <LastPublishResultLookup xmlns="7851d254-ce09-43b6-8d90-072588e7901c" xsi:nil="true"/>
-    <IntlLangReviewDate xmlns="7851d254-ce09-43b6-8d90-072588e7901c">2010-04-16T13:14:00+00:00</IntlLangReviewDate>
-    <MachineTranslated xmlns="7851d254-ce09-43b6-8d90-072588e7901c">false</MachineTranslated>
-    <Providers xmlns="7851d254-ce09-43b6-8d90-072588e7901c" xsi:nil="true"/>
-    <OriginalSourceMarket xmlns="7851d254-ce09-43b6-8d90-072588e7901c">english</OriginalSourceMarket>
-    <TPInstallLocation xmlns="7851d254-ce09-43b6-8d90-072588e7901c">{My Templates}</TPInstallLocation>
-    <ClipArtFilename xmlns="7851d254-ce09-43b6-8d90-072588e7901c" xsi:nil="true"/>
-    <APDescription xmlns="7851d254-ce09-43b6-8d90-072588e7901c" xsi:nil="true"/>
-    <ContentItem xmlns="7851d254-ce09-43b6-8d90-072588e7901c" xsi:nil="true"/>
-    <APAuthor xmlns="7851d254-ce09-43b6-8d90-072588e7901c">
-      <UserInfo>
-        <DisplayName>REDMOND\cynvey</DisplayName>
-        <AccountId>242</AccountId>
-        <AccountType/>
-      </UserInfo>
-    </APAuthor>
-    <TPCommandLine xmlns="7851d254-ce09-43b6-8d90-072588e7901c">{PP} /n {FilePath}</TPCommandLine>
-    <TPAppVersion xmlns="7851d254-ce09-43b6-8d90-072588e7901c">11</TPAppVersion>
-    <PublishTargets xmlns="7851d254-ce09-43b6-8d90-072588e7901c">OfficeOnline</PublishTargets>
-    <EditorialStatus xmlns="7851d254-ce09-43b6-8d90-072588e7901c" xsi:nil="true"/>
-    <TPLaunchHelpLinkType xmlns="7851d254-ce09-43b6-8d90-072588e7901c" xsi:nil="true"/>
-    <LastModifiedDateTime xmlns="7851d254-ce09-43b6-8d90-072588e7901c">2010-04-16T13:14:00+00:00</LastModifiedDateTime>
-    <TimesCloned xmlns="7851d254-ce09-43b6-8d90-072588e7901c" xsi:nil="true"/>
-    <Provider xmlns="7851d254-ce09-43b6-8d90-072588e7901c">EY010390810</Provider>
-    <FriendlyTitle xmlns="7851d254-ce09-43b6-8d90-072588e7901c" xsi:nil="true"/>
-    <LastHandOff xmlns="7851d254-ce09-43b6-8d90-072588e7901c" xsi:nil="true"/>
-    <AcquiredFrom xmlns="7851d254-ce09-43b6-8d90-072588e7901c">Community</AcquiredFrom>
-    <AssetStart xmlns="7851d254-ce09-43b6-8d90-072588e7901c">2010-02-26T13:23:18+00:00</AssetStart>
-    <UACurrentWords xmlns="7851d254-ce09-43b6-8d90-072588e7901c">0</UACurrentWords>
-    <UALocRecommendation xmlns="7851d254-ce09-43b6-8d90-072588e7901c">Localize</UALocRecommendation>
-    <Manager xmlns="7851d254-ce09-43b6-8d90-072588e7901c" xsi:nil="true"/>
-    <TPClientViewer xmlns="7851d254-ce09-43b6-8d90-072588e7901c" xsi:nil="true"/>
-    <ArtSampleDocs xmlns="7851d254-ce09-43b6-8d90-072588e7901c" xsi:nil="true"/>
-    <IsDeleted xmlns="7851d254-ce09-43b6-8d90-072588e7901c">false</IsDeleted>
-    <UANotes xmlns="7851d254-ce09-43b6-8d90-072588e7901c">online only</UANotes>
-    <ShowIn xmlns="7851d254-ce09-43b6-8d90-072588e7901c">Show everywhere</ShowIn>
-    <OOCacheId xmlns="7851d254-ce09-43b6-8d90-072588e7901c" xsi:nil="true"/>
-    <CSXHash xmlns="7851d254-ce09-43b6-8d90-072588e7901c" xsi:nil="true"/>
-    <TemplateStatus xmlns="7851d254-ce09-43b6-8d90-072588e7901c" xsi:nil="true"/>
-    <Downloads xmlns="7851d254-ce09-43b6-8d90-072588e7901c">0</Downloads>
-    <VoteCount xmlns="7851d254-ce09-43b6-8d90-072588e7901c" xsi:nil="true"/>
-    <DSATActionTaken xmlns="7851d254-ce09-43b6-8d90-072588e7901c">Best Bets</DSATActionTaken>
-    <CSXSubmissionMarket xmlns="7851d254-ce09-43b6-8d90-072588e7901c" xsi:nil="true"/>
-    <AssetExpire xmlns="7851d254-ce09-43b6-8d90-072588e7901c">2100-01-01T00:00:00+00:00</AssetExpire>
-    <EditorialTags xmlns="7851d254-ce09-43b6-8d90-072588e7901c" xsi:nil="true"/>
-    <SubmitterId xmlns="7851d254-ce09-43b6-8d90-072588e7901c" xsi:nil="true"/>
-    <TPExecutable xmlns="7851d254-ce09-43b6-8d90-072588e7901c" xsi:nil="true"/>
-    <AssetType xmlns="7851d254-ce09-43b6-8d90-072588e7901c">TP</AssetType>
-    <ApprovalLog xmlns="7851d254-ce09-43b6-8d90-072588e7901c" xsi:nil="true"/>
-    <CSXUpdate xmlns="7851d254-ce09-43b6-8d90-072588e7901c">false</CSXUpdate>
-    <CSXSubmissionDate xmlns="7851d254-ce09-43b6-8d90-072588e7901c" xsi:nil="true"/>
-    <BugNumber xmlns="7851d254-ce09-43b6-8d90-072588e7901c" xsi:nil="true"/>
-    <TPComponent xmlns="7851d254-ce09-43b6-8d90-072588e7901c">PPTFiles</TPComponent>
-    <Milestone xmlns="7851d254-ce09-43b6-8d90-072588e7901c" xsi:nil="true"/>
-    <OriginAsset xmlns="7851d254-ce09-43b6-8d90-072588e7901c" xsi:nil="true"/>
-    <AssetId xmlns="7851d254-ce09-43b6-8d90-072588e7901c">TP010107969</AssetId>
-    <TPLaunchHelpLink xmlns="7851d254-ce09-43b6-8d90-072588e7901c" xsi:nil="true"/>
-    <TPApplication xmlns="7851d254-ce09-43b6-8d90-072588e7901c">PowerPoint</TPApplication>
-    <IntlLocPriority xmlns="7851d254-ce09-43b6-8d90-072588e7901c" xsi:nil="true"/>
-    <PolicheckWords xmlns="7851d254-ce09-43b6-8d90-072588e7901c" xsi:nil="true"/>
-    <HandoffToMSDN xmlns="7851d254-ce09-43b6-8d90-072588e7901c">2010-04-16T13:14:00+00:00</HandoffToMSDN>
-    <PlannedPubDate xmlns="7851d254-ce09-43b6-8d90-072588e7901c">2010-04-16T13:14:00+00:00</PlannedPubDate>
-    <IntlLangReviewer xmlns="7851d254-ce09-43b6-8d90-072588e7901c" xsi:nil="true"/>
-    <CrawlForDependencies xmlns="7851d254-ce09-43b6-8d90-072588e7901c">false</CrawlForDependencies>
-    <TrustLevel xmlns="7851d254-ce09-43b6-8d90-072588e7901c">1 Microsoft Managed Content</TrustLevel>
-    <IsSearchable xmlns="7851d254-ce09-43b6-8d90-072588e7901c">false</IsSearchable>
-    <TPNamespace xmlns="7851d254-ce09-43b6-8d90-072588e7901c" xsi:nil="true"/>
-    <TemplateTemplateType xmlns="7851d254-ce09-43b6-8d90-072588e7901c">PowerPoint 12 Default</TemplateTemplateType>
-    <Markets xmlns="7851d254-ce09-43b6-8d90-072588e7901c"/>
-    <OutputCachingOn xmlns="7851d254-ce09-43b6-8d90-072588e7901c">false</OutputCachingOn>
-    <IntlLangReview xmlns="7851d254-ce09-43b6-8d90-072588e7901c" xsi:nil="true"/>
-    <UAProjectedTotalWords xmlns="7851d254-ce09-43b6-8d90-072588e7901c" xsi:nil="true"/>
-    <CampaignTagsTaxHTField0 xmlns="7851d254-ce09-43b6-8d90-072588e7901c">
-      <Terms xmlns="http://schemas.microsoft.com/office/infopath/2007/PartnerControls"/>
-    </CampaignTagsTaxHTField0>
-    <LocPublishedDependentAssetsLookup xmlns="7851d254-ce09-43b6-8d90-072588e7901c" xsi:nil="true"/>
-    <LocOverallLocStatusLookup xmlns="7851d254-ce09-43b6-8d90-072588e7901c" xsi:nil="true"/>
-    <InternalTagsTaxHTField0 xmlns="7851d254-ce09-43b6-8d90-072588e7901c">
-      <Terms xmlns="http://schemas.microsoft.com/office/infopath/2007/PartnerControls"/>
-    </InternalTagsTaxHTField0>
-    <LocComments xmlns="7851d254-ce09-43b6-8d90-072588e7901c" xsi:nil="true"/>
-    <LocProcessedForMarketsLookup xmlns="7851d254-ce09-43b6-8d90-072588e7901c" xsi:nil="true"/>
-    <ScenarioTagsTaxHTField0 xmlns="7851d254-ce09-43b6-8d90-072588e7901c">
-      <Terms xmlns="http://schemas.microsoft.com/office/infopath/2007/PartnerControls"/>
-    </ScenarioTagsTaxHTField0>
-    <LocLastLocAttemptVersionTypeLookup xmlns="7851d254-ce09-43b6-8d90-072588e7901c" xsi:nil="true"/>
-    <LocOverallPublishStatusLookup xmlns="7851d254-ce09-43b6-8d90-072588e7901c" xsi:nil="true"/>
-    <LocPublishedLinkedAssetsLookup xmlns="7851d254-ce09-43b6-8d90-072588e7901c" xsi:nil="true"/>
-    <TaxCatchAll xmlns="7851d254-ce09-43b6-8d90-072588e7901c"/>
-    <LocRecommendedHandoff xmlns="7851d254-ce09-43b6-8d90-072588e7901c" xsi:nil="true"/>
-    <LocProcessedForHandoffsLookup xmlns="7851d254-ce09-43b6-8d90-072588e7901c" xsi:nil="true"/>
-    <LocOverallHandbackStatusLookup xmlns="7851d254-ce09-43b6-8d90-072588e7901c" xsi:nil="true"/>
-    <LocNewPublishedVersionLookup xmlns="7851d254-ce09-43b6-8d90-072588e7901c" xsi:nil="true"/>
-    <BlockPublish xmlns="7851d254-ce09-43b6-8d90-072588e7901c" xsi:nil="true"/>
-    <LocManualTestRequired xmlns="7851d254-ce09-43b6-8d90-072588e7901c" xsi:nil="true"/>
-    <LocalizationTagsTaxHTField0 xmlns="7851d254-ce09-43b6-8d90-072588e7901c">
-      <Terms xmlns="http://schemas.microsoft.com/office/infopath/2007/PartnerControls"/>
-    </LocalizationTagsTaxHTField0>
-    <LocLastLocAttemptVersionLookup xmlns="7851d254-ce09-43b6-8d90-072588e7901c">65845</LocLastLocAttemptVersionLookup>
-    <FeatureTagsTaxHTField0 xmlns="7851d254-ce09-43b6-8d90-072588e7901c">
-      <Terms xmlns="http://schemas.microsoft.com/office/infopath/2007/PartnerControls"/>
-    </FeatureTagsTaxHTField0>
-    <LocOverallPreviewStatusLookup xmlns="7851d254-ce09-43b6-8d90-072588e7901c" xsi:nil="true"/>
-    <RecommendationsModifier xmlns="7851d254-ce09-43b6-8d90-072588e7901c" xsi:nil="true"/>
-    <OriginalRelease xmlns="7851d254-ce09-43b6-8d90-072588e7901c">14</OriginalRelease>
-    <LocMarketGroupTiers2 xmlns="7851d254-ce09-43b6-8d90-072588e7901c" xsi:nil="true"/>
-  </documentManagement>
-</p:properties>
+<?mso-contentType ?>
+<FormTemplates xmlns="http://schemas.microsoft.com/sharepoint/v3/contenttype/forms">
+  <Display>DocumentLibraryForm</Display>
+  <Edit>AssetEditForm</Edit>
+  <New>DocumentLibraryForm</New>
+</FormTemplates>
 </file>
 
 <file path=customXml/itemProps1.xml><?xml version="1.0" encoding="utf-8"?>
-<ds:datastoreItem xmlns:ds="http://schemas.openxmlformats.org/officeDocument/2006/customXml" ds:itemID="{C79E6502-E858-46F1-997F-A119CCAAD56C}">
+<ds:datastoreItem xmlns:ds="http://schemas.openxmlformats.org/officeDocument/2006/customXml" ds:itemID="{79174311-CFD3-4DEA-AAFE-E3AA53D5174E}">
   <ds:schemaRefs>
-    <ds:schemaRef ds:uri="http://schemas.microsoft.com/sharepoint/v3/contenttype/forms"/>
+    <ds:schemaRef ds:uri="http://schemas.microsoft.com/office/2006/metadata/properties"/>
+    <ds:schemaRef ds:uri="http://schemas.microsoft.com/office/infopath/2007/PartnerControls"/>
+    <ds:schemaRef ds:uri="7851d254-ce09-43b6-8d90-072588e7901c"/>
   </ds:schemaRefs>
 </ds:datastoreItem>
 </file>
@@ -27835,11 +30838,9 @@
 </file>
 
 <file path=customXml/itemProps3.xml><?xml version="1.0" encoding="utf-8"?>
-<ds:datastoreItem xmlns:ds="http://schemas.openxmlformats.org/officeDocument/2006/customXml" ds:itemID="{79174311-CFD3-4DEA-AAFE-E3AA53D5174E}">
+<ds:datastoreItem xmlns:ds="http://schemas.openxmlformats.org/officeDocument/2006/customXml" ds:itemID="{C79E6502-E858-46F1-997F-A119CCAAD56C}">
   <ds:schemaRefs>
-    <ds:schemaRef ds:uri="http://schemas.microsoft.com/office/2006/metadata/properties"/>
-    <ds:schemaRef ds:uri="http://schemas.microsoft.com/office/infopath/2007/PartnerControls"/>
-    <ds:schemaRef ds:uri="7851d254-ce09-43b6-8d90-072588e7901c"/>
+    <ds:schemaRef ds:uri="http://schemas.microsoft.com/sharepoint/v3/contenttype/forms"/>
   </ds:schemaRefs>
 </ds:datastoreItem>
 </file>
--- a/docs/figures.pptx
+++ b/docs/figures.pptx
@@ -9,14 +9,15 @@
     <p:sldMasterId id="2147483924" r:id="rId8"/>
   </p:sldMasterIdLst>
   <p:notesMasterIdLst>
-    <p:notesMasterId r:id="rId11"/>
+    <p:notesMasterId r:id="rId12"/>
   </p:notesMasterIdLst>
   <p:handoutMasterIdLst>
-    <p:handoutMasterId r:id="rId12"/>
+    <p:handoutMasterId r:id="rId13"/>
   </p:handoutMasterIdLst>
   <p:sldIdLst>
     <p:sldId id="405" r:id="rId9"/>
     <p:sldId id="407" r:id="rId10"/>
+    <p:sldId id="408" r:id="rId11"/>
   </p:sldIdLst>
   <p:sldSz cx="9906000" cy="6858000" type="A4"/>
   <p:notesSz cx="6858000" cy="9144000"/>
@@ -212,7 +213,7 @@
             <a:fld id="{A7959C71-B73A-49FF-9308-B24F710812B5}" type="datetimeFigureOut">
               <a:rPr lang="en-US" smtClean="0"/>
               <a:pPr/>
-              <a:t>7/18/22</a:t>
+              <a:t>7/22/22</a:t>
             </a:fld>
             <a:endParaRPr lang="en-US" dirty="0"/>
           </a:p>
@@ -364,7 +365,7 @@
             <a:fld id="{5468FC2B-D455-4AC4-9C5E-9317124768F4}" type="datetimeFigureOut">
               <a:rPr lang="en-US" smtClean="0"/>
               <a:pPr/>
-              <a:t>7/18/22</a:t>
+              <a:t>7/22/22</a:t>
             </a:fld>
             <a:endParaRPr lang="en-US" dirty="0"/>
           </a:p>
@@ -788,6 +789,90 @@
     <p:extLst>
       <p:ext uri="{BB962C8B-B14F-4D97-AF65-F5344CB8AC3E}">
         <p14:creationId xmlns:p14="http://schemas.microsoft.com/office/powerpoint/2010/main" val="2558891205"/>
+      </p:ext>
+    </p:extLst>
+  </p:cSld>
+  <p:clrMapOvr>
+    <a:masterClrMapping/>
+  </p:clrMapOvr>
+</p:notes>
+</file>
+
+<file path=ppt/notesSlides/notesSlide3.xml><?xml version="1.0" encoding="utf-8"?>
+<p:notes xmlns:a="http://schemas.openxmlformats.org/drawingml/2006/main" xmlns:r="http://schemas.openxmlformats.org/officeDocument/2006/relationships" xmlns:p="http://schemas.openxmlformats.org/presentationml/2006/main">
+  <p:cSld>
+    <p:spTree>
+      <p:nvGrpSpPr>
+        <p:cNvPr id="1" name=""/>
+        <p:cNvGrpSpPr/>
+        <p:nvPr/>
+      </p:nvGrpSpPr>
+      <p:grpSpPr>
+        <a:xfrm>
+          <a:off x="0" y="0"/>
+          <a:ext cx="0" cy="0"/>
+          <a:chOff x="0" y="0"/>
+          <a:chExt cx="0" cy="0"/>
+        </a:xfrm>
+      </p:grpSpPr>
+      <p:sp>
+        <p:nvSpPr>
+          <p:cNvPr id="2" name="Segnaposto immagine diapositiva 1"/>
+          <p:cNvSpPr>
+            <a:spLocks noGrp="1" noRot="1" noChangeAspect="1"/>
+          </p:cNvSpPr>
+          <p:nvPr>
+            <p:ph type="sldImg"/>
+          </p:nvPr>
+        </p:nvSpPr>
+        <p:spPr/>
+      </p:sp>
+      <p:sp>
+        <p:nvSpPr>
+          <p:cNvPr id="3" name="Segnaposto note 2"/>
+          <p:cNvSpPr>
+            <a:spLocks noGrp="1"/>
+          </p:cNvSpPr>
+          <p:nvPr>
+            <p:ph type="body" idx="1"/>
+          </p:nvPr>
+        </p:nvSpPr>
+        <p:spPr/>
+        <p:txBody>
+          <a:bodyPr/>
+          <a:lstStyle/>
+          <a:p>
+            <a:endParaRPr lang="en-GB" dirty="0"/>
+          </a:p>
+        </p:txBody>
+      </p:sp>
+      <p:sp>
+        <p:nvSpPr>
+          <p:cNvPr id="4" name="Segnaposto numero diapositiva 3"/>
+          <p:cNvSpPr>
+            <a:spLocks noGrp="1"/>
+          </p:cNvSpPr>
+          <p:nvPr>
+            <p:ph type="sldNum" sz="quarter" idx="5"/>
+          </p:nvPr>
+        </p:nvSpPr>
+        <p:spPr/>
+        <p:txBody>
+          <a:bodyPr/>
+          <a:lstStyle/>
+          <a:p>
+            <a:fld id="{D04AFCC7-3E30-3240-B9B9-58EEE70978C5}" type="slidenum">
+              <a:rPr lang="en-GB" smtClean="0"/>
+              <a:t>3</a:t>
+            </a:fld>
+            <a:endParaRPr lang="en-GB" dirty="0"/>
+          </a:p>
+        </p:txBody>
+      </p:sp>
+    </p:spTree>
+    <p:extLst>
+      <p:ext uri="{BB962C8B-B14F-4D97-AF65-F5344CB8AC3E}">
+        <p14:creationId xmlns:p14="http://schemas.microsoft.com/office/powerpoint/2010/main" val="2576345650"/>
       </p:ext>
     </p:extLst>
   </p:cSld>
@@ -16930,7 +17015,7 @@
           <a:noFill/>
           <a:extLst>
             <a:ext uri="{909E8E84-426E-40dd-AFC4-6F175D3DCCD1}">
-              <a14:hiddenFill xmlns:a14="http://schemas.microsoft.com/office/drawing/2010/main" xmlns="">
+              <a14:hiddenFill xmlns="" xmlns:a14="http://schemas.microsoft.com/office/drawing/2010/main">
                 <a:solidFill>
                   <a:srgbClr val="FFFFFF"/>
                 </a:solidFill>
@@ -16967,12 +17052,12 @@
           <a:effectLst/>
           <a:extLst>
             <a:ext uri="{909E8E84-426E-40dd-AFC4-6F175D3DCCD1}">
-              <a14:hiddenFill xmlns:a14="http://schemas.microsoft.com/office/drawing/2010/main" xmlns="">
+              <a14:hiddenFill xmlns="" xmlns:a14="http://schemas.microsoft.com/office/drawing/2010/main">
                 <a:noFill/>
               </a14:hiddenFill>
             </a:ext>
             <a:ext uri="{AF507438-7753-43e0-B8FC-AC1667EBCBE1}">
-              <a14:hiddenEffects xmlns:a14="http://schemas.microsoft.com/office/drawing/2010/main" xmlns="">
+              <a14:hiddenEffects xmlns="" xmlns:a14="http://schemas.microsoft.com/office/drawing/2010/main">
                 <a:effectLst>
                   <a:outerShdw blurRad="63500" dist="38099" dir="2700000" algn="ctr" rotWithShape="0">
                     <a:schemeClr val="bg2">
@@ -17020,12 +17105,12 @@
           <a:effectLst/>
           <a:extLst>
             <a:ext uri="{909E8E84-426E-40dd-AFC4-6F175D3DCCD1}">
-              <a14:hiddenFill xmlns:a14="http://schemas.microsoft.com/office/drawing/2010/main" xmlns="">
+              <a14:hiddenFill xmlns="" xmlns:a14="http://schemas.microsoft.com/office/drawing/2010/main">
                 <a:noFill/>
               </a14:hiddenFill>
             </a:ext>
             <a:ext uri="{AF507438-7753-43e0-B8FC-AC1667EBCBE1}">
-              <a14:hiddenEffects xmlns:a14="http://schemas.microsoft.com/office/drawing/2010/main" xmlns="">
+              <a14:hiddenEffects xmlns="" xmlns:a14="http://schemas.microsoft.com/office/drawing/2010/main">
                 <a:effectLst>
                   <a:outerShdw blurRad="63500" dist="38099" dir="2700000" algn="ctr" rotWithShape="0">
                     <a:schemeClr val="bg2">
@@ -17080,14 +17165,14 @@
           </a:ln>
           <a:extLst>
             <a:ext uri="{909E8E84-426E-40dd-AFC4-6F175D3DCCD1}">
-              <a14:hiddenFill xmlns:a14="http://schemas.microsoft.com/office/drawing/2010/main" xmlns="">
+              <a14:hiddenFill xmlns="" xmlns:a14="http://schemas.microsoft.com/office/drawing/2010/main">
                 <a:solidFill>
                   <a:srgbClr val="FFFFFF"/>
                 </a:solidFill>
               </a14:hiddenFill>
             </a:ext>
             <a:ext uri="{91240B29-F687-4f45-9708-019B960494DF}">
-              <a14:hiddenLine xmlns:a14="http://schemas.microsoft.com/office/drawing/2010/main" xmlns="" w="9525">
+              <a14:hiddenLine xmlns="" xmlns:a14="http://schemas.microsoft.com/office/drawing/2010/main" w="9525">
                 <a:solidFill>
                   <a:srgbClr val="000000"/>
                 </a:solidFill>
@@ -17127,12 +17212,12 @@
           <a:effectLst/>
           <a:extLst>
             <a:ext uri="{909E8E84-426E-40dd-AFC4-6F175D3DCCD1}">
-              <a14:hiddenFill xmlns:a14="http://schemas.microsoft.com/office/drawing/2010/main" xmlns="">
+              <a14:hiddenFill xmlns="" xmlns:a14="http://schemas.microsoft.com/office/drawing/2010/main">
                 <a:noFill/>
               </a14:hiddenFill>
             </a:ext>
             <a:ext uri="{AF507438-7753-43e0-B8FC-AC1667EBCBE1}">
-              <a14:hiddenEffects xmlns:a14="http://schemas.microsoft.com/office/drawing/2010/main" xmlns="">
+              <a14:hiddenEffects xmlns="" xmlns:a14="http://schemas.microsoft.com/office/drawing/2010/main">
                 <a:effectLst>
                   <a:outerShdw blurRad="63500" dist="38099" dir="2700000" algn="ctr" rotWithShape="0">
                     <a:schemeClr val="bg2">
@@ -17180,12 +17265,12 @@
           <a:effectLst/>
           <a:extLst>
             <a:ext uri="{909E8E84-426E-40dd-AFC4-6F175D3DCCD1}">
-              <a14:hiddenFill xmlns:a14="http://schemas.microsoft.com/office/drawing/2010/main" xmlns="">
+              <a14:hiddenFill xmlns="" xmlns:a14="http://schemas.microsoft.com/office/drawing/2010/main">
                 <a:noFill/>
               </a14:hiddenFill>
             </a:ext>
             <a:ext uri="{AF507438-7753-43e0-B8FC-AC1667EBCBE1}">
-              <a14:hiddenEffects xmlns:a14="http://schemas.microsoft.com/office/drawing/2010/main" xmlns="">
+              <a14:hiddenEffects xmlns="" xmlns:a14="http://schemas.microsoft.com/office/drawing/2010/main">
                 <a:effectLst>
                   <a:outerShdw blurRad="63500" dist="38099" dir="2700000" algn="ctr" rotWithShape="0">
                     <a:schemeClr val="bg2">
@@ -17726,7 +17811,7 @@
           <a:noFill/>
           <a:extLst>
             <a:ext uri="{909E8E84-426E-40dd-AFC4-6F175D3DCCD1}">
-              <a14:hiddenFill xmlns:a14="http://schemas.microsoft.com/office/drawing/2010/main" xmlns="">
+              <a14:hiddenFill xmlns="" xmlns:a14="http://schemas.microsoft.com/office/drawing/2010/main">
                 <a:solidFill>
                   <a:srgbClr val="FFFFFF"/>
                 </a:solidFill>
@@ -17770,14 +17855,14 @@
           </a:ln>
           <a:extLst>
             <a:ext uri="{909E8E84-426E-40dd-AFC4-6F175D3DCCD1}">
-              <a14:hiddenFill xmlns:a14="http://schemas.microsoft.com/office/drawing/2010/main" xmlns="">
+              <a14:hiddenFill xmlns="" xmlns:a14="http://schemas.microsoft.com/office/drawing/2010/main">
                 <a:solidFill>
                   <a:srgbClr val="FFFFFF"/>
                 </a:solidFill>
               </a14:hiddenFill>
             </a:ext>
             <a:ext uri="{91240B29-F687-4f45-9708-019B960494DF}">
-              <a14:hiddenLine xmlns:a14="http://schemas.microsoft.com/office/drawing/2010/main" xmlns="" w="9525">
+              <a14:hiddenLine xmlns="" xmlns:a14="http://schemas.microsoft.com/office/drawing/2010/main" w="9525">
                 <a:solidFill>
                   <a:srgbClr val="000000"/>
                 </a:solidFill>
@@ -17817,12 +17902,12 @@
           <a:effectLst/>
           <a:extLst>
             <a:ext uri="{909E8E84-426E-40dd-AFC4-6F175D3DCCD1}">
-              <a14:hiddenFill xmlns:a14="http://schemas.microsoft.com/office/drawing/2010/main" xmlns="">
+              <a14:hiddenFill xmlns="" xmlns:a14="http://schemas.microsoft.com/office/drawing/2010/main">
                 <a:noFill/>
               </a14:hiddenFill>
             </a:ext>
             <a:ext uri="{AF507438-7753-43e0-B8FC-AC1667EBCBE1}">
-              <a14:hiddenEffects xmlns:a14="http://schemas.microsoft.com/office/drawing/2010/main" xmlns="">
+              <a14:hiddenEffects xmlns="" xmlns:a14="http://schemas.microsoft.com/office/drawing/2010/main">
                 <a:effectLst>
                   <a:outerShdw blurRad="63500" dist="38099" dir="2700000" algn="ctr" rotWithShape="0">
                     <a:schemeClr val="bg2">
@@ -17872,12 +17957,12 @@
           <a:effectLst/>
           <a:extLst>
             <a:ext uri="{909E8E84-426E-40dd-AFC4-6F175D3DCCD1}">
-              <a14:hiddenFill xmlns:a14="http://schemas.microsoft.com/office/drawing/2010/main" xmlns="">
+              <a14:hiddenFill xmlns="" xmlns:a14="http://schemas.microsoft.com/office/drawing/2010/main">
                 <a:noFill/>
               </a14:hiddenFill>
             </a:ext>
             <a:ext uri="{AF507438-7753-43e0-B8FC-AC1667EBCBE1}">
-              <a14:hiddenEffects xmlns:a14="http://schemas.microsoft.com/office/drawing/2010/main" xmlns="">
+              <a14:hiddenEffects xmlns="" xmlns:a14="http://schemas.microsoft.com/office/drawing/2010/main">
                 <a:effectLst>
                   <a:outerShdw blurRad="63500" dist="38099" dir="2700000" algn="ctr" rotWithShape="0">
                     <a:schemeClr val="bg2">
@@ -17927,12 +18012,12 @@
           <a:effectLst/>
           <a:extLst>
             <a:ext uri="{909E8E84-426E-40dd-AFC4-6F175D3DCCD1}">
-              <a14:hiddenFill xmlns:a14="http://schemas.microsoft.com/office/drawing/2010/main" xmlns="">
+              <a14:hiddenFill xmlns="" xmlns:a14="http://schemas.microsoft.com/office/drawing/2010/main">
                 <a:noFill/>
               </a14:hiddenFill>
             </a:ext>
             <a:ext uri="{AF507438-7753-43e0-B8FC-AC1667EBCBE1}">
-              <a14:hiddenEffects xmlns:a14="http://schemas.microsoft.com/office/drawing/2010/main" xmlns="">
+              <a14:hiddenEffects xmlns="" xmlns:a14="http://schemas.microsoft.com/office/drawing/2010/main">
                 <a:effectLst>
                   <a:outerShdw blurRad="63500" dist="38099" dir="2700000" algn="ctr" rotWithShape="0">
                     <a:schemeClr val="bg2">
@@ -17982,12 +18067,12 @@
           <a:effectLst/>
           <a:extLst>
             <a:ext uri="{909E8E84-426E-40dd-AFC4-6F175D3DCCD1}">
-              <a14:hiddenFill xmlns:a14="http://schemas.microsoft.com/office/drawing/2010/main" xmlns="">
+              <a14:hiddenFill xmlns="" xmlns:a14="http://schemas.microsoft.com/office/drawing/2010/main">
                 <a:noFill/>
               </a14:hiddenFill>
             </a:ext>
             <a:ext uri="{AF507438-7753-43e0-B8FC-AC1667EBCBE1}">
-              <a14:hiddenEffects xmlns:a14="http://schemas.microsoft.com/office/drawing/2010/main" xmlns="">
+              <a14:hiddenEffects xmlns="" xmlns:a14="http://schemas.microsoft.com/office/drawing/2010/main">
                 <a:effectLst>
                   <a:outerShdw blurRad="63500" dist="38099" dir="2700000" algn="ctr" rotWithShape="0">
                     <a:schemeClr val="bg2">
@@ -26148,6 +26233,3004 @@
     <p:extLst>
       <p:ext uri="{BB962C8B-B14F-4D97-AF65-F5344CB8AC3E}">
         <p14:creationId xmlns:p14="http://schemas.microsoft.com/office/powerpoint/2010/main" val="330528434"/>
+      </p:ext>
+    </p:extLst>
+  </p:cSld>
+  <p:clrMapOvr>
+    <a:masterClrMapping/>
+  </p:clrMapOvr>
+  <p:timing>
+    <p:tnLst>
+      <p:par>
+        <p:cTn id="1" dur="indefinite" restart="never" nodeType="tmRoot">
+          <p:childTnLst>
+            <p:seq concurrent="1" nextAc="seek">
+              <p:cTn id="2" dur="indefinite" nodeType="mainSeq">
+                <p:childTnLst>
+                  <p:par>
+                    <p:cTn id="3" fill="hold">
+                      <p:stCondLst>
+                        <p:cond delay="indefinite"/>
+                        <p:cond evt="onBegin" delay="0">
+                          <p:tn val="2"/>
+                        </p:cond>
+                      </p:stCondLst>
+                      <p:childTnLst>
+                        <p:par>
+                          <p:cTn id="4" fill="hold">
+                            <p:stCondLst>
+                              <p:cond delay="0"/>
+                            </p:stCondLst>
+                            <p:childTnLst>
+                              <p:par>
+                                <p:cTn id="5" presetID="21" presetClass="entr" presetSubtype="1" fill="hold" nodeType="afterEffect">
+                                  <p:stCondLst>
+                                    <p:cond delay="0"/>
+                                  </p:stCondLst>
+                                  <p:childTnLst>
+                                    <p:set>
+                                      <p:cBhvr>
+                                        <p:cTn id="6" dur="1" fill="hold">
+                                          <p:stCondLst>
+                                            <p:cond delay="0"/>
+                                          </p:stCondLst>
+                                        </p:cTn>
+                                        <p:tgtEl>
+                                          <p:spTgt spid="130"/>
+                                        </p:tgtEl>
+                                        <p:attrNameLst>
+                                          <p:attrName>style.visibility</p:attrName>
+                                        </p:attrNameLst>
+                                      </p:cBhvr>
+                                      <p:to>
+                                        <p:strVal val="visible"/>
+                                      </p:to>
+                                    </p:set>
+                                    <p:animEffect transition="in" filter="wheel(1)">
+                                      <p:cBhvr>
+                                        <p:cTn id="7" dur="1000"/>
+                                        <p:tgtEl>
+                                          <p:spTgt spid="130"/>
+                                        </p:tgtEl>
+                                      </p:cBhvr>
+                                    </p:animEffect>
+                                  </p:childTnLst>
+                                </p:cTn>
+                              </p:par>
+                            </p:childTnLst>
+                          </p:cTn>
+                        </p:par>
+                      </p:childTnLst>
+                    </p:cTn>
+                  </p:par>
+                </p:childTnLst>
+              </p:cTn>
+              <p:prevCondLst>
+                <p:cond evt="onPrev" delay="0">
+                  <p:tgtEl>
+                    <p:sldTgt/>
+                  </p:tgtEl>
+                </p:cond>
+              </p:prevCondLst>
+              <p:nextCondLst>
+                <p:cond evt="onNext" delay="0">
+                  <p:tgtEl>
+                    <p:sldTgt/>
+                  </p:tgtEl>
+                </p:cond>
+              </p:nextCondLst>
+            </p:seq>
+          </p:childTnLst>
+        </p:cTn>
+      </p:par>
+    </p:tnLst>
+  </p:timing>
+</p:sld>
+</file>
+
+<file path=ppt/slides/slide3.xml><?xml version="1.0" encoding="utf-8"?>
+<p:sld xmlns:a="http://schemas.openxmlformats.org/drawingml/2006/main" xmlns:r="http://schemas.openxmlformats.org/officeDocument/2006/relationships" xmlns:p="http://schemas.openxmlformats.org/presentationml/2006/main">
+  <p:cSld>
+    <p:spTree>
+      <p:nvGrpSpPr>
+        <p:cNvPr id="1" name=""/>
+        <p:cNvGrpSpPr/>
+        <p:nvPr/>
+      </p:nvGrpSpPr>
+      <p:grpSpPr>
+        <a:xfrm>
+          <a:off x="0" y="0"/>
+          <a:ext cx="0" cy="0"/>
+          <a:chOff x="0" y="0"/>
+          <a:chExt cx="0" cy="0"/>
+        </a:xfrm>
+      </p:grpSpPr>
+      <p:sp>
+        <p:nvSpPr>
+          <p:cNvPr id="2" name="Rettangolo 1">
+            <a:extLst>
+              <a:ext uri="{FF2B5EF4-FFF2-40B4-BE49-F238E27FC236}">
+                <a16:creationId xmlns:a16="http://schemas.microsoft.com/office/drawing/2014/main" id="{7D326DAE-C38F-DCA9-75ED-4B91C58BDC80}"/>
+              </a:ext>
+            </a:extLst>
+          </p:cNvPr>
+          <p:cNvSpPr/>
+          <p:nvPr/>
+        </p:nvSpPr>
+        <p:spPr>
+          <a:xfrm>
+            <a:off x="7375070" y="88106"/>
+            <a:ext cx="2378530" cy="4816319"/>
+          </a:xfrm>
+          <a:prstGeom prst="rect">
+            <a:avLst/>
+          </a:prstGeom>
+          <a:solidFill>
+            <a:schemeClr val="accent2"/>
+          </a:solidFill>
+          <a:ln w="28575">
+            <a:solidFill>
+              <a:schemeClr val="accent2"/>
+            </a:solidFill>
+          </a:ln>
+        </p:spPr>
+        <p:style>
+          <a:lnRef idx="1">
+            <a:schemeClr val="accent1"/>
+          </a:lnRef>
+          <a:fillRef idx="3">
+            <a:schemeClr val="accent1"/>
+          </a:fillRef>
+          <a:effectRef idx="2">
+            <a:schemeClr val="accent1"/>
+          </a:effectRef>
+          <a:fontRef idx="minor">
+            <a:schemeClr val="lt1"/>
+          </a:fontRef>
+        </p:style>
+        <p:txBody>
+          <a:bodyPr rtlCol="0" anchor="ctr"/>
+          <a:lstStyle/>
+          <a:p>
+            <a:pPr algn="ctr"/>
+            <a:endParaRPr lang="en-GB"/>
+          </a:p>
+        </p:txBody>
+      </p:sp>
+      <p:cxnSp>
+        <p:nvCxnSpPr>
+          <p:cNvPr id="33" name="Connettore 4 32">
+            <a:extLst>
+              <a:ext uri="{FF2B5EF4-FFF2-40B4-BE49-F238E27FC236}">
+                <a16:creationId xmlns:a16="http://schemas.microsoft.com/office/drawing/2014/main" id="{2FFD3D08-28B3-B3B3-0AB9-1D97FBC1CF2F}"/>
+              </a:ext>
+            </a:extLst>
+          </p:cNvPr>
+          <p:cNvCxnSpPr/>
+          <p:nvPr/>
+        </p:nvCxnSpPr>
+        <p:spPr>
+          <a:xfrm rot="16200000" flipH="1">
+            <a:off x="3174587" y="3348021"/>
+            <a:ext cx="1606655" cy="1065166"/>
+          </a:xfrm>
+          <a:prstGeom prst="bentConnector2">
+            <a:avLst/>
+          </a:prstGeom>
+          <a:ln w="28575">
+            <a:solidFill>
+              <a:schemeClr val="accent4"/>
+            </a:solidFill>
+            <a:tailEnd type="triangle"/>
+          </a:ln>
+        </p:spPr>
+        <p:style>
+          <a:lnRef idx="2">
+            <a:schemeClr val="accent1"/>
+          </a:lnRef>
+          <a:fillRef idx="0">
+            <a:schemeClr val="accent1"/>
+          </a:fillRef>
+          <a:effectRef idx="1">
+            <a:schemeClr val="accent1"/>
+          </a:effectRef>
+          <a:fontRef idx="minor">
+            <a:schemeClr val="tx1"/>
+          </a:fontRef>
+        </p:style>
+      </p:cxnSp>
+      <p:pic>
+        <p:nvPicPr>
+          <p:cNvPr id="4" name="Immagine 3">
+            <a:extLst>
+              <a:ext uri="{FF2B5EF4-FFF2-40B4-BE49-F238E27FC236}">
+                <a16:creationId xmlns:a16="http://schemas.microsoft.com/office/drawing/2014/main" id="{E9A70152-93AF-BAA5-99B6-23F734045944}"/>
+              </a:ext>
+            </a:extLst>
+          </p:cNvPr>
+          <p:cNvPicPr>
+            <a:picLocks noChangeAspect="1"/>
+          </p:cNvPicPr>
+          <p:nvPr/>
+        </p:nvPicPr>
+        <p:blipFill>
+          <a:blip r:embed="rId3"/>
+          <a:stretch>
+            <a:fillRect/>
+          </a:stretch>
+        </p:blipFill>
+        <p:spPr>
+          <a:xfrm>
+            <a:off x="3687556" y="1288586"/>
+            <a:ext cx="1415185" cy="303675"/>
+          </a:xfrm>
+          <a:prstGeom prst="rect">
+            <a:avLst/>
+          </a:prstGeom>
+        </p:spPr>
+      </p:pic>
+      <p:pic>
+        <p:nvPicPr>
+          <p:cNvPr id="5" name="Immagine 4">
+            <a:extLst>
+              <a:ext uri="{FF2B5EF4-FFF2-40B4-BE49-F238E27FC236}">
+                <a16:creationId xmlns:a16="http://schemas.microsoft.com/office/drawing/2014/main" id="{123991A0-5D9E-29FE-E514-801A64C17998}"/>
+              </a:ext>
+            </a:extLst>
+          </p:cNvPr>
+          <p:cNvPicPr>
+            <a:picLocks noChangeAspect="1"/>
+          </p:cNvPicPr>
+          <p:nvPr/>
+        </p:nvPicPr>
+        <p:blipFill>
+          <a:blip r:embed="rId4"/>
+          <a:stretch>
+            <a:fillRect/>
+          </a:stretch>
+        </p:blipFill>
+        <p:spPr>
+          <a:xfrm>
+            <a:off x="5546270" y="1221127"/>
+            <a:ext cx="1571143" cy="407515"/>
+          </a:xfrm>
+          <a:prstGeom prst="rect">
+            <a:avLst/>
+          </a:prstGeom>
+        </p:spPr>
+      </p:pic>
+      <p:sp>
+        <p:nvSpPr>
+          <p:cNvPr id="10" name="Rettangolo con angoli arrotondati 9">
+            <a:extLst>
+              <a:ext uri="{FF2B5EF4-FFF2-40B4-BE49-F238E27FC236}">
+                <a16:creationId xmlns:a16="http://schemas.microsoft.com/office/drawing/2014/main" id="{40D766DC-6D59-A0BE-B8A0-8F277A23CFD9}"/>
+              </a:ext>
+            </a:extLst>
+          </p:cNvPr>
+          <p:cNvSpPr/>
+          <p:nvPr/>
+        </p:nvSpPr>
+        <p:spPr>
+          <a:xfrm>
+            <a:off x="6183917" y="2055418"/>
+            <a:ext cx="1133278" cy="1230961"/>
+          </a:xfrm>
+          <a:prstGeom prst="roundRect">
+            <a:avLst/>
+          </a:prstGeom>
+          <a:ln>
+            <a:solidFill>
+              <a:schemeClr val="accent4"/>
+            </a:solidFill>
+          </a:ln>
+        </p:spPr>
+        <p:style>
+          <a:lnRef idx="2">
+            <a:schemeClr val="accent1">
+              <a:shade val="50000"/>
+            </a:schemeClr>
+          </a:lnRef>
+          <a:fillRef idx="1">
+            <a:schemeClr val="accent1"/>
+          </a:fillRef>
+          <a:effectRef idx="0">
+            <a:schemeClr val="accent1"/>
+          </a:effectRef>
+          <a:fontRef idx="minor">
+            <a:schemeClr val="lt1"/>
+          </a:fontRef>
+        </p:style>
+        <p:txBody>
+          <a:bodyPr rtlCol="0" anchor="t"/>
+          <a:lstStyle/>
+          <a:p>
+            <a:pPr algn="ctr"/>
+            <a:r>
+              <a:rPr lang="en-GB" sz="1463" dirty="0"/>
+              <a:t>SuperSet Adapter</a:t>
+            </a:r>
+          </a:p>
+        </p:txBody>
+      </p:sp>
+      <p:grpSp>
+        <p:nvGrpSpPr>
+          <p:cNvPr id="26" name="Gruppo 25">
+            <a:extLst>
+              <a:ext uri="{FF2B5EF4-FFF2-40B4-BE49-F238E27FC236}">
+                <a16:creationId xmlns:a16="http://schemas.microsoft.com/office/drawing/2014/main" id="{CEED9B54-C521-B289-3691-5B4FFE22D872}"/>
+              </a:ext>
+            </a:extLst>
+          </p:cNvPr>
+          <p:cNvGrpSpPr/>
+          <p:nvPr/>
+        </p:nvGrpSpPr>
+        <p:grpSpPr>
+          <a:xfrm>
+            <a:off x="4525945" y="4361579"/>
+            <a:ext cx="3306325" cy="1048621"/>
+            <a:chOff x="10461862" y="3800276"/>
+            <a:chExt cx="4069323" cy="1290610"/>
+          </a:xfrm>
+        </p:grpSpPr>
+        <p:sp>
+          <p:nvSpPr>
+            <p:cNvPr id="25" name="Rettangolo con angoli arrotondati 24">
+              <a:extLst>
+                <a:ext uri="{FF2B5EF4-FFF2-40B4-BE49-F238E27FC236}">
+                  <a16:creationId xmlns:a16="http://schemas.microsoft.com/office/drawing/2014/main" id="{8C7B4F0B-8389-E1C1-9FCF-FBFDCD12FF25}"/>
+                </a:ext>
+              </a:extLst>
+            </p:cNvPr>
+            <p:cNvSpPr/>
+            <p:nvPr/>
+          </p:nvSpPr>
+          <p:spPr>
+            <a:xfrm>
+              <a:off x="10461862" y="3800276"/>
+              <a:ext cx="4069323" cy="1290610"/>
+            </a:xfrm>
+            <a:prstGeom prst="roundRect">
+              <a:avLst/>
+            </a:prstGeom>
+            <a:solidFill>
+              <a:schemeClr val="bg1">
+                <a:lumMod val="85000"/>
+              </a:schemeClr>
+            </a:solidFill>
+            <a:ln>
+              <a:solidFill>
+                <a:schemeClr val="accent4"/>
+              </a:solidFill>
+            </a:ln>
+          </p:spPr>
+          <p:style>
+            <a:lnRef idx="2">
+              <a:schemeClr val="accent1">
+                <a:shade val="50000"/>
+              </a:schemeClr>
+            </a:lnRef>
+            <a:fillRef idx="1">
+              <a:schemeClr val="accent1"/>
+            </a:fillRef>
+            <a:effectRef idx="0">
+              <a:schemeClr val="accent1"/>
+            </a:effectRef>
+            <a:fontRef idx="minor">
+              <a:schemeClr val="lt1"/>
+            </a:fontRef>
+          </p:style>
+          <p:txBody>
+            <a:bodyPr rtlCol="0" anchor="ctr"/>
+            <a:lstStyle/>
+            <a:p>
+              <a:pPr algn="ctr"/>
+              <a:endParaRPr lang="en-GB" sz="1463" dirty="0"/>
+            </a:p>
+          </p:txBody>
+        </p:sp>
+        <p:pic>
+          <p:nvPicPr>
+            <p:cNvPr id="16" name="Picture 2">
+              <a:extLst>
+                <a:ext uri="{FF2B5EF4-FFF2-40B4-BE49-F238E27FC236}">
+                  <a16:creationId xmlns:a16="http://schemas.microsoft.com/office/drawing/2014/main" id="{023904B5-D266-93DC-6157-EDCDD95EECC1}"/>
+                </a:ext>
+              </a:extLst>
+            </p:cNvPr>
+            <p:cNvPicPr>
+              <a:picLocks noChangeAspect="1" noChangeArrowheads="1"/>
+            </p:cNvPicPr>
+            <p:nvPr/>
+          </p:nvPicPr>
+          <p:blipFill rotWithShape="1">
+            <a:blip r:embed="rId5">
+              <a:extLst>
+                <a:ext uri="{28A0092B-C50C-407E-A947-70E740481C1C}">
+                  <a14:useLocalDpi xmlns:a14="http://schemas.microsoft.com/office/drawing/2010/main" val="0"/>
+                </a:ext>
+              </a:extLst>
+            </a:blip>
+            <a:srcRect l="1" t="-15685" r="-2513" b="-1"/>
+            <a:stretch/>
+          </p:blipFill>
+          <p:spPr bwMode="auto">
+            <a:xfrm>
+              <a:off x="10664927" y="3956568"/>
+              <a:ext cx="914400" cy="307761"/>
+            </a:xfrm>
+            <a:prstGeom prst="rect">
+              <a:avLst/>
+            </a:prstGeom>
+            <a:noFill/>
+            <a:extLst>
+              <a:ext uri="{909E8E84-426E-40DD-AFC4-6F175D3DCCD1}">
+                <a14:hiddenFill xmlns:a14="http://schemas.microsoft.com/office/drawing/2010/main">
+                  <a:solidFill>
+                    <a:srgbClr val="FFFFFF"/>
+                  </a:solidFill>
+                </a14:hiddenFill>
+              </a:ext>
+            </a:extLst>
+          </p:spPr>
+        </p:pic>
+      </p:grpSp>
+      <p:sp>
+        <p:nvSpPr>
+          <p:cNvPr id="41" name="Rettangolo con angoli arrotondati 40">
+            <a:extLst>
+              <a:ext uri="{FF2B5EF4-FFF2-40B4-BE49-F238E27FC236}">
+                <a16:creationId xmlns:a16="http://schemas.microsoft.com/office/drawing/2014/main" id="{BBA3A587-6B3B-3EEF-8373-134CFB2F279A}"/>
+              </a:ext>
+            </a:extLst>
+          </p:cNvPr>
+          <p:cNvSpPr/>
+          <p:nvPr/>
+        </p:nvSpPr>
+        <p:spPr>
+          <a:xfrm>
+            <a:off x="4531634" y="2792095"/>
+            <a:ext cx="1310127" cy="508065"/>
+          </a:xfrm>
+          <a:prstGeom prst="roundRect">
+            <a:avLst/>
+          </a:prstGeom>
+          <a:ln>
+            <a:solidFill>
+              <a:schemeClr val="accent4"/>
+            </a:solidFill>
+          </a:ln>
+        </p:spPr>
+        <p:style>
+          <a:lnRef idx="2">
+            <a:schemeClr val="accent1">
+              <a:shade val="50000"/>
+            </a:schemeClr>
+          </a:lnRef>
+          <a:fillRef idx="1">
+            <a:schemeClr val="accent1"/>
+          </a:fillRef>
+          <a:effectRef idx="0">
+            <a:schemeClr val="accent1"/>
+          </a:effectRef>
+          <a:fontRef idx="minor">
+            <a:schemeClr val="lt1"/>
+          </a:fontRef>
+        </p:style>
+        <p:txBody>
+          <a:bodyPr rtlCol="0" anchor="ctr"/>
+          <a:lstStyle/>
+          <a:p>
+            <a:r>
+              <a:rPr lang="en-GB" sz="1463" dirty="0"/>
+              <a:t>Log Time</a:t>
+            </a:r>
+          </a:p>
+        </p:txBody>
+      </p:sp>
+      <p:cxnSp>
+        <p:nvCxnSpPr>
+          <p:cNvPr id="42" name="Connettore 2 41">
+            <a:extLst>
+              <a:ext uri="{FF2B5EF4-FFF2-40B4-BE49-F238E27FC236}">
+                <a16:creationId xmlns:a16="http://schemas.microsoft.com/office/drawing/2014/main" id="{03E91115-415E-9386-1B9A-74D98AB99224}"/>
+              </a:ext>
+            </a:extLst>
+          </p:cNvPr>
+          <p:cNvCxnSpPr>
+            <a:cxnSpLocks/>
+          </p:cNvCxnSpPr>
+          <p:nvPr/>
+        </p:nvCxnSpPr>
+        <p:spPr>
+          <a:xfrm flipH="1" flipV="1">
+            <a:off x="5035177" y="2385305"/>
+            <a:ext cx="9718" cy="344466"/>
+          </a:xfrm>
+          <a:prstGeom prst="straightConnector1">
+            <a:avLst/>
+          </a:prstGeom>
+          <a:ln w="38100">
+            <a:solidFill>
+              <a:schemeClr val="tx1"/>
+            </a:solidFill>
+            <a:tailEnd type="triangle"/>
+          </a:ln>
+        </p:spPr>
+        <p:style>
+          <a:lnRef idx="1">
+            <a:schemeClr val="accent1"/>
+          </a:lnRef>
+          <a:fillRef idx="0">
+            <a:schemeClr val="accent1"/>
+          </a:fillRef>
+          <a:effectRef idx="0">
+            <a:schemeClr val="accent1"/>
+          </a:effectRef>
+          <a:fontRef idx="minor">
+            <a:schemeClr val="tx1"/>
+          </a:fontRef>
+        </p:style>
+      </p:cxnSp>
+      <p:sp>
+        <p:nvSpPr>
+          <p:cNvPr id="51" name="Rettangolo con angoli arrotondati 50">
+            <a:extLst>
+              <a:ext uri="{FF2B5EF4-FFF2-40B4-BE49-F238E27FC236}">
+                <a16:creationId xmlns:a16="http://schemas.microsoft.com/office/drawing/2014/main" id="{06A181F5-61D1-7769-9587-851F6D36523D}"/>
+              </a:ext>
+            </a:extLst>
+          </p:cNvPr>
+          <p:cNvSpPr/>
+          <p:nvPr/>
+        </p:nvSpPr>
+        <p:spPr>
+          <a:xfrm>
+            <a:off x="2562230" y="2758115"/>
+            <a:ext cx="1797098" cy="521120"/>
+          </a:xfrm>
+          <a:prstGeom prst="roundRect">
+            <a:avLst/>
+          </a:prstGeom>
+          <a:solidFill>
+            <a:schemeClr val="accent2"/>
+          </a:solidFill>
+          <a:ln>
+            <a:solidFill>
+              <a:schemeClr val="accent4"/>
+            </a:solidFill>
+          </a:ln>
+        </p:spPr>
+        <p:style>
+          <a:lnRef idx="2">
+            <a:schemeClr val="accent1">
+              <a:shade val="50000"/>
+            </a:schemeClr>
+          </a:lnRef>
+          <a:fillRef idx="1">
+            <a:schemeClr val="accent1"/>
+          </a:fillRef>
+          <a:effectRef idx="0">
+            <a:schemeClr val="accent1"/>
+          </a:effectRef>
+          <a:fontRef idx="minor">
+            <a:schemeClr val="lt1"/>
+          </a:fontRef>
+        </p:style>
+        <p:txBody>
+          <a:bodyPr rtlCol="0" anchor="ctr"/>
+          <a:lstStyle/>
+          <a:p>
+            <a:r>
+              <a:rPr lang="en-GB" sz="1463" dirty="0"/>
+              <a:t>Task manager</a:t>
+            </a:r>
+          </a:p>
+        </p:txBody>
+      </p:sp>
+      <p:sp>
+        <p:nvSpPr>
+          <p:cNvPr id="59" name="Rettangolo con angoli arrotondati 58">
+            <a:extLst>
+              <a:ext uri="{FF2B5EF4-FFF2-40B4-BE49-F238E27FC236}">
+                <a16:creationId xmlns:a16="http://schemas.microsoft.com/office/drawing/2014/main" id="{C16BD931-3595-53CD-C8D6-83CD6991D9A6}"/>
+              </a:ext>
+            </a:extLst>
+          </p:cNvPr>
+          <p:cNvSpPr/>
+          <p:nvPr/>
+        </p:nvSpPr>
+        <p:spPr>
+          <a:xfrm>
+            <a:off x="3115524" y="2055418"/>
+            <a:ext cx="2075046" cy="271250"/>
+          </a:xfrm>
+          <a:prstGeom prst="roundRect">
+            <a:avLst/>
+          </a:prstGeom>
+          <a:solidFill>
+            <a:schemeClr val="accent4"/>
+          </a:solidFill>
+        </p:spPr>
+        <p:style>
+          <a:lnRef idx="2">
+            <a:schemeClr val="accent1">
+              <a:shade val="50000"/>
+            </a:schemeClr>
+          </a:lnRef>
+          <a:fillRef idx="1">
+            <a:schemeClr val="accent1"/>
+          </a:fillRef>
+          <a:effectRef idx="0">
+            <a:schemeClr val="accent1"/>
+          </a:effectRef>
+          <a:fontRef idx="minor">
+            <a:schemeClr val="lt1"/>
+          </a:fontRef>
+        </p:style>
+        <p:txBody>
+          <a:bodyPr rtlCol="0" anchor="ctr"/>
+          <a:lstStyle/>
+          <a:p>
+            <a:pPr algn="ctr"/>
+            <a:r>
+              <a:rPr lang="en-GB" sz="1463" dirty="0">
+                <a:solidFill>
+                  <a:schemeClr val="tx1"/>
+                </a:solidFill>
+              </a:rPr>
+              <a:t>OpenProject REST API</a:t>
+            </a:r>
+          </a:p>
+        </p:txBody>
+      </p:sp>
+      <p:cxnSp>
+        <p:nvCxnSpPr>
+          <p:cNvPr id="66" name="Connettore 2 65">
+            <a:extLst>
+              <a:ext uri="{FF2B5EF4-FFF2-40B4-BE49-F238E27FC236}">
+                <a16:creationId xmlns:a16="http://schemas.microsoft.com/office/drawing/2014/main" id="{74B9FFCA-F405-DF16-E289-8EAFA91E0A6C}"/>
+              </a:ext>
+            </a:extLst>
+          </p:cNvPr>
+          <p:cNvCxnSpPr>
+            <a:cxnSpLocks/>
+          </p:cNvCxnSpPr>
+          <p:nvPr/>
+        </p:nvCxnSpPr>
+        <p:spPr>
+          <a:xfrm>
+            <a:off x="3363483" y="2389329"/>
+            <a:ext cx="0" cy="340442"/>
+          </a:xfrm>
+          <a:prstGeom prst="straightConnector1">
+            <a:avLst/>
+          </a:prstGeom>
+          <a:ln w="38100">
+            <a:solidFill>
+              <a:schemeClr val="tx1"/>
+            </a:solidFill>
+            <a:tailEnd type="triangle"/>
+          </a:ln>
+        </p:spPr>
+        <p:style>
+          <a:lnRef idx="1">
+            <a:schemeClr val="accent1"/>
+          </a:lnRef>
+          <a:fillRef idx="0">
+            <a:schemeClr val="accent1"/>
+          </a:fillRef>
+          <a:effectRef idx="0">
+            <a:schemeClr val="accent1"/>
+          </a:effectRef>
+          <a:fontRef idx="minor">
+            <a:schemeClr val="tx1"/>
+          </a:fontRef>
+        </p:style>
+      </p:cxnSp>
+      <p:sp>
+        <p:nvSpPr>
+          <p:cNvPr id="68" name="Rettangolo con angoli arrotondati 67">
+            <a:extLst>
+              <a:ext uri="{FF2B5EF4-FFF2-40B4-BE49-F238E27FC236}">
+                <a16:creationId xmlns:a16="http://schemas.microsoft.com/office/drawing/2014/main" id="{85F78BEF-1DB1-E2FB-AE45-BFB21137C0AD}"/>
+              </a:ext>
+            </a:extLst>
+          </p:cNvPr>
+          <p:cNvSpPr/>
+          <p:nvPr/>
+        </p:nvSpPr>
+        <p:spPr>
+          <a:xfrm>
+            <a:off x="8273038" y="4954867"/>
+            <a:ext cx="1381089" cy="400959"/>
+          </a:xfrm>
+          <a:prstGeom prst="roundRect">
+            <a:avLst/>
+          </a:prstGeom>
+          <a:solidFill>
+            <a:schemeClr val="accent6"/>
+          </a:solidFill>
+        </p:spPr>
+        <p:style>
+          <a:lnRef idx="2">
+            <a:schemeClr val="accent1">
+              <a:shade val="50000"/>
+            </a:schemeClr>
+          </a:lnRef>
+          <a:fillRef idx="1">
+            <a:schemeClr val="accent1"/>
+          </a:fillRef>
+          <a:effectRef idx="0">
+            <a:schemeClr val="accent1"/>
+          </a:effectRef>
+          <a:fontRef idx="minor">
+            <a:schemeClr val="lt1"/>
+          </a:fontRef>
+        </p:style>
+        <p:txBody>
+          <a:bodyPr rtlCol="0" anchor="ctr"/>
+          <a:lstStyle/>
+          <a:p>
+            <a:r>
+              <a:rPr lang="en-GB" sz="1463" dirty="0"/>
+              <a:t>Classifier</a:t>
+            </a:r>
+          </a:p>
+        </p:txBody>
+      </p:sp>
+      <p:cxnSp>
+        <p:nvCxnSpPr>
+          <p:cNvPr id="72" name="Connettore 2 71">
+            <a:extLst>
+              <a:ext uri="{FF2B5EF4-FFF2-40B4-BE49-F238E27FC236}">
+                <a16:creationId xmlns:a16="http://schemas.microsoft.com/office/drawing/2014/main" id="{84F432F4-9375-8DF3-4D28-7D40F0BE2C39}"/>
+              </a:ext>
+            </a:extLst>
+          </p:cNvPr>
+          <p:cNvCxnSpPr>
+            <a:cxnSpLocks/>
+          </p:cNvCxnSpPr>
+          <p:nvPr/>
+        </p:nvCxnSpPr>
+        <p:spPr>
+          <a:xfrm flipH="1" flipV="1">
+            <a:off x="7863223" y="4539495"/>
+            <a:ext cx="436965" cy="11722"/>
+          </a:xfrm>
+          <a:prstGeom prst="straightConnector1">
+            <a:avLst/>
+          </a:prstGeom>
+          <a:ln w="28575">
+            <a:solidFill>
+              <a:srgbClr val="00B0F0"/>
+            </a:solidFill>
+            <a:tailEnd type="triangle"/>
+          </a:ln>
+        </p:spPr>
+        <p:style>
+          <a:lnRef idx="1">
+            <a:schemeClr val="accent1"/>
+          </a:lnRef>
+          <a:fillRef idx="0">
+            <a:schemeClr val="accent1"/>
+          </a:fillRef>
+          <a:effectRef idx="0">
+            <a:schemeClr val="accent1"/>
+          </a:effectRef>
+          <a:fontRef idx="minor">
+            <a:schemeClr val="tx1"/>
+          </a:fontRef>
+        </p:style>
+      </p:cxnSp>
+      <p:sp>
+        <p:nvSpPr>
+          <p:cNvPr id="74" name="Rettangolo con angoli arrotondati 73">
+            <a:extLst>
+              <a:ext uri="{FF2B5EF4-FFF2-40B4-BE49-F238E27FC236}">
+                <a16:creationId xmlns:a16="http://schemas.microsoft.com/office/drawing/2014/main" id="{5BD6FCF5-852F-E83C-FB49-8F328511CD32}"/>
+              </a:ext>
+            </a:extLst>
+          </p:cNvPr>
+          <p:cNvSpPr/>
+          <p:nvPr/>
+        </p:nvSpPr>
+        <p:spPr>
+          <a:xfrm>
+            <a:off x="8259580" y="4411673"/>
+            <a:ext cx="1381089" cy="400959"/>
+          </a:xfrm>
+          <a:prstGeom prst="roundRect">
+            <a:avLst/>
+          </a:prstGeom>
+          <a:solidFill>
+            <a:schemeClr val="accent6"/>
+          </a:solidFill>
+        </p:spPr>
+        <p:style>
+          <a:lnRef idx="2">
+            <a:schemeClr val="accent1">
+              <a:shade val="50000"/>
+            </a:schemeClr>
+          </a:lnRef>
+          <a:fillRef idx="1">
+            <a:schemeClr val="accent1"/>
+          </a:fillRef>
+          <a:effectRef idx="0">
+            <a:schemeClr val="accent1"/>
+          </a:effectRef>
+          <a:fontRef idx="minor">
+            <a:schemeClr val="lt1"/>
+          </a:fontRef>
+        </p:style>
+        <p:txBody>
+          <a:bodyPr rtlCol="0" anchor="ctr"/>
+          <a:lstStyle/>
+          <a:p>
+            <a:r>
+              <a:rPr lang="en-GB" sz="1463" dirty="0"/>
+              <a:t>Stars</a:t>
+            </a:r>
+          </a:p>
+        </p:txBody>
+      </p:sp>
+      <p:cxnSp>
+        <p:nvCxnSpPr>
+          <p:cNvPr id="75" name="Connettore 2 74">
+            <a:extLst>
+              <a:ext uri="{FF2B5EF4-FFF2-40B4-BE49-F238E27FC236}">
+                <a16:creationId xmlns:a16="http://schemas.microsoft.com/office/drawing/2014/main" id="{8BE2EF35-0CB7-CCA6-29B2-5BB301D3EEE4}"/>
+              </a:ext>
+            </a:extLst>
+          </p:cNvPr>
+          <p:cNvCxnSpPr>
+            <a:cxnSpLocks/>
+          </p:cNvCxnSpPr>
+          <p:nvPr/>
+        </p:nvCxnSpPr>
+        <p:spPr>
+          <a:xfrm flipH="1">
+            <a:off x="7862367" y="5058429"/>
+            <a:ext cx="359619" cy="0"/>
+          </a:xfrm>
+          <a:prstGeom prst="straightConnector1">
+            <a:avLst/>
+          </a:prstGeom>
+          <a:ln w="28575">
+            <a:solidFill>
+              <a:schemeClr val="accent4"/>
+            </a:solidFill>
+            <a:tailEnd type="triangle"/>
+          </a:ln>
+        </p:spPr>
+        <p:style>
+          <a:lnRef idx="1">
+            <a:schemeClr val="accent1"/>
+          </a:lnRef>
+          <a:fillRef idx="0">
+            <a:schemeClr val="accent1"/>
+          </a:fillRef>
+          <a:effectRef idx="0">
+            <a:schemeClr val="accent1"/>
+          </a:effectRef>
+          <a:fontRef idx="minor">
+            <a:schemeClr val="tx1"/>
+          </a:fontRef>
+        </p:style>
+      </p:cxnSp>
+      <p:pic>
+        <p:nvPicPr>
+          <p:cNvPr id="82" name="Elemento grafico 81" descr="Valutazione in stelle con riempimento a tinta unita">
+            <a:extLst>
+              <a:ext uri="{FF2B5EF4-FFF2-40B4-BE49-F238E27FC236}">
+                <a16:creationId xmlns:a16="http://schemas.microsoft.com/office/drawing/2014/main" id="{9B4A6848-0ADD-9E96-37D8-726FCF453495}"/>
+              </a:ext>
+            </a:extLst>
+          </p:cNvPr>
+          <p:cNvPicPr>
+            <a:picLocks noChangeAspect="1"/>
+          </p:cNvPicPr>
+          <p:nvPr/>
+        </p:nvPicPr>
+        <p:blipFill>
+          <a:blip r:embed="rId6">
+            <a:extLst>
+              <a:ext uri="{96DAC541-7B7A-43D3-8B79-37D633B846F1}">
+                <asvg:svgBlip xmlns:asvg="http://schemas.microsoft.com/office/drawing/2016/SVG/main" r:embed="rId7"/>
+              </a:ext>
+            </a:extLst>
+          </a:blip>
+          <a:stretch>
+            <a:fillRect/>
+          </a:stretch>
+        </p:blipFill>
+        <p:spPr>
+          <a:xfrm>
+            <a:off x="8802469" y="4227897"/>
+            <a:ext cx="742950" cy="742950"/>
+          </a:xfrm>
+          <a:prstGeom prst="rect">
+            <a:avLst/>
+          </a:prstGeom>
+        </p:spPr>
+      </p:pic>
+      <p:pic>
+        <p:nvPicPr>
+          <p:cNvPr id="88" name="Elemento grafico 87" descr="Diagramma di Gantt con riempimento a tinta unita">
+            <a:extLst>
+              <a:ext uri="{FF2B5EF4-FFF2-40B4-BE49-F238E27FC236}">
+                <a16:creationId xmlns:a16="http://schemas.microsoft.com/office/drawing/2014/main" id="{7057CF94-EEA1-7EE4-0AF3-00EAADDA08F7}"/>
+              </a:ext>
+            </a:extLst>
+          </p:cNvPr>
+          <p:cNvPicPr>
+            <a:picLocks noChangeAspect="1"/>
+          </p:cNvPicPr>
+          <p:nvPr/>
+        </p:nvPicPr>
+        <p:blipFill>
+          <a:blip r:embed="rId8">
+            <a:extLst>
+              <a:ext uri="{96DAC541-7B7A-43D3-8B79-37D633B846F1}">
+                <asvg:svgBlip xmlns:asvg="http://schemas.microsoft.com/office/drawing/2016/SVG/main" r:embed="rId9"/>
+              </a:ext>
+            </a:extLst>
+          </a:blip>
+          <a:stretch>
+            <a:fillRect/>
+          </a:stretch>
+        </p:blipFill>
+        <p:spPr>
+          <a:xfrm>
+            <a:off x="3809390" y="2795984"/>
+            <a:ext cx="445383" cy="445383"/>
+          </a:xfrm>
+          <a:prstGeom prst="rect">
+            <a:avLst/>
+          </a:prstGeom>
+        </p:spPr>
+      </p:pic>
+      <p:pic>
+        <p:nvPicPr>
+          <p:cNvPr id="90" name="Elemento grafico 89" descr="Cronometro contorno">
+            <a:extLst>
+              <a:ext uri="{FF2B5EF4-FFF2-40B4-BE49-F238E27FC236}">
+                <a16:creationId xmlns:a16="http://schemas.microsoft.com/office/drawing/2014/main" id="{B0EF5BB8-AC97-2442-906C-490880C784D1}"/>
+              </a:ext>
+            </a:extLst>
+          </p:cNvPr>
+          <p:cNvPicPr>
+            <a:picLocks noChangeAspect="1"/>
+          </p:cNvPicPr>
+          <p:nvPr/>
+        </p:nvPicPr>
+        <p:blipFill>
+          <a:blip r:embed="rId10">
+            <a:extLst>
+              <a:ext uri="{96DAC541-7B7A-43D3-8B79-37D633B846F1}">
+                <asvg:svgBlip xmlns:asvg="http://schemas.microsoft.com/office/drawing/2016/SVG/main" r:embed="rId11"/>
+              </a:ext>
+            </a:extLst>
+          </a:blip>
+          <a:stretch>
+            <a:fillRect/>
+          </a:stretch>
+        </p:blipFill>
+        <p:spPr>
+          <a:xfrm>
+            <a:off x="5366284" y="2819270"/>
+            <a:ext cx="434691" cy="434691"/>
+          </a:xfrm>
+          <a:prstGeom prst="rect">
+            <a:avLst/>
+          </a:prstGeom>
+        </p:spPr>
+      </p:pic>
+      <p:sp>
+        <p:nvSpPr>
+          <p:cNvPr id="93" name="Rettangolo con angoli arrotondati 92">
+            <a:extLst>
+              <a:ext uri="{FF2B5EF4-FFF2-40B4-BE49-F238E27FC236}">
+                <a16:creationId xmlns:a16="http://schemas.microsoft.com/office/drawing/2014/main" id="{CF209D71-0074-BDF9-9BCE-E8991008DFFD}"/>
+              </a:ext>
+            </a:extLst>
+          </p:cNvPr>
+          <p:cNvSpPr/>
+          <p:nvPr/>
+        </p:nvSpPr>
+        <p:spPr>
+          <a:xfrm>
+            <a:off x="2472889" y="1842320"/>
+            <a:ext cx="7280711" cy="4863280"/>
+          </a:xfrm>
+          <a:prstGeom prst="roundRect">
+            <a:avLst/>
+          </a:prstGeom>
+          <a:noFill/>
+          <a:ln w="38100"/>
+        </p:spPr>
+        <p:style>
+          <a:lnRef idx="2">
+            <a:schemeClr val="accent1">
+              <a:shade val="50000"/>
+            </a:schemeClr>
+          </a:lnRef>
+          <a:fillRef idx="1">
+            <a:schemeClr val="accent1"/>
+          </a:fillRef>
+          <a:effectRef idx="0">
+            <a:schemeClr val="accent1"/>
+          </a:effectRef>
+          <a:fontRef idx="minor">
+            <a:schemeClr val="lt1"/>
+          </a:fontRef>
+        </p:style>
+        <p:txBody>
+          <a:bodyPr rtlCol="0" anchor="ctr"/>
+          <a:lstStyle/>
+          <a:p>
+            <a:pPr algn="ctr"/>
+            <a:endParaRPr lang="en-GB" sz="1463" dirty="0"/>
+          </a:p>
+        </p:txBody>
+      </p:sp>
+      <p:pic>
+        <p:nvPicPr>
+          <p:cNvPr id="94" name="Immagine 93">
+            <a:extLst>
+              <a:ext uri="{FF2B5EF4-FFF2-40B4-BE49-F238E27FC236}">
+                <a16:creationId xmlns:a16="http://schemas.microsoft.com/office/drawing/2014/main" id="{27B27B60-D4F3-261A-79D8-A35EB9D1C31E}"/>
+              </a:ext>
+            </a:extLst>
+          </p:cNvPr>
+          <p:cNvPicPr>
+            <a:picLocks noChangeAspect="1"/>
+          </p:cNvPicPr>
+          <p:nvPr/>
+        </p:nvPicPr>
+        <p:blipFill>
+          <a:blip r:embed="rId12"/>
+          <a:stretch>
+            <a:fillRect/>
+          </a:stretch>
+        </p:blipFill>
+        <p:spPr>
+          <a:xfrm>
+            <a:off x="7879954" y="6308834"/>
+            <a:ext cx="1283302" cy="304785"/>
+          </a:xfrm>
+          <a:prstGeom prst="rect">
+            <a:avLst/>
+          </a:prstGeom>
+        </p:spPr>
+      </p:pic>
+      <p:sp>
+        <p:nvSpPr>
+          <p:cNvPr id="105" name="Rettangolo con angoli arrotondati 104">
+            <a:extLst>
+              <a:ext uri="{FF2B5EF4-FFF2-40B4-BE49-F238E27FC236}">
+                <a16:creationId xmlns:a16="http://schemas.microsoft.com/office/drawing/2014/main" id="{849C8E0C-9B9D-7921-C2CB-43B1969E1B73}"/>
+              </a:ext>
+            </a:extLst>
+          </p:cNvPr>
+          <p:cNvSpPr/>
+          <p:nvPr/>
+        </p:nvSpPr>
+        <p:spPr>
+          <a:xfrm>
+            <a:off x="288470" y="1911719"/>
+            <a:ext cx="1630699" cy="2348768"/>
+          </a:xfrm>
+          <a:prstGeom prst="roundRect">
+            <a:avLst/>
+          </a:prstGeom>
+          <a:noFill/>
+          <a:ln w="28575"/>
+        </p:spPr>
+        <p:style>
+          <a:lnRef idx="2">
+            <a:schemeClr val="accent1">
+              <a:shade val="50000"/>
+            </a:schemeClr>
+          </a:lnRef>
+          <a:fillRef idx="1">
+            <a:schemeClr val="accent1"/>
+          </a:fillRef>
+          <a:effectRef idx="0">
+            <a:schemeClr val="accent1"/>
+          </a:effectRef>
+          <a:fontRef idx="minor">
+            <a:schemeClr val="lt1"/>
+          </a:fontRef>
+        </p:style>
+        <p:txBody>
+          <a:bodyPr rtlCol="0" anchor="ctr"/>
+          <a:lstStyle/>
+          <a:p>
+            <a:pPr algn="ctr"/>
+            <a:endParaRPr lang="en-GB" sz="1463" dirty="0">
+              <a:solidFill>
+                <a:srgbClr val="FFFF00"/>
+              </a:solidFill>
+            </a:endParaRPr>
+          </a:p>
+        </p:txBody>
+      </p:sp>
+      <p:pic>
+        <p:nvPicPr>
+          <p:cNvPr id="108" name="Elemento grafico 107" descr="Smartphone con riempimento a tinta unita">
+            <a:extLst>
+              <a:ext uri="{FF2B5EF4-FFF2-40B4-BE49-F238E27FC236}">
+                <a16:creationId xmlns:a16="http://schemas.microsoft.com/office/drawing/2014/main" id="{BF51F678-7AAC-BEDC-9448-C35C92186E01}"/>
+              </a:ext>
+            </a:extLst>
+          </p:cNvPr>
+          <p:cNvPicPr>
+            <a:picLocks noChangeAspect="1"/>
+          </p:cNvPicPr>
+          <p:nvPr/>
+        </p:nvPicPr>
+        <p:blipFill>
+          <a:blip r:embed="rId13">
+            <a:extLst>
+              <a:ext uri="{96DAC541-7B7A-43D3-8B79-37D633B846F1}">
+                <asvg:svgBlip xmlns:asvg="http://schemas.microsoft.com/office/drawing/2016/SVG/main" r:embed="rId14"/>
+              </a:ext>
+            </a:extLst>
+          </a:blip>
+          <a:stretch>
+            <a:fillRect/>
+          </a:stretch>
+        </p:blipFill>
+        <p:spPr>
+          <a:xfrm flipH="1">
+            <a:off x="451900" y="1435844"/>
+            <a:ext cx="348766" cy="348766"/>
+          </a:xfrm>
+          <a:prstGeom prst="rect">
+            <a:avLst/>
+          </a:prstGeom>
+        </p:spPr>
+      </p:pic>
+      <p:pic>
+        <p:nvPicPr>
+          <p:cNvPr id="110" name="Elemento grafico 109" descr="Portatile con riempimento a tinta unita">
+            <a:extLst>
+              <a:ext uri="{FF2B5EF4-FFF2-40B4-BE49-F238E27FC236}">
+                <a16:creationId xmlns:a16="http://schemas.microsoft.com/office/drawing/2014/main" id="{8066E5AB-DD63-52A4-9316-B0F5451501A0}"/>
+              </a:ext>
+            </a:extLst>
+          </p:cNvPr>
+          <p:cNvPicPr>
+            <a:picLocks noChangeAspect="1"/>
+          </p:cNvPicPr>
+          <p:nvPr/>
+        </p:nvPicPr>
+        <p:blipFill>
+          <a:blip r:embed="rId15">
+            <a:extLst>
+              <a:ext uri="{96DAC541-7B7A-43D3-8B79-37D633B846F1}">
+                <asvg:svgBlip xmlns:asvg="http://schemas.microsoft.com/office/drawing/2016/SVG/main" r:embed="rId16"/>
+              </a:ext>
+            </a:extLst>
+          </a:blip>
+          <a:stretch>
+            <a:fillRect/>
+          </a:stretch>
+        </p:blipFill>
+        <p:spPr>
+          <a:xfrm flipH="1">
+            <a:off x="1235687" y="1474994"/>
+            <a:ext cx="348766" cy="348766"/>
+          </a:xfrm>
+          <a:prstGeom prst="rect">
+            <a:avLst/>
+          </a:prstGeom>
+        </p:spPr>
+      </p:pic>
+      <p:pic>
+        <p:nvPicPr>
+          <p:cNvPr id="112" name="Elemento grafico 111" descr="Computer con riempimento a tinta unita">
+            <a:extLst>
+              <a:ext uri="{FF2B5EF4-FFF2-40B4-BE49-F238E27FC236}">
+                <a16:creationId xmlns:a16="http://schemas.microsoft.com/office/drawing/2014/main" id="{3E071E82-2D96-6483-5B81-5769B9F3376C}"/>
+              </a:ext>
+            </a:extLst>
+          </p:cNvPr>
+          <p:cNvPicPr>
+            <a:picLocks noChangeAspect="1"/>
+          </p:cNvPicPr>
+          <p:nvPr/>
+        </p:nvPicPr>
+        <p:blipFill>
+          <a:blip r:embed="rId17">
+            <a:extLst>
+              <a:ext uri="{96DAC541-7B7A-43D3-8B79-37D633B846F1}">
+                <asvg:svgBlip xmlns:asvg="http://schemas.microsoft.com/office/drawing/2016/SVG/main" r:embed="rId18"/>
+              </a:ext>
+            </a:extLst>
+          </a:blip>
+          <a:stretch>
+            <a:fillRect/>
+          </a:stretch>
+        </p:blipFill>
+        <p:spPr>
+          <a:xfrm flipH="1">
+            <a:off x="832711" y="1474994"/>
+            <a:ext cx="348766" cy="348766"/>
+          </a:xfrm>
+          <a:prstGeom prst="rect">
+            <a:avLst/>
+          </a:prstGeom>
+        </p:spPr>
+      </p:pic>
+      <p:pic>
+        <p:nvPicPr>
+          <p:cNvPr id="57" name="Immagine 56">
+            <a:extLst>
+              <a:ext uri="{FF2B5EF4-FFF2-40B4-BE49-F238E27FC236}">
+                <a16:creationId xmlns:a16="http://schemas.microsoft.com/office/drawing/2014/main" id="{A9B2CC82-0CCA-840B-5E98-3020E8F3DB47}"/>
+              </a:ext>
+            </a:extLst>
+          </p:cNvPr>
+          <p:cNvPicPr>
+            <a:picLocks noChangeAspect="1"/>
+          </p:cNvPicPr>
+          <p:nvPr/>
+        </p:nvPicPr>
+        <p:blipFill>
+          <a:blip r:embed="rId19">
+            <a:extLst>
+              <a:ext uri="{28A0092B-C50C-407E-A947-70E740481C1C}">
+                <a14:useLocalDpi xmlns:a14="http://schemas.microsoft.com/office/drawing/2010/main" val="0"/>
+              </a:ext>
+            </a:extLst>
+          </a:blip>
+          <a:stretch>
+            <a:fillRect/>
+          </a:stretch>
+        </p:blipFill>
+        <p:spPr>
+          <a:xfrm>
+            <a:off x="431372" y="2409716"/>
+            <a:ext cx="1356979" cy="1703442"/>
+          </a:xfrm>
+          <a:prstGeom prst="rect">
+            <a:avLst/>
+          </a:prstGeom>
+        </p:spPr>
+      </p:pic>
+      <p:pic>
+        <p:nvPicPr>
+          <p:cNvPr id="60" name="Immagine 59">
+            <a:extLst>
+              <a:ext uri="{FF2B5EF4-FFF2-40B4-BE49-F238E27FC236}">
+                <a16:creationId xmlns:a16="http://schemas.microsoft.com/office/drawing/2014/main" id="{D1D4664E-D40D-FAFE-C781-C7B20C2181A6}"/>
+              </a:ext>
+            </a:extLst>
+          </p:cNvPr>
+          <p:cNvPicPr>
+            <a:picLocks noChangeAspect="1"/>
+          </p:cNvPicPr>
+          <p:nvPr/>
+        </p:nvPicPr>
+        <p:blipFill>
+          <a:blip r:embed="rId20"/>
+          <a:stretch>
+            <a:fillRect/>
+          </a:stretch>
+        </p:blipFill>
+        <p:spPr>
+          <a:xfrm>
+            <a:off x="451073" y="2084694"/>
+            <a:ext cx="1286196" cy="248822"/>
+          </a:xfrm>
+          <a:prstGeom prst="rect">
+            <a:avLst/>
+          </a:prstGeom>
+        </p:spPr>
+      </p:pic>
+      <p:pic>
+        <p:nvPicPr>
+          <p:cNvPr id="3" name="Elemento grafico 2" descr="Intelligenza artificiale contorno">
+            <a:extLst>
+              <a:ext uri="{FF2B5EF4-FFF2-40B4-BE49-F238E27FC236}">
+                <a16:creationId xmlns:a16="http://schemas.microsoft.com/office/drawing/2014/main" id="{A80CAA3E-8046-340B-4DC7-A4CBB4869B79}"/>
+              </a:ext>
+            </a:extLst>
+          </p:cNvPr>
+          <p:cNvPicPr>
+            <a:picLocks noChangeAspect="1"/>
+          </p:cNvPicPr>
+          <p:nvPr/>
+        </p:nvPicPr>
+        <p:blipFill>
+          <a:blip r:embed="rId21">
+            <a:extLst>
+              <a:ext uri="{96DAC541-7B7A-43D3-8B79-37D633B846F1}">
+                <asvg:svgBlip xmlns:asvg="http://schemas.microsoft.com/office/drawing/2016/SVG/main" r:embed="rId22"/>
+              </a:ext>
+            </a:extLst>
+          </a:blip>
+          <a:stretch>
+            <a:fillRect/>
+          </a:stretch>
+        </p:blipFill>
+        <p:spPr>
+          <a:xfrm>
+            <a:off x="9236168" y="4996408"/>
+            <a:ext cx="327576" cy="327576"/>
+          </a:xfrm>
+          <a:prstGeom prst="rect">
+            <a:avLst/>
+          </a:prstGeom>
+        </p:spPr>
+      </p:pic>
+      <p:sp>
+        <p:nvSpPr>
+          <p:cNvPr id="64" name="Rettangolo con angoli arrotondati 63">
+            <a:extLst>
+              <a:ext uri="{FF2B5EF4-FFF2-40B4-BE49-F238E27FC236}">
+                <a16:creationId xmlns:a16="http://schemas.microsoft.com/office/drawing/2014/main" id="{D787AA55-C671-301E-BD93-DFA4BCCEC9E4}"/>
+              </a:ext>
+            </a:extLst>
+          </p:cNvPr>
+          <p:cNvSpPr/>
+          <p:nvPr/>
+        </p:nvSpPr>
+        <p:spPr>
+          <a:xfrm>
+            <a:off x="451880" y="4647003"/>
+            <a:ext cx="1260995" cy="455580"/>
+          </a:xfrm>
+          <a:prstGeom prst="roundRect">
+            <a:avLst/>
+          </a:prstGeom>
+          <a:solidFill>
+            <a:schemeClr val="accent2"/>
+          </a:solidFill>
+          <a:ln>
+            <a:solidFill>
+              <a:schemeClr val="accent4"/>
+            </a:solidFill>
+          </a:ln>
+        </p:spPr>
+        <p:style>
+          <a:lnRef idx="2">
+            <a:schemeClr val="accent1">
+              <a:shade val="50000"/>
+            </a:schemeClr>
+          </a:lnRef>
+          <a:fillRef idx="1">
+            <a:schemeClr val="accent1"/>
+          </a:fillRef>
+          <a:effectRef idx="0">
+            <a:schemeClr val="accent1"/>
+          </a:effectRef>
+          <a:fontRef idx="minor">
+            <a:schemeClr val="lt1"/>
+          </a:fontRef>
+        </p:style>
+        <p:txBody>
+          <a:bodyPr rtlCol="0" anchor="ctr"/>
+          <a:lstStyle/>
+          <a:p>
+            <a:pPr algn="ctr"/>
+            <a:r>
+              <a:rPr lang="en-GB" sz="1463" dirty="0"/>
+              <a:t>AW Adapter</a:t>
+            </a:r>
+          </a:p>
+        </p:txBody>
+      </p:sp>
+      <p:sp>
+        <p:nvSpPr>
+          <p:cNvPr id="73" name="Rettangolo con angoli arrotondati 72">
+            <a:extLst>
+              <a:ext uri="{FF2B5EF4-FFF2-40B4-BE49-F238E27FC236}">
+                <a16:creationId xmlns:a16="http://schemas.microsoft.com/office/drawing/2014/main" id="{E7617A4E-9197-B653-347C-7D9A0AA97279}"/>
+              </a:ext>
+            </a:extLst>
+          </p:cNvPr>
+          <p:cNvSpPr/>
+          <p:nvPr/>
+        </p:nvSpPr>
+        <p:spPr>
+          <a:xfrm>
+            <a:off x="7620000" y="2055418"/>
+            <a:ext cx="1152973" cy="1239325"/>
+          </a:xfrm>
+          <a:prstGeom prst="roundRect">
+            <a:avLst/>
+          </a:prstGeom>
+          <a:ln>
+            <a:solidFill>
+              <a:schemeClr val="accent4"/>
+            </a:solidFill>
+          </a:ln>
+        </p:spPr>
+        <p:style>
+          <a:lnRef idx="2">
+            <a:schemeClr val="accent1">
+              <a:shade val="50000"/>
+            </a:schemeClr>
+          </a:lnRef>
+          <a:fillRef idx="1">
+            <a:schemeClr val="accent1"/>
+          </a:fillRef>
+          <a:effectRef idx="0">
+            <a:schemeClr val="accent1"/>
+          </a:effectRef>
+          <a:fontRef idx="minor">
+            <a:schemeClr val="lt1"/>
+          </a:fontRef>
+        </p:style>
+        <p:txBody>
+          <a:bodyPr rtlCol="0" anchor="t"/>
+          <a:lstStyle/>
+          <a:p>
+            <a:pPr algn="ctr"/>
+            <a:r>
+              <a:rPr lang="en-GB" sz="1463" dirty="0"/>
+              <a:t>Ontochain Adapter</a:t>
+            </a:r>
+          </a:p>
+        </p:txBody>
+      </p:sp>
+      <p:sp>
+        <p:nvSpPr>
+          <p:cNvPr id="85" name="Rettangolo con angoli arrotondati 84">
+            <a:extLst>
+              <a:ext uri="{FF2B5EF4-FFF2-40B4-BE49-F238E27FC236}">
+                <a16:creationId xmlns:a16="http://schemas.microsoft.com/office/drawing/2014/main" id="{7EDB54A1-6D22-6A42-4598-F5D4D15FD01C}"/>
+              </a:ext>
+            </a:extLst>
+          </p:cNvPr>
+          <p:cNvSpPr/>
+          <p:nvPr/>
+        </p:nvSpPr>
+        <p:spPr>
+          <a:xfrm>
+            <a:off x="3363483" y="1178994"/>
+            <a:ext cx="5731370" cy="502152"/>
+          </a:xfrm>
+          <a:prstGeom prst="roundRect">
+            <a:avLst/>
+          </a:prstGeom>
+          <a:noFill/>
+          <a:ln w="38100"/>
+        </p:spPr>
+        <p:style>
+          <a:lnRef idx="2">
+            <a:schemeClr val="accent1">
+              <a:shade val="50000"/>
+            </a:schemeClr>
+          </a:lnRef>
+          <a:fillRef idx="1">
+            <a:schemeClr val="accent1"/>
+          </a:fillRef>
+          <a:effectRef idx="0">
+            <a:schemeClr val="accent1"/>
+          </a:effectRef>
+          <a:fontRef idx="minor">
+            <a:schemeClr val="lt1"/>
+          </a:fontRef>
+        </p:style>
+        <p:txBody>
+          <a:bodyPr rtlCol="0" anchor="ctr"/>
+          <a:lstStyle/>
+          <a:p>
+            <a:pPr algn="ctr"/>
+            <a:endParaRPr lang="en-GB" sz="1463" dirty="0"/>
+          </a:p>
+        </p:txBody>
+      </p:sp>
+      <p:pic>
+        <p:nvPicPr>
+          <p:cNvPr id="48" name="Elemento grafico 47" descr="Ragnatela con riempimento a tinta unita">
+            <a:extLst>
+              <a:ext uri="{FF2B5EF4-FFF2-40B4-BE49-F238E27FC236}">
+                <a16:creationId xmlns:a16="http://schemas.microsoft.com/office/drawing/2014/main" id="{930F2C65-6EFB-86C5-3987-1D6FD32D67AB}"/>
+              </a:ext>
+            </a:extLst>
+          </p:cNvPr>
+          <p:cNvPicPr>
+            <a:picLocks noChangeAspect="1"/>
+          </p:cNvPicPr>
+          <p:nvPr/>
+        </p:nvPicPr>
+        <p:blipFill>
+          <a:blip r:embed="rId23">
+            <a:extLst>
+              <a:ext uri="{96DAC541-7B7A-43D3-8B79-37D633B846F1}">
+                <asvg:svgBlip xmlns:asvg="http://schemas.microsoft.com/office/drawing/2016/SVG/main" r:embed="rId24"/>
+              </a:ext>
+            </a:extLst>
+          </a:blip>
+          <a:stretch>
+            <a:fillRect/>
+          </a:stretch>
+        </p:blipFill>
+        <p:spPr>
+          <a:xfrm>
+            <a:off x="7375070" y="1233338"/>
+            <a:ext cx="416039" cy="416039"/>
+          </a:xfrm>
+          <a:prstGeom prst="rect">
+            <a:avLst/>
+          </a:prstGeom>
+        </p:spPr>
+      </p:pic>
+      <p:sp>
+        <p:nvSpPr>
+          <p:cNvPr id="49" name="CasellaDiTesto 48">
+            <a:extLst>
+              <a:ext uri="{FF2B5EF4-FFF2-40B4-BE49-F238E27FC236}">
+                <a16:creationId xmlns:a16="http://schemas.microsoft.com/office/drawing/2014/main" id="{AC7372CF-F7F6-82DE-FE67-09BA4D43461A}"/>
+              </a:ext>
+            </a:extLst>
+          </p:cNvPr>
+          <p:cNvSpPr txBox="1"/>
+          <p:nvPr/>
+        </p:nvSpPr>
+        <p:spPr>
+          <a:xfrm>
+            <a:off x="7720525" y="1280029"/>
+            <a:ext cx="1222194" cy="317459"/>
+          </a:xfrm>
+          <a:prstGeom prst="rect">
+            <a:avLst/>
+          </a:prstGeom>
+          <a:noFill/>
+        </p:spPr>
+        <p:txBody>
+          <a:bodyPr wrap="none" rtlCol="0">
+            <a:spAutoFit/>
+          </a:bodyPr>
+          <a:lstStyle/>
+          <a:p>
+            <a:r>
+              <a:rPr lang="en-GB" sz="1463" b="1" dirty="0"/>
+              <a:t>My2SecDApp</a:t>
+            </a:r>
+          </a:p>
+        </p:txBody>
+      </p:sp>
+      <p:pic>
+        <p:nvPicPr>
+          <p:cNvPr id="95" name="Elemento grafico 94" descr="Successo di gruppo contorno">
+            <a:extLst>
+              <a:ext uri="{FF2B5EF4-FFF2-40B4-BE49-F238E27FC236}">
+                <a16:creationId xmlns:a16="http://schemas.microsoft.com/office/drawing/2014/main" id="{729AD5F6-44FE-9B0D-7BE6-0F2FF684D27F}"/>
+              </a:ext>
+            </a:extLst>
+          </p:cNvPr>
+          <p:cNvPicPr>
+            <a:picLocks noChangeAspect="1"/>
+          </p:cNvPicPr>
+          <p:nvPr/>
+        </p:nvPicPr>
+        <p:blipFill>
+          <a:blip r:embed="rId25">
+            <a:extLst>
+              <a:ext uri="{28A0092B-C50C-407E-A947-70E740481C1C}">
+                <a14:useLocalDpi xmlns:a14="http://schemas.microsoft.com/office/drawing/2010/main" val="0"/>
+              </a:ext>
+              <a:ext uri="{96DAC541-7B7A-43D3-8B79-37D633B846F1}">
+                <asvg:svgBlip xmlns:asvg="http://schemas.microsoft.com/office/drawing/2016/SVG/main" r:embed="rId26"/>
+              </a:ext>
+            </a:extLst>
+          </a:blip>
+          <a:stretch>
+            <a:fillRect/>
+          </a:stretch>
+        </p:blipFill>
+        <p:spPr>
+          <a:xfrm>
+            <a:off x="499431" y="372647"/>
+            <a:ext cx="1056919" cy="1056919"/>
+          </a:xfrm>
+          <a:prstGeom prst="rect">
+            <a:avLst/>
+          </a:prstGeom>
+        </p:spPr>
+      </p:pic>
+      <p:sp>
+        <p:nvSpPr>
+          <p:cNvPr id="99" name="CasellaDiTesto 98">
+            <a:extLst>
+              <a:ext uri="{FF2B5EF4-FFF2-40B4-BE49-F238E27FC236}">
+                <a16:creationId xmlns:a16="http://schemas.microsoft.com/office/drawing/2014/main" id="{B05DE287-5D96-E3AD-6B5B-C5716F059D0C}"/>
+              </a:ext>
+            </a:extLst>
+          </p:cNvPr>
+          <p:cNvSpPr txBox="1"/>
+          <p:nvPr/>
+        </p:nvSpPr>
+        <p:spPr>
+          <a:xfrm>
+            <a:off x="313543" y="138594"/>
+            <a:ext cx="1675459" cy="317459"/>
+          </a:xfrm>
+          <a:prstGeom prst="rect">
+            <a:avLst/>
+          </a:prstGeom>
+          <a:noFill/>
+        </p:spPr>
+        <p:txBody>
+          <a:bodyPr wrap="none" rtlCol="0">
+            <a:spAutoFit/>
+          </a:bodyPr>
+          <a:lstStyle/>
+          <a:p>
+            <a:r>
+              <a:rPr lang="it-IT" sz="1463" b="1" dirty="0">
+                <a:solidFill>
+                  <a:schemeClr val="accent1"/>
+                </a:solidFill>
+                <a:latin typeface="Montserrat" pitchFamily="2" charset="77"/>
+              </a:rPr>
+              <a:t>Smart Workers</a:t>
+            </a:r>
+          </a:p>
+        </p:txBody>
+      </p:sp>
+      <p:pic>
+        <p:nvPicPr>
+          <p:cNvPr id="117" name="Immagine 116">
+            <a:extLst>
+              <a:ext uri="{FF2B5EF4-FFF2-40B4-BE49-F238E27FC236}">
+                <a16:creationId xmlns:a16="http://schemas.microsoft.com/office/drawing/2014/main" id="{1174FB36-DAE8-5977-2D68-6DEAFE72251D}"/>
+              </a:ext>
+            </a:extLst>
+          </p:cNvPr>
+          <p:cNvPicPr>
+            <a:picLocks noChangeAspect="1"/>
+          </p:cNvPicPr>
+          <p:nvPr/>
+        </p:nvPicPr>
+        <p:blipFill>
+          <a:blip r:embed="rId27"/>
+          <a:stretch>
+            <a:fillRect/>
+          </a:stretch>
+        </p:blipFill>
+        <p:spPr>
+          <a:xfrm>
+            <a:off x="5527591" y="1604697"/>
+            <a:ext cx="546768" cy="546768"/>
+          </a:xfrm>
+          <a:prstGeom prst="rect">
+            <a:avLst/>
+          </a:prstGeom>
+        </p:spPr>
+      </p:pic>
+      <p:sp>
+        <p:nvSpPr>
+          <p:cNvPr id="121" name="CasellaDiTesto 120">
+            <a:extLst>
+              <a:ext uri="{FF2B5EF4-FFF2-40B4-BE49-F238E27FC236}">
+                <a16:creationId xmlns:a16="http://schemas.microsoft.com/office/drawing/2014/main" id="{CF20300E-589F-D470-A41D-CA08BF2A8D17}"/>
+              </a:ext>
+            </a:extLst>
+          </p:cNvPr>
+          <p:cNvSpPr txBox="1"/>
+          <p:nvPr/>
+        </p:nvSpPr>
+        <p:spPr>
+          <a:xfrm>
+            <a:off x="3906559" y="142321"/>
+            <a:ext cx="742951" cy="317459"/>
+          </a:xfrm>
+          <a:prstGeom prst="rect">
+            <a:avLst/>
+          </a:prstGeom>
+          <a:noFill/>
+        </p:spPr>
+        <p:txBody>
+          <a:bodyPr wrap="square" rtlCol="0">
+            <a:spAutoFit/>
+          </a:bodyPr>
+          <a:lstStyle/>
+          <a:p>
+            <a:r>
+              <a:rPr lang="it-IT" sz="1463" b="1" dirty="0">
+                <a:solidFill>
+                  <a:schemeClr val="accent1"/>
+                </a:solidFill>
+                <a:latin typeface="Montserrat" pitchFamily="2" charset="77"/>
+              </a:rPr>
+              <a:t>PM</a:t>
+            </a:r>
+          </a:p>
+        </p:txBody>
+      </p:sp>
+      <p:pic>
+        <p:nvPicPr>
+          <p:cNvPr id="123" name="Elemento grafico 122" descr="Impiegata con riempimento a tinta unita">
+            <a:extLst>
+              <a:ext uri="{FF2B5EF4-FFF2-40B4-BE49-F238E27FC236}">
+                <a16:creationId xmlns:a16="http://schemas.microsoft.com/office/drawing/2014/main" id="{A728BC3A-60D8-2188-7A23-512161C17209}"/>
+              </a:ext>
+            </a:extLst>
+          </p:cNvPr>
+          <p:cNvPicPr>
+            <a:picLocks noChangeAspect="1"/>
+          </p:cNvPicPr>
+          <p:nvPr/>
+        </p:nvPicPr>
+        <p:blipFill>
+          <a:blip r:embed="rId28">
+            <a:extLst>
+              <a:ext uri="{96DAC541-7B7A-43D3-8B79-37D633B846F1}">
+                <asvg:svgBlip xmlns:asvg="http://schemas.microsoft.com/office/drawing/2016/SVG/main" r:embed="rId29"/>
+              </a:ext>
+            </a:extLst>
+          </a:blip>
+          <a:stretch>
+            <a:fillRect/>
+          </a:stretch>
+        </p:blipFill>
+        <p:spPr>
+          <a:xfrm>
+            <a:off x="7720525" y="425313"/>
+            <a:ext cx="742950" cy="742950"/>
+          </a:xfrm>
+          <a:prstGeom prst="rect">
+            <a:avLst/>
+          </a:prstGeom>
+        </p:spPr>
+      </p:pic>
+      <p:pic>
+        <p:nvPicPr>
+          <p:cNvPr id="125" name="Elemento grafico 124" descr="Programmatrice con riempimento a tinta unita">
+            <a:extLst>
+              <a:ext uri="{FF2B5EF4-FFF2-40B4-BE49-F238E27FC236}">
+                <a16:creationId xmlns:a16="http://schemas.microsoft.com/office/drawing/2014/main" id="{24A9C8DB-004C-5382-CD8F-A225E61E620E}"/>
+              </a:ext>
+            </a:extLst>
+          </p:cNvPr>
+          <p:cNvPicPr>
+            <a:picLocks noChangeAspect="1"/>
+          </p:cNvPicPr>
+          <p:nvPr/>
+        </p:nvPicPr>
+        <p:blipFill>
+          <a:blip r:embed="rId30">
+            <a:extLst>
+              <a:ext uri="{96DAC541-7B7A-43D3-8B79-37D633B846F1}">
+                <asvg:svgBlip xmlns:asvg="http://schemas.microsoft.com/office/drawing/2016/SVG/main" r:embed="rId31"/>
+              </a:ext>
+            </a:extLst>
+          </a:blip>
+          <a:stretch>
+            <a:fillRect/>
+          </a:stretch>
+        </p:blipFill>
+        <p:spPr>
+          <a:xfrm>
+            <a:off x="5872480" y="381690"/>
+            <a:ext cx="742950" cy="742950"/>
+          </a:xfrm>
+          <a:prstGeom prst="rect">
+            <a:avLst/>
+          </a:prstGeom>
+        </p:spPr>
+      </p:pic>
+      <p:pic>
+        <p:nvPicPr>
+          <p:cNvPr id="127" name="Elemento grafico 126" descr="Impiegato con riempimento a tinta unita">
+            <a:extLst>
+              <a:ext uri="{FF2B5EF4-FFF2-40B4-BE49-F238E27FC236}">
+                <a16:creationId xmlns:a16="http://schemas.microsoft.com/office/drawing/2014/main" id="{951C8747-5C39-3CC0-D8B2-E8910C4F79C4}"/>
+              </a:ext>
+            </a:extLst>
+          </p:cNvPr>
+          <p:cNvPicPr>
+            <a:picLocks noChangeAspect="1"/>
+          </p:cNvPicPr>
+          <p:nvPr/>
+        </p:nvPicPr>
+        <p:blipFill>
+          <a:blip r:embed="rId32">
+            <a:extLst>
+              <a:ext uri="{96DAC541-7B7A-43D3-8B79-37D633B846F1}">
+                <asvg:svgBlip xmlns:asvg="http://schemas.microsoft.com/office/drawing/2016/SVG/main" r:embed="rId33"/>
+              </a:ext>
+            </a:extLst>
+          </a:blip>
+          <a:stretch>
+            <a:fillRect/>
+          </a:stretch>
+        </p:blipFill>
+        <p:spPr>
+          <a:xfrm>
+            <a:off x="3788684" y="430248"/>
+            <a:ext cx="742950" cy="742950"/>
+          </a:xfrm>
+          <a:prstGeom prst="rect">
+            <a:avLst/>
+          </a:prstGeom>
+        </p:spPr>
+      </p:pic>
+      <p:sp>
+        <p:nvSpPr>
+          <p:cNvPr id="128" name="CasellaDiTesto 127">
+            <a:extLst>
+              <a:ext uri="{FF2B5EF4-FFF2-40B4-BE49-F238E27FC236}">
+                <a16:creationId xmlns:a16="http://schemas.microsoft.com/office/drawing/2014/main" id="{B9E11312-CD06-8EBD-8D11-9E4D6BEBB293}"/>
+              </a:ext>
+            </a:extLst>
+          </p:cNvPr>
+          <p:cNvSpPr txBox="1"/>
+          <p:nvPr/>
+        </p:nvSpPr>
+        <p:spPr>
+          <a:xfrm>
+            <a:off x="5105400" y="139741"/>
+            <a:ext cx="2162943" cy="317459"/>
+          </a:xfrm>
+          <a:prstGeom prst="rect">
+            <a:avLst/>
+          </a:prstGeom>
+          <a:noFill/>
+        </p:spPr>
+        <p:txBody>
+          <a:bodyPr wrap="square" rtlCol="0">
+            <a:spAutoFit/>
+          </a:bodyPr>
+          <a:lstStyle/>
+          <a:p>
+            <a:r>
+              <a:rPr lang="it-IT" sz="1463" b="1" dirty="0">
+                <a:solidFill>
+                  <a:schemeClr val="accent1"/>
+                </a:solidFill>
+                <a:latin typeface="Montserrat" pitchFamily="2" charset="77"/>
+              </a:rPr>
+              <a:t>Data scientists (KPI)</a:t>
+            </a:r>
+          </a:p>
+        </p:txBody>
+      </p:sp>
+      <p:sp>
+        <p:nvSpPr>
+          <p:cNvPr id="129" name="CasellaDiTesto 128">
+            <a:extLst>
+              <a:ext uri="{FF2B5EF4-FFF2-40B4-BE49-F238E27FC236}">
+                <a16:creationId xmlns:a16="http://schemas.microsoft.com/office/drawing/2014/main" id="{B3099D0D-6EB8-E55C-75C2-AB4444B5CFC0}"/>
+              </a:ext>
+            </a:extLst>
+          </p:cNvPr>
+          <p:cNvSpPr txBox="1"/>
+          <p:nvPr/>
+        </p:nvSpPr>
+        <p:spPr>
+          <a:xfrm>
+            <a:off x="7868317" y="128624"/>
+            <a:ext cx="507563" cy="317459"/>
+          </a:xfrm>
+          <a:prstGeom prst="rect">
+            <a:avLst/>
+          </a:prstGeom>
+          <a:noFill/>
+        </p:spPr>
+        <p:txBody>
+          <a:bodyPr wrap="square" rtlCol="0">
+            <a:spAutoFit/>
+          </a:bodyPr>
+          <a:lstStyle/>
+          <a:p>
+            <a:r>
+              <a:rPr lang="it-IT" sz="1463" b="1" dirty="0">
+                <a:solidFill>
+                  <a:schemeClr val="accent1"/>
+                </a:solidFill>
+                <a:latin typeface="Montserrat" pitchFamily="2" charset="77"/>
+              </a:rPr>
+              <a:t>HR</a:t>
+            </a:r>
+          </a:p>
+        </p:txBody>
+      </p:sp>
+      <p:grpSp>
+        <p:nvGrpSpPr>
+          <p:cNvPr id="130" name="Gruppo 129">
+            <a:extLst>
+              <a:ext uri="{FF2B5EF4-FFF2-40B4-BE49-F238E27FC236}">
+                <a16:creationId xmlns:a16="http://schemas.microsoft.com/office/drawing/2014/main" id="{89722132-DAE0-0AEA-CF5E-FC016D680EDA}"/>
+              </a:ext>
+            </a:extLst>
+          </p:cNvPr>
+          <p:cNvGrpSpPr/>
+          <p:nvPr/>
+        </p:nvGrpSpPr>
+        <p:grpSpPr>
+          <a:xfrm rot="19651638">
+            <a:off x="1916785" y="1492435"/>
+            <a:ext cx="1486907" cy="442429"/>
+            <a:chOff x="7788908" y="466854"/>
+            <a:chExt cx="1830039" cy="544528"/>
+          </a:xfrm>
+        </p:grpSpPr>
+        <p:sp>
+          <p:nvSpPr>
+            <p:cNvPr id="131" name="CasellaDiTesto 130">
+              <a:extLst>
+                <a:ext uri="{FF2B5EF4-FFF2-40B4-BE49-F238E27FC236}">
+                  <a16:creationId xmlns:a16="http://schemas.microsoft.com/office/drawing/2014/main" id="{7F9EE925-BA09-3BF6-C5F1-88938616B7D9}"/>
+                </a:ext>
+              </a:extLst>
+            </p:cNvPr>
+            <p:cNvSpPr txBox="1"/>
+            <p:nvPr/>
+          </p:nvSpPr>
+          <p:spPr>
+            <a:xfrm>
+              <a:off x="8225666" y="466854"/>
+              <a:ext cx="1393281" cy="544528"/>
+            </a:xfrm>
+            <a:prstGeom prst="rect">
+              <a:avLst/>
+            </a:prstGeom>
+            <a:noFill/>
+          </p:spPr>
+          <p:txBody>
+            <a:bodyPr wrap="none" rtlCol="0">
+              <a:spAutoFit/>
+            </a:bodyPr>
+            <a:lstStyle/>
+            <a:p>
+              <a:r>
+                <a:rPr lang="it-IT" sz="2275" b="1" dirty="0">
+                  <a:solidFill>
+                    <a:srgbClr val="013D67"/>
+                  </a:solidFill>
+                </a:rPr>
+                <a:t>My2Sec</a:t>
+              </a:r>
+              <a:endParaRPr lang="it-IT" sz="2275" dirty="0">
+                <a:solidFill>
+                  <a:srgbClr val="013D67"/>
+                </a:solidFill>
+              </a:endParaRPr>
+            </a:p>
+          </p:txBody>
+        </p:sp>
+        <p:pic>
+          <p:nvPicPr>
+            <p:cNvPr id="132" name="Google Shape;260;p2">
+              <a:extLst>
+                <a:ext uri="{FF2B5EF4-FFF2-40B4-BE49-F238E27FC236}">
+                  <a16:creationId xmlns:a16="http://schemas.microsoft.com/office/drawing/2014/main" id="{B5F312A4-7185-8E01-4EF2-84D8161CAC4C}"/>
+                </a:ext>
+              </a:extLst>
+            </p:cNvPr>
+            <p:cNvPicPr preferRelativeResize="0">
+              <a:picLocks noChangeAspect="1"/>
+            </p:cNvPicPr>
+            <p:nvPr/>
+          </p:nvPicPr>
+          <p:blipFill>
+            <a:blip r:embed="rId34">
+              <a:alphaModFix/>
+            </a:blip>
+            <a:stretch>
+              <a:fillRect/>
+            </a:stretch>
+          </p:blipFill>
+          <p:spPr>
+            <a:xfrm>
+              <a:off x="7788908" y="481124"/>
+              <a:ext cx="504000" cy="504000"/>
+            </a:xfrm>
+            <a:prstGeom prst="rect">
+              <a:avLst/>
+            </a:prstGeom>
+            <a:noFill/>
+            <a:ln>
+              <a:noFill/>
+            </a:ln>
+          </p:spPr>
+        </p:pic>
+      </p:grpSp>
+      <p:pic>
+        <p:nvPicPr>
+          <p:cNvPr id="21" name="Immagine 20">
+            <a:extLst>
+              <a:ext uri="{FF2B5EF4-FFF2-40B4-BE49-F238E27FC236}">
+                <a16:creationId xmlns:a16="http://schemas.microsoft.com/office/drawing/2014/main" id="{DAEC7D90-3699-04C3-4200-13B0BE8AC7CA}"/>
+              </a:ext>
+            </a:extLst>
+          </p:cNvPr>
+          <p:cNvPicPr>
+            <a:picLocks noChangeAspect="1"/>
+          </p:cNvPicPr>
+          <p:nvPr/>
+        </p:nvPicPr>
+        <p:blipFill>
+          <a:blip r:embed="rId35"/>
+          <a:stretch>
+            <a:fillRect/>
+          </a:stretch>
+        </p:blipFill>
+        <p:spPr>
+          <a:xfrm>
+            <a:off x="461397" y="6150105"/>
+            <a:ext cx="774290" cy="317459"/>
+          </a:xfrm>
+          <a:prstGeom prst="rect">
+            <a:avLst/>
+          </a:prstGeom>
+        </p:spPr>
+      </p:pic>
+      <p:sp>
+        <p:nvSpPr>
+          <p:cNvPr id="27" name="Rettangolo con angoli arrotondati 26">
+            <a:extLst>
+              <a:ext uri="{FF2B5EF4-FFF2-40B4-BE49-F238E27FC236}">
+                <a16:creationId xmlns:a16="http://schemas.microsoft.com/office/drawing/2014/main" id="{13853322-2DDA-A120-1312-063E822AAAC0}"/>
+              </a:ext>
+            </a:extLst>
+          </p:cNvPr>
+          <p:cNvSpPr/>
+          <p:nvPr/>
+        </p:nvSpPr>
+        <p:spPr>
+          <a:xfrm>
+            <a:off x="291020" y="4534420"/>
+            <a:ext cx="1630699" cy="2006404"/>
+          </a:xfrm>
+          <a:prstGeom prst="roundRect">
+            <a:avLst/>
+          </a:prstGeom>
+          <a:noFill/>
+          <a:ln w="28575"/>
+        </p:spPr>
+        <p:style>
+          <a:lnRef idx="2">
+            <a:schemeClr val="accent1">
+              <a:shade val="50000"/>
+            </a:schemeClr>
+          </a:lnRef>
+          <a:fillRef idx="1">
+            <a:schemeClr val="accent1"/>
+          </a:fillRef>
+          <a:effectRef idx="0">
+            <a:schemeClr val="accent1"/>
+          </a:effectRef>
+          <a:fontRef idx="minor">
+            <a:schemeClr val="lt1"/>
+          </a:fontRef>
+        </p:style>
+        <p:txBody>
+          <a:bodyPr rtlCol="0" anchor="ctr"/>
+          <a:lstStyle/>
+          <a:p>
+            <a:pPr algn="ctr"/>
+            <a:endParaRPr lang="en-GB" sz="1463" dirty="0">
+              <a:solidFill>
+                <a:srgbClr val="FFFF00"/>
+              </a:solidFill>
+            </a:endParaRPr>
+          </a:p>
+        </p:txBody>
+      </p:sp>
+      <p:sp>
+        <p:nvSpPr>
+          <p:cNvPr id="29" name="Rettangolo con angoli arrotondati 28">
+            <a:extLst>
+              <a:ext uri="{FF2B5EF4-FFF2-40B4-BE49-F238E27FC236}">
+                <a16:creationId xmlns:a16="http://schemas.microsoft.com/office/drawing/2014/main" id="{BE30A527-5E63-45B7-9799-D4C13CD3466B}"/>
+              </a:ext>
+            </a:extLst>
+          </p:cNvPr>
+          <p:cNvSpPr/>
+          <p:nvPr/>
+        </p:nvSpPr>
+        <p:spPr>
+          <a:xfrm>
+            <a:off x="501999" y="4194259"/>
+            <a:ext cx="1184344" cy="217414"/>
+          </a:xfrm>
+          <a:prstGeom prst="roundRect">
+            <a:avLst/>
+          </a:prstGeom>
+          <a:solidFill>
+            <a:schemeClr val="accent4"/>
+          </a:solidFill>
+        </p:spPr>
+        <p:style>
+          <a:lnRef idx="2">
+            <a:schemeClr val="accent1">
+              <a:shade val="50000"/>
+            </a:schemeClr>
+          </a:lnRef>
+          <a:fillRef idx="1">
+            <a:schemeClr val="accent1"/>
+          </a:fillRef>
+          <a:effectRef idx="0">
+            <a:schemeClr val="accent1"/>
+          </a:effectRef>
+          <a:fontRef idx="minor">
+            <a:schemeClr val="lt1"/>
+          </a:fontRef>
+        </p:style>
+        <p:txBody>
+          <a:bodyPr rtlCol="0" anchor="ctr"/>
+          <a:lstStyle/>
+          <a:p>
+            <a:pPr algn="ctr"/>
+            <a:r>
+              <a:rPr lang="en-GB" sz="1463" dirty="0">
+                <a:solidFill>
+                  <a:schemeClr val="tx1"/>
+                </a:solidFill>
+              </a:rPr>
+              <a:t>AW REST API</a:t>
+            </a:r>
+          </a:p>
+        </p:txBody>
+      </p:sp>
+      <p:sp>
+        <p:nvSpPr>
+          <p:cNvPr id="46" name="Rettangolo con angoli arrotondati 45">
+            <a:extLst>
+              <a:ext uri="{FF2B5EF4-FFF2-40B4-BE49-F238E27FC236}">
+                <a16:creationId xmlns:a16="http://schemas.microsoft.com/office/drawing/2014/main" id="{6AA2C1AC-3872-5162-1345-033CB0E64203}"/>
+              </a:ext>
+            </a:extLst>
+          </p:cNvPr>
+          <p:cNvSpPr/>
+          <p:nvPr/>
+        </p:nvSpPr>
+        <p:spPr>
+          <a:xfrm>
+            <a:off x="431372" y="5191836"/>
+            <a:ext cx="1302831" cy="633737"/>
+          </a:xfrm>
+          <a:prstGeom prst="roundRect">
+            <a:avLst/>
+          </a:prstGeom>
+          <a:noFill/>
+          <a:ln>
+            <a:solidFill>
+              <a:schemeClr val="accent4"/>
+            </a:solidFill>
+          </a:ln>
+        </p:spPr>
+        <p:style>
+          <a:lnRef idx="2">
+            <a:schemeClr val="accent1">
+              <a:shade val="50000"/>
+            </a:schemeClr>
+          </a:lnRef>
+          <a:fillRef idx="1">
+            <a:schemeClr val="accent1"/>
+          </a:fillRef>
+          <a:effectRef idx="0">
+            <a:schemeClr val="accent1"/>
+          </a:effectRef>
+          <a:fontRef idx="minor">
+            <a:schemeClr val="lt1"/>
+          </a:fontRef>
+        </p:style>
+        <p:txBody>
+          <a:bodyPr rtlCol="0" anchor="t"/>
+          <a:lstStyle/>
+          <a:p>
+            <a:pPr algn="ctr"/>
+            <a:r>
+              <a:rPr lang="en-GB" sz="1463" dirty="0"/>
+              <a:t>+</a:t>
+            </a:r>
+          </a:p>
+        </p:txBody>
+      </p:sp>
+      <p:pic>
+        <p:nvPicPr>
+          <p:cNvPr id="52" name="Immagine 51">
+            <a:extLst>
+              <a:ext uri="{FF2B5EF4-FFF2-40B4-BE49-F238E27FC236}">
+                <a16:creationId xmlns:a16="http://schemas.microsoft.com/office/drawing/2014/main" id="{1D9F31A7-4B21-A258-6EFC-C8408D56D8E1}"/>
+              </a:ext>
+            </a:extLst>
+          </p:cNvPr>
+          <p:cNvPicPr>
+            <a:picLocks noChangeAspect="1"/>
+          </p:cNvPicPr>
+          <p:nvPr/>
+        </p:nvPicPr>
+        <p:blipFill>
+          <a:blip r:embed="rId36"/>
+          <a:stretch>
+            <a:fillRect/>
+          </a:stretch>
+        </p:blipFill>
+        <p:spPr>
+          <a:xfrm>
+            <a:off x="687093" y="5343271"/>
+            <a:ext cx="361187" cy="361187"/>
+          </a:xfrm>
+          <a:prstGeom prst="rect">
+            <a:avLst/>
+          </a:prstGeom>
+        </p:spPr>
+      </p:pic>
+      <p:cxnSp>
+        <p:nvCxnSpPr>
+          <p:cNvPr id="55" name="Connettore 4 54">
+            <a:extLst>
+              <a:ext uri="{FF2B5EF4-FFF2-40B4-BE49-F238E27FC236}">
+                <a16:creationId xmlns:a16="http://schemas.microsoft.com/office/drawing/2014/main" id="{7BEA7A39-8FB6-DF24-9A74-36F016FCCDD8}"/>
+              </a:ext>
+            </a:extLst>
+          </p:cNvPr>
+          <p:cNvCxnSpPr>
+            <a:cxnSpLocks/>
+            <a:stCxn id="78" idx="2"/>
+            <a:endCxn id="46" idx="2"/>
+          </p:cNvCxnSpPr>
+          <p:nvPr/>
+        </p:nvCxnSpPr>
+        <p:spPr>
+          <a:xfrm rot="5400000">
+            <a:off x="3429942" y="3060678"/>
+            <a:ext cx="417741" cy="5112048"/>
+          </a:xfrm>
+          <a:prstGeom prst="bentConnector3">
+            <a:avLst>
+              <a:gd name="adj1" fmla="val 154723"/>
+            </a:avLst>
+          </a:prstGeom>
+          <a:ln>
+            <a:solidFill>
+              <a:schemeClr val="accent4"/>
+            </a:solidFill>
+            <a:prstDash val="dash"/>
+            <a:tailEnd type="triangle"/>
+          </a:ln>
+        </p:spPr>
+        <p:style>
+          <a:lnRef idx="2">
+            <a:schemeClr val="accent1"/>
+          </a:lnRef>
+          <a:fillRef idx="0">
+            <a:schemeClr val="accent1"/>
+          </a:fillRef>
+          <a:effectRef idx="1">
+            <a:schemeClr val="accent1"/>
+          </a:effectRef>
+          <a:fontRef idx="minor">
+            <a:schemeClr val="tx1"/>
+          </a:fontRef>
+        </p:style>
+      </p:cxnSp>
+      <p:cxnSp>
+        <p:nvCxnSpPr>
+          <p:cNvPr id="56" name="Connettore 4 55">
+            <a:extLst>
+              <a:ext uri="{FF2B5EF4-FFF2-40B4-BE49-F238E27FC236}">
+                <a16:creationId xmlns:a16="http://schemas.microsoft.com/office/drawing/2014/main" id="{8DF85B5B-E29E-09EA-F291-94E0F8C5EBA6}"/>
+              </a:ext>
+            </a:extLst>
+          </p:cNvPr>
+          <p:cNvCxnSpPr>
+            <a:cxnSpLocks/>
+            <a:stCxn id="25" idx="0"/>
+            <a:endCxn id="73" idx="2"/>
+          </p:cNvCxnSpPr>
+          <p:nvPr/>
+        </p:nvCxnSpPr>
+        <p:spPr>
+          <a:xfrm rot="5400000" flipH="1" flipV="1">
+            <a:off x="6654379" y="2819472"/>
+            <a:ext cx="1066836" cy="2017379"/>
+          </a:xfrm>
+          <a:prstGeom prst="bentConnector3">
+            <a:avLst/>
+          </a:prstGeom>
+          <a:ln>
+            <a:solidFill>
+              <a:schemeClr val="accent4"/>
+            </a:solidFill>
+            <a:prstDash val="dash"/>
+            <a:tailEnd type="triangle"/>
+          </a:ln>
+        </p:spPr>
+        <p:style>
+          <a:lnRef idx="2">
+            <a:schemeClr val="accent1"/>
+          </a:lnRef>
+          <a:fillRef idx="0">
+            <a:schemeClr val="accent1"/>
+          </a:fillRef>
+          <a:effectRef idx="1">
+            <a:schemeClr val="accent1"/>
+          </a:effectRef>
+          <a:fontRef idx="minor">
+            <a:schemeClr val="tx1"/>
+          </a:fontRef>
+        </p:style>
+      </p:cxnSp>
+      <p:cxnSp>
+        <p:nvCxnSpPr>
+          <p:cNvPr id="65" name="Connettore 4 64">
+            <a:extLst>
+              <a:ext uri="{FF2B5EF4-FFF2-40B4-BE49-F238E27FC236}">
+                <a16:creationId xmlns:a16="http://schemas.microsoft.com/office/drawing/2014/main" id="{440D6767-314E-15C1-2A67-283861143AEF}"/>
+              </a:ext>
+            </a:extLst>
+          </p:cNvPr>
+          <p:cNvCxnSpPr>
+            <a:cxnSpLocks/>
+            <a:stCxn id="25" idx="0"/>
+            <a:endCxn id="10" idx="2"/>
+          </p:cNvCxnSpPr>
+          <p:nvPr/>
+        </p:nvCxnSpPr>
+        <p:spPr>
+          <a:xfrm rot="5400000" flipH="1" flipV="1">
+            <a:off x="5927232" y="3538255"/>
+            <a:ext cx="1075200" cy="571448"/>
+          </a:xfrm>
+          <a:prstGeom prst="bentConnector3">
+            <a:avLst>
+              <a:gd name="adj1" fmla="val 50000"/>
+            </a:avLst>
+          </a:prstGeom>
+          <a:ln>
+            <a:solidFill>
+              <a:schemeClr val="accent4"/>
+            </a:solidFill>
+            <a:prstDash val="dash"/>
+            <a:tailEnd type="triangle"/>
+          </a:ln>
+        </p:spPr>
+        <p:style>
+          <a:lnRef idx="2">
+            <a:schemeClr val="accent1"/>
+          </a:lnRef>
+          <a:fillRef idx="0">
+            <a:schemeClr val="accent1"/>
+          </a:fillRef>
+          <a:effectRef idx="1">
+            <a:schemeClr val="accent1"/>
+          </a:effectRef>
+          <a:fontRef idx="minor">
+            <a:schemeClr val="tx1"/>
+          </a:fontRef>
+        </p:style>
+      </p:cxnSp>
+      <p:cxnSp>
+        <p:nvCxnSpPr>
+          <p:cNvPr id="71" name="Connettore 4 70">
+            <a:extLst>
+              <a:ext uri="{FF2B5EF4-FFF2-40B4-BE49-F238E27FC236}">
+                <a16:creationId xmlns:a16="http://schemas.microsoft.com/office/drawing/2014/main" id="{9B39571D-A379-A718-F617-96C2FEF370A9}"/>
+              </a:ext>
+            </a:extLst>
+          </p:cNvPr>
+          <p:cNvCxnSpPr>
+            <a:cxnSpLocks/>
+            <a:stCxn id="25" idx="0"/>
+            <a:endCxn id="41" idx="2"/>
+          </p:cNvCxnSpPr>
+          <p:nvPr/>
+        </p:nvCxnSpPr>
+        <p:spPr>
+          <a:xfrm rot="16200000" flipV="1">
+            <a:off x="5152194" y="3334665"/>
+            <a:ext cx="1061419" cy="992410"/>
+          </a:xfrm>
+          <a:prstGeom prst="bentConnector3">
+            <a:avLst>
+              <a:gd name="adj1" fmla="val 50000"/>
+            </a:avLst>
+          </a:prstGeom>
+          <a:ln>
+            <a:solidFill>
+              <a:schemeClr val="accent4"/>
+            </a:solidFill>
+            <a:prstDash val="dash"/>
+            <a:tailEnd type="triangle"/>
+          </a:ln>
+        </p:spPr>
+        <p:style>
+          <a:lnRef idx="2">
+            <a:schemeClr val="accent1"/>
+          </a:lnRef>
+          <a:fillRef idx="0">
+            <a:schemeClr val="accent1"/>
+          </a:fillRef>
+          <a:effectRef idx="1">
+            <a:schemeClr val="accent1"/>
+          </a:effectRef>
+          <a:fontRef idx="minor">
+            <a:schemeClr val="tx1"/>
+          </a:fontRef>
+        </p:style>
+      </p:cxnSp>
+      <p:pic>
+        <p:nvPicPr>
+          <p:cNvPr id="137" name="Immagine 136">
+            <a:extLst>
+              <a:ext uri="{FF2B5EF4-FFF2-40B4-BE49-F238E27FC236}">
+                <a16:creationId xmlns:a16="http://schemas.microsoft.com/office/drawing/2014/main" id="{CF7CCBC0-4118-8C4C-5775-5B58EA2BC92C}"/>
+              </a:ext>
+            </a:extLst>
+          </p:cNvPr>
+          <p:cNvPicPr>
+            <a:picLocks noChangeAspect="1"/>
+          </p:cNvPicPr>
+          <p:nvPr/>
+        </p:nvPicPr>
+        <p:blipFill>
+          <a:blip r:embed="rId37"/>
+          <a:stretch>
+            <a:fillRect/>
+          </a:stretch>
+        </p:blipFill>
+        <p:spPr>
+          <a:xfrm>
+            <a:off x="6699864" y="4968163"/>
+            <a:ext cx="984723" cy="180533"/>
+          </a:xfrm>
+          <a:prstGeom prst="rect">
+            <a:avLst/>
+          </a:prstGeom>
+        </p:spPr>
+      </p:pic>
+      <p:pic>
+        <p:nvPicPr>
+          <p:cNvPr id="138" name="Immagine 137">
+            <a:extLst>
+              <a:ext uri="{FF2B5EF4-FFF2-40B4-BE49-F238E27FC236}">
+                <a16:creationId xmlns:a16="http://schemas.microsoft.com/office/drawing/2014/main" id="{E7A22DDA-4829-3287-4A6E-DFEC92BE8664}"/>
+              </a:ext>
+            </a:extLst>
+          </p:cNvPr>
+          <p:cNvPicPr>
+            <a:picLocks noChangeAspect="1"/>
+          </p:cNvPicPr>
+          <p:nvPr/>
+        </p:nvPicPr>
+        <p:blipFill>
+          <a:blip r:embed="rId38"/>
+          <a:stretch>
+            <a:fillRect/>
+          </a:stretch>
+        </p:blipFill>
+        <p:spPr>
+          <a:xfrm>
+            <a:off x="6699864" y="4482830"/>
+            <a:ext cx="984723" cy="180533"/>
+          </a:xfrm>
+          <a:prstGeom prst="rect">
+            <a:avLst/>
+          </a:prstGeom>
+        </p:spPr>
+      </p:pic>
+      <p:pic>
+        <p:nvPicPr>
+          <p:cNvPr id="139" name="Immagine 138">
+            <a:extLst>
+              <a:ext uri="{FF2B5EF4-FFF2-40B4-BE49-F238E27FC236}">
+                <a16:creationId xmlns:a16="http://schemas.microsoft.com/office/drawing/2014/main" id="{0BBC07E3-FBC3-4752-0CAB-CC5C8125AA1D}"/>
+              </a:ext>
+            </a:extLst>
+          </p:cNvPr>
+          <p:cNvPicPr>
+            <a:picLocks noChangeAspect="1"/>
+          </p:cNvPicPr>
+          <p:nvPr/>
+        </p:nvPicPr>
+        <p:blipFill>
+          <a:blip r:embed="rId39"/>
+          <a:stretch>
+            <a:fillRect/>
+          </a:stretch>
+        </p:blipFill>
+        <p:spPr>
+          <a:xfrm>
+            <a:off x="6699862" y="4711430"/>
+            <a:ext cx="984725" cy="180533"/>
+          </a:xfrm>
+          <a:prstGeom prst="rect">
+            <a:avLst/>
+          </a:prstGeom>
+        </p:spPr>
+      </p:pic>
+      <p:cxnSp>
+        <p:nvCxnSpPr>
+          <p:cNvPr id="142" name="Connettore 4 141">
+            <a:extLst>
+              <a:ext uri="{FF2B5EF4-FFF2-40B4-BE49-F238E27FC236}">
+                <a16:creationId xmlns:a16="http://schemas.microsoft.com/office/drawing/2014/main" id="{8C02A4E8-461B-807F-671A-02C797C66000}"/>
+              </a:ext>
+            </a:extLst>
+          </p:cNvPr>
+          <p:cNvCxnSpPr>
+            <a:stCxn id="64" idx="3"/>
+            <a:endCxn id="25" idx="1"/>
+          </p:cNvCxnSpPr>
+          <p:nvPr/>
+        </p:nvCxnSpPr>
+        <p:spPr>
+          <a:xfrm>
+            <a:off x="1712875" y="4874793"/>
+            <a:ext cx="2813070" cy="11097"/>
+          </a:xfrm>
+          <a:prstGeom prst="bentConnector3">
+            <a:avLst/>
+          </a:prstGeom>
+          <a:ln w="28575">
+            <a:solidFill>
+              <a:schemeClr val="accent4"/>
+            </a:solidFill>
+            <a:tailEnd type="triangle"/>
+          </a:ln>
+        </p:spPr>
+        <p:style>
+          <a:lnRef idx="2">
+            <a:schemeClr val="accent1"/>
+          </a:lnRef>
+          <a:fillRef idx="0">
+            <a:schemeClr val="accent1"/>
+          </a:fillRef>
+          <a:effectRef idx="1">
+            <a:schemeClr val="accent1"/>
+          </a:effectRef>
+          <a:fontRef idx="minor">
+            <a:schemeClr val="tx1"/>
+          </a:fontRef>
+        </p:style>
+      </p:cxnSp>
+      <p:cxnSp>
+        <p:nvCxnSpPr>
+          <p:cNvPr id="143" name="Connettore 2 142">
+            <a:extLst>
+              <a:ext uri="{FF2B5EF4-FFF2-40B4-BE49-F238E27FC236}">
+                <a16:creationId xmlns:a16="http://schemas.microsoft.com/office/drawing/2014/main" id="{01807D7E-48AD-4526-9D6F-7A4F488BA4D6}"/>
+              </a:ext>
+            </a:extLst>
+          </p:cNvPr>
+          <p:cNvCxnSpPr>
+            <a:cxnSpLocks/>
+          </p:cNvCxnSpPr>
+          <p:nvPr/>
+        </p:nvCxnSpPr>
+        <p:spPr>
+          <a:xfrm>
+            <a:off x="7905230" y="4699577"/>
+            <a:ext cx="299170" cy="0"/>
+          </a:xfrm>
+          <a:prstGeom prst="straightConnector1">
+            <a:avLst/>
+          </a:prstGeom>
+          <a:ln w="28575">
+            <a:solidFill>
+              <a:srgbClr val="00B0F0"/>
+            </a:solidFill>
+            <a:prstDash val="dash"/>
+            <a:tailEnd type="triangle"/>
+          </a:ln>
+        </p:spPr>
+        <p:style>
+          <a:lnRef idx="1">
+            <a:schemeClr val="accent1"/>
+          </a:lnRef>
+          <a:fillRef idx="0">
+            <a:schemeClr val="accent1"/>
+          </a:fillRef>
+          <a:effectRef idx="0">
+            <a:schemeClr val="accent1"/>
+          </a:effectRef>
+          <a:fontRef idx="minor">
+            <a:schemeClr val="tx1"/>
+          </a:fontRef>
+        </p:style>
+      </p:cxnSp>
+      <p:cxnSp>
+        <p:nvCxnSpPr>
+          <p:cNvPr id="146" name="Connettore 2 145">
+            <a:extLst>
+              <a:ext uri="{FF2B5EF4-FFF2-40B4-BE49-F238E27FC236}">
+                <a16:creationId xmlns:a16="http://schemas.microsoft.com/office/drawing/2014/main" id="{83D0F510-2846-F644-5F23-A6A0149285EF}"/>
+              </a:ext>
+            </a:extLst>
+          </p:cNvPr>
+          <p:cNvCxnSpPr>
+            <a:cxnSpLocks/>
+          </p:cNvCxnSpPr>
+          <p:nvPr/>
+        </p:nvCxnSpPr>
+        <p:spPr>
+          <a:xfrm>
+            <a:off x="7879954" y="5202850"/>
+            <a:ext cx="324446" cy="0"/>
+          </a:xfrm>
+          <a:prstGeom prst="straightConnector1">
+            <a:avLst/>
+          </a:prstGeom>
+          <a:ln w="28575">
+            <a:solidFill>
+              <a:srgbClr val="00B0F0"/>
+            </a:solidFill>
+            <a:prstDash val="dash"/>
+            <a:tailEnd type="triangle"/>
+          </a:ln>
+        </p:spPr>
+        <p:style>
+          <a:lnRef idx="1">
+            <a:schemeClr val="accent1"/>
+          </a:lnRef>
+          <a:fillRef idx="0">
+            <a:schemeClr val="accent1"/>
+          </a:fillRef>
+          <a:effectRef idx="0">
+            <a:schemeClr val="accent1"/>
+          </a:effectRef>
+          <a:fontRef idx="minor">
+            <a:schemeClr val="tx1"/>
+          </a:fontRef>
+        </p:style>
+      </p:cxnSp>
+      <p:sp>
+        <p:nvSpPr>
+          <p:cNvPr id="153" name="CasellaDiTesto 152">
+            <a:extLst>
+              <a:ext uri="{FF2B5EF4-FFF2-40B4-BE49-F238E27FC236}">
+                <a16:creationId xmlns:a16="http://schemas.microsoft.com/office/drawing/2014/main" id="{92A5B1AD-F713-5939-A7A0-5399646AF093}"/>
+              </a:ext>
+            </a:extLst>
+          </p:cNvPr>
+          <p:cNvSpPr txBox="1"/>
+          <p:nvPr/>
+        </p:nvSpPr>
+        <p:spPr>
+          <a:xfrm>
+            <a:off x="980318" y="5355826"/>
+            <a:ext cx="617477" cy="307777"/>
+          </a:xfrm>
+          <a:prstGeom prst="rect">
+            <a:avLst/>
+          </a:prstGeom>
+          <a:noFill/>
+        </p:spPr>
+        <p:txBody>
+          <a:bodyPr wrap="none" rtlCol="0">
+            <a:spAutoFit/>
+          </a:bodyPr>
+          <a:lstStyle/>
+          <a:p>
+            <a:r>
+              <a:rPr lang="en-GB" sz="1400" b="1" dirty="0">
+                <a:solidFill>
+                  <a:srgbClr val="7030A0"/>
+                </a:solidFill>
+                <a:latin typeface="Montserrat" pitchFamily="2" charset="77"/>
+              </a:rPr>
+              <a:t>POD</a:t>
+            </a:r>
+          </a:p>
+        </p:txBody>
+      </p:sp>
+      <p:pic>
+        <p:nvPicPr>
+          <p:cNvPr id="9" name="Immagine 8">
+            <a:extLst>
+              <a:ext uri="{FF2B5EF4-FFF2-40B4-BE49-F238E27FC236}">
+                <a16:creationId xmlns:a16="http://schemas.microsoft.com/office/drawing/2014/main" id="{E9E8A06E-CB54-2FBE-C589-08750F421FC3}"/>
+              </a:ext>
+            </a:extLst>
+          </p:cNvPr>
+          <p:cNvPicPr>
+            <a:picLocks noChangeAspect="1"/>
+          </p:cNvPicPr>
+          <p:nvPr/>
+        </p:nvPicPr>
+        <p:blipFill>
+          <a:blip r:embed="rId40"/>
+          <a:stretch>
+            <a:fillRect/>
+          </a:stretch>
+        </p:blipFill>
+        <p:spPr>
+          <a:xfrm>
+            <a:off x="4696998" y="4845480"/>
+            <a:ext cx="581890" cy="400959"/>
+          </a:xfrm>
+          <a:prstGeom prst="rect">
+            <a:avLst/>
+          </a:prstGeom>
+        </p:spPr>
+      </p:pic>
+      <p:pic>
+        <p:nvPicPr>
+          <p:cNvPr id="38" name="Immagine 37">
+            <a:extLst>
+              <a:ext uri="{FF2B5EF4-FFF2-40B4-BE49-F238E27FC236}">
+                <a16:creationId xmlns:a16="http://schemas.microsoft.com/office/drawing/2014/main" id="{B1E89783-E564-EA03-8307-A04E358823C2}"/>
+              </a:ext>
+            </a:extLst>
+          </p:cNvPr>
+          <p:cNvPicPr>
+            <a:picLocks noChangeAspect="1"/>
+          </p:cNvPicPr>
+          <p:nvPr/>
+        </p:nvPicPr>
+        <p:blipFill>
+          <a:blip r:embed="rId27"/>
+          <a:stretch>
+            <a:fillRect/>
+          </a:stretch>
+        </p:blipFill>
+        <p:spPr>
+          <a:xfrm>
+            <a:off x="2295676" y="4648200"/>
+            <a:ext cx="546768" cy="546768"/>
+          </a:xfrm>
+          <a:prstGeom prst="rect">
+            <a:avLst/>
+          </a:prstGeom>
+        </p:spPr>
+      </p:pic>
+      <p:pic>
+        <p:nvPicPr>
+          <p:cNvPr id="45" name="Elemento grafico 44" descr="Rete contorno">
+            <a:extLst>
+              <a:ext uri="{FF2B5EF4-FFF2-40B4-BE49-F238E27FC236}">
+                <a16:creationId xmlns:a16="http://schemas.microsoft.com/office/drawing/2014/main" id="{8EAEE893-D195-D0BB-C6DD-69C37A5654E5}"/>
+              </a:ext>
+            </a:extLst>
+          </p:cNvPr>
+          <p:cNvPicPr>
+            <a:picLocks noChangeAspect="1"/>
+          </p:cNvPicPr>
+          <p:nvPr/>
+        </p:nvPicPr>
+        <p:blipFill>
+          <a:blip r:embed="rId41">
+            <a:extLst>
+              <a:ext uri="{28A0092B-C50C-407E-A947-70E740481C1C}">
+                <a14:useLocalDpi xmlns:a14="http://schemas.microsoft.com/office/drawing/2010/main" val="0"/>
+              </a:ext>
+              <a:ext uri="{96DAC541-7B7A-43D3-8B79-37D633B846F1}">
+                <asvg:svgBlip xmlns:asvg="http://schemas.microsoft.com/office/drawing/2016/SVG/main" r:embed="rId42"/>
+              </a:ext>
+            </a:extLst>
+          </a:blip>
+          <a:stretch>
+            <a:fillRect/>
+          </a:stretch>
+        </p:blipFill>
+        <p:spPr>
+          <a:xfrm>
+            <a:off x="5630587" y="4303093"/>
+            <a:ext cx="984725" cy="984725"/>
+          </a:xfrm>
+          <a:prstGeom prst="rect">
+            <a:avLst/>
+          </a:prstGeom>
+        </p:spPr>
+      </p:pic>
+      <p:sp>
+        <p:nvSpPr>
+          <p:cNvPr id="78" name="CasellaDiTesto 77">
+            <a:extLst>
+              <a:ext uri="{FF2B5EF4-FFF2-40B4-BE49-F238E27FC236}">
+                <a16:creationId xmlns:a16="http://schemas.microsoft.com/office/drawing/2014/main" id="{F0B8D51D-AA35-B5A5-17E9-C8486CE05DE0}"/>
+              </a:ext>
+            </a:extLst>
+          </p:cNvPr>
+          <p:cNvSpPr txBox="1"/>
+          <p:nvPr/>
+        </p:nvSpPr>
+        <p:spPr>
+          <a:xfrm>
+            <a:off x="5381151" y="5130833"/>
+            <a:ext cx="1627369" cy="276999"/>
+          </a:xfrm>
+          <a:prstGeom prst="rect">
+            <a:avLst/>
+          </a:prstGeom>
+          <a:noFill/>
+        </p:spPr>
+        <p:txBody>
+          <a:bodyPr wrap="none" rtlCol="0">
+            <a:spAutoFit/>
+          </a:bodyPr>
+          <a:lstStyle/>
+          <a:p>
+            <a:r>
+              <a:rPr lang="en-GB" sz="1200" b="1" dirty="0">
+                <a:latin typeface="Montserrat" pitchFamily="2" charset="77"/>
+              </a:rPr>
+              <a:t>Knowledge graph</a:t>
+            </a:r>
+          </a:p>
+        </p:txBody>
+      </p:sp>
+      <p:pic>
+        <p:nvPicPr>
+          <p:cNvPr id="103" name="Elemento grafico 102" descr="Collegamento contorno">
+            <a:extLst>
+              <a:ext uri="{FF2B5EF4-FFF2-40B4-BE49-F238E27FC236}">
+                <a16:creationId xmlns:a16="http://schemas.microsoft.com/office/drawing/2014/main" id="{2427B76D-D47E-60C9-EF62-CAC8670F9632}"/>
+              </a:ext>
+            </a:extLst>
+          </p:cNvPr>
+          <p:cNvPicPr>
+            <a:picLocks noChangeAspect="1"/>
+          </p:cNvPicPr>
+          <p:nvPr/>
+        </p:nvPicPr>
+        <p:blipFill>
+          <a:blip r:embed="rId43">
+            <a:extLst>
+              <a:ext uri="{28A0092B-C50C-407E-A947-70E740481C1C}">
+                <a14:useLocalDpi xmlns:a14="http://schemas.microsoft.com/office/drawing/2010/main" val="0"/>
+              </a:ext>
+              <a:ext uri="{96DAC541-7B7A-43D3-8B79-37D633B846F1}">
+                <asvg:svgBlip xmlns:asvg="http://schemas.microsoft.com/office/drawing/2016/SVG/main" r:embed="rId44"/>
+              </a:ext>
+            </a:extLst>
+          </a:blip>
+          <a:stretch>
+            <a:fillRect/>
+          </a:stretch>
+        </p:blipFill>
+        <p:spPr>
+          <a:xfrm>
+            <a:off x="7611388" y="2557538"/>
+            <a:ext cx="711583" cy="711583"/>
+          </a:xfrm>
+          <a:prstGeom prst="rect">
+            <a:avLst/>
+          </a:prstGeom>
+        </p:spPr>
+      </p:pic>
+      <p:pic>
+        <p:nvPicPr>
+          <p:cNvPr id="106" name="Elemento grafico 105" descr="Grafico a barre con andamento ascendente con riempimento a tinta unita">
+            <a:extLst>
+              <a:ext uri="{FF2B5EF4-FFF2-40B4-BE49-F238E27FC236}">
+                <a16:creationId xmlns:a16="http://schemas.microsoft.com/office/drawing/2014/main" id="{8D70800A-DF6E-4A7B-F5F4-0497491F86BF}"/>
+              </a:ext>
+            </a:extLst>
+          </p:cNvPr>
+          <p:cNvPicPr>
+            <a:picLocks noChangeAspect="1"/>
+          </p:cNvPicPr>
+          <p:nvPr/>
+        </p:nvPicPr>
+        <p:blipFill>
+          <a:blip r:embed="rId45">
+            <a:extLst>
+              <a:ext uri="{28A0092B-C50C-407E-A947-70E740481C1C}">
+                <a14:useLocalDpi xmlns:a14="http://schemas.microsoft.com/office/drawing/2010/main" val="0"/>
+              </a:ext>
+              <a:ext uri="{96DAC541-7B7A-43D3-8B79-37D633B846F1}">
+                <asvg:svgBlip xmlns:asvg="http://schemas.microsoft.com/office/drawing/2016/SVG/main" r:embed="rId46"/>
+              </a:ext>
+            </a:extLst>
+          </a:blip>
+          <a:stretch>
+            <a:fillRect/>
+          </a:stretch>
+        </p:blipFill>
+        <p:spPr>
+          <a:xfrm>
+            <a:off x="6455126" y="2649455"/>
+            <a:ext cx="576120" cy="576120"/>
+          </a:xfrm>
+          <a:prstGeom prst="rect">
+            <a:avLst/>
+          </a:prstGeom>
+        </p:spPr>
+      </p:pic>
+      <p:pic>
+        <p:nvPicPr>
+          <p:cNvPr id="134" name="Immagine 133">
+            <a:extLst>
+              <a:ext uri="{FF2B5EF4-FFF2-40B4-BE49-F238E27FC236}">
+                <a16:creationId xmlns:a16="http://schemas.microsoft.com/office/drawing/2014/main" id="{AD839EEB-C8BE-5576-F865-1056079D678A}"/>
+              </a:ext>
+            </a:extLst>
+          </p:cNvPr>
+          <p:cNvPicPr>
+            <a:picLocks noChangeAspect="1"/>
+          </p:cNvPicPr>
+          <p:nvPr/>
+        </p:nvPicPr>
+        <p:blipFill>
+          <a:blip r:embed="rId47"/>
+          <a:stretch>
+            <a:fillRect/>
+          </a:stretch>
+        </p:blipFill>
+        <p:spPr>
+          <a:xfrm>
+            <a:off x="3363483" y="6297220"/>
+            <a:ext cx="476299" cy="316399"/>
+          </a:xfrm>
+          <a:prstGeom prst="rect">
+            <a:avLst/>
+          </a:prstGeom>
+        </p:spPr>
+      </p:pic>
+      <p:sp>
+        <p:nvSpPr>
+          <p:cNvPr id="136" name="CasellaDiTesto 135">
+            <a:extLst>
+              <a:ext uri="{FF2B5EF4-FFF2-40B4-BE49-F238E27FC236}">
+                <a16:creationId xmlns:a16="http://schemas.microsoft.com/office/drawing/2014/main" id="{F4E46677-9E89-A00B-99A0-7B4194D321CD}"/>
+              </a:ext>
+            </a:extLst>
+          </p:cNvPr>
+          <p:cNvSpPr txBox="1"/>
+          <p:nvPr/>
+        </p:nvSpPr>
+        <p:spPr>
+          <a:xfrm>
+            <a:off x="3809390" y="6306853"/>
+            <a:ext cx="1741182" cy="307777"/>
+          </a:xfrm>
+          <a:prstGeom prst="rect">
+            <a:avLst/>
+          </a:prstGeom>
+          <a:noFill/>
+        </p:spPr>
+        <p:txBody>
+          <a:bodyPr wrap="none" rtlCol="0">
+            <a:spAutoFit/>
+          </a:bodyPr>
+          <a:lstStyle/>
+          <a:p>
+            <a:r>
+              <a:rPr lang="en-GB" sz="1400" b="1" dirty="0">
+                <a:latin typeface="Montserrat" pitchFamily="2" charset="77"/>
+              </a:rPr>
+              <a:t>GDPR compliant</a:t>
+            </a:r>
+          </a:p>
+        </p:txBody>
+      </p:sp>
+      <p:pic>
+        <p:nvPicPr>
+          <p:cNvPr id="6" name="Immagine 5">
+            <a:extLst>
+              <a:ext uri="{FF2B5EF4-FFF2-40B4-BE49-F238E27FC236}">
+                <a16:creationId xmlns:a16="http://schemas.microsoft.com/office/drawing/2014/main" id="{E100B1AC-C171-19DA-AE9B-1E256CA49F2D}"/>
+              </a:ext>
+            </a:extLst>
+          </p:cNvPr>
+          <p:cNvPicPr>
+            <a:picLocks noChangeAspect="1"/>
+          </p:cNvPicPr>
+          <p:nvPr/>
+        </p:nvPicPr>
+        <p:blipFill>
+          <a:blip r:embed="rId48"/>
+          <a:stretch>
+            <a:fillRect/>
+          </a:stretch>
+        </p:blipFill>
+        <p:spPr>
+          <a:xfrm>
+            <a:off x="8144610" y="68290"/>
+            <a:ext cx="1882279" cy="591035"/>
+          </a:xfrm>
+          <a:prstGeom prst="rect">
+            <a:avLst/>
+          </a:prstGeom>
+        </p:spPr>
+      </p:pic>
+    </p:spTree>
+    <p:extLst>
+      <p:ext uri="{BB962C8B-B14F-4D97-AF65-F5344CB8AC3E}">
+        <p14:creationId xmlns:p14="http://schemas.microsoft.com/office/powerpoint/2010/main" val="2787881085"/>
       </p:ext>
     </p:extLst>
   </p:cSld>
@@ -26869,7 +29952,7 @@
         <a:effectLst/>
         <a:extLst>
           <a:ext uri="{AF507438-7753-43e0-B8FC-AC1667EBCBE1}">
-            <a14:hiddenEffects xmlns:a14="http://schemas.microsoft.com/office/drawing/2010/main" xmlns="">
+            <a14:hiddenEffects xmlns="" xmlns:a14="http://schemas.microsoft.com/office/drawing/2010/main">
               <a:effectLst>
                 <a:outerShdw blurRad="63500" dist="38099" dir="2700000" algn="ctr" rotWithShape="0">
                   <a:schemeClr val="bg2">
@@ -26945,7 +30028,7 @@
         <a:effectLst/>
         <a:extLst>
           <a:ext uri="{AF507438-7753-43e0-B8FC-AC1667EBCBE1}">
-            <a14:hiddenEffects xmlns:a14="http://schemas.microsoft.com/office/drawing/2010/main" xmlns="">
+            <a14:hiddenEffects xmlns="" xmlns:a14="http://schemas.microsoft.com/office/drawing/2010/main">
               <a:effectLst>
                 <a:outerShdw blurRad="63500" dist="38099" dir="2700000" algn="ctr" rotWithShape="0">
                   <a:schemeClr val="bg2">
@@ -27736,7 +30819,7 @@
         <a:effectLst/>
         <a:extLst>
           <a:ext uri="{AF507438-7753-43e0-B8FC-AC1667EBCBE1}">
-            <a14:hiddenEffects xmlns:a14="http://schemas.microsoft.com/office/drawing/2010/main" xmlns="">
+            <a14:hiddenEffects xmlns="" xmlns:a14="http://schemas.microsoft.com/office/drawing/2010/main">
               <a:effectLst>
                 <a:outerShdw blurRad="63500" dist="38099" dir="2700000" algn="ctr" rotWithShape="0">
                   <a:schemeClr val="bg2">
@@ -27812,7 +30895,7 @@
         <a:effectLst/>
         <a:extLst>
           <a:ext uri="{AF507438-7753-43e0-B8FC-AC1667EBCBE1}">
-            <a14:hiddenEffects xmlns:a14="http://schemas.microsoft.com/office/drawing/2010/main" xmlns="">
+            <a14:hiddenEffects xmlns="" xmlns:a14="http://schemas.microsoft.com/office/drawing/2010/main">
               <a:effectLst>
                 <a:outerShdw blurRad="63500" dist="38099" dir="2700000" algn="ctr" rotWithShape="0">
                   <a:schemeClr val="bg2">
@@ -29630,140 +32713,12 @@
 </file>
 
 <file path=customXml/item1.xml><?xml version="1.0" encoding="utf-8"?>
-<p:properties xmlns:p="http://schemas.microsoft.com/office/2006/metadata/properties" xmlns:xsi="http://www.w3.org/2001/XMLSchema-instance" xmlns:pc="http://schemas.microsoft.com/office/infopath/2007/PartnerControls">
-  <documentManagement>
-    <DirectSourceMarket xmlns="7851d254-ce09-43b6-8d90-072588e7901c">english</DirectSourceMarket>
-    <ApprovalStatus xmlns="7851d254-ce09-43b6-8d90-072588e7901c">InProgress</ApprovalStatus>
-    <MarketSpecific xmlns="7851d254-ce09-43b6-8d90-072588e7901c">false</MarketSpecific>
-    <PrimaryImageGen xmlns="7851d254-ce09-43b6-8d90-072588e7901c">true</PrimaryImageGen>
-    <ThumbnailAssetId xmlns="7851d254-ce09-43b6-8d90-072588e7901c" xsi:nil="true"/>
-    <LegacyData xmlns="7851d254-ce09-43b6-8d90-072588e7901c">ListingID:;Manager:;BuildStatus:Preview Pending;MockupPath:</LegacyData>
-    <TPFriendlyName xmlns="7851d254-ce09-43b6-8d90-072588e7901c">Marketing plan</TPFriendlyName>
-    <NumericId xmlns="7851d254-ce09-43b6-8d90-072588e7901c">-1</NumericId>
-    <BusinessGroup xmlns="7851d254-ce09-43b6-8d90-072588e7901c" xsi:nil="true"/>
-    <SourceTitle xmlns="7851d254-ce09-43b6-8d90-072588e7901c">Marketing plan</SourceTitle>
-    <APEditor xmlns="7851d254-ce09-43b6-8d90-072588e7901c">
-      <UserInfo>
-        <DisplayName>REDMOND\v-luannv</DisplayName>
-        <AccountId>237</AccountId>
-        <AccountType/>
-      </UserInfo>
-    </APEditor>
-    <OpenTemplate xmlns="7851d254-ce09-43b6-8d90-072588e7901c">true</OpenTemplate>
-    <UALocComments xmlns="7851d254-ce09-43b6-8d90-072588e7901c" xsi:nil="true"/>
-    <ParentAssetId xmlns="7851d254-ce09-43b6-8d90-072588e7901c" xsi:nil="true"/>
-    <PublishStatusLookup xmlns="7851d254-ce09-43b6-8d90-072588e7901c">
-      <Value>256759</Value>
-      <Value>353365</Value>
-    </PublishStatusLookup>
-    <LastPublishResultLookup xmlns="7851d254-ce09-43b6-8d90-072588e7901c" xsi:nil="true"/>
-    <IntlLangReviewDate xmlns="7851d254-ce09-43b6-8d90-072588e7901c">2010-04-16T13:14:00+00:00</IntlLangReviewDate>
-    <MachineTranslated xmlns="7851d254-ce09-43b6-8d90-072588e7901c">false</MachineTranslated>
-    <Providers xmlns="7851d254-ce09-43b6-8d90-072588e7901c" xsi:nil="true"/>
-    <OriginalSourceMarket xmlns="7851d254-ce09-43b6-8d90-072588e7901c">english</OriginalSourceMarket>
-    <TPInstallLocation xmlns="7851d254-ce09-43b6-8d90-072588e7901c">{My Templates}</TPInstallLocation>
-    <ClipArtFilename xmlns="7851d254-ce09-43b6-8d90-072588e7901c" xsi:nil="true"/>
-    <APDescription xmlns="7851d254-ce09-43b6-8d90-072588e7901c" xsi:nil="true"/>
-    <ContentItem xmlns="7851d254-ce09-43b6-8d90-072588e7901c" xsi:nil="true"/>
-    <APAuthor xmlns="7851d254-ce09-43b6-8d90-072588e7901c">
-      <UserInfo>
-        <DisplayName>REDMOND\cynvey</DisplayName>
-        <AccountId>242</AccountId>
-        <AccountType/>
-      </UserInfo>
-    </APAuthor>
-    <TPCommandLine xmlns="7851d254-ce09-43b6-8d90-072588e7901c">{PP} /n {FilePath}</TPCommandLine>
-    <TPAppVersion xmlns="7851d254-ce09-43b6-8d90-072588e7901c">11</TPAppVersion>
-    <PublishTargets xmlns="7851d254-ce09-43b6-8d90-072588e7901c">OfficeOnline</PublishTargets>
-    <EditorialStatus xmlns="7851d254-ce09-43b6-8d90-072588e7901c" xsi:nil="true"/>
-    <TPLaunchHelpLinkType xmlns="7851d254-ce09-43b6-8d90-072588e7901c" xsi:nil="true"/>
-    <LastModifiedDateTime xmlns="7851d254-ce09-43b6-8d90-072588e7901c">2010-04-16T13:14:00+00:00</LastModifiedDateTime>
-    <TimesCloned xmlns="7851d254-ce09-43b6-8d90-072588e7901c" xsi:nil="true"/>
-    <Provider xmlns="7851d254-ce09-43b6-8d90-072588e7901c">EY010390810</Provider>
-    <FriendlyTitle xmlns="7851d254-ce09-43b6-8d90-072588e7901c" xsi:nil="true"/>
-    <LastHandOff xmlns="7851d254-ce09-43b6-8d90-072588e7901c" xsi:nil="true"/>
-    <AcquiredFrom xmlns="7851d254-ce09-43b6-8d90-072588e7901c">Community</AcquiredFrom>
-    <AssetStart xmlns="7851d254-ce09-43b6-8d90-072588e7901c">2010-02-26T13:23:18+00:00</AssetStart>
-    <UACurrentWords xmlns="7851d254-ce09-43b6-8d90-072588e7901c">0</UACurrentWords>
-    <UALocRecommendation xmlns="7851d254-ce09-43b6-8d90-072588e7901c">Localize</UALocRecommendation>
-    <Manager xmlns="7851d254-ce09-43b6-8d90-072588e7901c" xsi:nil="true"/>
-    <TPClientViewer xmlns="7851d254-ce09-43b6-8d90-072588e7901c" xsi:nil="true"/>
-    <ArtSampleDocs xmlns="7851d254-ce09-43b6-8d90-072588e7901c" xsi:nil="true"/>
-    <IsDeleted xmlns="7851d254-ce09-43b6-8d90-072588e7901c">false</IsDeleted>
-    <UANotes xmlns="7851d254-ce09-43b6-8d90-072588e7901c">online only</UANotes>
-    <ShowIn xmlns="7851d254-ce09-43b6-8d90-072588e7901c">Show everywhere</ShowIn>
-    <OOCacheId xmlns="7851d254-ce09-43b6-8d90-072588e7901c" xsi:nil="true"/>
-    <CSXHash xmlns="7851d254-ce09-43b6-8d90-072588e7901c" xsi:nil="true"/>
-    <TemplateStatus xmlns="7851d254-ce09-43b6-8d90-072588e7901c" xsi:nil="true"/>
-    <Downloads xmlns="7851d254-ce09-43b6-8d90-072588e7901c">0</Downloads>
-    <VoteCount xmlns="7851d254-ce09-43b6-8d90-072588e7901c" xsi:nil="true"/>
-    <DSATActionTaken xmlns="7851d254-ce09-43b6-8d90-072588e7901c">Best Bets</DSATActionTaken>
-    <CSXSubmissionMarket xmlns="7851d254-ce09-43b6-8d90-072588e7901c" xsi:nil="true"/>
-    <AssetExpire xmlns="7851d254-ce09-43b6-8d90-072588e7901c">2100-01-01T00:00:00+00:00</AssetExpire>
-    <EditorialTags xmlns="7851d254-ce09-43b6-8d90-072588e7901c" xsi:nil="true"/>
-    <SubmitterId xmlns="7851d254-ce09-43b6-8d90-072588e7901c" xsi:nil="true"/>
-    <TPExecutable xmlns="7851d254-ce09-43b6-8d90-072588e7901c" xsi:nil="true"/>
-    <AssetType xmlns="7851d254-ce09-43b6-8d90-072588e7901c">TP</AssetType>
-    <ApprovalLog xmlns="7851d254-ce09-43b6-8d90-072588e7901c" xsi:nil="true"/>
-    <CSXUpdate xmlns="7851d254-ce09-43b6-8d90-072588e7901c">false</CSXUpdate>
-    <CSXSubmissionDate xmlns="7851d254-ce09-43b6-8d90-072588e7901c" xsi:nil="true"/>
-    <BugNumber xmlns="7851d254-ce09-43b6-8d90-072588e7901c" xsi:nil="true"/>
-    <TPComponent xmlns="7851d254-ce09-43b6-8d90-072588e7901c">PPTFiles</TPComponent>
-    <Milestone xmlns="7851d254-ce09-43b6-8d90-072588e7901c" xsi:nil="true"/>
-    <OriginAsset xmlns="7851d254-ce09-43b6-8d90-072588e7901c" xsi:nil="true"/>
-    <AssetId xmlns="7851d254-ce09-43b6-8d90-072588e7901c">TP010107969</AssetId>
-    <TPLaunchHelpLink xmlns="7851d254-ce09-43b6-8d90-072588e7901c" xsi:nil="true"/>
-    <TPApplication xmlns="7851d254-ce09-43b6-8d90-072588e7901c">PowerPoint</TPApplication>
-    <IntlLocPriority xmlns="7851d254-ce09-43b6-8d90-072588e7901c" xsi:nil="true"/>
-    <PolicheckWords xmlns="7851d254-ce09-43b6-8d90-072588e7901c" xsi:nil="true"/>
-    <HandoffToMSDN xmlns="7851d254-ce09-43b6-8d90-072588e7901c">2010-04-16T13:14:00+00:00</HandoffToMSDN>
-    <PlannedPubDate xmlns="7851d254-ce09-43b6-8d90-072588e7901c">2010-04-16T13:14:00+00:00</PlannedPubDate>
-    <IntlLangReviewer xmlns="7851d254-ce09-43b6-8d90-072588e7901c" xsi:nil="true"/>
-    <CrawlForDependencies xmlns="7851d254-ce09-43b6-8d90-072588e7901c">false</CrawlForDependencies>
-    <TrustLevel xmlns="7851d254-ce09-43b6-8d90-072588e7901c">1 Microsoft Managed Content</TrustLevel>
-    <IsSearchable xmlns="7851d254-ce09-43b6-8d90-072588e7901c">false</IsSearchable>
-    <TPNamespace xmlns="7851d254-ce09-43b6-8d90-072588e7901c" xsi:nil="true"/>
-    <TemplateTemplateType xmlns="7851d254-ce09-43b6-8d90-072588e7901c">PowerPoint 12 Default</TemplateTemplateType>
-    <Markets xmlns="7851d254-ce09-43b6-8d90-072588e7901c"/>
-    <OutputCachingOn xmlns="7851d254-ce09-43b6-8d90-072588e7901c">false</OutputCachingOn>
-    <IntlLangReview xmlns="7851d254-ce09-43b6-8d90-072588e7901c" xsi:nil="true"/>
-    <UAProjectedTotalWords xmlns="7851d254-ce09-43b6-8d90-072588e7901c" xsi:nil="true"/>
-    <CampaignTagsTaxHTField0 xmlns="7851d254-ce09-43b6-8d90-072588e7901c">
-      <Terms xmlns="http://schemas.microsoft.com/office/infopath/2007/PartnerControls"/>
-    </CampaignTagsTaxHTField0>
-    <LocPublishedDependentAssetsLookup xmlns="7851d254-ce09-43b6-8d90-072588e7901c" xsi:nil="true"/>
-    <LocOverallLocStatusLookup xmlns="7851d254-ce09-43b6-8d90-072588e7901c" xsi:nil="true"/>
-    <InternalTagsTaxHTField0 xmlns="7851d254-ce09-43b6-8d90-072588e7901c">
-      <Terms xmlns="http://schemas.microsoft.com/office/infopath/2007/PartnerControls"/>
-    </InternalTagsTaxHTField0>
-    <LocComments xmlns="7851d254-ce09-43b6-8d90-072588e7901c" xsi:nil="true"/>
-    <LocProcessedForMarketsLookup xmlns="7851d254-ce09-43b6-8d90-072588e7901c" xsi:nil="true"/>
-    <ScenarioTagsTaxHTField0 xmlns="7851d254-ce09-43b6-8d90-072588e7901c">
-      <Terms xmlns="http://schemas.microsoft.com/office/infopath/2007/PartnerControls"/>
-    </ScenarioTagsTaxHTField0>
-    <LocLastLocAttemptVersionTypeLookup xmlns="7851d254-ce09-43b6-8d90-072588e7901c" xsi:nil="true"/>
-    <LocOverallPublishStatusLookup xmlns="7851d254-ce09-43b6-8d90-072588e7901c" xsi:nil="true"/>
-    <LocPublishedLinkedAssetsLookup xmlns="7851d254-ce09-43b6-8d90-072588e7901c" xsi:nil="true"/>
-    <TaxCatchAll xmlns="7851d254-ce09-43b6-8d90-072588e7901c"/>
-    <LocRecommendedHandoff xmlns="7851d254-ce09-43b6-8d90-072588e7901c" xsi:nil="true"/>
-    <LocProcessedForHandoffsLookup xmlns="7851d254-ce09-43b6-8d90-072588e7901c" xsi:nil="true"/>
-    <LocOverallHandbackStatusLookup xmlns="7851d254-ce09-43b6-8d90-072588e7901c" xsi:nil="true"/>
-    <LocNewPublishedVersionLookup xmlns="7851d254-ce09-43b6-8d90-072588e7901c" xsi:nil="true"/>
-    <BlockPublish xmlns="7851d254-ce09-43b6-8d90-072588e7901c" xsi:nil="true"/>
-    <LocManualTestRequired xmlns="7851d254-ce09-43b6-8d90-072588e7901c" xsi:nil="true"/>
-    <LocalizationTagsTaxHTField0 xmlns="7851d254-ce09-43b6-8d90-072588e7901c">
-      <Terms xmlns="http://schemas.microsoft.com/office/infopath/2007/PartnerControls"/>
-    </LocalizationTagsTaxHTField0>
-    <LocLastLocAttemptVersionLookup xmlns="7851d254-ce09-43b6-8d90-072588e7901c">65845</LocLastLocAttemptVersionLookup>
-    <FeatureTagsTaxHTField0 xmlns="7851d254-ce09-43b6-8d90-072588e7901c">
-      <Terms xmlns="http://schemas.microsoft.com/office/infopath/2007/PartnerControls"/>
-    </FeatureTagsTaxHTField0>
-    <LocOverallPreviewStatusLookup xmlns="7851d254-ce09-43b6-8d90-072588e7901c" xsi:nil="true"/>
-    <RecommendationsModifier xmlns="7851d254-ce09-43b6-8d90-072588e7901c" xsi:nil="true"/>
-    <OriginalRelease xmlns="7851d254-ce09-43b6-8d90-072588e7901c">14</OriginalRelease>
-    <LocMarketGroupTiers2 xmlns="7851d254-ce09-43b6-8d90-072588e7901c" xsi:nil="true"/>
-  </documentManagement>
-</p:properties>
+<?mso-contentType ?>
+<FormTemplates xmlns="http://schemas.microsoft.com/sharepoint/v3/contenttype/forms">
+  <Display>DocumentLibraryForm</Display>
+  <Edit>AssetEditForm</Edit>
+  <New>DocumentLibraryForm</New>
+</FormTemplates>
 </file>
 
 <file path=customXml/item2.xml><?xml version="1.0" encoding="utf-8"?>
@@ -30801,20 +33756,146 @@
 </file>
 
 <file path=customXml/item3.xml><?xml version="1.0" encoding="utf-8"?>
-<?mso-contentType ?>
-<FormTemplates xmlns="http://schemas.microsoft.com/sharepoint/v3/contenttype/forms">
-  <Display>DocumentLibraryForm</Display>
-  <Edit>AssetEditForm</Edit>
-  <New>DocumentLibraryForm</New>
-</FormTemplates>
+<p:properties xmlns:p="http://schemas.microsoft.com/office/2006/metadata/properties" xmlns:xsi="http://www.w3.org/2001/XMLSchema-instance" xmlns:pc="http://schemas.microsoft.com/office/infopath/2007/PartnerControls">
+  <documentManagement>
+    <DirectSourceMarket xmlns="7851d254-ce09-43b6-8d90-072588e7901c">english</DirectSourceMarket>
+    <ApprovalStatus xmlns="7851d254-ce09-43b6-8d90-072588e7901c">InProgress</ApprovalStatus>
+    <MarketSpecific xmlns="7851d254-ce09-43b6-8d90-072588e7901c">false</MarketSpecific>
+    <PrimaryImageGen xmlns="7851d254-ce09-43b6-8d90-072588e7901c">true</PrimaryImageGen>
+    <ThumbnailAssetId xmlns="7851d254-ce09-43b6-8d90-072588e7901c" xsi:nil="true"/>
+    <LegacyData xmlns="7851d254-ce09-43b6-8d90-072588e7901c">ListingID:;Manager:;BuildStatus:Preview Pending;MockupPath:</LegacyData>
+    <TPFriendlyName xmlns="7851d254-ce09-43b6-8d90-072588e7901c">Marketing plan</TPFriendlyName>
+    <NumericId xmlns="7851d254-ce09-43b6-8d90-072588e7901c">-1</NumericId>
+    <BusinessGroup xmlns="7851d254-ce09-43b6-8d90-072588e7901c" xsi:nil="true"/>
+    <SourceTitle xmlns="7851d254-ce09-43b6-8d90-072588e7901c">Marketing plan</SourceTitle>
+    <APEditor xmlns="7851d254-ce09-43b6-8d90-072588e7901c">
+      <UserInfo>
+        <DisplayName>REDMOND\v-luannv</DisplayName>
+        <AccountId>237</AccountId>
+        <AccountType/>
+      </UserInfo>
+    </APEditor>
+    <OpenTemplate xmlns="7851d254-ce09-43b6-8d90-072588e7901c">true</OpenTemplate>
+    <UALocComments xmlns="7851d254-ce09-43b6-8d90-072588e7901c" xsi:nil="true"/>
+    <ParentAssetId xmlns="7851d254-ce09-43b6-8d90-072588e7901c" xsi:nil="true"/>
+    <PublishStatusLookup xmlns="7851d254-ce09-43b6-8d90-072588e7901c">
+      <Value>256759</Value>
+      <Value>353365</Value>
+    </PublishStatusLookup>
+    <LastPublishResultLookup xmlns="7851d254-ce09-43b6-8d90-072588e7901c" xsi:nil="true"/>
+    <IntlLangReviewDate xmlns="7851d254-ce09-43b6-8d90-072588e7901c">2010-04-16T13:14:00+00:00</IntlLangReviewDate>
+    <MachineTranslated xmlns="7851d254-ce09-43b6-8d90-072588e7901c">false</MachineTranslated>
+    <Providers xmlns="7851d254-ce09-43b6-8d90-072588e7901c" xsi:nil="true"/>
+    <OriginalSourceMarket xmlns="7851d254-ce09-43b6-8d90-072588e7901c">english</OriginalSourceMarket>
+    <TPInstallLocation xmlns="7851d254-ce09-43b6-8d90-072588e7901c">{My Templates}</TPInstallLocation>
+    <ClipArtFilename xmlns="7851d254-ce09-43b6-8d90-072588e7901c" xsi:nil="true"/>
+    <APDescription xmlns="7851d254-ce09-43b6-8d90-072588e7901c" xsi:nil="true"/>
+    <ContentItem xmlns="7851d254-ce09-43b6-8d90-072588e7901c" xsi:nil="true"/>
+    <APAuthor xmlns="7851d254-ce09-43b6-8d90-072588e7901c">
+      <UserInfo>
+        <DisplayName>REDMOND\cynvey</DisplayName>
+        <AccountId>242</AccountId>
+        <AccountType/>
+      </UserInfo>
+    </APAuthor>
+    <TPCommandLine xmlns="7851d254-ce09-43b6-8d90-072588e7901c">{PP} /n {FilePath}</TPCommandLine>
+    <TPAppVersion xmlns="7851d254-ce09-43b6-8d90-072588e7901c">11</TPAppVersion>
+    <PublishTargets xmlns="7851d254-ce09-43b6-8d90-072588e7901c">OfficeOnline</PublishTargets>
+    <EditorialStatus xmlns="7851d254-ce09-43b6-8d90-072588e7901c" xsi:nil="true"/>
+    <TPLaunchHelpLinkType xmlns="7851d254-ce09-43b6-8d90-072588e7901c" xsi:nil="true"/>
+    <LastModifiedDateTime xmlns="7851d254-ce09-43b6-8d90-072588e7901c">2010-04-16T13:14:00+00:00</LastModifiedDateTime>
+    <TimesCloned xmlns="7851d254-ce09-43b6-8d90-072588e7901c" xsi:nil="true"/>
+    <Provider xmlns="7851d254-ce09-43b6-8d90-072588e7901c">EY010390810</Provider>
+    <FriendlyTitle xmlns="7851d254-ce09-43b6-8d90-072588e7901c" xsi:nil="true"/>
+    <LastHandOff xmlns="7851d254-ce09-43b6-8d90-072588e7901c" xsi:nil="true"/>
+    <AcquiredFrom xmlns="7851d254-ce09-43b6-8d90-072588e7901c">Community</AcquiredFrom>
+    <AssetStart xmlns="7851d254-ce09-43b6-8d90-072588e7901c">2010-02-26T13:23:18+00:00</AssetStart>
+    <UACurrentWords xmlns="7851d254-ce09-43b6-8d90-072588e7901c">0</UACurrentWords>
+    <UALocRecommendation xmlns="7851d254-ce09-43b6-8d90-072588e7901c">Localize</UALocRecommendation>
+    <Manager xmlns="7851d254-ce09-43b6-8d90-072588e7901c" xsi:nil="true"/>
+    <TPClientViewer xmlns="7851d254-ce09-43b6-8d90-072588e7901c" xsi:nil="true"/>
+    <ArtSampleDocs xmlns="7851d254-ce09-43b6-8d90-072588e7901c" xsi:nil="true"/>
+    <IsDeleted xmlns="7851d254-ce09-43b6-8d90-072588e7901c">false</IsDeleted>
+    <UANotes xmlns="7851d254-ce09-43b6-8d90-072588e7901c">online only</UANotes>
+    <ShowIn xmlns="7851d254-ce09-43b6-8d90-072588e7901c">Show everywhere</ShowIn>
+    <OOCacheId xmlns="7851d254-ce09-43b6-8d90-072588e7901c" xsi:nil="true"/>
+    <CSXHash xmlns="7851d254-ce09-43b6-8d90-072588e7901c" xsi:nil="true"/>
+    <TemplateStatus xmlns="7851d254-ce09-43b6-8d90-072588e7901c" xsi:nil="true"/>
+    <Downloads xmlns="7851d254-ce09-43b6-8d90-072588e7901c">0</Downloads>
+    <VoteCount xmlns="7851d254-ce09-43b6-8d90-072588e7901c" xsi:nil="true"/>
+    <DSATActionTaken xmlns="7851d254-ce09-43b6-8d90-072588e7901c">Best Bets</DSATActionTaken>
+    <CSXSubmissionMarket xmlns="7851d254-ce09-43b6-8d90-072588e7901c" xsi:nil="true"/>
+    <AssetExpire xmlns="7851d254-ce09-43b6-8d90-072588e7901c">2100-01-01T00:00:00+00:00</AssetExpire>
+    <EditorialTags xmlns="7851d254-ce09-43b6-8d90-072588e7901c" xsi:nil="true"/>
+    <SubmitterId xmlns="7851d254-ce09-43b6-8d90-072588e7901c" xsi:nil="true"/>
+    <TPExecutable xmlns="7851d254-ce09-43b6-8d90-072588e7901c" xsi:nil="true"/>
+    <AssetType xmlns="7851d254-ce09-43b6-8d90-072588e7901c">TP</AssetType>
+    <ApprovalLog xmlns="7851d254-ce09-43b6-8d90-072588e7901c" xsi:nil="true"/>
+    <CSXUpdate xmlns="7851d254-ce09-43b6-8d90-072588e7901c">false</CSXUpdate>
+    <CSXSubmissionDate xmlns="7851d254-ce09-43b6-8d90-072588e7901c" xsi:nil="true"/>
+    <BugNumber xmlns="7851d254-ce09-43b6-8d90-072588e7901c" xsi:nil="true"/>
+    <TPComponent xmlns="7851d254-ce09-43b6-8d90-072588e7901c">PPTFiles</TPComponent>
+    <Milestone xmlns="7851d254-ce09-43b6-8d90-072588e7901c" xsi:nil="true"/>
+    <OriginAsset xmlns="7851d254-ce09-43b6-8d90-072588e7901c" xsi:nil="true"/>
+    <AssetId xmlns="7851d254-ce09-43b6-8d90-072588e7901c">TP010107969</AssetId>
+    <TPLaunchHelpLink xmlns="7851d254-ce09-43b6-8d90-072588e7901c" xsi:nil="true"/>
+    <TPApplication xmlns="7851d254-ce09-43b6-8d90-072588e7901c">PowerPoint</TPApplication>
+    <IntlLocPriority xmlns="7851d254-ce09-43b6-8d90-072588e7901c" xsi:nil="true"/>
+    <PolicheckWords xmlns="7851d254-ce09-43b6-8d90-072588e7901c" xsi:nil="true"/>
+    <HandoffToMSDN xmlns="7851d254-ce09-43b6-8d90-072588e7901c">2010-04-16T13:14:00+00:00</HandoffToMSDN>
+    <PlannedPubDate xmlns="7851d254-ce09-43b6-8d90-072588e7901c">2010-04-16T13:14:00+00:00</PlannedPubDate>
+    <IntlLangReviewer xmlns="7851d254-ce09-43b6-8d90-072588e7901c" xsi:nil="true"/>
+    <CrawlForDependencies xmlns="7851d254-ce09-43b6-8d90-072588e7901c">false</CrawlForDependencies>
+    <TrustLevel xmlns="7851d254-ce09-43b6-8d90-072588e7901c">1 Microsoft Managed Content</TrustLevel>
+    <IsSearchable xmlns="7851d254-ce09-43b6-8d90-072588e7901c">false</IsSearchable>
+    <TPNamespace xmlns="7851d254-ce09-43b6-8d90-072588e7901c" xsi:nil="true"/>
+    <TemplateTemplateType xmlns="7851d254-ce09-43b6-8d90-072588e7901c">PowerPoint 12 Default</TemplateTemplateType>
+    <Markets xmlns="7851d254-ce09-43b6-8d90-072588e7901c"/>
+    <OutputCachingOn xmlns="7851d254-ce09-43b6-8d90-072588e7901c">false</OutputCachingOn>
+    <IntlLangReview xmlns="7851d254-ce09-43b6-8d90-072588e7901c" xsi:nil="true"/>
+    <UAProjectedTotalWords xmlns="7851d254-ce09-43b6-8d90-072588e7901c" xsi:nil="true"/>
+    <CampaignTagsTaxHTField0 xmlns="7851d254-ce09-43b6-8d90-072588e7901c">
+      <Terms xmlns="http://schemas.microsoft.com/office/infopath/2007/PartnerControls"/>
+    </CampaignTagsTaxHTField0>
+    <LocPublishedDependentAssetsLookup xmlns="7851d254-ce09-43b6-8d90-072588e7901c" xsi:nil="true"/>
+    <LocOverallLocStatusLookup xmlns="7851d254-ce09-43b6-8d90-072588e7901c" xsi:nil="true"/>
+    <InternalTagsTaxHTField0 xmlns="7851d254-ce09-43b6-8d90-072588e7901c">
+      <Terms xmlns="http://schemas.microsoft.com/office/infopath/2007/PartnerControls"/>
+    </InternalTagsTaxHTField0>
+    <LocComments xmlns="7851d254-ce09-43b6-8d90-072588e7901c" xsi:nil="true"/>
+    <LocProcessedForMarketsLookup xmlns="7851d254-ce09-43b6-8d90-072588e7901c" xsi:nil="true"/>
+    <ScenarioTagsTaxHTField0 xmlns="7851d254-ce09-43b6-8d90-072588e7901c">
+      <Terms xmlns="http://schemas.microsoft.com/office/infopath/2007/PartnerControls"/>
+    </ScenarioTagsTaxHTField0>
+    <LocLastLocAttemptVersionTypeLookup xmlns="7851d254-ce09-43b6-8d90-072588e7901c" xsi:nil="true"/>
+    <LocOverallPublishStatusLookup xmlns="7851d254-ce09-43b6-8d90-072588e7901c" xsi:nil="true"/>
+    <LocPublishedLinkedAssetsLookup xmlns="7851d254-ce09-43b6-8d90-072588e7901c" xsi:nil="true"/>
+    <TaxCatchAll xmlns="7851d254-ce09-43b6-8d90-072588e7901c"/>
+    <LocRecommendedHandoff xmlns="7851d254-ce09-43b6-8d90-072588e7901c" xsi:nil="true"/>
+    <LocProcessedForHandoffsLookup xmlns="7851d254-ce09-43b6-8d90-072588e7901c" xsi:nil="true"/>
+    <LocOverallHandbackStatusLookup xmlns="7851d254-ce09-43b6-8d90-072588e7901c" xsi:nil="true"/>
+    <LocNewPublishedVersionLookup xmlns="7851d254-ce09-43b6-8d90-072588e7901c" xsi:nil="true"/>
+    <BlockPublish xmlns="7851d254-ce09-43b6-8d90-072588e7901c" xsi:nil="true"/>
+    <LocManualTestRequired xmlns="7851d254-ce09-43b6-8d90-072588e7901c" xsi:nil="true"/>
+    <LocalizationTagsTaxHTField0 xmlns="7851d254-ce09-43b6-8d90-072588e7901c">
+      <Terms xmlns="http://schemas.microsoft.com/office/infopath/2007/PartnerControls"/>
+    </LocalizationTagsTaxHTField0>
+    <LocLastLocAttemptVersionLookup xmlns="7851d254-ce09-43b6-8d90-072588e7901c">65845</LocLastLocAttemptVersionLookup>
+    <FeatureTagsTaxHTField0 xmlns="7851d254-ce09-43b6-8d90-072588e7901c">
+      <Terms xmlns="http://schemas.microsoft.com/office/infopath/2007/PartnerControls"/>
+    </FeatureTagsTaxHTField0>
+    <LocOverallPreviewStatusLookup xmlns="7851d254-ce09-43b6-8d90-072588e7901c" xsi:nil="true"/>
+    <RecommendationsModifier xmlns="7851d254-ce09-43b6-8d90-072588e7901c" xsi:nil="true"/>
+    <OriginalRelease xmlns="7851d254-ce09-43b6-8d90-072588e7901c">14</OriginalRelease>
+    <LocMarketGroupTiers2 xmlns="7851d254-ce09-43b6-8d90-072588e7901c" xsi:nil="true"/>
+  </documentManagement>
+</p:properties>
 </file>
 
 <file path=customXml/itemProps1.xml><?xml version="1.0" encoding="utf-8"?>
-<ds:datastoreItem xmlns:ds="http://schemas.openxmlformats.org/officeDocument/2006/customXml" ds:itemID="{79174311-CFD3-4DEA-AAFE-E3AA53D5174E}">
+<ds:datastoreItem xmlns:ds="http://schemas.openxmlformats.org/officeDocument/2006/customXml" ds:itemID="{C79E6502-E858-46F1-997F-A119CCAAD56C}">
   <ds:schemaRefs>
-    <ds:schemaRef ds:uri="http://schemas.microsoft.com/office/2006/metadata/properties"/>
-    <ds:schemaRef ds:uri="http://schemas.microsoft.com/office/infopath/2007/PartnerControls"/>
-    <ds:schemaRef ds:uri="7851d254-ce09-43b6-8d90-072588e7901c"/>
+    <ds:schemaRef ds:uri="http://schemas.microsoft.com/sharepoint/v3/contenttype/forms"/>
   </ds:schemaRefs>
 </ds:datastoreItem>
 </file>
@@ -30838,9 +33919,11 @@
 </file>
 
 <file path=customXml/itemProps3.xml><?xml version="1.0" encoding="utf-8"?>
-<ds:datastoreItem xmlns:ds="http://schemas.openxmlformats.org/officeDocument/2006/customXml" ds:itemID="{C79E6502-E858-46F1-997F-A119CCAAD56C}">
+<ds:datastoreItem xmlns:ds="http://schemas.openxmlformats.org/officeDocument/2006/customXml" ds:itemID="{79174311-CFD3-4DEA-AAFE-E3AA53D5174E}">
   <ds:schemaRefs>
-    <ds:schemaRef ds:uri="http://schemas.microsoft.com/sharepoint/v3/contenttype/forms"/>
+    <ds:schemaRef ds:uri="http://schemas.microsoft.com/office/2006/metadata/properties"/>
+    <ds:schemaRef ds:uri="http://schemas.microsoft.com/office/infopath/2007/PartnerControls"/>
+    <ds:schemaRef ds:uri="7851d254-ce09-43b6-8d90-072588e7901c"/>
   </ds:schemaRefs>
 </ds:datastoreItem>
 </file>